--- a/Kierunki Rozwoju Telekomunikacji/Wprowadzenie do przedmiotu „Kierunki Rozwoju Telekomunikacji”.pptx
+++ b/Kierunki Rozwoju Telekomunikacji/Wprowadzenie do przedmiotu „Kierunki Rozwoju Telekomunikacji”.pptx
@@ -6,7 +6,7 @@
     <p:sldMasterId id="2147483671" r:id="rId2"/>
   </p:sldMasterIdLst>
   <p:notesMasterIdLst>
-    <p:notesMasterId r:id="rId34"/>
+    <p:notesMasterId r:id="rId35"/>
   </p:notesMasterIdLst>
   <p:sldIdLst>
     <p:sldId id="256" r:id="rId3"/>
@@ -16,30 +16,31 @@
     <p:sldId id="260" r:id="rId7"/>
     <p:sldId id="261" r:id="rId8"/>
     <p:sldId id="262" r:id="rId9"/>
-    <p:sldId id="264" r:id="rId10"/>
-    <p:sldId id="266" r:id="rId11"/>
-    <p:sldId id="294" r:id="rId12"/>
+    <p:sldId id="296" r:id="rId10"/>
+    <p:sldId id="289" r:id="rId11"/>
+    <p:sldId id="293" r:id="rId12"/>
     <p:sldId id="269" r:id="rId13"/>
-    <p:sldId id="293" r:id="rId14"/>
-    <p:sldId id="289" r:id="rId15"/>
-    <p:sldId id="272" r:id="rId16"/>
-    <p:sldId id="267" r:id="rId17"/>
-    <p:sldId id="290" r:id="rId18"/>
-    <p:sldId id="270" r:id="rId19"/>
-    <p:sldId id="265" r:id="rId20"/>
-    <p:sldId id="263" r:id="rId21"/>
-    <p:sldId id="273" r:id="rId22"/>
-    <p:sldId id="274" r:id="rId23"/>
-    <p:sldId id="275" r:id="rId24"/>
-    <p:sldId id="276" r:id="rId25"/>
-    <p:sldId id="277" r:id="rId26"/>
-    <p:sldId id="278" r:id="rId27"/>
-    <p:sldId id="279" r:id="rId28"/>
-    <p:sldId id="295" r:id="rId29"/>
-    <p:sldId id="291" r:id="rId30"/>
-    <p:sldId id="292" r:id="rId31"/>
-    <p:sldId id="285" r:id="rId32"/>
-    <p:sldId id="288" r:id="rId33"/>
+    <p:sldId id="265" r:id="rId14"/>
+    <p:sldId id="272" r:id="rId15"/>
+    <p:sldId id="263" r:id="rId16"/>
+    <p:sldId id="277" r:id="rId17"/>
+    <p:sldId id="278" r:id="rId18"/>
+    <p:sldId id="285" r:id="rId19"/>
+    <p:sldId id="290" r:id="rId20"/>
+    <p:sldId id="267" r:id="rId21"/>
+    <p:sldId id="294" r:id="rId22"/>
+    <p:sldId id="266" r:id="rId23"/>
+    <p:sldId id="264" r:id="rId24"/>
+    <p:sldId id="270" r:id="rId25"/>
+    <p:sldId id="273" r:id="rId26"/>
+    <p:sldId id="274" r:id="rId27"/>
+    <p:sldId id="275" r:id="rId28"/>
+    <p:sldId id="276" r:id="rId29"/>
+    <p:sldId id="279" r:id="rId30"/>
+    <p:sldId id="295" r:id="rId31"/>
+    <p:sldId id="291" r:id="rId32"/>
+    <p:sldId id="292" r:id="rId33"/>
+    <p:sldId id="288" r:id="rId34"/>
   </p:sldIdLst>
   <p:sldSz cx="9144000" cy="6858000" type="screen4x3"/>
   <p:notesSz cx="6858000" cy="9144000"/>
@@ -2491,156 +2492,6 @@
   <p:cSld>
     <p:spTree>
       <p:nvGrpSpPr>
-        <p:cNvPr id="1" name="Shape 230"/>
-        <p:cNvGrpSpPr/>
-        <p:nvPr/>
-      </p:nvGrpSpPr>
-      <p:grpSpPr>
-        <a:xfrm>
-          <a:off x="0" y="0"/>
-          <a:ext cx="0" cy="0"/>
-          <a:chOff x="0" y="0"/>
-          <a:chExt cx="0" cy="0"/>
-        </a:xfrm>
-      </p:grpSpPr>
-      <p:sp>
-        <p:nvSpPr>
-          <p:cNvPr id="231" name="Google Shape;231;g43890d43db_0_158:notes"/>
-          <p:cNvSpPr>
-            <a:spLocks noGrp="1" noRot="1" noChangeAspect="1"/>
-          </p:cNvSpPr>
-          <p:nvPr>
-            <p:ph type="sldImg" idx="2"/>
-          </p:nvPr>
-        </p:nvSpPr>
-        <p:spPr>
-          <a:xfrm>
-            <a:off x="1143000" y="685800"/>
-            <a:ext cx="4572000" cy="3429000"/>
-          </a:xfrm>
-          <a:custGeom>
-            <a:avLst/>
-            <a:gdLst/>
-            <a:ahLst/>
-            <a:cxnLst/>
-            <a:rect l="l" t="t" r="r" b="b"/>
-            <a:pathLst>
-              <a:path w="120000" h="120000" extrusionOk="0">
-                <a:moveTo>
-                  <a:pt x="0" y="0"/>
-                </a:moveTo>
-                <a:lnTo>
-                  <a:pt x="120000" y="0"/>
-                </a:lnTo>
-                <a:lnTo>
-                  <a:pt x="120000" y="120000"/>
-                </a:lnTo>
-                <a:lnTo>
-                  <a:pt x="0" y="120000"/>
-                </a:lnTo>
-                <a:close/>
-              </a:path>
-            </a:pathLst>
-          </a:custGeom>
-        </p:spPr>
-      </p:sp>
-      <p:sp>
-        <p:nvSpPr>
-          <p:cNvPr id="232" name="Google Shape;232;g43890d43db_0_158:notes"/>
-          <p:cNvSpPr txBox="1">
-            <a:spLocks noGrp="1"/>
-          </p:cNvSpPr>
-          <p:nvPr>
-            <p:ph type="body" idx="1"/>
-          </p:nvPr>
-        </p:nvSpPr>
-        <p:spPr>
-          <a:xfrm>
-            <a:off x="685800" y="4343400"/>
-            <a:ext cx="5486400" cy="4114800"/>
-          </a:xfrm>
-          <a:prstGeom prst="rect">
-            <a:avLst/>
-          </a:prstGeom>
-        </p:spPr>
-        <p:txBody>
-          <a:bodyPr spcFirstLastPara="1" wrap="square" lIns="91425" tIns="45700" rIns="91425" bIns="45700" anchor="t" anchorCtr="0">
-            <a:noAutofit/>
-          </a:bodyPr>
-          <a:lstStyle/>
-          <a:p>
-            <a:pPr marL="0" lvl="0" indent="0" algn="l" rtl="0">
-              <a:spcBef>
-                <a:spcPts val="0"/>
-              </a:spcBef>
-              <a:spcAft>
-                <a:spcPts val="0"/>
-              </a:spcAft>
-              <a:buNone/>
-            </a:pPr>
-            <a:endParaRPr dirty="0"/>
-          </a:p>
-        </p:txBody>
-      </p:sp>
-      <p:sp>
-        <p:nvSpPr>
-          <p:cNvPr id="233" name="Google Shape;233;g43890d43db_0_158:notes"/>
-          <p:cNvSpPr txBox="1">
-            <a:spLocks noGrp="1"/>
-          </p:cNvSpPr>
-          <p:nvPr>
-            <p:ph type="sldNum" idx="12"/>
-          </p:nvPr>
-        </p:nvSpPr>
-        <p:spPr>
-          <a:xfrm>
-            <a:off x="3884613" y="8685213"/>
-            <a:ext cx="2971800" cy="457200"/>
-          </a:xfrm>
-          <a:prstGeom prst="rect">
-            <a:avLst/>
-          </a:prstGeom>
-        </p:spPr>
-        <p:txBody>
-          <a:bodyPr spcFirstLastPara="1" wrap="square" lIns="91425" tIns="45700" rIns="91425" bIns="45700" anchor="b" anchorCtr="0">
-            <a:noAutofit/>
-          </a:bodyPr>
-          <a:lstStyle/>
-          <a:p>
-            <a:pPr marL="0" lvl="0" indent="0" algn="r" rtl="0">
-              <a:spcBef>
-                <a:spcPts val="0"/>
-              </a:spcBef>
-              <a:spcAft>
-                <a:spcPts val="0"/>
-              </a:spcAft>
-              <a:buClr>
-                <a:srgbClr val="000000"/>
-              </a:buClr>
-              <a:buFont typeface="Arial"/>
-              <a:buNone/>
-            </a:pPr>
-            <a:fld id="{00000000-1234-1234-1234-123412341234}" type="slidenum">
-              <a:rPr lang="pl-PL"/>
-              <a:t>10</a:t>
-            </a:fld>
-            <a:endParaRPr/>
-          </a:p>
-        </p:txBody>
-      </p:sp>
-    </p:spTree>
-  </p:cSld>
-  <p:clrMapOvr>
-    <a:masterClrMapping/>
-  </p:clrMapOvr>
-</p:notes>
-</file>
-
-<file path=ppt/notesSlides/notesSlide11.xml><?xml version="1.0" encoding="utf-8"?>
-<p:notes xmlns:a="http://schemas.openxmlformats.org/drawingml/2006/main" xmlns:r="http://schemas.openxmlformats.org/officeDocument/2006/relationships" xmlns:p="http://schemas.openxmlformats.org/presentationml/2006/main" showMasterSp="0" showMasterPhAnim="0">
-  <p:cSld>
-    <p:spTree>
-      <p:nvGrpSpPr>
         <p:cNvPr id="1" name="Shape 212"/>
         <p:cNvGrpSpPr/>
         <p:nvPr/>
@@ -2786,7 +2637,815 @@
 </p:notes>
 </file>
 
+<file path=ppt/notesSlides/notesSlide11.xml><?xml version="1.0" encoding="utf-8"?>
+<p:notes xmlns:a="http://schemas.openxmlformats.org/drawingml/2006/main" xmlns:r="http://schemas.openxmlformats.org/officeDocument/2006/relationships" xmlns:p="http://schemas.openxmlformats.org/presentationml/2006/main" showMasterSp="0" showMasterPhAnim="0">
+  <p:cSld>
+    <p:spTree>
+      <p:nvGrpSpPr>
+        <p:cNvPr id="1" name="Shape 180"/>
+        <p:cNvGrpSpPr/>
+        <p:nvPr/>
+      </p:nvGrpSpPr>
+      <p:grpSpPr>
+        <a:xfrm>
+          <a:off x="0" y="0"/>
+          <a:ext cx="0" cy="0"/>
+          <a:chOff x="0" y="0"/>
+          <a:chExt cx="0" cy="0"/>
+        </a:xfrm>
+      </p:grpSpPr>
+      <p:sp>
+        <p:nvSpPr>
+          <p:cNvPr id="181" name="Google Shape;181;g43890d43db_0_31:notes"/>
+          <p:cNvSpPr>
+            <a:spLocks noGrp="1" noRot="1" noChangeAspect="1"/>
+          </p:cNvSpPr>
+          <p:nvPr>
+            <p:ph type="sldImg" idx="2"/>
+          </p:nvPr>
+        </p:nvSpPr>
+        <p:spPr>
+          <a:xfrm>
+            <a:off x="1143000" y="685800"/>
+            <a:ext cx="4572000" cy="3429000"/>
+          </a:xfrm>
+          <a:custGeom>
+            <a:avLst/>
+            <a:gdLst/>
+            <a:ahLst/>
+            <a:cxnLst/>
+            <a:rect l="l" t="t" r="r" b="b"/>
+            <a:pathLst>
+              <a:path w="120000" h="120000" extrusionOk="0">
+                <a:moveTo>
+                  <a:pt x="0" y="0"/>
+                </a:moveTo>
+                <a:lnTo>
+                  <a:pt x="120000" y="0"/>
+                </a:lnTo>
+                <a:lnTo>
+                  <a:pt x="120000" y="120000"/>
+                </a:lnTo>
+                <a:lnTo>
+                  <a:pt x="0" y="120000"/>
+                </a:lnTo>
+                <a:close/>
+              </a:path>
+            </a:pathLst>
+          </a:custGeom>
+        </p:spPr>
+      </p:sp>
+      <p:sp>
+        <p:nvSpPr>
+          <p:cNvPr id="182" name="Google Shape;182;g43890d43db_0_31:notes"/>
+          <p:cNvSpPr txBox="1">
+            <a:spLocks noGrp="1"/>
+          </p:cNvSpPr>
+          <p:nvPr>
+            <p:ph type="body" idx="1"/>
+          </p:nvPr>
+        </p:nvSpPr>
+        <p:spPr>
+          <a:xfrm>
+            <a:off x="685800" y="4343400"/>
+            <a:ext cx="5486400" cy="4114800"/>
+          </a:xfrm>
+          <a:prstGeom prst="rect">
+            <a:avLst/>
+          </a:prstGeom>
+        </p:spPr>
+        <p:txBody>
+          <a:bodyPr spcFirstLastPara="1" wrap="square" lIns="91425" tIns="45700" rIns="91425" bIns="45700" anchor="t" anchorCtr="0">
+            <a:noAutofit/>
+          </a:bodyPr>
+          <a:lstStyle/>
+          <a:p>
+            <a:pPr marL="0" lvl="0" indent="0" algn="l" rtl="0">
+              <a:spcBef>
+                <a:spcPts val="0"/>
+              </a:spcBef>
+              <a:spcAft>
+                <a:spcPts val="0"/>
+              </a:spcAft>
+              <a:buNone/>
+            </a:pPr>
+            <a:endParaRPr/>
+          </a:p>
+        </p:txBody>
+      </p:sp>
+      <p:sp>
+        <p:nvSpPr>
+          <p:cNvPr id="183" name="Google Shape;183;g43890d43db_0_31:notes"/>
+          <p:cNvSpPr txBox="1">
+            <a:spLocks noGrp="1"/>
+          </p:cNvSpPr>
+          <p:nvPr>
+            <p:ph type="sldNum" idx="12"/>
+          </p:nvPr>
+        </p:nvSpPr>
+        <p:spPr>
+          <a:xfrm>
+            <a:off x="3884613" y="8685213"/>
+            <a:ext cx="2971800" cy="457200"/>
+          </a:xfrm>
+          <a:prstGeom prst="rect">
+            <a:avLst/>
+          </a:prstGeom>
+        </p:spPr>
+        <p:txBody>
+          <a:bodyPr spcFirstLastPara="1" wrap="square" lIns="91425" tIns="45700" rIns="91425" bIns="45700" anchor="b" anchorCtr="0">
+            <a:noAutofit/>
+          </a:bodyPr>
+          <a:lstStyle/>
+          <a:p>
+            <a:pPr marL="0" lvl="0" indent="0" algn="r" rtl="0">
+              <a:spcBef>
+                <a:spcPts val="0"/>
+              </a:spcBef>
+              <a:spcAft>
+                <a:spcPts val="0"/>
+              </a:spcAft>
+              <a:buClr>
+                <a:srgbClr val="000000"/>
+              </a:buClr>
+              <a:buFont typeface="Arial"/>
+              <a:buNone/>
+            </a:pPr>
+            <a:fld id="{00000000-1234-1234-1234-123412341234}" type="slidenum">
+              <a:rPr lang="pl-PL"/>
+              <a:t>12</a:t>
+            </a:fld>
+            <a:endParaRPr/>
+          </a:p>
+        </p:txBody>
+      </p:sp>
+    </p:spTree>
+  </p:cSld>
+  <p:clrMapOvr>
+    <a:masterClrMapping/>
+  </p:clrMapOvr>
+</p:notes>
+</file>
+
 <file path=ppt/notesSlides/notesSlide12.xml><?xml version="1.0" encoding="utf-8"?>
+<p:notes xmlns:a="http://schemas.openxmlformats.org/drawingml/2006/main" xmlns:r="http://schemas.openxmlformats.org/officeDocument/2006/relationships" xmlns:p="http://schemas.openxmlformats.org/presentationml/2006/main" showMasterSp="0" showMasterPhAnim="0">
+  <p:cSld>
+    <p:spTree>
+      <p:nvGrpSpPr>
+        <p:cNvPr id="1" name="Shape 238"/>
+        <p:cNvGrpSpPr/>
+        <p:nvPr/>
+      </p:nvGrpSpPr>
+      <p:grpSpPr>
+        <a:xfrm>
+          <a:off x="0" y="0"/>
+          <a:ext cx="0" cy="0"/>
+          <a:chOff x="0" y="0"/>
+          <a:chExt cx="0" cy="0"/>
+        </a:xfrm>
+      </p:grpSpPr>
+      <p:sp>
+        <p:nvSpPr>
+          <p:cNvPr id="239" name="Google Shape;239;g43890d43db_0_0:notes"/>
+          <p:cNvSpPr>
+            <a:spLocks noGrp="1" noRot="1" noChangeAspect="1"/>
+          </p:cNvSpPr>
+          <p:nvPr>
+            <p:ph type="sldImg" idx="2"/>
+          </p:nvPr>
+        </p:nvSpPr>
+        <p:spPr>
+          <a:xfrm>
+            <a:off x="1143000" y="685800"/>
+            <a:ext cx="4572000" cy="3429000"/>
+          </a:xfrm>
+          <a:custGeom>
+            <a:avLst/>
+            <a:gdLst/>
+            <a:ahLst/>
+            <a:cxnLst/>
+            <a:rect l="l" t="t" r="r" b="b"/>
+            <a:pathLst>
+              <a:path w="120000" h="120000" extrusionOk="0">
+                <a:moveTo>
+                  <a:pt x="0" y="0"/>
+                </a:moveTo>
+                <a:lnTo>
+                  <a:pt x="120000" y="0"/>
+                </a:lnTo>
+                <a:lnTo>
+                  <a:pt x="120000" y="120000"/>
+                </a:lnTo>
+                <a:lnTo>
+                  <a:pt x="0" y="120000"/>
+                </a:lnTo>
+                <a:close/>
+              </a:path>
+            </a:pathLst>
+          </a:custGeom>
+        </p:spPr>
+      </p:sp>
+      <p:sp>
+        <p:nvSpPr>
+          <p:cNvPr id="240" name="Google Shape;240;g43890d43db_0_0:notes"/>
+          <p:cNvSpPr txBox="1">
+            <a:spLocks noGrp="1"/>
+          </p:cNvSpPr>
+          <p:nvPr>
+            <p:ph type="body" idx="1"/>
+          </p:nvPr>
+        </p:nvSpPr>
+        <p:spPr>
+          <a:xfrm>
+            <a:off x="685800" y="4343400"/>
+            <a:ext cx="5486400" cy="4114800"/>
+          </a:xfrm>
+          <a:prstGeom prst="rect">
+            <a:avLst/>
+          </a:prstGeom>
+        </p:spPr>
+        <p:txBody>
+          <a:bodyPr spcFirstLastPara="1" wrap="square" lIns="91425" tIns="45700" rIns="91425" bIns="45700" anchor="t" anchorCtr="0">
+            <a:noAutofit/>
+          </a:bodyPr>
+          <a:lstStyle/>
+          <a:p>
+            <a:pPr marL="0" lvl="0" indent="0" algn="l" rtl="0">
+              <a:spcBef>
+                <a:spcPts val="0"/>
+              </a:spcBef>
+              <a:spcAft>
+                <a:spcPts val="0"/>
+              </a:spcAft>
+              <a:buNone/>
+            </a:pPr>
+            <a:endParaRPr/>
+          </a:p>
+        </p:txBody>
+      </p:sp>
+      <p:sp>
+        <p:nvSpPr>
+          <p:cNvPr id="241" name="Google Shape;241;g43890d43db_0_0:notes"/>
+          <p:cNvSpPr txBox="1">
+            <a:spLocks noGrp="1"/>
+          </p:cNvSpPr>
+          <p:nvPr>
+            <p:ph type="sldNum" idx="12"/>
+          </p:nvPr>
+        </p:nvSpPr>
+        <p:spPr>
+          <a:xfrm>
+            <a:off x="3884613" y="8685213"/>
+            <a:ext cx="2971800" cy="457200"/>
+          </a:xfrm>
+          <a:prstGeom prst="rect">
+            <a:avLst/>
+          </a:prstGeom>
+        </p:spPr>
+        <p:txBody>
+          <a:bodyPr spcFirstLastPara="1" wrap="square" lIns="91425" tIns="45700" rIns="91425" bIns="45700" anchor="b" anchorCtr="0">
+            <a:noAutofit/>
+          </a:bodyPr>
+          <a:lstStyle/>
+          <a:p>
+            <a:pPr marL="0" lvl="0" indent="0" algn="r" rtl="0">
+              <a:spcBef>
+                <a:spcPts val="0"/>
+              </a:spcBef>
+              <a:spcAft>
+                <a:spcPts val="0"/>
+              </a:spcAft>
+              <a:buClr>
+                <a:srgbClr val="000000"/>
+              </a:buClr>
+              <a:buFont typeface="Arial"/>
+              <a:buNone/>
+            </a:pPr>
+            <a:fld id="{00000000-1234-1234-1234-123412341234}" type="slidenum">
+              <a:rPr lang="pl-PL"/>
+              <a:t>13</a:t>
+            </a:fld>
+            <a:endParaRPr/>
+          </a:p>
+        </p:txBody>
+      </p:sp>
+    </p:spTree>
+  </p:cSld>
+  <p:clrMapOvr>
+    <a:masterClrMapping/>
+  </p:clrMapOvr>
+</p:notes>
+</file>
+
+<file path=ppt/notesSlides/notesSlide13.xml><?xml version="1.0" encoding="utf-8"?>
+<p:notes xmlns:a="http://schemas.openxmlformats.org/drawingml/2006/main" xmlns:r="http://schemas.openxmlformats.org/officeDocument/2006/relationships" xmlns:p="http://schemas.openxmlformats.org/presentationml/2006/main" showMasterSp="0" showMasterPhAnim="0">
+  <p:cSld>
+    <p:spTree>
+      <p:nvGrpSpPr>
+        <p:cNvPr id="1" name="Shape 162"/>
+        <p:cNvGrpSpPr/>
+        <p:nvPr/>
+      </p:nvGrpSpPr>
+      <p:grpSpPr>
+        <a:xfrm>
+          <a:off x="0" y="0"/>
+          <a:ext cx="0" cy="0"/>
+          <a:chOff x="0" y="0"/>
+          <a:chExt cx="0" cy="0"/>
+        </a:xfrm>
+      </p:grpSpPr>
+      <p:sp>
+        <p:nvSpPr>
+          <p:cNvPr id="163" name="Google Shape;163;g4372e70eba_0_34:notes"/>
+          <p:cNvSpPr>
+            <a:spLocks noGrp="1" noRot="1" noChangeAspect="1"/>
+          </p:cNvSpPr>
+          <p:nvPr>
+            <p:ph type="sldImg" idx="2"/>
+          </p:nvPr>
+        </p:nvSpPr>
+        <p:spPr>
+          <a:xfrm>
+            <a:off x="1143000" y="685800"/>
+            <a:ext cx="4572000" cy="3429000"/>
+          </a:xfrm>
+          <a:custGeom>
+            <a:avLst/>
+            <a:gdLst/>
+            <a:ahLst/>
+            <a:cxnLst/>
+            <a:rect l="l" t="t" r="r" b="b"/>
+            <a:pathLst>
+              <a:path w="120000" h="120000" extrusionOk="0">
+                <a:moveTo>
+                  <a:pt x="0" y="0"/>
+                </a:moveTo>
+                <a:lnTo>
+                  <a:pt x="120000" y="0"/>
+                </a:lnTo>
+                <a:lnTo>
+                  <a:pt x="120000" y="120000"/>
+                </a:lnTo>
+                <a:lnTo>
+                  <a:pt x="0" y="120000"/>
+                </a:lnTo>
+                <a:close/>
+              </a:path>
+            </a:pathLst>
+          </a:custGeom>
+        </p:spPr>
+      </p:sp>
+      <p:sp>
+        <p:nvSpPr>
+          <p:cNvPr id="164" name="Google Shape;164;g4372e70eba_0_34:notes"/>
+          <p:cNvSpPr txBox="1">
+            <a:spLocks noGrp="1"/>
+          </p:cNvSpPr>
+          <p:nvPr>
+            <p:ph type="body" idx="1"/>
+          </p:nvPr>
+        </p:nvSpPr>
+        <p:spPr>
+          <a:xfrm>
+            <a:off x="685800" y="4343400"/>
+            <a:ext cx="5486400" cy="4114800"/>
+          </a:xfrm>
+          <a:prstGeom prst="rect">
+            <a:avLst/>
+          </a:prstGeom>
+        </p:spPr>
+        <p:txBody>
+          <a:bodyPr spcFirstLastPara="1" wrap="square" lIns="91425" tIns="45700" rIns="91425" bIns="45700" anchor="t" anchorCtr="0">
+            <a:noAutofit/>
+          </a:bodyPr>
+          <a:lstStyle/>
+          <a:p>
+            <a:pPr marL="0" lvl="0" indent="0" algn="l" rtl="0">
+              <a:spcBef>
+                <a:spcPts val="0"/>
+              </a:spcBef>
+              <a:spcAft>
+                <a:spcPts val="0"/>
+              </a:spcAft>
+              <a:buNone/>
+            </a:pPr>
+            <a:endParaRPr/>
+          </a:p>
+        </p:txBody>
+      </p:sp>
+      <p:sp>
+        <p:nvSpPr>
+          <p:cNvPr id="165" name="Google Shape;165;g4372e70eba_0_34:notes"/>
+          <p:cNvSpPr txBox="1">
+            <a:spLocks noGrp="1"/>
+          </p:cNvSpPr>
+          <p:nvPr>
+            <p:ph type="sldNum" idx="12"/>
+          </p:nvPr>
+        </p:nvSpPr>
+        <p:spPr>
+          <a:xfrm>
+            <a:off x="3884613" y="8685213"/>
+            <a:ext cx="2971800" cy="457200"/>
+          </a:xfrm>
+          <a:prstGeom prst="rect">
+            <a:avLst/>
+          </a:prstGeom>
+        </p:spPr>
+        <p:txBody>
+          <a:bodyPr spcFirstLastPara="1" wrap="square" lIns="91425" tIns="45700" rIns="91425" bIns="45700" anchor="b" anchorCtr="0">
+            <a:noAutofit/>
+          </a:bodyPr>
+          <a:lstStyle/>
+          <a:p>
+            <a:pPr marL="0" lvl="0" indent="0" algn="r" rtl="0">
+              <a:spcBef>
+                <a:spcPts val="0"/>
+              </a:spcBef>
+              <a:spcAft>
+                <a:spcPts val="0"/>
+              </a:spcAft>
+              <a:buClr>
+                <a:srgbClr val="000000"/>
+              </a:buClr>
+              <a:buFont typeface="Arial"/>
+              <a:buNone/>
+            </a:pPr>
+            <a:fld id="{00000000-1234-1234-1234-123412341234}" type="slidenum">
+              <a:rPr lang="pl-PL"/>
+              <a:t>14</a:t>
+            </a:fld>
+            <a:endParaRPr/>
+          </a:p>
+        </p:txBody>
+      </p:sp>
+    </p:spTree>
+  </p:cSld>
+  <p:clrMapOvr>
+    <a:masterClrMapping/>
+  </p:clrMapOvr>
+</p:notes>
+</file>
+
+<file path=ppt/notesSlides/notesSlide14.xml><?xml version="1.0" encoding="utf-8"?>
+<p:notes xmlns:a="http://schemas.openxmlformats.org/drawingml/2006/main" xmlns:r="http://schemas.openxmlformats.org/officeDocument/2006/relationships" xmlns:p="http://schemas.openxmlformats.org/presentationml/2006/main" showMasterSp="0" showMasterPhAnim="0">
+  <p:cSld>
+    <p:spTree>
+      <p:nvGrpSpPr>
+        <p:cNvPr id="1" name="Shape 277"/>
+        <p:cNvGrpSpPr/>
+        <p:nvPr/>
+      </p:nvGrpSpPr>
+      <p:grpSpPr>
+        <a:xfrm>
+          <a:off x="0" y="0"/>
+          <a:ext cx="0" cy="0"/>
+          <a:chOff x="0" y="0"/>
+          <a:chExt cx="0" cy="0"/>
+        </a:xfrm>
+      </p:grpSpPr>
+      <p:sp>
+        <p:nvSpPr>
+          <p:cNvPr id="278" name="Google Shape;278;p15:notes"/>
+          <p:cNvSpPr txBox="1">
+            <a:spLocks noGrp="1"/>
+          </p:cNvSpPr>
+          <p:nvPr>
+            <p:ph type="body" idx="1"/>
+          </p:nvPr>
+        </p:nvSpPr>
+        <p:spPr>
+          <a:xfrm>
+            <a:off x="685800" y="4343400"/>
+            <a:ext cx="5486400" cy="4114800"/>
+          </a:xfrm>
+          <a:prstGeom prst="rect">
+            <a:avLst/>
+          </a:prstGeom>
+        </p:spPr>
+        <p:txBody>
+          <a:bodyPr spcFirstLastPara="1" wrap="square" lIns="91425" tIns="45700" rIns="91425" bIns="45700" anchor="t" anchorCtr="0">
+            <a:noAutofit/>
+          </a:bodyPr>
+          <a:lstStyle/>
+          <a:p>
+            <a:pPr marL="0" lvl="0" indent="0" algn="l" rtl="0">
+              <a:spcBef>
+                <a:spcPts val="0"/>
+              </a:spcBef>
+              <a:spcAft>
+                <a:spcPts val="0"/>
+              </a:spcAft>
+              <a:buNone/>
+            </a:pPr>
+            <a:endParaRPr/>
+          </a:p>
+        </p:txBody>
+      </p:sp>
+      <p:sp>
+        <p:nvSpPr>
+          <p:cNvPr id="279" name="Google Shape;279;p15:notes"/>
+          <p:cNvSpPr>
+            <a:spLocks noGrp="1" noRot="1" noChangeAspect="1"/>
+          </p:cNvSpPr>
+          <p:nvPr>
+            <p:ph type="sldImg" idx="2"/>
+          </p:nvPr>
+        </p:nvSpPr>
+        <p:spPr>
+          <a:xfrm>
+            <a:off x="1143000" y="685800"/>
+            <a:ext cx="4572000" cy="3429000"/>
+          </a:xfrm>
+          <a:custGeom>
+            <a:avLst/>
+            <a:gdLst/>
+            <a:ahLst/>
+            <a:cxnLst/>
+            <a:rect l="l" t="t" r="r" b="b"/>
+            <a:pathLst>
+              <a:path w="120000" h="120000" extrusionOk="0">
+                <a:moveTo>
+                  <a:pt x="0" y="0"/>
+                </a:moveTo>
+                <a:lnTo>
+                  <a:pt x="120000" y="0"/>
+                </a:lnTo>
+                <a:lnTo>
+                  <a:pt x="120000" y="120000"/>
+                </a:lnTo>
+                <a:lnTo>
+                  <a:pt x="0" y="120000"/>
+                </a:lnTo>
+                <a:close/>
+              </a:path>
+            </a:pathLst>
+          </a:custGeom>
+        </p:spPr>
+      </p:sp>
+    </p:spTree>
+  </p:cSld>
+  <p:clrMapOvr>
+    <a:masterClrMapping/>
+  </p:clrMapOvr>
+</p:notes>
+</file>
+
+<file path=ppt/notesSlides/notesSlide15.xml><?xml version="1.0" encoding="utf-8"?>
+<p:notes xmlns:a="http://schemas.openxmlformats.org/drawingml/2006/main" xmlns:r="http://schemas.openxmlformats.org/officeDocument/2006/relationships" xmlns:p="http://schemas.openxmlformats.org/presentationml/2006/main" showMasterSp="0" showMasterPhAnim="0">
+  <p:cSld>
+    <p:spTree>
+      <p:nvGrpSpPr>
+        <p:cNvPr id="1" name="Shape 284"/>
+        <p:cNvGrpSpPr/>
+        <p:nvPr/>
+      </p:nvGrpSpPr>
+      <p:grpSpPr>
+        <a:xfrm>
+          <a:off x="0" y="0"/>
+          <a:ext cx="0" cy="0"/>
+          <a:chOff x="0" y="0"/>
+          <a:chExt cx="0" cy="0"/>
+        </a:xfrm>
+      </p:grpSpPr>
+      <p:sp>
+        <p:nvSpPr>
+          <p:cNvPr id="285" name="Google Shape;285;g4372e70eba_0_69:notes"/>
+          <p:cNvSpPr>
+            <a:spLocks noGrp="1" noRot="1" noChangeAspect="1"/>
+          </p:cNvSpPr>
+          <p:nvPr>
+            <p:ph type="sldImg" idx="2"/>
+          </p:nvPr>
+        </p:nvSpPr>
+        <p:spPr>
+          <a:xfrm>
+            <a:off x="1143000" y="685800"/>
+            <a:ext cx="4572000" cy="3429000"/>
+          </a:xfrm>
+          <a:custGeom>
+            <a:avLst/>
+            <a:gdLst/>
+            <a:ahLst/>
+            <a:cxnLst/>
+            <a:rect l="l" t="t" r="r" b="b"/>
+            <a:pathLst>
+              <a:path w="120000" h="120000" extrusionOk="0">
+                <a:moveTo>
+                  <a:pt x="0" y="0"/>
+                </a:moveTo>
+                <a:lnTo>
+                  <a:pt x="120000" y="0"/>
+                </a:lnTo>
+                <a:lnTo>
+                  <a:pt x="120000" y="120000"/>
+                </a:lnTo>
+                <a:lnTo>
+                  <a:pt x="0" y="120000"/>
+                </a:lnTo>
+                <a:close/>
+              </a:path>
+            </a:pathLst>
+          </a:custGeom>
+        </p:spPr>
+      </p:sp>
+      <p:sp>
+        <p:nvSpPr>
+          <p:cNvPr id="286" name="Google Shape;286;g4372e70eba_0_69:notes"/>
+          <p:cNvSpPr txBox="1">
+            <a:spLocks noGrp="1"/>
+          </p:cNvSpPr>
+          <p:nvPr>
+            <p:ph type="body" idx="1"/>
+          </p:nvPr>
+        </p:nvSpPr>
+        <p:spPr>
+          <a:xfrm>
+            <a:off x="685800" y="4343400"/>
+            <a:ext cx="5486400" cy="4114800"/>
+          </a:xfrm>
+          <a:prstGeom prst="rect">
+            <a:avLst/>
+          </a:prstGeom>
+        </p:spPr>
+        <p:txBody>
+          <a:bodyPr spcFirstLastPara="1" wrap="square" lIns="91425" tIns="45700" rIns="91425" bIns="45700" anchor="t" anchorCtr="0">
+            <a:noAutofit/>
+          </a:bodyPr>
+          <a:lstStyle/>
+          <a:p>
+            <a:pPr marL="0" lvl="0" indent="0" algn="l" rtl="0">
+              <a:spcBef>
+                <a:spcPts val="0"/>
+              </a:spcBef>
+              <a:spcAft>
+                <a:spcPts val="0"/>
+              </a:spcAft>
+              <a:buNone/>
+            </a:pPr>
+            <a:endParaRPr/>
+          </a:p>
+        </p:txBody>
+      </p:sp>
+      <p:sp>
+        <p:nvSpPr>
+          <p:cNvPr id="287" name="Google Shape;287;g4372e70eba_0_69:notes"/>
+          <p:cNvSpPr txBox="1">
+            <a:spLocks noGrp="1"/>
+          </p:cNvSpPr>
+          <p:nvPr>
+            <p:ph type="sldNum" idx="12"/>
+          </p:nvPr>
+        </p:nvSpPr>
+        <p:spPr>
+          <a:xfrm>
+            <a:off x="3884613" y="8685213"/>
+            <a:ext cx="2971800" cy="457200"/>
+          </a:xfrm>
+          <a:prstGeom prst="rect">
+            <a:avLst/>
+          </a:prstGeom>
+        </p:spPr>
+        <p:txBody>
+          <a:bodyPr spcFirstLastPara="1" wrap="square" lIns="91425" tIns="45700" rIns="91425" bIns="45700" anchor="b" anchorCtr="0">
+            <a:noAutofit/>
+          </a:bodyPr>
+          <a:lstStyle/>
+          <a:p>
+            <a:pPr marL="0" lvl="0" indent="0" algn="r" rtl="0">
+              <a:spcBef>
+                <a:spcPts val="0"/>
+              </a:spcBef>
+              <a:spcAft>
+                <a:spcPts val="0"/>
+              </a:spcAft>
+              <a:buClr>
+                <a:srgbClr val="000000"/>
+              </a:buClr>
+              <a:buFont typeface="Arial"/>
+              <a:buNone/>
+            </a:pPr>
+            <a:fld id="{00000000-1234-1234-1234-123412341234}" type="slidenum">
+              <a:rPr lang="pl-PL"/>
+              <a:t>16</a:t>
+            </a:fld>
+            <a:endParaRPr/>
+          </a:p>
+        </p:txBody>
+      </p:sp>
+    </p:spTree>
+  </p:cSld>
+  <p:clrMapOvr>
+    <a:masterClrMapping/>
+  </p:clrMapOvr>
+</p:notes>
+</file>
+
+<file path=ppt/notesSlides/notesSlide16.xml><?xml version="1.0" encoding="utf-8"?>
+<p:notes xmlns:a="http://schemas.openxmlformats.org/drawingml/2006/main" xmlns:r="http://schemas.openxmlformats.org/officeDocument/2006/relationships" xmlns:p="http://schemas.openxmlformats.org/presentationml/2006/main" showMasterSp="0" showMasterPhAnim="0">
+  <p:cSld>
+    <p:spTree>
+      <p:nvGrpSpPr>
+        <p:cNvPr id="1" name="Shape 340"/>
+        <p:cNvGrpSpPr/>
+        <p:nvPr/>
+      </p:nvGrpSpPr>
+      <p:grpSpPr>
+        <a:xfrm>
+          <a:off x="0" y="0"/>
+          <a:ext cx="0" cy="0"/>
+          <a:chOff x="0" y="0"/>
+          <a:chExt cx="0" cy="0"/>
+        </a:xfrm>
+      </p:grpSpPr>
+      <p:sp>
+        <p:nvSpPr>
+          <p:cNvPr id="341" name="Google Shape;341;p19:notes"/>
+          <p:cNvSpPr txBox="1">
+            <a:spLocks noGrp="1"/>
+          </p:cNvSpPr>
+          <p:nvPr>
+            <p:ph type="body" idx="1"/>
+          </p:nvPr>
+        </p:nvSpPr>
+        <p:spPr>
+          <a:xfrm>
+            <a:off x="685800" y="4343400"/>
+            <a:ext cx="5486400" cy="4114800"/>
+          </a:xfrm>
+          <a:prstGeom prst="rect">
+            <a:avLst/>
+          </a:prstGeom>
+        </p:spPr>
+        <p:txBody>
+          <a:bodyPr spcFirstLastPara="1" wrap="square" lIns="91425" tIns="45700" rIns="91425" bIns="45700" anchor="t" anchorCtr="0">
+            <a:noAutofit/>
+          </a:bodyPr>
+          <a:lstStyle/>
+          <a:p>
+            <a:pPr marL="0" lvl="0" indent="0" algn="l" rtl="0">
+              <a:spcBef>
+                <a:spcPts val="0"/>
+              </a:spcBef>
+              <a:spcAft>
+                <a:spcPts val="0"/>
+              </a:spcAft>
+              <a:buNone/>
+            </a:pPr>
+            <a:endParaRPr/>
+          </a:p>
+        </p:txBody>
+      </p:sp>
+      <p:sp>
+        <p:nvSpPr>
+          <p:cNvPr id="342" name="Google Shape;342;p19:notes"/>
+          <p:cNvSpPr>
+            <a:spLocks noGrp="1" noRot="1" noChangeAspect="1"/>
+          </p:cNvSpPr>
+          <p:nvPr>
+            <p:ph type="sldImg" idx="2"/>
+          </p:nvPr>
+        </p:nvSpPr>
+        <p:spPr>
+          <a:xfrm>
+            <a:off x="1143000" y="685800"/>
+            <a:ext cx="4572000" cy="3429000"/>
+          </a:xfrm>
+          <a:custGeom>
+            <a:avLst/>
+            <a:gdLst/>
+            <a:ahLst/>
+            <a:cxnLst/>
+            <a:rect l="l" t="t" r="r" b="b"/>
+            <a:pathLst>
+              <a:path w="120000" h="120000" extrusionOk="0">
+                <a:moveTo>
+                  <a:pt x="0" y="0"/>
+                </a:moveTo>
+                <a:lnTo>
+                  <a:pt x="120000" y="0"/>
+                </a:lnTo>
+                <a:lnTo>
+                  <a:pt x="120000" y="120000"/>
+                </a:lnTo>
+                <a:lnTo>
+                  <a:pt x="0" y="120000"/>
+                </a:lnTo>
+                <a:close/>
+              </a:path>
+            </a:pathLst>
+          </a:custGeom>
+        </p:spPr>
+      </p:sp>
+    </p:spTree>
+  </p:cSld>
+  <p:clrMapOvr>
+    <a:masterClrMapping/>
+  </p:clrMapOvr>
+</p:notes>
+</file>
+
+<file path=ppt/notesSlides/notesSlide17.xml><?xml version="1.0" encoding="utf-8"?>
 <p:notes xmlns:a="http://schemas.openxmlformats.org/drawingml/2006/main" xmlns:r="http://schemas.openxmlformats.org/officeDocument/2006/relationships" xmlns:p="http://schemas.openxmlformats.org/presentationml/2006/main" showMasterSp="0" showMasterPhAnim="0">
   <p:cSld>
     <p:spTree>
@@ -2922,157 +3581,7 @@
             </a:pPr>
             <a:fld id="{00000000-1234-1234-1234-123412341234}" type="slidenum">
               <a:rPr lang="pl-PL"/>
-              <a:t>12</a:t>
-            </a:fld>
-            <a:endParaRPr/>
-          </a:p>
-        </p:txBody>
-      </p:sp>
-    </p:spTree>
-  </p:cSld>
-  <p:clrMapOvr>
-    <a:masterClrMapping/>
-  </p:clrMapOvr>
-</p:notes>
-</file>
-
-<file path=ppt/notesSlides/notesSlide13.xml><?xml version="1.0" encoding="utf-8"?>
-<p:notes xmlns:a="http://schemas.openxmlformats.org/drawingml/2006/main" xmlns:r="http://schemas.openxmlformats.org/officeDocument/2006/relationships" xmlns:p="http://schemas.openxmlformats.org/presentationml/2006/main" showMasterSp="0" showMasterPhAnim="0">
-  <p:cSld>
-    <p:spTree>
-      <p:nvGrpSpPr>
-        <p:cNvPr id="1" name="Shape 204"/>
-        <p:cNvGrpSpPr/>
-        <p:nvPr/>
-      </p:nvGrpSpPr>
-      <p:grpSpPr>
-        <a:xfrm>
-          <a:off x="0" y="0"/>
-          <a:ext cx="0" cy="0"/>
-          <a:chOff x="0" y="0"/>
-          <a:chExt cx="0" cy="0"/>
-        </a:xfrm>
-      </p:grpSpPr>
-      <p:sp>
-        <p:nvSpPr>
-          <p:cNvPr id="205" name="Google Shape;205;g43890d43db_0_43:notes"/>
-          <p:cNvSpPr>
-            <a:spLocks noGrp="1" noRot="1" noChangeAspect="1"/>
-          </p:cNvSpPr>
-          <p:nvPr>
-            <p:ph type="sldImg" idx="2"/>
-          </p:nvPr>
-        </p:nvSpPr>
-        <p:spPr>
-          <a:xfrm>
-            <a:off x="1143000" y="685800"/>
-            <a:ext cx="4572000" cy="3429000"/>
-          </a:xfrm>
-          <a:custGeom>
-            <a:avLst/>
-            <a:gdLst/>
-            <a:ahLst/>
-            <a:cxnLst/>
-            <a:rect l="l" t="t" r="r" b="b"/>
-            <a:pathLst>
-              <a:path w="120000" h="120000" extrusionOk="0">
-                <a:moveTo>
-                  <a:pt x="0" y="0"/>
-                </a:moveTo>
-                <a:lnTo>
-                  <a:pt x="120000" y="0"/>
-                </a:lnTo>
-                <a:lnTo>
-                  <a:pt x="120000" y="120000"/>
-                </a:lnTo>
-                <a:lnTo>
-                  <a:pt x="0" y="120000"/>
-                </a:lnTo>
-                <a:close/>
-              </a:path>
-            </a:pathLst>
-          </a:custGeom>
-        </p:spPr>
-      </p:sp>
-      <p:sp>
-        <p:nvSpPr>
-          <p:cNvPr id="206" name="Google Shape;206;g43890d43db_0_43:notes"/>
-          <p:cNvSpPr txBox="1">
-            <a:spLocks noGrp="1"/>
-          </p:cNvSpPr>
-          <p:nvPr>
-            <p:ph type="body" idx="1"/>
-          </p:nvPr>
-        </p:nvSpPr>
-        <p:spPr>
-          <a:xfrm>
-            <a:off x="685800" y="4343400"/>
-            <a:ext cx="5486400" cy="4114800"/>
-          </a:xfrm>
-          <a:prstGeom prst="rect">
-            <a:avLst/>
-          </a:prstGeom>
-        </p:spPr>
-        <p:txBody>
-          <a:bodyPr spcFirstLastPara="1" wrap="square" lIns="91425" tIns="45700" rIns="91425" bIns="45700" anchor="t" anchorCtr="0">
-            <a:noAutofit/>
-          </a:bodyPr>
-          <a:lstStyle/>
-          <a:p>
-            <a:pPr marL="0" lvl="0" indent="0" algn="l" rtl="0">
-              <a:spcBef>
-                <a:spcPts val="0"/>
-              </a:spcBef>
-              <a:spcAft>
-                <a:spcPts val="0"/>
-              </a:spcAft>
-              <a:buNone/>
-            </a:pPr>
-            <a:endParaRPr/>
-          </a:p>
-        </p:txBody>
-      </p:sp>
-      <p:sp>
-        <p:nvSpPr>
-          <p:cNvPr id="207" name="Google Shape;207;g43890d43db_0_43:notes"/>
-          <p:cNvSpPr txBox="1">
-            <a:spLocks noGrp="1"/>
-          </p:cNvSpPr>
-          <p:nvPr>
-            <p:ph type="sldNum" idx="12"/>
-          </p:nvPr>
-        </p:nvSpPr>
-        <p:spPr>
-          <a:xfrm>
-            <a:off x="3884613" y="8685213"/>
-            <a:ext cx="2971800" cy="457200"/>
-          </a:xfrm>
-          <a:prstGeom prst="rect">
-            <a:avLst/>
-          </a:prstGeom>
-        </p:spPr>
-        <p:txBody>
-          <a:bodyPr spcFirstLastPara="1" wrap="square" lIns="91425" tIns="45700" rIns="91425" bIns="45700" anchor="b" anchorCtr="0">
-            <a:noAutofit/>
-          </a:bodyPr>
-          <a:lstStyle/>
-          <a:p>
-            <a:pPr marL="0" lvl="0" indent="0" algn="r" rtl="0">
-              <a:spcBef>
-                <a:spcPts val="0"/>
-              </a:spcBef>
-              <a:spcAft>
-                <a:spcPts val="0"/>
-              </a:spcAft>
-              <a:buClr>
-                <a:srgbClr val="000000"/>
-              </a:buClr>
-              <a:buFont typeface="Arial"/>
-              <a:buNone/>
-            </a:pPr>
-            <a:fld id="{00000000-1234-1234-1234-123412341234}" type="slidenum">
-              <a:rPr lang="pl-PL"/>
-              <a:t>13</a:t>
+              <a:t>18</a:t>
             </a:fld>
             <a:endParaRPr/>
           </a:p>
@@ -3081,7 +3590,7 @@
     </p:spTree>
     <p:extLst>
       <p:ext uri="{BB962C8B-B14F-4D97-AF65-F5344CB8AC3E}">
-        <p14:creationId xmlns:p14="http://schemas.microsoft.com/office/powerpoint/2010/main" val="1976656760"/>
+        <p14:creationId xmlns:p14="http://schemas.microsoft.com/office/powerpoint/2010/main" val="3007331525"/>
       </p:ext>
     </p:extLst>
   </p:cSld>
@@ -3091,157 +3600,7 @@
 </p:notes>
 </file>
 
-<file path=ppt/notesSlides/notesSlide14.xml><?xml version="1.0" encoding="utf-8"?>
-<p:notes xmlns:a="http://schemas.openxmlformats.org/drawingml/2006/main" xmlns:r="http://schemas.openxmlformats.org/officeDocument/2006/relationships" xmlns:p="http://schemas.openxmlformats.org/presentationml/2006/main" showMasterSp="0" showMasterPhAnim="0">
-  <p:cSld>
-    <p:spTree>
-      <p:nvGrpSpPr>
-        <p:cNvPr id="1" name="Shape 238"/>
-        <p:cNvGrpSpPr/>
-        <p:nvPr/>
-      </p:nvGrpSpPr>
-      <p:grpSpPr>
-        <a:xfrm>
-          <a:off x="0" y="0"/>
-          <a:ext cx="0" cy="0"/>
-          <a:chOff x="0" y="0"/>
-          <a:chExt cx="0" cy="0"/>
-        </a:xfrm>
-      </p:grpSpPr>
-      <p:sp>
-        <p:nvSpPr>
-          <p:cNvPr id="239" name="Google Shape;239;g43890d43db_0_0:notes"/>
-          <p:cNvSpPr>
-            <a:spLocks noGrp="1" noRot="1" noChangeAspect="1"/>
-          </p:cNvSpPr>
-          <p:nvPr>
-            <p:ph type="sldImg" idx="2"/>
-          </p:nvPr>
-        </p:nvSpPr>
-        <p:spPr>
-          <a:xfrm>
-            <a:off x="1143000" y="685800"/>
-            <a:ext cx="4572000" cy="3429000"/>
-          </a:xfrm>
-          <a:custGeom>
-            <a:avLst/>
-            <a:gdLst/>
-            <a:ahLst/>
-            <a:cxnLst/>
-            <a:rect l="l" t="t" r="r" b="b"/>
-            <a:pathLst>
-              <a:path w="120000" h="120000" extrusionOk="0">
-                <a:moveTo>
-                  <a:pt x="0" y="0"/>
-                </a:moveTo>
-                <a:lnTo>
-                  <a:pt x="120000" y="0"/>
-                </a:lnTo>
-                <a:lnTo>
-                  <a:pt x="120000" y="120000"/>
-                </a:lnTo>
-                <a:lnTo>
-                  <a:pt x="0" y="120000"/>
-                </a:lnTo>
-                <a:close/>
-              </a:path>
-            </a:pathLst>
-          </a:custGeom>
-        </p:spPr>
-      </p:sp>
-      <p:sp>
-        <p:nvSpPr>
-          <p:cNvPr id="240" name="Google Shape;240;g43890d43db_0_0:notes"/>
-          <p:cNvSpPr txBox="1">
-            <a:spLocks noGrp="1"/>
-          </p:cNvSpPr>
-          <p:nvPr>
-            <p:ph type="body" idx="1"/>
-          </p:nvPr>
-        </p:nvSpPr>
-        <p:spPr>
-          <a:xfrm>
-            <a:off x="685800" y="4343400"/>
-            <a:ext cx="5486400" cy="4114800"/>
-          </a:xfrm>
-          <a:prstGeom prst="rect">
-            <a:avLst/>
-          </a:prstGeom>
-        </p:spPr>
-        <p:txBody>
-          <a:bodyPr spcFirstLastPara="1" wrap="square" lIns="91425" tIns="45700" rIns="91425" bIns="45700" anchor="t" anchorCtr="0">
-            <a:noAutofit/>
-          </a:bodyPr>
-          <a:lstStyle/>
-          <a:p>
-            <a:pPr marL="0" lvl="0" indent="0" algn="l" rtl="0">
-              <a:spcBef>
-                <a:spcPts val="0"/>
-              </a:spcBef>
-              <a:spcAft>
-                <a:spcPts val="0"/>
-              </a:spcAft>
-              <a:buNone/>
-            </a:pPr>
-            <a:endParaRPr/>
-          </a:p>
-        </p:txBody>
-      </p:sp>
-      <p:sp>
-        <p:nvSpPr>
-          <p:cNvPr id="241" name="Google Shape;241;g43890d43db_0_0:notes"/>
-          <p:cNvSpPr txBox="1">
-            <a:spLocks noGrp="1"/>
-          </p:cNvSpPr>
-          <p:nvPr>
-            <p:ph type="sldNum" idx="12"/>
-          </p:nvPr>
-        </p:nvSpPr>
-        <p:spPr>
-          <a:xfrm>
-            <a:off x="3884613" y="8685213"/>
-            <a:ext cx="2971800" cy="457200"/>
-          </a:xfrm>
-          <a:prstGeom prst="rect">
-            <a:avLst/>
-          </a:prstGeom>
-        </p:spPr>
-        <p:txBody>
-          <a:bodyPr spcFirstLastPara="1" wrap="square" lIns="91425" tIns="45700" rIns="91425" bIns="45700" anchor="b" anchorCtr="0">
-            <a:noAutofit/>
-          </a:bodyPr>
-          <a:lstStyle/>
-          <a:p>
-            <a:pPr marL="0" lvl="0" indent="0" algn="r" rtl="0">
-              <a:spcBef>
-                <a:spcPts val="0"/>
-              </a:spcBef>
-              <a:spcAft>
-                <a:spcPts val="0"/>
-              </a:spcAft>
-              <a:buClr>
-                <a:srgbClr val="000000"/>
-              </a:buClr>
-              <a:buFont typeface="Arial"/>
-              <a:buNone/>
-            </a:pPr>
-            <a:fld id="{00000000-1234-1234-1234-123412341234}" type="slidenum">
-              <a:rPr lang="pl-PL"/>
-              <a:t>14</a:t>
-            </a:fld>
-            <a:endParaRPr/>
-          </a:p>
-        </p:txBody>
-      </p:sp>
-    </p:spTree>
-  </p:cSld>
-  <p:clrMapOvr>
-    <a:masterClrMapping/>
-  </p:clrMapOvr>
-</p:notes>
-</file>
-
-<file path=ppt/notesSlides/notesSlide15.xml><?xml version="1.0" encoding="utf-8"?>
+<file path=ppt/notesSlides/notesSlide18.xml><?xml version="1.0" encoding="utf-8"?>
 <p:notes xmlns:a="http://schemas.openxmlformats.org/drawingml/2006/main" xmlns:r="http://schemas.openxmlformats.org/officeDocument/2006/relationships" xmlns:p="http://schemas.openxmlformats.org/presentationml/2006/main" showMasterSp="0" showMasterPhAnim="0">
   <p:cSld>
     <p:spTree>
@@ -3377,7 +3736,7 @@
             </a:pPr>
             <a:fld id="{00000000-1234-1234-1234-123412341234}" type="slidenum">
               <a:rPr lang="pl-PL"/>
-              <a:t>15</a:t>
+              <a:t>19</a:t>
             </a:fld>
             <a:endParaRPr/>
           </a:p>
@@ -3391,12 +3750,12 @@
 </p:notes>
 </file>
 
-<file path=ppt/notesSlides/notesSlide16.xml><?xml version="1.0" encoding="utf-8"?>
+<file path=ppt/notesSlides/notesSlide19.xml><?xml version="1.0" encoding="utf-8"?>
 <p:notes xmlns:a="http://schemas.openxmlformats.org/drawingml/2006/main" xmlns:r="http://schemas.openxmlformats.org/officeDocument/2006/relationships" xmlns:p="http://schemas.openxmlformats.org/presentationml/2006/main" showMasterSp="0" showMasterPhAnim="0">
   <p:cSld>
     <p:spTree>
       <p:nvGrpSpPr>
-        <p:cNvPr id="1" name="Shape 204"/>
+        <p:cNvPr id="1" name="Shape 230"/>
         <p:cNvGrpSpPr/>
         <p:nvPr/>
       </p:nvGrpSpPr>
@@ -3410,7 +3769,7 @@
       </p:grpSpPr>
       <p:sp>
         <p:nvSpPr>
-          <p:cNvPr id="205" name="Google Shape;205;g43890d43db_0_43:notes"/>
+          <p:cNvPr id="231" name="Google Shape;231;g43890d43db_0_158:notes"/>
           <p:cNvSpPr>
             <a:spLocks noGrp="1" noRot="1" noChangeAspect="1"/>
           </p:cNvSpPr>
@@ -3451,7 +3810,7 @@
       </p:sp>
       <p:sp>
         <p:nvSpPr>
-          <p:cNvPr id="206" name="Google Shape;206;g43890d43db_0_43:notes"/>
+          <p:cNvPr id="232" name="Google Shape;232;g43890d43db_0_158:notes"/>
           <p:cNvSpPr txBox="1">
             <a:spLocks noGrp="1"/>
           </p:cNvSpPr>
@@ -3483,13 +3842,13 @@
               </a:spcAft>
               <a:buNone/>
             </a:pPr>
-            <a:endParaRPr/>
+            <a:endParaRPr dirty="0"/>
           </a:p>
         </p:txBody>
       </p:sp>
       <p:sp>
         <p:nvSpPr>
-          <p:cNvPr id="207" name="Google Shape;207;g43890d43db_0_43:notes"/>
+          <p:cNvPr id="233" name="Google Shape;233;g43890d43db_0_158:notes"/>
           <p:cNvSpPr txBox="1">
             <a:spLocks noGrp="1"/>
           </p:cNvSpPr>
@@ -3527,18 +3886,13 @@
             </a:pPr>
             <a:fld id="{00000000-1234-1234-1234-123412341234}" type="slidenum">
               <a:rPr lang="pl-PL"/>
-              <a:t>16</a:t>
+              <a:t>20</a:t>
             </a:fld>
             <a:endParaRPr/>
           </a:p>
         </p:txBody>
       </p:sp>
     </p:spTree>
-    <p:extLst>
-      <p:ext uri="{BB962C8B-B14F-4D97-AF65-F5344CB8AC3E}">
-        <p14:creationId xmlns:p14="http://schemas.microsoft.com/office/powerpoint/2010/main" val="3007331525"/>
-      </p:ext>
-    </p:extLst>
   </p:cSld>
   <p:clrMapOvr>
     <a:masterClrMapping/>
@@ -3546,7 +3900,411 @@
 </p:notes>
 </file>
 
-<file path=ppt/notesSlides/notesSlide17.xml><?xml version="1.0" encoding="utf-8"?>
+<file path=ppt/notesSlides/notesSlide2.xml><?xml version="1.0" encoding="utf-8"?>
+<p:notes xmlns:a="http://schemas.openxmlformats.org/drawingml/2006/main" xmlns:r="http://schemas.openxmlformats.org/officeDocument/2006/relationships" xmlns:p="http://schemas.openxmlformats.org/presentationml/2006/main" showMasterSp="0" showMasterPhAnim="0">
+  <p:cSld>
+    <p:spTree>
+      <p:nvGrpSpPr>
+        <p:cNvPr id="1" name="Shape 117"/>
+        <p:cNvGrpSpPr/>
+        <p:nvPr/>
+      </p:nvGrpSpPr>
+      <p:grpSpPr>
+        <a:xfrm>
+          <a:off x="0" y="0"/>
+          <a:ext cx="0" cy="0"/>
+          <a:chOff x="0" y="0"/>
+          <a:chExt cx="0" cy="0"/>
+        </a:xfrm>
+      </p:grpSpPr>
+      <p:sp>
+        <p:nvSpPr>
+          <p:cNvPr id="118" name="Google Shape;118;g61ba67e3e7_0_0:notes"/>
+          <p:cNvSpPr txBox="1">
+            <a:spLocks noGrp="1"/>
+          </p:cNvSpPr>
+          <p:nvPr>
+            <p:ph type="body" idx="1"/>
+          </p:nvPr>
+        </p:nvSpPr>
+        <p:spPr>
+          <a:xfrm>
+            <a:off x="685800" y="4343400"/>
+            <a:ext cx="5486400" cy="4114800"/>
+          </a:xfrm>
+          <a:prstGeom prst="rect">
+            <a:avLst/>
+          </a:prstGeom>
+        </p:spPr>
+        <p:txBody>
+          <a:bodyPr spcFirstLastPara="1" wrap="square" lIns="91425" tIns="45700" rIns="91425" bIns="45700" anchor="t" anchorCtr="0">
+            <a:noAutofit/>
+          </a:bodyPr>
+          <a:lstStyle/>
+          <a:p>
+            <a:pPr marL="0" lvl="0" indent="0" algn="l" rtl="0">
+              <a:spcBef>
+                <a:spcPts val="0"/>
+              </a:spcBef>
+              <a:spcAft>
+                <a:spcPts val="0"/>
+              </a:spcAft>
+              <a:buNone/>
+            </a:pPr>
+            <a:endParaRPr/>
+          </a:p>
+        </p:txBody>
+      </p:sp>
+      <p:sp>
+        <p:nvSpPr>
+          <p:cNvPr id="119" name="Google Shape;119;g61ba67e3e7_0_0:notes"/>
+          <p:cNvSpPr>
+            <a:spLocks noGrp="1" noRot="1" noChangeAspect="1"/>
+          </p:cNvSpPr>
+          <p:nvPr>
+            <p:ph type="sldImg" idx="2"/>
+          </p:nvPr>
+        </p:nvSpPr>
+        <p:spPr>
+          <a:xfrm>
+            <a:off x="1143000" y="685800"/>
+            <a:ext cx="4572000" cy="3429000"/>
+          </a:xfrm>
+          <a:custGeom>
+            <a:avLst/>
+            <a:gdLst/>
+            <a:ahLst/>
+            <a:cxnLst/>
+            <a:rect l="l" t="t" r="r" b="b"/>
+            <a:pathLst>
+              <a:path w="120000" h="120000" extrusionOk="0">
+                <a:moveTo>
+                  <a:pt x="0" y="0"/>
+                </a:moveTo>
+                <a:lnTo>
+                  <a:pt x="120000" y="0"/>
+                </a:lnTo>
+                <a:lnTo>
+                  <a:pt x="120000" y="120000"/>
+                </a:lnTo>
+                <a:lnTo>
+                  <a:pt x="0" y="120000"/>
+                </a:lnTo>
+                <a:close/>
+              </a:path>
+            </a:pathLst>
+          </a:custGeom>
+        </p:spPr>
+      </p:sp>
+    </p:spTree>
+  </p:cSld>
+  <p:clrMapOvr>
+    <a:masterClrMapping/>
+  </p:clrMapOvr>
+</p:notes>
+</file>
+
+<file path=ppt/notesSlides/notesSlide20.xml><?xml version="1.0" encoding="utf-8"?>
+<p:notes xmlns:a="http://schemas.openxmlformats.org/drawingml/2006/main" xmlns:r="http://schemas.openxmlformats.org/officeDocument/2006/relationships" xmlns:p="http://schemas.openxmlformats.org/presentationml/2006/main" showMasterSp="0" showMasterPhAnim="0">
+  <p:cSld>
+    <p:spTree>
+      <p:nvGrpSpPr>
+        <p:cNvPr id="1" name="Shape 188"/>
+        <p:cNvGrpSpPr/>
+        <p:nvPr/>
+      </p:nvGrpSpPr>
+      <p:grpSpPr>
+        <a:xfrm>
+          <a:off x="0" y="0"/>
+          <a:ext cx="0" cy="0"/>
+          <a:chOff x="0" y="0"/>
+          <a:chExt cx="0" cy="0"/>
+        </a:xfrm>
+      </p:grpSpPr>
+      <p:sp>
+        <p:nvSpPr>
+          <p:cNvPr id="189" name="Google Shape;189;g53812badc3_0_0:notes"/>
+          <p:cNvSpPr>
+            <a:spLocks noGrp="1" noRot="1" noChangeAspect="1"/>
+          </p:cNvSpPr>
+          <p:nvPr>
+            <p:ph type="sldImg" idx="2"/>
+          </p:nvPr>
+        </p:nvSpPr>
+        <p:spPr>
+          <a:xfrm>
+            <a:off x="1143000" y="685800"/>
+            <a:ext cx="4572000" cy="3429000"/>
+          </a:xfrm>
+          <a:custGeom>
+            <a:avLst/>
+            <a:gdLst/>
+            <a:ahLst/>
+            <a:cxnLst/>
+            <a:rect l="l" t="t" r="r" b="b"/>
+            <a:pathLst>
+              <a:path w="120000" h="120000" extrusionOk="0">
+                <a:moveTo>
+                  <a:pt x="0" y="0"/>
+                </a:moveTo>
+                <a:lnTo>
+                  <a:pt x="120000" y="0"/>
+                </a:lnTo>
+                <a:lnTo>
+                  <a:pt x="120000" y="120000"/>
+                </a:lnTo>
+                <a:lnTo>
+                  <a:pt x="0" y="120000"/>
+                </a:lnTo>
+                <a:close/>
+              </a:path>
+            </a:pathLst>
+          </a:custGeom>
+        </p:spPr>
+      </p:sp>
+      <p:sp>
+        <p:nvSpPr>
+          <p:cNvPr id="190" name="Google Shape;190;g53812badc3_0_0:notes"/>
+          <p:cNvSpPr txBox="1">
+            <a:spLocks noGrp="1"/>
+          </p:cNvSpPr>
+          <p:nvPr>
+            <p:ph type="body" idx="1"/>
+          </p:nvPr>
+        </p:nvSpPr>
+        <p:spPr>
+          <a:xfrm>
+            <a:off x="685800" y="4343400"/>
+            <a:ext cx="5486400" cy="4114800"/>
+          </a:xfrm>
+          <a:prstGeom prst="rect">
+            <a:avLst/>
+          </a:prstGeom>
+        </p:spPr>
+        <p:txBody>
+          <a:bodyPr spcFirstLastPara="1" wrap="square" lIns="91425" tIns="45700" rIns="91425" bIns="45700" anchor="t" anchorCtr="0">
+            <a:noAutofit/>
+          </a:bodyPr>
+          <a:lstStyle/>
+          <a:p>
+            <a:pPr marL="0" lvl="0" indent="0" algn="l" rtl="0">
+              <a:spcBef>
+                <a:spcPts val="0"/>
+              </a:spcBef>
+              <a:spcAft>
+                <a:spcPts val="0"/>
+              </a:spcAft>
+              <a:buNone/>
+            </a:pPr>
+            <a:endParaRPr/>
+          </a:p>
+        </p:txBody>
+      </p:sp>
+      <p:sp>
+        <p:nvSpPr>
+          <p:cNvPr id="191" name="Google Shape;191;g53812badc3_0_0:notes"/>
+          <p:cNvSpPr txBox="1">
+            <a:spLocks noGrp="1"/>
+          </p:cNvSpPr>
+          <p:nvPr>
+            <p:ph type="sldNum" idx="12"/>
+          </p:nvPr>
+        </p:nvSpPr>
+        <p:spPr>
+          <a:xfrm>
+            <a:off x="3884613" y="8685213"/>
+            <a:ext cx="2971800" cy="457200"/>
+          </a:xfrm>
+          <a:prstGeom prst="rect">
+            <a:avLst/>
+          </a:prstGeom>
+        </p:spPr>
+        <p:txBody>
+          <a:bodyPr spcFirstLastPara="1" wrap="square" lIns="91425" tIns="45700" rIns="91425" bIns="45700" anchor="b" anchorCtr="0">
+            <a:noAutofit/>
+          </a:bodyPr>
+          <a:lstStyle/>
+          <a:p>
+            <a:pPr marL="0" lvl="0" indent="0" algn="r" rtl="0">
+              <a:spcBef>
+                <a:spcPts val="0"/>
+              </a:spcBef>
+              <a:spcAft>
+                <a:spcPts val="0"/>
+              </a:spcAft>
+              <a:buClr>
+                <a:srgbClr val="000000"/>
+              </a:buClr>
+              <a:buFont typeface="Arial"/>
+              <a:buNone/>
+            </a:pPr>
+            <a:fld id="{00000000-1234-1234-1234-123412341234}" type="slidenum">
+              <a:rPr lang="pl-PL"/>
+              <a:t>21</a:t>
+            </a:fld>
+            <a:endParaRPr/>
+          </a:p>
+        </p:txBody>
+      </p:sp>
+    </p:spTree>
+  </p:cSld>
+  <p:clrMapOvr>
+    <a:masterClrMapping/>
+  </p:clrMapOvr>
+</p:notes>
+</file>
+
+<file path=ppt/notesSlides/notesSlide21.xml><?xml version="1.0" encoding="utf-8"?>
+<p:notes xmlns:a="http://schemas.openxmlformats.org/drawingml/2006/main" xmlns:r="http://schemas.openxmlformats.org/officeDocument/2006/relationships" xmlns:p="http://schemas.openxmlformats.org/presentationml/2006/main" showMasterSp="0" showMasterPhAnim="0">
+  <p:cSld>
+    <p:spTree>
+      <p:nvGrpSpPr>
+        <p:cNvPr id="1" name="Shape 172"/>
+        <p:cNvGrpSpPr/>
+        <p:nvPr/>
+      </p:nvGrpSpPr>
+      <p:grpSpPr>
+        <a:xfrm>
+          <a:off x="0" y="0"/>
+          <a:ext cx="0" cy="0"/>
+          <a:chOff x="0" y="0"/>
+          <a:chExt cx="0" cy="0"/>
+        </a:xfrm>
+      </p:grpSpPr>
+      <p:sp>
+        <p:nvSpPr>
+          <p:cNvPr id="173" name="Google Shape;173;g43890d43db_0_57:notes"/>
+          <p:cNvSpPr>
+            <a:spLocks noGrp="1" noRot="1" noChangeAspect="1"/>
+          </p:cNvSpPr>
+          <p:nvPr>
+            <p:ph type="sldImg" idx="2"/>
+          </p:nvPr>
+        </p:nvSpPr>
+        <p:spPr>
+          <a:xfrm>
+            <a:off x="1143000" y="685800"/>
+            <a:ext cx="4572000" cy="3429000"/>
+          </a:xfrm>
+          <a:custGeom>
+            <a:avLst/>
+            <a:gdLst/>
+            <a:ahLst/>
+            <a:cxnLst/>
+            <a:rect l="l" t="t" r="r" b="b"/>
+            <a:pathLst>
+              <a:path w="120000" h="120000" extrusionOk="0">
+                <a:moveTo>
+                  <a:pt x="0" y="0"/>
+                </a:moveTo>
+                <a:lnTo>
+                  <a:pt x="120000" y="0"/>
+                </a:lnTo>
+                <a:lnTo>
+                  <a:pt x="120000" y="120000"/>
+                </a:lnTo>
+                <a:lnTo>
+                  <a:pt x="0" y="120000"/>
+                </a:lnTo>
+                <a:close/>
+              </a:path>
+            </a:pathLst>
+          </a:custGeom>
+        </p:spPr>
+      </p:sp>
+      <p:sp>
+        <p:nvSpPr>
+          <p:cNvPr id="174" name="Google Shape;174;g43890d43db_0_57:notes"/>
+          <p:cNvSpPr txBox="1">
+            <a:spLocks noGrp="1"/>
+          </p:cNvSpPr>
+          <p:nvPr>
+            <p:ph type="body" idx="1"/>
+          </p:nvPr>
+        </p:nvSpPr>
+        <p:spPr>
+          <a:xfrm>
+            <a:off x="685800" y="4343400"/>
+            <a:ext cx="5486400" cy="4114800"/>
+          </a:xfrm>
+          <a:prstGeom prst="rect">
+            <a:avLst/>
+          </a:prstGeom>
+        </p:spPr>
+        <p:txBody>
+          <a:bodyPr spcFirstLastPara="1" wrap="square" lIns="91425" tIns="45700" rIns="91425" bIns="45700" anchor="t" anchorCtr="0">
+            <a:noAutofit/>
+          </a:bodyPr>
+          <a:lstStyle/>
+          <a:p>
+            <a:pPr marL="0" lvl="0" indent="0" algn="l" rtl="0">
+              <a:spcBef>
+                <a:spcPts val="0"/>
+              </a:spcBef>
+              <a:spcAft>
+                <a:spcPts val="0"/>
+              </a:spcAft>
+              <a:buNone/>
+            </a:pPr>
+            <a:endParaRPr/>
+          </a:p>
+        </p:txBody>
+      </p:sp>
+      <p:sp>
+        <p:nvSpPr>
+          <p:cNvPr id="175" name="Google Shape;175;g43890d43db_0_57:notes"/>
+          <p:cNvSpPr txBox="1">
+            <a:spLocks noGrp="1"/>
+          </p:cNvSpPr>
+          <p:nvPr>
+            <p:ph type="sldNum" idx="12"/>
+          </p:nvPr>
+        </p:nvSpPr>
+        <p:spPr>
+          <a:xfrm>
+            <a:off x="3884613" y="8685213"/>
+            <a:ext cx="2971800" cy="457200"/>
+          </a:xfrm>
+          <a:prstGeom prst="rect">
+            <a:avLst/>
+          </a:prstGeom>
+        </p:spPr>
+        <p:txBody>
+          <a:bodyPr spcFirstLastPara="1" wrap="square" lIns="91425" tIns="45700" rIns="91425" bIns="45700" anchor="b" anchorCtr="0">
+            <a:noAutofit/>
+          </a:bodyPr>
+          <a:lstStyle/>
+          <a:p>
+            <a:pPr marL="0" lvl="0" indent="0" algn="r" rtl="0">
+              <a:spcBef>
+                <a:spcPts val="0"/>
+              </a:spcBef>
+              <a:spcAft>
+                <a:spcPts val="0"/>
+              </a:spcAft>
+              <a:buClr>
+                <a:srgbClr val="000000"/>
+              </a:buClr>
+              <a:buFont typeface="Arial"/>
+              <a:buNone/>
+            </a:pPr>
+            <a:fld id="{00000000-1234-1234-1234-123412341234}" type="slidenum">
+              <a:rPr lang="pl-PL"/>
+              <a:t>22</a:t>
+            </a:fld>
+            <a:endParaRPr/>
+          </a:p>
+        </p:txBody>
+      </p:sp>
+    </p:spTree>
+  </p:cSld>
+  <p:clrMapOvr>
+    <a:masterClrMapping/>
+  </p:clrMapOvr>
+</p:notes>
+</file>
+
+<file path=ppt/notesSlides/notesSlide22.xml><?xml version="1.0" encoding="utf-8"?>
 <p:notes xmlns:a="http://schemas.openxmlformats.org/drawingml/2006/main" xmlns:r="http://schemas.openxmlformats.org/officeDocument/2006/relationships" xmlns:p="http://schemas.openxmlformats.org/presentationml/2006/main" showMasterSp="0" showMasterPhAnim="0">
   <p:cSld>
     <p:spTree>
@@ -3682,7 +4440,7 @@
             </a:pPr>
             <a:fld id="{00000000-1234-1234-1234-123412341234}" type="slidenum">
               <a:rPr lang="pl-PL"/>
-              <a:t>17</a:t>
+              <a:t>23</a:t>
             </a:fld>
             <a:endParaRPr/>
           </a:p>
@@ -3696,411 +4454,7 @@
 </p:notes>
 </file>
 
-<file path=ppt/notesSlides/notesSlide18.xml><?xml version="1.0" encoding="utf-8"?>
-<p:notes xmlns:a="http://schemas.openxmlformats.org/drawingml/2006/main" xmlns:r="http://schemas.openxmlformats.org/officeDocument/2006/relationships" xmlns:p="http://schemas.openxmlformats.org/presentationml/2006/main" showMasterSp="0" showMasterPhAnim="0">
-  <p:cSld>
-    <p:spTree>
-      <p:nvGrpSpPr>
-        <p:cNvPr id="1" name="Shape 180"/>
-        <p:cNvGrpSpPr/>
-        <p:nvPr/>
-      </p:nvGrpSpPr>
-      <p:grpSpPr>
-        <a:xfrm>
-          <a:off x="0" y="0"/>
-          <a:ext cx="0" cy="0"/>
-          <a:chOff x="0" y="0"/>
-          <a:chExt cx="0" cy="0"/>
-        </a:xfrm>
-      </p:grpSpPr>
-      <p:sp>
-        <p:nvSpPr>
-          <p:cNvPr id="181" name="Google Shape;181;g43890d43db_0_31:notes"/>
-          <p:cNvSpPr>
-            <a:spLocks noGrp="1" noRot="1" noChangeAspect="1"/>
-          </p:cNvSpPr>
-          <p:nvPr>
-            <p:ph type="sldImg" idx="2"/>
-          </p:nvPr>
-        </p:nvSpPr>
-        <p:spPr>
-          <a:xfrm>
-            <a:off x="1143000" y="685800"/>
-            <a:ext cx="4572000" cy="3429000"/>
-          </a:xfrm>
-          <a:custGeom>
-            <a:avLst/>
-            <a:gdLst/>
-            <a:ahLst/>
-            <a:cxnLst/>
-            <a:rect l="l" t="t" r="r" b="b"/>
-            <a:pathLst>
-              <a:path w="120000" h="120000" extrusionOk="0">
-                <a:moveTo>
-                  <a:pt x="0" y="0"/>
-                </a:moveTo>
-                <a:lnTo>
-                  <a:pt x="120000" y="0"/>
-                </a:lnTo>
-                <a:lnTo>
-                  <a:pt x="120000" y="120000"/>
-                </a:lnTo>
-                <a:lnTo>
-                  <a:pt x="0" y="120000"/>
-                </a:lnTo>
-                <a:close/>
-              </a:path>
-            </a:pathLst>
-          </a:custGeom>
-        </p:spPr>
-      </p:sp>
-      <p:sp>
-        <p:nvSpPr>
-          <p:cNvPr id="182" name="Google Shape;182;g43890d43db_0_31:notes"/>
-          <p:cNvSpPr txBox="1">
-            <a:spLocks noGrp="1"/>
-          </p:cNvSpPr>
-          <p:nvPr>
-            <p:ph type="body" idx="1"/>
-          </p:nvPr>
-        </p:nvSpPr>
-        <p:spPr>
-          <a:xfrm>
-            <a:off x="685800" y="4343400"/>
-            <a:ext cx="5486400" cy="4114800"/>
-          </a:xfrm>
-          <a:prstGeom prst="rect">
-            <a:avLst/>
-          </a:prstGeom>
-        </p:spPr>
-        <p:txBody>
-          <a:bodyPr spcFirstLastPara="1" wrap="square" lIns="91425" tIns="45700" rIns="91425" bIns="45700" anchor="t" anchorCtr="0">
-            <a:noAutofit/>
-          </a:bodyPr>
-          <a:lstStyle/>
-          <a:p>
-            <a:pPr marL="0" lvl="0" indent="0" algn="l" rtl="0">
-              <a:spcBef>
-                <a:spcPts val="0"/>
-              </a:spcBef>
-              <a:spcAft>
-                <a:spcPts val="0"/>
-              </a:spcAft>
-              <a:buNone/>
-            </a:pPr>
-            <a:endParaRPr/>
-          </a:p>
-        </p:txBody>
-      </p:sp>
-      <p:sp>
-        <p:nvSpPr>
-          <p:cNvPr id="183" name="Google Shape;183;g43890d43db_0_31:notes"/>
-          <p:cNvSpPr txBox="1">
-            <a:spLocks noGrp="1"/>
-          </p:cNvSpPr>
-          <p:nvPr>
-            <p:ph type="sldNum" idx="12"/>
-          </p:nvPr>
-        </p:nvSpPr>
-        <p:spPr>
-          <a:xfrm>
-            <a:off x="3884613" y="8685213"/>
-            <a:ext cx="2971800" cy="457200"/>
-          </a:xfrm>
-          <a:prstGeom prst="rect">
-            <a:avLst/>
-          </a:prstGeom>
-        </p:spPr>
-        <p:txBody>
-          <a:bodyPr spcFirstLastPara="1" wrap="square" lIns="91425" tIns="45700" rIns="91425" bIns="45700" anchor="b" anchorCtr="0">
-            <a:noAutofit/>
-          </a:bodyPr>
-          <a:lstStyle/>
-          <a:p>
-            <a:pPr marL="0" lvl="0" indent="0" algn="r" rtl="0">
-              <a:spcBef>
-                <a:spcPts val="0"/>
-              </a:spcBef>
-              <a:spcAft>
-                <a:spcPts val="0"/>
-              </a:spcAft>
-              <a:buClr>
-                <a:srgbClr val="000000"/>
-              </a:buClr>
-              <a:buFont typeface="Arial"/>
-              <a:buNone/>
-            </a:pPr>
-            <a:fld id="{00000000-1234-1234-1234-123412341234}" type="slidenum">
-              <a:rPr lang="pl-PL"/>
-              <a:t>18</a:t>
-            </a:fld>
-            <a:endParaRPr/>
-          </a:p>
-        </p:txBody>
-      </p:sp>
-    </p:spTree>
-  </p:cSld>
-  <p:clrMapOvr>
-    <a:masterClrMapping/>
-  </p:clrMapOvr>
-</p:notes>
-</file>
-
-<file path=ppt/notesSlides/notesSlide19.xml><?xml version="1.0" encoding="utf-8"?>
-<p:notes xmlns:a="http://schemas.openxmlformats.org/drawingml/2006/main" xmlns:r="http://schemas.openxmlformats.org/officeDocument/2006/relationships" xmlns:p="http://schemas.openxmlformats.org/presentationml/2006/main" showMasterSp="0" showMasterPhAnim="0">
-  <p:cSld>
-    <p:spTree>
-      <p:nvGrpSpPr>
-        <p:cNvPr id="1" name="Shape 162"/>
-        <p:cNvGrpSpPr/>
-        <p:nvPr/>
-      </p:nvGrpSpPr>
-      <p:grpSpPr>
-        <a:xfrm>
-          <a:off x="0" y="0"/>
-          <a:ext cx="0" cy="0"/>
-          <a:chOff x="0" y="0"/>
-          <a:chExt cx="0" cy="0"/>
-        </a:xfrm>
-      </p:grpSpPr>
-      <p:sp>
-        <p:nvSpPr>
-          <p:cNvPr id="163" name="Google Shape;163;g4372e70eba_0_34:notes"/>
-          <p:cNvSpPr>
-            <a:spLocks noGrp="1" noRot="1" noChangeAspect="1"/>
-          </p:cNvSpPr>
-          <p:nvPr>
-            <p:ph type="sldImg" idx="2"/>
-          </p:nvPr>
-        </p:nvSpPr>
-        <p:spPr>
-          <a:xfrm>
-            <a:off x="1143000" y="685800"/>
-            <a:ext cx="4572000" cy="3429000"/>
-          </a:xfrm>
-          <a:custGeom>
-            <a:avLst/>
-            <a:gdLst/>
-            <a:ahLst/>
-            <a:cxnLst/>
-            <a:rect l="l" t="t" r="r" b="b"/>
-            <a:pathLst>
-              <a:path w="120000" h="120000" extrusionOk="0">
-                <a:moveTo>
-                  <a:pt x="0" y="0"/>
-                </a:moveTo>
-                <a:lnTo>
-                  <a:pt x="120000" y="0"/>
-                </a:lnTo>
-                <a:lnTo>
-                  <a:pt x="120000" y="120000"/>
-                </a:lnTo>
-                <a:lnTo>
-                  <a:pt x="0" y="120000"/>
-                </a:lnTo>
-                <a:close/>
-              </a:path>
-            </a:pathLst>
-          </a:custGeom>
-        </p:spPr>
-      </p:sp>
-      <p:sp>
-        <p:nvSpPr>
-          <p:cNvPr id="164" name="Google Shape;164;g4372e70eba_0_34:notes"/>
-          <p:cNvSpPr txBox="1">
-            <a:spLocks noGrp="1"/>
-          </p:cNvSpPr>
-          <p:nvPr>
-            <p:ph type="body" idx="1"/>
-          </p:nvPr>
-        </p:nvSpPr>
-        <p:spPr>
-          <a:xfrm>
-            <a:off x="685800" y="4343400"/>
-            <a:ext cx="5486400" cy="4114800"/>
-          </a:xfrm>
-          <a:prstGeom prst="rect">
-            <a:avLst/>
-          </a:prstGeom>
-        </p:spPr>
-        <p:txBody>
-          <a:bodyPr spcFirstLastPara="1" wrap="square" lIns="91425" tIns="45700" rIns="91425" bIns="45700" anchor="t" anchorCtr="0">
-            <a:noAutofit/>
-          </a:bodyPr>
-          <a:lstStyle/>
-          <a:p>
-            <a:pPr marL="0" lvl="0" indent="0" algn="l" rtl="0">
-              <a:spcBef>
-                <a:spcPts val="0"/>
-              </a:spcBef>
-              <a:spcAft>
-                <a:spcPts val="0"/>
-              </a:spcAft>
-              <a:buNone/>
-            </a:pPr>
-            <a:endParaRPr/>
-          </a:p>
-        </p:txBody>
-      </p:sp>
-      <p:sp>
-        <p:nvSpPr>
-          <p:cNvPr id="165" name="Google Shape;165;g4372e70eba_0_34:notes"/>
-          <p:cNvSpPr txBox="1">
-            <a:spLocks noGrp="1"/>
-          </p:cNvSpPr>
-          <p:nvPr>
-            <p:ph type="sldNum" idx="12"/>
-          </p:nvPr>
-        </p:nvSpPr>
-        <p:spPr>
-          <a:xfrm>
-            <a:off x="3884613" y="8685213"/>
-            <a:ext cx="2971800" cy="457200"/>
-          </a:xfrm>
-          <a:prstGeom prst="rect">
-            <a:avLst/>
-          </a:prstGeom>
-        </p:spPr>
-        <p:txBody>
-          <a:bodyPr spcFirstLastPara="1" wrap="square" lIns="91425" tIns="45700" rIns="91425" bIns="45700" anchor="b" anchorCtr="0">
-            <a:noAutofit/>
-          </a:bodyPr>
-          <a:lstStyle/>
-          <a:p>
-            <a:pPr marL="0" lvl="0" indent="0" algn="r" rtl="0">
-              <a:spcBef>
-                <a:spcPts val="0"/>
-              </a:spcBef>
-              <a:spcAft>
-                <a:spcPts val="0"/>
-              </a:spcAft>
-              <a:buClr>
-                <a:srgbClr val="000000"/>
-              </a:buClr>
-              <a:buFont typeface="Arial"/>
-              <a:buNone/>
-            </a:pPr>
-            <a:fld id="{00000000-1234-1234-1234-123412341234}" type="slidenum">
-              <a:rPr lang="pl-PL"/>
-              <a:t>19</a:t>
-            </a:fld>
-            <a:endParaRPr/>
-          </a:p>
-        </p:txBody>
-      </p:sp>
-    </p:spTree>
-  </p:cSld>
-  <p:clrMapOvr>
-    <a:masterClrMapping/>
-  </p:clrMapOvr>
-</p:notes>
-</file>
-
-<file path=ppt/notesSlides/notesSlide2.xml><?xml version="1.0" encoding="utf-8"?>
-<p:notes xmlns:a="http://schemas.openxmlformats.org/drawingml/2006/main" xmlns:r="http://schemas.openxmlformats.org/officeDocument/2006/relationships" xmlns:p="http://schemas.openxmlformats.org/presentationml/2006/main" showMasterSp="0" showMasterPhAnim="0">
-  <p:cSld>
-    <p:spTree>
-      <p:nvGrpSpPr>
-        <p:cNvPr id="1" name="Shape 117"/>
-        <p:cNvGrpSpPr/>
-        <p:nvPr/>
-      </p:nvGrpSpPr>
-      <p:grpSpPr>
-        <a:xfrm>
-          <a:off x="0" y="0"/>
-          <a:ext cx="0" cy="0"/>
-          <a:chOff x="0" y="0"/>
-          <a:chExt cx="0" cy="0"/>
-        </a:xfrm>
-      </p:grpSpPr>
-      <p:sp>
-        <p:nvSpPr>
-          <p:cNvPr id="118" name="Google Shape;118;g61ba67e3e7_0_0:notes"/>
-          <p:cNvSpPr txBox="1">
-            <a:spLocks noGrp="1"/>
-          </p:cNvSpPr>
-          <p:nvPr>
-            <p:ph type="body" idx="1"/>
-          </p:nvPr>
-        </p:nvSpPr>
-        <p:spPr>
-          <a:xfrm>
-            <a:off x="685800" y="4343400"/>
-            <a:ext cx="5486400" cy="4114800"/>
-          </a:xfrm>
-          <a:prstGeom prst="rect">
-            <a:avLst/>
-          </a:prstGeom>
-        </p:spPr>
-        <p:txBody>
-          <a:bodyPr spcFirstLastPara="1" wrap="square" lIns="91425" tIns="45700" rIns="91425" bIns="45700" anchor="t" anchorCtr="0">
-            <a:noAutofit/>
-          </a:bodyPr>
-          <a:lstStyle/>
-          <a:p>
-            <a:pPr marL="0" lvl="0" indent="0" algn="l" rtl="0">
-              <a:spcBef>
-                <a:spcPts val="0"/>
-              </a:spcBef>
-              <a:spcAft>
-                <a:spcPts val="0"/>
-              </a:spcAft>
-              <a:buNone/>
-            </a:pPr>
-            <a:endParaRPr/>
-          </a:p>
-        </p:txBody>
-      </p:sp>
-      <p:sp>
-        <p:nvSpPr>
-          <p:cNvPr id="119" name="Google Shape;119;g61ba67e3e7_0_0:notes"/>
-          <p:cNvSpPr>
-            <a:spLocks noGrp="1" noRot="1" noChangeAspect="1"/>
-          </p:cNvSpPr>
-          <p:nvPr>
-            <p:ph type="sldImg" idx="2"/>
-          </p:nvPr>
-        </p:nvSpPr>
-        <p:spPr>
-          <a:xfrm>
-            <a:off x="1143000" y="685800"/>
-            <a:ext cx="4572000" cy="3429000"/>
-          </a:xfrm>
-          <a:custGeom>
-            <a:avLst/>
-            <a:gdLst/>
-            <a:ahLst/>
-            <a:cxnLst/>
-            <a:rect l="l" t="t" r="r" b="b"/>
-            <a:pathLst>
-              <a:path w="120000" h="120000" extrusionOk="0">
-                <a:moveTo>
-                  <a:pt x="0" y="0"/>
-                </a:moveTo>
-                <a:lnTo>
-                  <a:pt x="120000" y="0"/>
-                </a:lnTo>
-                <a:lnTo>
-                  <a:pt x="120000" y="120000"/>
-                </a:lnTo>
-                <a:lnTo>
-                  <a:pt x="0" y="120000"/>
-                </a:lnTo>
-                <a:close/>
-              </a:path>
-            </a:pathLst>
-          </a:custGeom>
-        </p:spPr>
-      </p:sp>
-    </p:spTree>
-  </p:cSld>
-  <p:clrMapOvr>
-    <a:masterClrMapping/>
-  </p:clrMapOvr>
-</p:notes>
-</file>
-
-<file path=ppt/notesSlides/notesSlide20.xml><?xml version="1.0" encoding="utf-8"?>
+<file path=ppt/notesSlides/notesSlide23.xml><?xml version="1.0" encoding="utf-8"?>
 <p:notes xmlns:a="http://schemas.openxmlformats.org/drawingml/2006/main" xmlns:r="http://schemas.openxmlformats.org/officeDocument/2006/relationships" xmlns:p="http://schemas.openxmlformats.org/presentationml/2006/main" showMasterSp="0" showMasterPhAnim="0">
   <p:cSld>
     <p:spTree>
@@ -4236,7 +4590,7 @@
             </a:pPr>
             <a:fld id="{00000000-1234-1234-1234-123412341234}" type="slidenum">
               <a:rPr lang="pl-PL"/>
-              <a:t>20</a:t>
+              <a:t>24</a:t>
             </a:fld>
             <a:endParaRPr/>
           </a:p>
@@ -4250,7 +4604,7 @@
 </p:notes>
 </file>
 
-<file path=ppt/notesSlides/notesSlide21.xml><?xml version="1.0" encoding="utf-8"?>
+<file path=ppt/notesSlides/notesSlide24.xml><?xml version="1.0" encoding="utf-8"?>
 <p:notes xmlns:a="http://schemas.openxmlformats.org/drawingml/2006/main" xmlns:r="http://schemas.openxmlformats.org/officeDocument/2006/relationships" xmlns:p="http://schemas.openxmlformats.org/presentationml/2006/main" showMasterSp="0" showMasterPhAnim="0">
   <p:cSld>
     <p:spTree>
@@ -4354,7 +4708,7 @@
 </p:notes>
 </file>
 
-<file path=ppt/notesSlides/notesSlide22.xml><?xml version="1.0" encoding="utf-8"?>
+<file path=ppt/notesSlides/notesSlide25.xml><?xml version="1.0" encoding="utf-8"?>
 <p:notes xmlns:a="http://schemas.openxmlformats.org/drawingml/2006/main" xmlns:r="http://schemas.openxmlformats.org/officeDocument/2006/relationships" xmlns:p="http://schemas.openxmlformats.org/presentationml/2006/main" showMasterSp="0" showMasterPhAnim="0">
   <p:cSld>
     <p:spTree>
@@ -4490,7 +4844,7 @@
             </a:pPr>
             <a:fld id="{00000000-1234-1234-1234-123412341234}" type="slidenum">
               <a:rPr lang="pl-PL"/>
-              <a:t>22</a:t>
+              <a:t>26</a:t>
             </a:fld>
             <a:endParaRPr/>
           </a:p>
@@ -4504,7 +4858,7 @@
 </p:notes>
 </file>
 
-<file path=ppt/notesSlides/notesSlide23.xml><?xml version="1.0" encoding="utf-8"?>
+<file path=ppt/notesSlides/notesSlide26.xml><?xml version="1.0" encoding="utf-8"?>
 <p:notes xmlns:a="http://schemas.openxmlformats.org/drawingml/2006/main" xmlns:r="http://schemas.openxmlformats.org/officeDocument/2006/relationships" xmlns:p="http://schemas.openxmlformats.org/presentationml/2006/main" showMasterSp="0" showMasterPhAnim="0">
   <p:cSld>
     <p:spTree>
@@ -4640,411 +4994,7 @@
             </a:pPr>
             <a:fld id="{00000000-1234-1234-1234-123412341234}" type="slidenum">
               <a:rPr lang="pl-PL"/>
-              <a:t>23</a:t>
-            </a:fld>
-            <a:endParaRPr/>
-          </a:p>
-        </p:txBody>
-      </p:sp>
-    </p:spTree>
-  </p:cSld>
-  <p:clrMapOvr>
-    <a:masterClrMapping/>
-  </p:clrMapOvr>
-</p:notes>
-</file>
-
-<file path=ppt/notesSlides/notesSlide24.xml><?xml version="1.0" encoding="utf-8"?>
-<p:notes xmlns:a="http://schemas.openxmlformats.org/drawingml/2006/main" xmlns:r="http://schemas.openxmlformats.org/officeDocument/2006/relationships" xmlns:p="http://schemas.openxmlformats.org/presentationml/2006/main" showMasterSp="0" showMasterPhAnim="0">
-  <p:cSld>
-    <p:spTree>
-      <p:nvGrpSpPr>
-        <p:cNvPr id="1" name="Shape 277"/>
-        <p:cNvGrpSpPr/>
-        <p:nvPr/>
-      </p:nvGrpSpPr>
-      <p:grpSpPr>
-        <a:xfrm>
-          <a:off x="0" y="0"/>
-          <a:ext cx="0" cy="0"/>
-          <a:chOff x="0" y="0"/>
-          <a:chExt cx="0" cy="0"/>
-        </a:xfrm>
-      </p:grpSpPr>
-      <p:sp>
-        <p:nvSpPr>
-          <p:cNvPr id="278" name="Google Shape;278;p15:notes"/>
-          <p:cNvSpPr txBox="1">
-            <a:spLocks noGrp="1"/>
-          </p:cNvSpPr>
-          <p:nvPr>
-            <p:ph type="body" idx="1"/>
-          </p:nvPr>
-        </p:nvSpPr>
-        <p:spPr>
-          <a:xfrm>
-            <a:off x="685800" y="4343400"/>
-            <a:ext cx="5486400" cy="4114800"/>
-          </a:xfrm>
-          <a:prstGeom prst="rect">
-            <a:avLst/>
-          </a:prstGeom>
-        </p:spPr>
-        <p:txBody>
-          <a:bodyPr spcFirstLastPara="1" wrap="square" lIns="91425" tIns="45700" rIns="91425" bIns="45700" anchor="t" anchorCtr="0">
-            <a:noAutofit/>
-          </a:bodyPr>
-          <a:lstStyle/>
-          <a:p>
-            <a:pPr marL="0" lvl="0" indent="0" algn="l" rtl="0">
-              <a:spcBef>
-                <a:spcPts val="0"/>
-              </a:spcBef>
-              <a:spcAft>
-                <a:spcPts val="0"/>
-              </a:spcAft>
-              <a:buNone/>
-            </a:pPr>
-            <a:endParaRPr/>
-          </a:p>
-        </p:txBody>
-      </p:sp>
-      <p:sp>
-        <p:nvSpPr>
-          <p:cNvPr id="279" name="Google Shape;279;p15:notes"/>
-          <p:cNvSpPr>
-            <a:spLocks noGrp="1" noRot="1" noChangeAspect="1"/>
-          </p:cNvSpPr>
-          <p:nvPr>
-            <p:ph type="sldImg" idx="2"/>
-          </p:nvPr>
-        </p:nvSpPr>
-        <p:spPr>
-          <a:xfrm>
-            <a:off x="1143000" y="685800"/>
-            <a:ext cx="4572000" cy="3429000"/>
-          </a:xfrm>
-          <a:custGeom>
-            <a:avLst/>
-            <a:gdLst/>
-            <a:ahLst/>
-            <a:cxnLst/>
-            <a:rect l="l" t="t" r="r" b="b"/>
-            <a:pathLst>
-              <a:path w="120000" h="120000" extrusionOk="0">
-                <a:moveTo>
-                  <a:pt x="0" y="0"/>
-                </a:moveTo>
-                <a:lnTo>
-                  <a:pt x="120000" y="0"/>
-                </a:lnTo>
-                <a:lnTo>
-                  <a:pt x="120000" y="120000"/>
-                </a:lnTo>
-                <a:lnTo>
-                  <a:pt x="0" y="120000"/>
-                </a:lnTo>
-                <a:close/>
-              </a:path>
-            </a:pathLst>
-          </a:custGeom>
-        </p:spPr>
-      </p:sp>
-    </p:spTree>
-  </p:cSld>
-  <p:clrMapOvr>
-    <a:masterClrMapping/>
-  </p:clrMapOvr>
-</p:notes>
-</file>
-
-<file path=ppt/notesSlides/notesSlide25.xml><?xml version="1.0" encoding="utf-8"?>
-<p:notes xmlns:a="http://schemas.openxmlformats.org/drawingml/2006/main" xmlns:r="http://schemas.openxmlformats.org/officeDocument/2006/relationships" xmlns:p="http://schemas.openxmlformats.org/presentationml/2006/main" showMasterSp="0" showMasterPhAnim="0">
-  <p:cSld>
-    <p:spTree>
-      <p:nvGrpSpPr>
-        <p:cNvPr id="1" name="Shape 284"/>
-        <p:cNvGrpSpPr/>
-        <p:nvPr/>
-      </p:nvGrpSpPr>
-      <p:grpSpPr>
-        <a:xfrm>
-          <a:off x="0" y="0"/>
-          <a:ext cx="0" cy="0"/>
-          <a:chOff x="0" y="0"/>
-          <a:chExt cx="0" cy="0"/>
-        </a:xfrm>
-      </p:grpSpPr>
-      <p:sp>
-        <p:nvSpPr>
-          <p:cNvPr id="285" name="Google Shape;285;g4372e70eba_0_69:notes"/>
-          <p:cNvSpPr>
-            <a:spLocks noGrp="1" noRot="1" noChangeAspect="1"/>
-          </p:cNvSpPr>
-          <p:nvPr>
-            <p:ph type="sldImg" idx="2"/>
-          </p:nvPr>
-        </p:nvSpPr>
-        <p:spPr>
-          <a:xfrm>
-            <a:off x="1143000" y="685800"/>
-            <a:ext cx="4572000" cy="3429000"/>
-          </a:xfrm>
-          <a:custGeom>
-            <a:avLst/>
-            <a:gdLst/>
-            <a:ahLst/>
-            <a:cxnLst/>
-            <a:rect l="l" t="t" r="r" b="b"/>
-            <a:pathLst>
-              <a:path w="120000" h="120000" extrusionOk="0">
-                <a:moveTo>
-                  <a:pt x="0" y="0"/>
-                </a:moveTo>
-                <a:lnTo>
-                  <a:pt x="120000" y="0"/>
-                </a:lnTo>
-                <a:lnTo>
-                  <a:pt x="120000" y="120000"/>
-                </a:lnTo>
-                <a:lnTo>
-                  <a:pt x="0" y="120000"/>
-                </a:lnTo>
-                <a:close/>
-              </a:path>
-            </a:pathLst>
-          </a:custGeom>
-        </p:spPr>
-      </p:sp>
-      <p:sp>
-        <p:nvSpPr>
-          <p:cNvPr id="286" name="Google Shape;286;g4372e70eba_0_69:notes"/>
-          <p:cNvSpPr txBox="1">
-            <a:spLocks noGrp="1"/>
-          </p:cNvSpPr>
-          <p:nvPr>
-            <p:ph type="body" idx="1"/>
-          </p:nvPr>
-        </p:nvSpPr>
-        <p:spPr>
-          <a:xfrm>
-            <a:off x="685800" y="4343400"/>
-            <a:ext cx="5486400" cy="4114800"/>
-          </a:xfrm>
-          <a:prstGeom prst="rect">
-            <a:avLst/>
-          </a:prstGeom>
-        </p:spPr>
-        <p:txBody>
-          <a:bodyPr spcFirstLastPara="1" wrap="square" lIns="91425" tIns="45700" rIns="91425" bIns="45700" anchor="t" anchorCtr="0">
-            <a:noAutofit/>
-          </a:bodyPr>
-          <a:lstStyle/>
-          <a:p>
-            <a:pPr marL="0" lvl="0" indent="0" algn="l" rtl="0">
-              <a:spcBef>
-                <a:spcPts val="0"/>
-              </a:spcBef>
-              <a:spcAft>
-                <a:spcPts val="0"/>
-              </a:spcAft>
-              <a:buNone/>
-            </a:pPr>
-            <a:endParaRPr/>
-          </a:p>
-        </p:txBody>
-      </p:sp>
-      <p:sp>
-        <p:nvSpPr>
-          <p:cNvPr id="287" name="Google Shape;287;g4372e70eba_0_69:notes"/>
-          <p:cNvSpPr txBox="1">
-            <a:spLocks noGrp="1"/>
-          </p:cNvSpPr>
-          <p:nvPr>
-            <p:ph type="sldNum" idx="12"/>
-          </p:nvPr>
-        </p:nvSpPr>
-        <p:spPr>
-          <a:xfrm>
-            <a:off x="3884613" y="8685213"/>
-            <a:ext cx="2971800" cy="457200"/>
-          </a:xfrm>
-          <a:prstGeom prst="rect">
-            <a:avLst/>
-          </a:prstGeom>
-        </p:spPr>
-        <p:txBody>
-          <a:bodyPr spcFirstLastPara="1" wrap="square" lIns="91425" tIns="45700" rIns="91425" bIns="45700" anchor="b" anchorCtr="0">
-            <a:noAutofit/>
-          </a:bodyPr>
-          <a:lstStyle/>
-          <a:p>
-            <a:pPr marL="0" lvl="0" indent="0" algn="r" rtl="0">
-              <a:spcBef>
-                <a:spcPts val="0"/>
-              </a:spcBef>
-              <a:spcAft>
-                <a:spcPts val="0"/>
-              </a:spcAft>
-              <a:buClr>
-                <a:srgbClr val="000000"/>
-              </a:buClr>
-              <a:buFont typeface="Arial"/>
-              <a:buNone/>
-            </a:pPr>
-            <a:fld id="{00000000-1234-1234-1234-123412341234}" type="slidenum">
-              <a:rPr lang="pl-PL"/>
-              <a:t>25</a:t>
-            </a:fld>
-            <a:endParaRPr/>
-          </a:p>
-        </p:txBody>
-      </p:sp>
-    </p:spTree>
-  </p:cSld>
-  <p:clrMapOvr>
-    <a:masterClrMapping/>
-  </p:clrMapOvr>
-</p:notes>
-</file>
-
-<file path=ppt/notesSlides/notesSlide26.xml><?xml version="1.0" encoding="utf-8"?>
-<p:notes xmlns:a="http://schemas.openxmlformats.org/drawingml/2006/main" xmlns:r="http://schemas.openxmlformats.org/officeDocument/2006/relationships" xmlns:p="http://schemas.openxmlformats.org/presentationml/2006/main" showMasterSp="0" showMasterPhAnim="0">
-  <p:cSld>
-    <p:spTree>
-      <p:nvGrpSpPr>
-        <p:cNvPr id="1" name="Shape 292"/>
-        <p:cNvGrpSpPr/>
-        <p:nvPr/>
-      </p:nvGrpSpPr>
-      <p:grpSpPr>
-        <a:xfrm>
-          <a:off x="0" y="0"/>
-          <a:ext cx="0" cy="0"/>
-          <a:chOff x="0" y="0"/>
-          <a:chExt cx="0" cy="0"/>
-        </a:xfrm>
-      </p:grpSpPr>
-      <p:sp>
-        <p:nvSpPr>
-          <p:cNvPr id="293" name="Google Shape;293;g4372e70eba_0_77:notes"/>
-          <p:cNvSpPr>
-            <a:spLocks noGrp="1" noRot="1" noChangeAspect="1"/>
-          </p:cNvSpPr>
-          <p:nvPr>
-            <p:ph type="sldImg" idx="2"/>
-          </p:nvPr>
-        </p:nvSpPr>
-        <p:spPr>
-          <a:xfrm>
-            <a:off x="1143000" y="685800"/>
-            <a:ext cx="4572000" cy="3429000"/>
-          </a:xfrm>
-          <a:custGeom>
-            <a:avLst/>
-            <a:gdLst/>
-            <a:ahLst/>
-            <a:cxnLst/>
-            <a:rect l="l" t="t" r="r" b="b"/>
-            <a:pathLst>
-              <a:path w="120000" h="120000" extrusionOk="0">
-                <a:moveTo>
-                  <a:pt x="0" y="0"/>
-                </a:moveTo>
-                <a:lnTo>
-                  <a:pt x="120000" y="0"/>
-                </a:lnTo>
-                <a:lnTo>
-                  <a:pt x="120000" y="120000"/>
-                </a:lnTo>
-                <a:lnTo>
-                  <a:pt x="0" y="120000"/>
-                </a:lnTo>
-                <a:close/>
-              </a:path>
-            </a:pathLst>
-          </a:custGeom>
-        </p:spPr>
-      </p:sp>
-      <p:sp>
-        <p:nvSpPr>
-          <p:cNvPr id="294" name="Google Shape;294;g4372e70eba_0_77:notes"/>
-          <p:cNvSpPr txBox="1">
-            <a:spLocks noGrp="1"/>
-          </p:cNvSpPr>
-          <p:nvPr>
-            <p:ph type="body" idx="1"/>
-          </p:nvPr>
-        </p:nvSpPr>
-        <p:spPr>
-          <a:xfrm>
-            <a:off x="685800" y="4343400"/>
-            <a:ext cx="5486400" cy="4114800"/>
-          </a:xfrm>
-          <a:prstGeom prst="rect">
-            <a:avLst/>
-          </a:prstGeom>
-        </p:spPr>
-        <p:txBody>
-          <a:bodyPr spcFirstLastPara="1" wrap="square" lIns="91425" tIns="45700" rIns="91425" bIns="45700" anchor="t" anchorCtr="0">
-            <a:noAutofit/>
-          </a:bodyPr>
-          <a:lstStyle/>
-          <a:p>
-            <a:pPr marL="0" lvl="0" indent="0" algn="l" rtl="0">
-              <a:spcBef>
-                <a:spcPts val="0"/>
-              </a:spcBef>
-              <a:spcAft>
-                <a:spcPts val="0"/>
-              </a:spcAft>
-              <a:buNone/>
-            </a:pPr>
-            <a:endParaRPr/>
-          </a:p>
-        </p:txBody>
-      </p:sp>
-      <p:sp>
-        <p:nvSpPr>
-          <p:cNvPr id="295" name="Google Shape;295;g4372e70eba_0_77:notes"/>
-          <p:cNvSpPr txBox="1">
-            <a:spLocks noGrp="1"/>
-          </p:cNvSpPr>
-          <p:nvPr>
-            <p:ph type="sldNum" idx="12"/>
-          </p:nvPr>
-        </p:nvSpPr>
-        <p:spPr>
-          <a:xfrm>
-            <a:off x="3884613" y="8685213"/>
-            <a:ext cx="2971800" cy="457200"/>
-          </a:xfrm>
-          <a:prstGeom prst="rect">
-            <a:avLst/>
-          </a:prstGeom>
-        </p:spPr>
-        <p:txBody>
-          <a:bodyPr spcFirstLastPara="1" wrap="square" lIns="91425" tIns="45700" rIns="91425" bIns="45700" anchor="b" anchorCtr="0">
-            <a:noAutofit/>
-          </a:bodyPr>
-          <a:lstStyle/>
-          <a:p>
-            <a:pPr marL="0" lvl="0" indent="0" algn="r" rtl="0">
-              <a:spcBef>
-                <a:spcPts val="0"/>
-              </a:spcBef>
-              <a:spcAft>
-                <a:spcPts val="0"/>
-              </a:spcAft>
-              <a:buClr>
-                <a:srgbClr val="000000"/>
-              </a:buClr>
-              <a:buFont typeface="Arial"/>
-              <a:buNone/>
-            </a:pPr>
-            <a:fld id="{00000000-1234-1234-1234-123412341234}" type="slidenum">
-              <a:rPr lang="pl-PL"/>
-              <a:t>26</a:t>
+              <a:t>27</a:t>
             </a:fld>
             <a:endParaRPr/>
           </a:p>
@@ -5150,7 +5100,7 @@
               </a:spcAft>
               <a:buNone/>
             </a:pPr>
-            <a:endParaRPr dirty="0"/>
+            <a:endParaRPr/>
           </a:p>
         </p:txBody>
       </p:sp>
@@ -5194,18 +5144,13 @@
             </a:pPr>
             <a:fld id="{00000000-1234-1234-1234-123412341234}" type="slidenum">
               <a:rPr lang="pl-PL"/>
-              <a:t>27</a:t>
+              <a:t>28</a:t>
             </a:fld>
             <a:endParaRPr/>
           </a:p>
         </p:txBody>
       </p:sp>
     </p:spTree>
-    <p:extLst>
-      <p:ext uri="{BB962C8B-B14F-4D97-AF65-F5344CB8AC3E}">
-        <p14:creationId xmlns:p14="http://schemas.microsoft.com/office/powerpoint/2010/main" val="1204226243"/>
-      </p:ext>
-    </p:extLst>
   </p:cSld>
   <p:clrMapOvr>
     <a:masterClrMapping/>
@@ -5305,7 +5250,7 @@
               </a:spcAft>
               <a:buNone/>
             </a:pPr>
-            <a:endParaRPr/>
+            <a:endParaRPr dirty="0"/>
           </a:p>
         </p:txBody>
       </p:sp>
@@ -5349,7 +5294,7 @@
             </a:pPr>
             <a:fld id="{00000000-1234-1234-1234-123412341234}" type="slidenum">
               <a:rPr lang="pl-PL"/>
-              <a:t>28</a:t>
+              <a:t>29</a:t>
             </a:fld>
             <a:endParaRPr/>
           </a:p>
@@ -5358,7 +5303,7 @@
     </p:spTree>
     <p:extLst>
       <p:ext uri="{BB962C8B-B14F-4D97-AF65-F5344CB8AC3E}">
-        <p14:creationId xmlns:p14="http://schemas.microsoft.com/office/powerpoint/2010/main" val="3034211168"/>
+        <p14:creationId xmlns:p14="http://schemas.microsoft.com/office/powerpoint/2010/main" val="1204226243"/>
       </p:ext>
     </p:extLst>
   </p:cSld>
@@ -5504,7 +5449,7 @@
             </a:pPr>
             <a:fld id="{00000000-1234-1234-1234-123412341234}" type="slidenum">
               <a:rPr lang="pl-PL"/>
-              <a:t>29</a:t>
+              <a:t>30</a:t>
             </a:fld>
             <a:endParaRPr/>
           </a:p>
@@ -5513,7 +5458,7 @@
     </p:spTree>
     <p:extLst>
       <p:ext uri="{BB962C8B-B14F-4D97-AF65-F5344CB8AC3E}">
-        <p14:creationId xmlns:p14="http://schemas.microsoft.com/office/powerpoint/2010/main" val="718334006"/>
+        <p14:creationId xmlns:p14="http://schemas.microsoft.com/office/powerpoint/2010/main" val="3034211168"/>
       </p:ext>
     </p:extLst>
   </p:cSld>
@@ -5632,7 +5577,7 @@
   <p:cSld>
     <p:spTree>
       <p:nvGrpSpPr>
-        <p:cNvPr id="1" name="Shape 340"/>
+        <p:cNvPr id="1" name="Shape 292"/>
         <p:cNvGrpSpPr/>
         <p:nvPr/>
       </p:nvGrpSpPr>
@@ -5646,45 +5591,7 @@
       </p:grpSpPr>
       <p:sp>
         <p:nvSpPr>
-          <p:cNvPr id="341" name="Google Shape;341;p19:notes"/>
-          <p:cNvSpPr txBox="1">
-            <a:spLocks noGrp="1"/>
-          </p:cNvSpPr>
-          <p:nvPr>
-            <p:ph type="body" idx="1"/>
-          </p:nvPr>
-        </p:nvSpPr>
-        <p:spPr>
-          <a:xfrm>
-            <a:off x="685800" y="4343400"/>
-            <a:ext cx="5486400" cy="4114800"/>
-          </a:xfrm>
-          <a:prstGeom prst="rect">
-            <a:avLst/>
-          </a:prstGeom>
-        </p:spPr>
-        <p:txBody>
-          <a:bodyPr spcFirstLastPara="1" wrap="square" lIns="91425" tIns="45700" rIns="91425" bIns="45700" anchor="t" anchorCtr="0">
-            <a:noAutofit/>
-          </a:bodyPr>
-          <a:lstStyle/>
-          <a:p>
-            <a:pPr marL="0" lvl="0" indent="0" algn="l" rtl="0">
-              <a:spcBef>
-                <a:spcPts val="0"/>
-              </a:spcBef>
-              <a:spcAft>
-                <a:spcPts val="0"/>
-              </a:spcAft>
-              <a:buNone/>
-            </a:pPr>
-            <a:endParaRPr/>
-          </a:p>
-        </p:txBody>
-      </p:sp>
-      <p:sp>
-        <p:nvSpPr>
-          <p:cNvPr id="342" name="Google Shape;342;p19:notes"/>
+          <p:cNvPr id="293" name="Google Shape;293;g4372e70eba_0_77:notes"/>
           <p:cNvSpPr>
             <a:spLocks noGrp="1" noRot="1" noChangeAspect="1"/>
           </p:cNvSpPr>
@@ -5723,7 +5630,96 @@
           </a:custGeom>
         </p:spPr>
       </p:sp>
+      <p:sp>
+        <p:nvSpPr>
+          <p:cNvPr id="294" name="Google Shape;294;g4372e70eba_0_77:notes"/>
+          <p:cNvSpPr txBox="1">
+            <a:spLocks noGrp="1"/>
+          </p:cNvSpPr>
+          <p:nvPr>
+            <p:ph type="body" idx="1"/>
+          </p:nvPr>
+        </p:nvSpPr>
+        <p:spPr>
+          <a:xfrm>
+            <a:off x="685800" y="4343400"/>
+            <a:ext cx="5486400" cy="4114800"/>
+          </a:xfrm>
+          <a:prstGeom prst="rect">
+            <a:avLst/>
+          </a:prstGeom>
+        </p:spPr>
+        <p:txBody>
+          <a:bodyPr spcFirstLastPara="1" wrap="square" lIns="91425" tIns="45700" rIns="91425" bIns="45700" anchor="t" anchorCtr="0">
+            <a:noAutofit/>
+          </a:bodyPr>
+          <a:lstStyle/>
+          <a:p>
+            <a:pPr marL="0" lvl="0" indent="0" algn="l" rtl="0">
+              <a:spcBef>
+                <a:spcPts val="0"/>
+              </a:spcBef>
+              <a:spcAft>
+                <a:spcPts val="0"/>
+              </a:spcAft>
+              <a:buNone/>
+            </a:pPr>
+            <a:endParaRPr/>
+          </a:p>
+        </p:txBody>
+      </p:sp>
+      <p:sp>
+        <p:nvSpPr>
+          <p:cNvPr id="295" name="Google Shape;295;g4372e70eba_0_77:notes"/>
+          <p:cNvSpPr txBox="1">
+            <a:spLocks noGrp="1"/>
+          </p:cNvSpPr>
+          <p:nvPr>
+            <p:ph type="sldNum" idx="12"/>
+          </p:nvPr>
+        </p:nvSpPr>
+        <p:spPr>
+          <a:xfrm>
+            <a:off x="3884613" y="8685213"/>
+            <a:ext cx="2971800" cy="457200"/>
+          </a:xfrm>
+          <a:prstGeom prst="rect">
+            <a:avLst/>
+          </a:prstGeom>
+        </p:spPr>
+        <p:txBody>
+          <a:bodyPr spcFirstLastPara="1" wrap="square" lIns="91425" tIns="45700" rIns="91425" bIns="45700" anchor="b" anchorCtr="0">
+            <a:noAutofit/>
+          </a:bodyPr>
+          <a:lstStyle/>
+          <a:p>
+            <a:pPr marL="0" lvl="0" indent="0" algn="r" rtl="0">
+              <a:spcBef>
+                <a:spcPts val="0"/>
+              </a:spcBef>
+              <a:spcAft>
+                <a:spcPts val="0"/>
+              </a:spcAft>
+              <a:buClr>
+                <a:srgbClr val="000000"/>
+              </a:buClr>
+              <a:buFont typeface="Arial"/>
+              <a:buNone/>
+            </a:pPr>
+            <a:fld id="{00000000-1234-1234-1234-123412341234}" type="slidenum">
+              <a:rPr lang="pl-PL"/>
+              <a:t>31</a:t>
+            </a:fld>
+            <a:endParaRPr/>
+          </a:p>
+        </p:txBody>
+      </p:sp>
     </p:spTree>
+    <p:extLst>
+      <p:ext uri="{BB962C8B-B14F-4D97-AF65-F5344CB8AC3E}">
+        <p14:creationId xmlns:p14="http://schemas.microsoft.com/office/powerpoint/2010/main" val="718334006"/>
+      </p:ext>
+    </p:extLst>
   </p:cSld>
   <p:clrMapOvr>
     <a:masterClrMapping/>
@@ -6353,7 +6349,7 @@
   <p:cSld>
     <p:spTree>
       <p:nvGrpSpPr>
-        <p:cNvPr id="1" name="Shape 172"/>
+        <p:cNvPr id="1" name="Shape 204"/>
         <p:cNvGrpSpPr/>
         <p:nvPr/>
       </p:nvGrpSpPr>
@@ -6367,7 +6363,7 @@
       </p:grpSpPr>
       <p:sp>
         <p:nvSpPr>
-          <p:cNvPr id="173" name="Google Shape;173;g43890d43db_0_57:notes"/>
+          <p:cNvPr id="205" name="Google Shape;205;g43890d43db_0_43:notes"/>
           <p:cNvSpPr>
             <a:spLocks noGrp="1" noRot="1" noChangeAspect="1"/>
           </p:cNvSpPr>
@@ -6408,7 +6404,7 @@
       </p:sp>
       <p:sp>
         <p:nvSpPr>
-          <p:cNvPr id="174" name="Google Shape;174;g43890d43db_0_57:notes"/>
+          <p:cNvPr id="206" name="Google Shape;206;g43890d43db_0_43:notes"/>
           <p:cNvSpPr txBox="1">
             <a:spLocks noGrp="1"/>
           </p:cNvSpPr>
@@ -6446,7 +6442,7 @@
       </p:sp>
       <p:sp>
         <p:nvSpPr>
-          <p:cNvPr id="175" name="Google Shape;175;g43890d43db_0_57:notes"/>
+          <p:cNvPr id="207" name="Google Shape;207;g43890d43db_0_43:notes"/>
           <p:cNvSpPr txBox="1">
             <a:spLocks noGrp="1"/>
           </p:cNvSpPr>
@@ -6484,13 +6480,18 @@
             </a:pPr>
             <a:fld id="{00000000-1234-1234-1234-123412341234}" type="slidenum">
               <a:rPr lang="pl-PL"/>
-              <a:t>8</a:t>
+              <a:t>9</a:t>
             </a:fld>
             <a:endParaRPr/>
           </a:p>
         </p:txBody>
       </p:sp>
     </p:spTree>
+    <p:extLst>
+      <p:ext uri="{BB962C8B-B14F-4D97-AF65-F5344CB8AC3E}">
+        <p14:creationId xmlns:p14="http://schemas.microsoft.com/office/powerpoint/2010/main" val="1976656760"/>
+      </p:ext>
+    </p:extLst>
   </p:cSld>
   <p:clrMapOvr>
     <a:masterClrMapping/>
@@ -6503,7 +6504,7 @@
   <p:cSld>
     <p:spTree>
       <p:nvGrpSpPr>
-        <p:cNvPr id="1" name="Shape 188"/>
+        <p:cNvPr id="1" name="Shape 204"/>
         <p:cNvGrpSpPr/>
         <p:nvPr/>
       </p:nvGrpSpPr>
@@ -6517,7 +6518,7 @@
       </p:grpSpPr>
       <p:sp>
         <p:nvSpPr>
-          <p:cNvPr id="189" name="Google Shape;189;g53812badc3_0_0:notes"/>
+          <p:cNvPr id="205" name="Google Shape;205;g43890d43db_0_43:notes"/>
           <p:cNvSpPr>
             <a:spLocks noGrp="1" noRot="1" noChangeAspect="1"/>
           </p:cNvSpPr>
@@ -6558,7 +6559,7 @@
       </p:sp>
       <p:sp>
         <p:nvSpPr>
-          <p:cNvPr id="190" name="Google Shape;190;g53812badc3_0_0:notes"/>
+          <p:cNvPr id="206" name="Google Shape;206;g43890d43db_0_43:notes"/>
           <p:cNvSpPr txBox="1">
             <a:spLocks noGrp="1"/>
           </p:cNvSpPr>
@@ -6596,7 +6597,7 @@
       </p:sp>
       <p:sp>
         <p:nvSpPr>
-          <p:cNvPr id="191" name="Google Shape;191;g53812badc3_0_0:notes"/>
+          <p:cNvPr id="207" name="Google Shape;207;g43890d43db_0_43:notes"/>
           <p:cNvSpPr txBox="1">
             <a:spLocks noGrp="1"/>
           </p:cNvSpPr>
@@ -6634,7 +6635,7 @@
             </a:pPr>
             <a:fld id="{00000000-1234-1234-1234-123412341234}" type="slidenum">
               <a:rPr lang="pl-PL"/>
-              <a:t>9</a:t>
+              <a:t>10</a:t>
             </a:fld>
             <a:endParaRPr/>
           </a:p>
@@ -26045,7 +26046,7 @@
   <p:cSld>
     <p:spTree>
       <p:nvGrpSpPr>
-        <p:cNvPr id="1" name="Shape 234"/>
+        <p:cNvPr id="1" name="Shape 208"/>
         <p:cNvGrpSpPr/>
         <p:nvPr/>
       </p:nvGrpSpPr>
@@ -26059,7 +26060,7 @@
       </p:grpSpPr>
       <p:sp>
         <p:nvSpPr>
-          <p:cNvPr id="235" name="Google Shape;235;p40"/>
+          <p:cNvPr id="209" name="Google Shape;209;p37"/>
           <p:cNvSpPr txBox="1">
             <a:spLocks noGrp="1"/>
           </p:cNvSpPr>
@@ -26070,7 +26071,7 @@
         <p:spPr>
           <a:xfrm>
             <a:off x="686344" y="1982481"/>
-            <a:ext cx="7778100" cy="4712082"/>
+            <a:ext cx="7778100" cy="4119000"/>
           </a:xfrm>
           <a:prstGeom prst="rect">
             <a:avLst/>
@@ -26083,8 +26084,11 @@
           <a:lstStyle/>
           <a:p>
             <a:pPr marL="457200" lvl="0" indent="-424307" algn="l" rtl="0">
-              <a:spcBef>
-                <a:spcPts val="685"/>
+              <a:lnSpc>
+                <a:spcPct val="100000"/>
+              </a:lnSpc>
+              <a:spcBef>
+                <a:spcPts val="1000"/>
               </a:spcBef>
               <a:spcAft>
                 <a:spcPts val="0"/>
@@ -26094,12 +26098,23 @@
             </a:pPr>
             <a:r>
               <a:rPr lang="pl-PL" dirty="0"/>
-              <a:t>(28 października, „Zero Trust Access”)</a:t>
+              <a:t>Producent systemów informatycznych klasy WMS do zarządzania magazynami (ang. </a:t>
+            </a:r>
+            <a:r>
+              <a:rPr lang="pl-PL" i="1" dirty="0"/>
+              <a:t>Warehouse Management System</a:t>
+            </a:r>
+            <a:r>
+              <a:rPr lang="pl-PL" dirty="0"/>
+              <a:t>)</a:t>
             </a:r>
             <a:endParaRPr dirty="0"/>
           </a:p>
           <a:p>
             <a:pPr marL="457200" lvl="0" indent="-424307" algn="l" rtl="0">
+              <a:lnSpc>
+                <a:spcPct val="100000"/>
+              </a:lnSpc>
               <a:spcBef>
                 <a:spcPts val="1000"/>
               </a:spcBef>
@@ -26111,12 +26126,15 @@
             </a:pPr>
             <a:r>
               <a:rPr lang="pl-PL" dirty="0"/>
-              <a:t>Dystrybutor rozwiązań teleinformatycznych</a:t>
+              <a:t>Doradztwo logistyczne</a:t>
             </a:r>
             <a:endParaRPr dirty="0"/>
           </a:p>
           <a:p>
             <a:pPr marL="457200" lvl="0" indent="-424307" algn="l" rtl="0">
+              <a:lnSpc>
+                <a:spcPct val="100000"/>
+              </a:lnSpc>
               <a:spcBef>
                 <a:spcPts val="1000"/>
               </a:spcBef>
@@ -26128,92 +26146,27 @@
             </a:pPr>
             <a:r>
               <a:rPr lang="pl-PL" dirty="0"/>
-              <a:t>Model dystrybucji z wartością dodaną (ang. </a:t>
-            </a:r>
-            <a:r>
-              <a:rPr lang="pl-PL" i="1" dirty="0">
-                <a:solidFill>
-                  <a:schemeClr val="dk1"/>
-                </a:solidFill>
-              </a:rPr>
-              <a:t>Value </a:t>
-            </a:r>
-            <a:r>
-              <a:rPr lang="pl-PL" i="1" dirty="0" err="1">
-                <a:solidFill>
-                  <a:schemeClr val="dk1"/>
-                </a:solidFill>
-              </a:rPr>
-              <a:t>Added</a:t>
-            </a:r>
-            <a:r>
-              <a:rPr lang="pl-PL" i="1" dirty="0">
-                <a:solidFill>
-                  <a:schemeClr val="dk1"/>
-                </a:solidFill>
-              </a:rPr>
-              <a:t> </a:t>
-            </a:r>
-            <a:r>
-              <a:rPr lang="pl-PL" i="1" dirty="0" err="1">
-                <a:solidFill>
-                  <a:schemeClr val="dk1"/>
-                </a:solidFill>
-              </a:rPr>
-              <a:t>Distributor</a:t>
-            </a:r>
-            <a:r>
-              <a:rPr lang="pl-PL" dirty="0">
-                <a:solidFill>
-                  <a:schemeClr val="dk1"/>
-                </a:solidFill>
-              </a:rPr>
-              <a:t>, </a:t>
-            </a:r>
-            <a:r>
-              <a:rPr lang="pl-PL" dirty="0"/>
-              <a:t>VAD)</a:t>
+              <a:t>Automatyka magazynowa</a:t>
             </a:r>
             <a:endParaRPr dirty="0"/>
           </a:p>
           <a:p>
             <a:pPr marL="457200" lvl="0" indent="-424307" algn="l" rtl="0">
+              <a:lnSpc>
+                <a:spcPct val="100000"/>
+              </a:lnSpc>
               <a:spcBef>
                 <a:spcPts val="1000"/>
               </a:spcBef>
               <a:spcAft>
-                <a:spcPts val="0"/>
+                <a:spcPts val="1000"/>
               </a:spcAft>
               <a:buSzPts val="3082"/>
               <a:buChar char="»"/>
             </a:pPr>
             <a:r>
               <a:rPr lang="pl-PL" dirty="0"/>
-              <a:t>Na rynku od 1991</a:t>
-            </a:r>
-          </a:p>
-          <a:p>
-            <a:pPr marL="457200" lvl="0" indent="-424307" algn="l" rtl="0">
-              <a:spcBef>
-                <a:spcPts val="1000"/>
-              </a:spcBef>
-              <a:spcAft>
-                <a:spcPts val="0"/>
-              </a:spcAft>
-              <a:buSzPts val="3082"/>
-              <a:buChar char="»"/>
-            </a:pPr>
-            <a:r>
-              <a:rPr lang="pl-PL" dirty="0"/>
-              <a:t>W 2021 zostaliśmy częścią </a:t>
-            </a:r>
-            <a:r>
-              <a:rPr lang="pl-PL" dirty="0" err="1"/>
-              <a:t>Exclusive</a:t>
-            </a:r>
-            <a:r>
-              <a:rPr lang="pl-PL" dirty="0"/>
-              <a:t> Networks – globalnego dystrybutora VAD</a:t>
+              <a:t>Infrastruktura magazynowa</a:t>
             </a:r>
             <a:endParaRPr dirty="0"/>
           </a:p>
@@ -26221,7 +26174,7 @@
       </p:sp>
       <p:sp>
         <p:nvSpPr>
-          <p:cNvPr id="236" name="Google Shape;236;p40"/>
+          <p:cNvPr id="210" name="Google Shape;210;p37"/>
           <p:cNvSpPr txBox="1">
             <a:spLocks noGrp="1"/>
           </p:cNvSpPr>
@@ -26231,8 +26184,8 @@
         </p:nvSpPr>
         <p:spPr>
           <a:xfrm>
-            <a:off x="7907522" y="6254325"/>
-            <a:ext cx="556800" cy="295500"/>
+            <a:off x="7910772" y="6254325"/>
+            <a:ext cx="553800" cy="295500"/>
           </a:xfrm>
           <a:prstGeom prst="rect">
             <a:avLst/>
@@ -26267,32 +26220,34 @@
       </p:sp>
       <p:pic>
         <p:nvPicPr>
-          <p:cNvPr id="3" name="Obraz 2">
-            <a:extLst>
-              <a:ext uri="{FF2B5EF4-FFF2-40B4-BE49-F238E27FC236}">
-                <a16:creationId xmlns:a16="http://schemas.microsoft.com/office/drawing/2014/main" id="{894EC0C7-E78C-405E-88C0-FD4F1A843E22}"/>
-              </a:ext>
-            </a:extLst>
-          </p:cNvPr>
-          <p:cNvPicPr>
-            <a:picLocks noChangeAspect="1"/>
-          </p:cNvPicPr>
+          <p:cNvPr id="211" name="Google Shape;211;p37"/>
+          <p:cNvPicPr preferRelativeResize="0"/>
           <p:nvPr/>
         </p:nvPicPr>
         <p:blipFill>
-          <a:blip r:embed="rId3"/>
+          <a:blip r:embed="rId3">
+            <a:extLst>
+              <a:ext uri="{28A0092B-C50C-407E-A947-70E740481C1C}">
+                <a14:useLocalDpi xmlns:a14="http://schemas.microsoft.com/office/drawing/2010/main" val="0"/>
+              </a:ext>
+            </a:extLst>
+          </a:blip>
           <a:stretch>
             <a:fillRect/>
           </a:stretch>
         </p:blipFill>
         <p:spPr>
           <a:xfrm>
-            <a:off x="1971040" y="163437"/>
-            <a:ext cx="5005016" cy="1585364"/>
+            <a:off x="3766421" y="609451"/>
+            <a:ext cx="1617965" cy="1143900"/>
           </a:xfrm>
           <a:prstGeom prst="rect">
             <a:avLst/>
           </a:prstGeom>
+          <a:noFill/>
+          <a:ln>
+            <a:noFill/>
+          </a:ln>
         </p:spPr>
       </p:pic>
     </p:spTree>
@@ -26338,15 +26293,9 @@
         </p:spPr>
         <p:txBody>
           <a:bodyPr spcFirstLastPara="1" wrap="square" lIns="52125" tIns="52125" rIns="52125" bIns="52125" anchor="t" anchorCtr="0">
-            <a:normAutofit fontScale="77500" lnSpcReduction="20000"/>
+            <a:normAutofit fontScale="92500" lnSpcReduction="10000"/>
           </a:bodyPr>
           <a:lstStyle/>
-          <a:p>
-            <a:r>
-              <a:rPr lang="pl-PL" dirty="0"/>
-              <a:t>(4 listopada, „Obszary podatności bezpieczeństwa złożonych, heterogenicznych systemów telekomunikacyjnych na przykładzie ekosystemu 5G”)</a:t>
-            </a:r>
-          </a:p>
           <a:p>
             <a:pPr lvl="0"/>
             <a:r>
@@ -26452,7 +26401,7 @@
   <p:cSld>
     <p:spTree>
       <p:nvGrpSpPr>
-        <p:cNvPr id="1" name="Shape 208"/>
+        <p:cNvPr id="1" name="Shape 184"/>
         <p:cNvGrpSpPr/>
         <p:nvPr/>
       </p:nvGrpSpPr>
@@ -26466,7 +26415,7 @@
       </p:grpSpPr>
       <p:sp>
         <p:nvSpPr>
-          <p:cNvPr id="209" name="Google Shape;209;p37"/>
+          <p:cNvPr id="185" name="Google Shape;185;p34"/>
           <p:cNvSpPr txBox="1">
             <a:spLocks noGrp="1"/>
           </p:cNvSpPr>
@@ -26489,118 +26438,133 @@
           </a:bodyPr>
           <a:lstStyle/>
           <a:p>
-            <a:pPr marL="457200" lvl="0" indent="-424307" algn="l" rtl="0">
-              <a:lnSpc>
-                <a:spcPct val="100000"/>
-              </a:lnSpc>
-              <a:spcBef>
-                <a:spcPts val="685"/>
-              </a:spcBef>
-              <a:spcAft>
-                <a:spcPts val="0"/>
-              </a:spcAft>
-              <a:buSzPts val="3082"/>
+            <a:pPr marL="457200" lvl="0" indent="-381000" algn="l" rtl="0">
+              <a:spcBef>
+                <a:spcPts val="0"/>
+              </a:spcBef>
+              <a:spcAft>
+                <a:spcPts val="0"/>
+              </a:spcAft>
+              <a:buSzPts val="2400"/>
               <a:buChar char="»"/>
             </a:pPr>
             <a:r>
-              <a:rPr lang="pl-PL" dirty="0"/>
-              <a:t>(18 listopada)</a:t>
+              <a:rPr lang="pl-PL" sz="2400" dirty="0"/>
+              <a:t>Operator sieci telefonii komórkowej:</a:t>
             </a:r>
-            <a:endParaRPr dirty="0"/>
+            <a:endParaRPr sz="2400" dirty="0"/>
           </a:p>
           <a:p>
-            <a:pPr marL="457200" lvl="0" indent="-424307" algn="l" rtl="0">
-              <a:lnSpc>
-                <a:spcPct val="100000"/>
-              </a:lnSpc>
-              <a:spcBef>
-                <a:spcPts val="1000"/>
-              </a:spcBef>
-              <a:spcAft>
-                <a:spcPts val="0"/>
-              </a:spcAft>
-              <a:buSzPts val="3082"/>
+            <a:pPr marL="914400" lvl="1" indent="-381000" algn="l" rtl="0">
+              <a:spcBef>
+                <a:spcPts val="0"/>
+              </a:spcBef>
+              <a:spcAft>
+                <a:spcPts val="0"/>
+              </a:spcAft>
+              <a:buSzPts val="2400"/>
+              <a:buChar char="–"/>
+            </a:pPr>
+            <a:r>
+              <a:rPr lang="pl-PL" sz="2400" dirty="0"/>
+              <a:t>GSM 900/1800</a:t>
+            </a:r>
+            <a:endParaRPr sz="2400" dirty="0"/>
+          </a:p>
+          <a:p>
+            <a:pPr marL="914400" lvl="1" indent="-381000" algn="l" rtl="0">
+              <a:spcBef>
+                <a:spcPts val="0"/>
+              </a:spcBef>
+              <a:spcAft>
+                <a:spcPts val="0"/>
+              </a:spcAft>
+              <a:buSzPts val="2400"/>
+              <a:buChar char="–"/>
+            </a:pPr>
+            <a:r>
+              <a:rPr lang="pl-PL" sz="2400" dirty="0"/>
+              <a:t>UMTS 900/2100</a:t>
+            </a:r>
+            <a:endParaRPr sz="2400" dirty="0"/>
+          </a:p>
+          <a:p>
+            <a:pPr marL="914400" lvl="1" indent="-381000" algn="l" rtl="0">
+              <a:spcBef>
+                <a:spcPts val="0"/>
+              </a:spcBef>
+              <a:spcAft>
+                <a:spcPts val="0"/>
+              </a:spcAft>
+              <a:buSzPts val="2400"/>
+              <a:buChar char="–"/>
+            </a:pPr>
+            <a:r>
+              <a:rPr lang="pl-PL" sz="2400" dirty="0"/>
+              <a:t>LTE 800/1800/2600</a:t>
+            </a:r>
+            <a:endParaRPr sz="2400" dirty="0"/>
+          </a:p>
+          <a:p>
+            <a:pPr marL="457200" lvl="0" indent="-381000" algn="l" rtl="0">
+              <a:spcBef>
+                <a:spcPts val="0"/>
+              </a:spcBef>
+              <a:spcAft>
+                <a:spcPts val="0"/>
+              </a:spcAft>
+              <a:buSzPts val="2400"/>
               <a:buChar char="»"/>
             </a:pPr>
             <a:r>
-              <a:rPr lang="pl-PL" dirty="0"/>
-              <a:t>Producent systemów informatycznych klasy WMS do zarządzania magazynami (ang. </a:t>
+              <a:rPr lang="pl-PL" sz="2400" dirty="0"/>
+              <a:t>Obecnie 4. operator komórkowy w Polsce pod względem liczby abonentów, obsługujący ponad 12 mln klientów</a:t>
             </a:r>
-            <a:r>
-              <a:rPr lang="pl-PL" i="1" dirty="0"/>
-              <a:t>Warehouse Management System</a:t>
-            </a:r>
-            <a:r>
-              <a:rPr lang="pl-PL" dirty="0"/>
-              <a:t>)</a:t>
-            </a:r>
-            <a:endParaRPr dirty="0"/>
+            <a:endParaRPr sz="2400" dirty="0"/>
           </a:p>
           <a:p>
-            <a:pPr marL="457200" lvl="0" indent="-424307" algn="l" rtl="0">
-              <a:lnSpc>
-                <a:spcPct val="100000"/>
-              </a:lnSpc>
-              <a:spcBef>
-                <a:spcPts val="1000"/>
-              </a:spcBef>
-              <a:spcAft>
-                <a:spcPts val="0"/>
-              </a:spcAft>
-              <a:buSzPts val="3082"/>
+            <a:pPr marL="457200" lvl="0" indent="-381000" algn="l" rtl="0">
+              <a:spcBef>
+                <a:spcPts val="0"/>
+              </a:spcBef>
+              <a:spcAft>
+                <a:spcPts val="0"/>
+              </a:spcAft>
+              <a:buSzPts val="2400"/>
               <a:buChar char="»"/>
             </a:pPr>
             <a:r>
-              <a:rPr lang="pl-PL" dirty="0"/>
-              <a:t>Doradztwo logistyczne</a:t>
+              <a:rPr lang="pl-PL" sz="2400" dirty="0"/>
+              <a:t>Usługi telekomunikacyjne dla klientów indywidualnych i biznesowych</a:t>
             </a:r>
-            <a:endParaRPr dirty="0"/>
+            <a:endParaRPr sz="2400" dirty="0"/>
           </a:p>
           <a:p>
-            <a:pPr marL="457200" lvl="0" indent="-424307" algn="l" rtl="0">
-              <a:lnSpc>
-                <a:spcPct val="100000"/>
-              </a:lnSpc>
-              <a:spcBef>
-                <a:spcPts val="1000"/>
-              </a:spcBef>
-              <a:spcAft>
-                <a:spcPts val="0"/>
-              </a:spcAft>
-              <a:buSzPts val="3082"/>
+            <a:pPr marL="457200" lvl="0" indent="-381000" algn="l" rtl="0">
+              <a:spcBef>
+                <a:spcPts val="0"/>
+              </a:spcBef>
+              <a:spcAft>
+                <a:spcPts val="0"/>
+              </a:spcAft>
+              <a:buSzPts val="2400"/>
               <a:buChar char="»"/>
             </a:pPr>
             <a:r>
-              <a:rPr lang="pl-PL" dirty="0"/>
-              <a:t>Automatyka magazynowa</a:t>
+              <a:rPr lang="pl-PL" sz="2400" dirty="0" err="1">
+                <a:solidFill>
+                  <a:schemeClr val="dk1"/>
+                </a:solidFill>
+              </a:rPr>
+              <a:t>hub:raum</a:t>
             </a:r>
-            <a:endParaRPr dirty="0"/>
-          </a:p>
-          <a:p>
-            <a:pPr marL="457200" lvl="0" indent="-424307" algn="l" rtl="0">
-              <a:lnSpc>
-                <a:spcPct val="100000"/>
-              </a:lnSpc>
-              <a:spcBef>
-                <a:spcPts val="1000"/>
-              </a:spcBef>
-              <a:spcAft>
-                <a:spcPts val="1000"/>
-              </a:spcAft>
-              <a:buSzPts val="3082"/>
-              <a:buChar char="»"/>
-            </a:pPr>
-            <a:r>
-              <a:rPr lang="pl-PL" dirty="0"/>
-              <a:t>Infrastruktura magazynowa</a:t>
-            </a:r>
-            <a:endParaRPr dirty="0"/>
+            <a:endParaRPr sz="2400" dirty="0"/>
           </a:p>
         </p:txBody>
       </p:sp>
       <p:sp>
         <p:nvSpPr>
-          <p:cNvPr id="210" name="Google Shape;210;p37"/>
+          <p:cNvPr id="186" name="Google Shape;186;p34"/>
           <p:cNvSpPr txBox="1">
             <a:spLocks noGrp="1"/>
           </p:cNvSpPr>
@@ -26610,8 +26574,8 @@
         </p:nvSpPr>
         <p:spPr>
           <a:xfrm>
-            <a:off x="7910772" y="6254325"/>
-            <a:ext cx="553800" cy="295500"/>
+            <a:off x="7850596" y="6254325"/>
+            <a:ext cx="613800" cy="295500"/>
           </a:xfrm>
           <a:prstGeom prst="rect">
             <a:avLst/>
@@ -26646,17 +26610,13 @@
       </p:sp>
       <p:pic>
         <p:nvPicPr>
-          <p:cNvPr id="211" name="Google Shape;211;p37"/>
+          <p:cNvPr id="187" name="Google Shape;187;p34"/>
           <p:cNvPicPr preferRelativeResize="0"/>
           <p:nvPr/>
         </p:nvPicPr>
         <p:blipFill>
           <a:blip r:embed="rId3">
-            <a:extLst>
-              <a:ext uri="{28A0092B-C50C-407E-A947-70E740481C1C}">
-                <a14:useLocalDpi xmlns:a14="http://schemas.microsoft.com/office/drawing/2010/main" val="0"/>
-              </a:ext>
-            </a:extLst>
+            <a:alphaModFix/>
           </a:blip>
           <a:stretch>
             <a:fillRect/>
@@ -26664,8 +26624,8 @@
         </p:blipFill>
         <p:spPr>
           <a:xfrm>
-            <a:off x="3766421" y="609451"/>
-            <a:ext cx="1617965" cy="1143900"/>
+            <a:off x="3408924" y="609450"/>
+            <a:ext cx="2326155" cy="1143900"/>
           </a:xfrm>
           <a:prstGeom prst="rect">
             <a:avLst/>
@@ -26685,207 +26645,6 @@
 </file>
 
 <file path=ppt/slides/slide13.xml><?xml version="1.0" encoding="utf-8"?>
-<p:sld xmlns:a="http://schemas.openxmlformats.org/drawingml/2006/main" xmlns:r="http://schemas.openxmlformats.org/officeDocument/2006/relationships" xmlns:p="http://schemas.openxmlformats.org/presentationml/2006/main">
-  <p:cSld>
-    <p:spTree>
-      <p:nvGrpSpPr>
-        <p:cNvPr id="1" name="Shape 208"/>
-        <p:cNvGrpSpPr/>
-        <p:nvPr/>
-      </p:nvGrpSpPr>
-      <p:grpSpPr>
-        <a:xfrm>
-          <a:off x="0" y="0"/>
-          <a:ext cx="0" cy="0"/>
-          <a:chOff x="0" y="0"/>
-          <a:chExt cx="0" cy="0"/>
-        </a:xfrm>
-      </p:grpSpPr>
-      <p:sp>
-        <p:nvSpPr>
-          <p:cNvPr id="209" name="Google Shape;209;p37"/>
-          <p:cNvSpPr txBox="1">
-            <a:spLocks noGrp="1"/>
-          </p:cNvSpPr>
-          <p:nvPr>
-            <p:ph type="body" idx="1"/>
-          </p:nvPr>
-        </p:nvSpPr>
-        <p:spPr>
-          <a:xfrm>
-            <a:off x="686344" y="1982481"/>
-            <a:ext cx="7778100" cy="4119000"/>
-          </a:xfrm>
-          <a:prstGeom prst="rect">
-            <a:avLst/>
-          </a:prstGeom>
-        </p:spPr>
-        <p:txBody>
-          <a:bodyPr spcFirstLastPara="1" wrap="square" lIns="52125" tIns="52125" rIns="52125" bIns="52125" anchor="t" anchorCtr="0">
-            <a:normAutofit fontScale="70000" lnSpcReduction="20000"/>
-          </a:bodyPr>
-          <a:lstStyle/>
-          <a:p>
-            <a:pPr marL="457200" lvl="0" indent="-424307" algn="l" rtl="0">
-              <a:lnSpc>
-                <a:spcPct val="100000"/>
-              </a:lnSpc>
-              <a:spcBef>
-                <a:spcPts val="0"/>
-              </a:spcBef>
-              <a:spcAft>
-                <a:spcPts val="0"/>
-              </a:spcAft>
-              <a:buSzPts val="3082"/>
-              <a:buChar char="»"/>
-            </a:pPr>
-            <a:r>
-              <a:rPr lang="pl-PL" sz="3200" dirty="0"/>
-              <a:t>(25 listopada „Otwarte i inteligentne sieci komórkowe”)</a:t>
-            </a:r>
-          </a:p>
-          <a:p>
-            <a:pPr>
-              <a:spcBef>
-                <a:spcPts val="0"/>
-              </a:spcBef>
-            </a:pPr>
-            <a:r>
-              <a:rPr lang="pl-PL" sz="3200" dirty="0"/>
-              <a:t>Działające na skalę globalną fińskie przedsiębiorstwo zajmujące się technologiami telekomunikacyjnymi</a:t>
-            </a:r>
-          </a:p>
-          <a:p>
-            <a:pPr>
-              <a:spcBef>
-                <a:spcPts val="0"/>
-              </a:spcBef>
-            </a:pPr>
-            <a:r>
-              <a:rPr lang="pl-PL" sz="3200" dirty="0"/>
-              <a:t>Niegdyś znana głównie z produkcji telefonów komórkowych dziś zajmuje się tworzeniem urządzeń, oprogramowania i zintegrowanych rozwiązań i usług dla telefonii bezprzewodowej w tym sieci 4G, 5G i nadchodzących 6G</a:t>
-            </a:r>
-          </a:p>
-          <a:p>
-            <a:pPr>
-              <a:spcBef>
-                <a:spcPts val="0"/>
-              </a:spcBef>
-            </a:pPr>
-            <a:r>
-              <a:rPr lang="pl-PL" sz="3200" dirty="0"/>
-              <a:t>NOKIA posiada wiele centrów „Research and Development” w Europie, Azji i obu Amerykach w tym  dwa centra R&amp;D w Polsce (Wrocław i Kraków)</a:t>
-            </a:r>
-          </a:p>
-        </p:txBody>
-      </p:sp>
-      <p:sp>
-        <p:nvSpPr>
-          <p:cNvPr id="210" name="Google Shape;210;p37"/>
-          <p:cNvSpPr txBox="1">
-            <a:spLocks noGrp="1"/>
-          </p:cNvSpPr>
-          <p:nvPr>
-            <p:ph type="sldNum" idx="12"/>
-          </p:nvPr>
-        </p:nvSpPr>
-        <p:spPr>
-          <a:xfrm>
-            <a:off x="7910772" y="6254325"/>
-            <a:ext cx="553800" cy="295500"/>
-          </a:xfrm>
-          <a:prstGeom prst="rect">
-            <a:avLst/>
-          </a:prstGeom>
-        </p:spPr>
-        <p:txBody>
-          <a:bodyPr spcFirstLastPara="1" wrap="square" lIns="52125" tIns="52125" rIns="52125" bIns="52125" anchor="t" anchorCtr="0">
-            <a:noAutofit/>
-          </a:bodyPr>
-          <a:lstStyle/>
-          <a:p>
-            <a:pPr marL="0" lvl="0" indent="0" algn="r" rtl="0">
-              <a:spcBef>
-                <a:spcPts val="0"/>
-              </a:spcBef>
-              <a:spcAft>
-                <a:spcPts val="0"/>
-              </a:spcAft>
-              <a:buClr>
-                <a:srgbClr val="000000"/>
-              </a:buClr>
-              <a:buFont typeface="Arial"/>
-              <a:buNone/>
-            </a:pPr>
-            <a:fld id="{00000000-1234-1234-1234-123412341234}" type="slidenum">
-              <a:rPr lang="pl-PL"/>
-              <a:t>13</a:t>
-            </a:fld>
-            <a:endParaRPr/>
-          </a:p>
-        </p:txBody>
-      </p:sp>
-      <p:pic>
-        <p:nvPicPr>
-          <p:cNvPr id="5" name="Picture 2">
-            <a:extLst>
-              <a:ext uri="{FF2B5EF4-FFF2-40B4-BE49-F238E27FC236}">
-                <a16:creationId xmlns:a16="http://schemas.microsoft.com/office/drawing/2014/main" id="{C4155467-4BB2-4E45-9D42-AAD0B920DB92}"/>
-              </a:ext>
-            </a:extLst>
-          </p:cNvPr>
-          <p:cNvPicPr>
-            <a:picLocks noChangeAspect="1" noChangeArrowheads="1"/>
-          </p:cNvPicPr>
-          <p:nvPr/>
-        </p:nvPicPr>
-        <p:blipFill>
-          <a:blip r:embed="rId3">
-            <a:extLst>
-              <a:ext uri="{28A0092B-C50C-407E-A947-70E740481C1C}">
-                <a14:useLocalDpi xmlns:a14="http://schemas.microsoft.com/office/drawing/2010/main" val="0"/>
-              </a:ext>
-            </a:extLst>
-          </a:blip>
-          <a:srcRect/>
-          <a:stretch>
-            <a:fillRect/>
-          </a:stretch>
-        </p:blipFill>
-        <p:spPr bwMode="auto">
-          <a:xfrm>
-            <a:off x="1182486" y="609440"/>
-            <a:ext cx="6779028" cy="1143961"/>
-          </a:xfrm>
-          <a:prstGeom prst="rect">
-            <a:avLst/>
-          </a:prstGeom>
-          <a:noFill/>
-          <a:extLst>
-            <a:ext uri="{909E8E84-426E-40DD-AFC4-6F175D3DCCD1}">
-              <a14:hiddenFill xmlns:a14="http://schemas.microsoft.com/office/drawing/2010/main">
-                <a:solidFill>
-                  <a:srgbClr val="FFFFFF"/>
-                </a:solidFill>
-              </a14:hiddenFill>
-            </a:ext>
-          </a:extLst>
-        </p:spPr>
-      </p:pic>
-    </p:spTree>
-    <p:extLst>
-      <p:ext uri="{BB962C8B-B14F-4D97-AF65-F5344CB8AC3E}">
-        <p14:creationId xmlns:p14="http://schemas.microsoft.com/office/powerpoint/2010/main" val="1183073959"/>
-      </p:ext>
-    </p:extLst>
-  </p:cSld>
-  <p:clrMapOvr>
-    <a:masterClrMapping/>
-  </p:clrMapOvr>
-</p:sld>
-</file>
-
-<file path=ppt/slides/slide14.xml><?xml version="1.0" encoding="utf-8"?>
 <p:sld xmlns:a="http://schemas.openxmlformats.org/drawingml/2006/main" xmlns:r="http://schemas.openxmlformats.org/officeDocument/2006/relationships" xmlns:p="http://schemas.openxmlformats.org/presentationml/2006/main">
   <p:cSld>
     <p:spTree>
@@ -26923,26 +26682,9 @@
         </p:spPr>
         <p:txBody>
           <a:bodyPr spcFirstLastPara="1" wrap="square" lIns="52125" tIns="52125" rIns="52125" bIns="52125" anchor="t" anchorCtr="0">
-            <a:normAutofit fontScale="92500" lnSpcReduction="10000"/>
+            <a:normAutofit lnSpcReduction="10000"/>
           </a:bodyPr>
           <a:lstStyle/>
-          <a:p>
-            <a:pPr marL="457200" lvl="0" indent="-381000" algn="l" rtl="0">
-              <a:spcBef>
-                <a:spcPts val="685"/>
-              </a:spcBef>
-              <a:spcAft>
-                <a:spcPts val="0"/>
-              </a:spcAft>
-              <a:buSzPts val="2400"/>
-              <a:buChar char="»"/>
-            </a:pPr>
-            <a:r>
-              <a:rPr lang="pl-PL" sz="2400" dirty="0"/>
-              <a:t>(2 grudnia, „Człowiek i Samochód – krótka ilustrowana historia komunikacji”)</a:t>
-            </a:r>
-            <a:endParaRPr sz="2400" dirty="0"/>
-          </a:p>
           <a:p>
             <a:pPr marL="457200" lvl="0" indent="-381000" algn="l" rtl="0">
               <a:spcBef>
@@ -27036,7 +26778,7 @@
             </a:pPr>
             <a:fld id="{00000000-1234-1234-1234-123412341234}" type="slidenum">
               <a:rPr lang="pl-PL"/>
-              <a:t>14</a:t>
+              <a:t>13</a:t>
             </a:fld>
             <a:endParaRPr/>
           </a:p>
@@ -27078,12 +26820,12 @@
 </p:sld>
 </file>
 
-<file path=ppt/slides/slide15.xml><?xml version="1.0" encoding="utf-8"?>
+<file path=ppt/slides/slide14.xml><?xml version="1.0" encoding="utf-8"?>
 <p:sld xmlns:a="http://schemas.openxmlformats.org/drawingml/2006/main" xmlns:r="http://schemas.openxmlformats.org/officeDocument/2006/relationships" xmlns:p="http://schemas.openxmlformats.org/presentationml/2006/main">
   <p:cSld>
     <p:spTree>
       <p:nvGrpSpPr>
-        <p:cNvPr id="1" name="Shape 200"/>
+        <p:cNvPr id="1" name="Shape 166"/>
         <p:cNvGrpSpPr/>
         <p:nvPr/>
       </p:nvGrpSpPr>
@@ -27097,17 +26839,471 @@
       </p:grpSpPr>
       <p:sp>
         <p:nvSpPr>
-          <p:cNvPr id="201" name="Google Shape;201;p36"/>
+          <p:cNvPr id="168" name="Google Shape;168;p32"/>
           <p:cNvSpPr txBox="1">
             <a:spLocks noGrp="1"/>
           </p:cNvSpPr>
           <p:nvPr>
-            <p:ph type="body" idx="2"/>
+            <p:ph type="body" idx="1"/>
+          </p:nvPr>
+        </p:nvSpPr>
+        <p:spPr>
+          <a:prstGeom prst="rect">
+            <a:avLst/>
+          </a:prstGeom>
+        </p:spPr>
+        <p:txBody>
+          <a:bodyPr spcFirstLastPara="1" wrap="square" lIns="52125" tIns="52125" rIns="52125" bIns="52125" anchor="t" anchorCtr="0">
+            <a:normAutofit fontScale="70000" lnSpcReduction="20000"/>
+          </a:bodyPr>
+          <a:lstStyle/>
+          <a:p>
+            <a:pPr marL="457200" marR="0" lvl="0" indent="-317500" algn="l" rtl="0">
+              <a:lnSpc>
+                <a:spcPct val="100000"/>
+              </a:lnSpc>
+              <a:spcBef>
+                <a:spcPts val="1000"/>
+              </a:spcBef>
+              <a:spcAft>
+                <a:spcPts val="0"/>
+              </a:spcAft>
+              <a:buSzPts val="1400"/>
+              <a:buChar char="»"/>
+            </a:pPr>
+            <a:r>
+              <a:rPr lang="pl-PL" sz="3200" dirty="0"/>
+              <a:t>Obecny w Polsce od 1904 roku (pierwsza centrala telefoniczna Ericsson-a)</a:t>
+            </a:r>
+          </a:p>
+          <a:p>
+            <a:pPr marL="457200" marR="0" lvl="0" indent="-317500" algn="l" rtl="0">
+              <a:lnSpc>
+                <a:spcPct val="100000"/>
+              </a:lnSpc>
+              <a:spcBef>
+                <a:spcPts val="1000"/>
+              </a:spcBef>
+              <a:spcAft>
+                <a:spcPts val="0"/>
+              </a:spcAft>
+              <a:buSzPts val="1400"/>
+              <a:buChar char="»"/>
+            </a:pPr>
+            <a:r>
+              <a:rPr lang="pl-PL" sz="3200" dirty="0"/>
+              <a:t>Jedna z największych w Polsce firm w branży ICT, drugi pod względem wielkości ośrodek badań i rozwoju (R&amp;D) Ericsson na świecie, zatrudnia 2300 pracowników</a:t>
+            </a:r>
+          </a:p>
+          <a:p>
+            <a:pPr marL="457200" marR="0" lvl="0" indent="-317500" algn="l" rtl="0">
+              <a:lnSpc>
+                <a:spcPct val="100000"/>
+              </a:lnSpc>
+              <a:spcBef>
+                <a:spcPts val="1000"/>
+              </a:spcBef>
+              <a:spcAft>
+                <a:spcPts val="0"/>
+              </a:spcAft>
+              <a:buSzPts val="1400"/>
+              <a:buChar char="»"/>
+            </a:pPr>
+            <a:r>
+              <a:rPr lang="pl-PL" sz="3200" dirty="0"/>
+              <a:t>R&amp;D w Krakowie i Łodzi pracuje nad oprogramowaniem w obszarze dostępu radiowego sieci komórkowych 2G/3G/4G/5G używanego na całym świecie </a:t>
+            </a:r>
+          </a:p>
+          <a:p>
+            <a:pPr marL="457200" marR="0" lvl="0" indent="-317500" algn="l" rtl="0">
+              <a:lnSpc>
+                <a:spcPct val="100000"/>
+              </a:lnSpc>
+              <a:spcBef>
+                <a:spcPts val="1000"/>
+              </a:spcBef>
+              <a:spcAft>
+                <a:spcPts val="1000"/>
+              </a:spcAft>
+              <a:buSzPts val="1400"/>
+              <a:buChar char="»"/>
+            </a:pPr>
+            <a:r>
+              <a:rPr lang="pl-PL" sz="3200" dirty="0"/>
+              <a:t>Wiodący na polskim rynku lider przygotowań do wdrożeń technologii 5G</a:t>
+            </a:r>
+          </a:p>
+        </p:txBody>
+      </p:sp>
+      <p:sp>
+        <p:nvSpPr>
+          <p:cNvPr id="170" name="Google Shape;170;p32"/>
+          <p:cNvSpPr txBox="1">
+            <a:spLocks noGrp="1"/>
+          </p:cNvSpPr>
+          <p:nvPr>
+            <p:ph type="sldNum" idx="12"/>
           </p:nvPr>
         </p:nvSpPr>
         <p:spPr>
           <a:xfrm>
-            <a:off x="686245" y="1982475"/>
+            <a:off x="7908653" y="6254324"/>
+            <a:ext cx="555800" cy="295355"/>
+          </a:xfrm>
+          <a:prstGeom prst="rect">
+            <a:avLst/>
+          </a:prstGeom>
+        </p:spPr>
+        <p:txBody>
+          <a:bodyPr spcFirstLastPara="1" wrap="square" lIns="52125" tIns="52125" rIns="52125" bIns="52125" anchor="t" anchorCtr="0">
+            <a:noAutofit/>
+          </a:bodyPr>
+          <a:lstStyle/>
+          <a:p>
+            <a:pPr marL="0" lvl="0" indent="0" algn="r" rtl="0">
+              <a:spcBef>
+                <a:spcPts val="0"/>
+              </a:spcBef>
+              <a:spcAft>
+                <a:spcPts val="0"/>
+              </a:spcAft>
+              <a:buClr>
+                <a:srgbClr val="000000"/>
+              </a:buClr>
+              <a:buFont typeface="Arial"/>
+              <a:buNone/>
+            </a:pPr>
+            <a:fld id="{00000000-1234-1234-1234-123412341234}" type="slidenum">
+              <a:rPr lang="pl-PL"/>
+              <a:t>14</a:t>
+            </a:fld>
+            <a:endParaRPr dirty="0"/>
+          </a:p>
+        </p:txBody>
+      </p:sp>
+      <p:pic>
+        <p:nvPicPr>
+          <p:cNvPr id="1032" name="Picture 8">
+            <a:extLst>
+              <a:ext uri="{FF2B5EF4-FFF2-40B4-BE49-F238E27FC236}">
+                <a16:creationId xmlns:a16="http://schemas.microsoft.com/office/drawing/2014/main" id="{6E6E5F29-9107-B539-E418-5266553A8E4D}"/>
+              </a:ext>
+            </a:extLst>
+          </p:cNvPr>
+          <p:cNvPicPr>
+            <a:picLocks noChangeAspect="1" noChangeArrowheads="1"/>
+          </p:cNvPicPr>
+          <p:nvPr/>
+        </p:nvPicPr>
+        <p:blipFill>
+          <a:blip r:embed="rId3">
+            <a:extLst>
+              <a:ext uri="{28A0092B-C50C-407E-A947-70E740481C1C}">
+                <a14:useLocalDpi xmlns:a14="http://schemas.microsoft.com/office/drawing/2010/main" val="0"/>
+              </a:ext>
+            </a:extLst>
+          </a:blip>
+          <a:srcRect/>
+          <a:stretch>
+            <a:fillRect/>
+          </a:stretch>
+        </p:blipFill>
+        <p:spPr bwMode="auto">
+          <a:xfrm>
+            <a:off x="1945715" y="594610"/>
+            <a:ext cx="5252570" cy="1173622"/>
+          </a:xfrm>
+          <a:prstGeom prst="rect">
+            <a:avLst/>
+          </a:prstGeom>
+          <a:noFill/>
+          <a:extLst>
+            <a:ext uri="{909E8E84-426E-40DD-AFC4-6F175D3DCCD1}">
+              <a14:hiddenFill xmlns:a14="http://schemas.microsoft.com/office/drawing/2010/main">
+                <a:solidFill>
+                  <a:srgbClr val="FFFFFF"/>
+                </a:solidFill>
+              </a14:hiddenFill>
+            </a:ext>
+          </a:extLst>
+        </p:spPr>
+      </p:pic>
+    </p:spTree>
+  </p:cSld>
+  <p:clrMapOvr>
+    <a:masterClrMapping/>
+  </p:clrMapOvr>
+</p:sld>
+</file>
+
+<file path=ppt/slides/slide15.xml><?xml version="1.0" encoding="utf-8"?>
+<p:sld xmlns:a="http://schemas.openxmlformats.org/drawingml/2006/main" xmlns:r="http://schemas.openxmlformats.org/officeDocument/2006/relationships" xmlns:p="http://schemas.openxmlformats.org/presentationml/2006/main">
+  <p:cSld>
+    <p:spTree>
+      <p:nvGrpSpPr>
+        <p:cNvPr id="1" name="Shape 280"/>
+        <p:cNvGrpSpPr/>
+        <p:nvPr/>
+      </p:nvGrpSpPr>
+      <p:grpSpPr>
+        <a:xfrm>
+          <a:off x="0" y="0"/>
+          <a:ext cx="0" cy="0"/>
+          <a:chOff x="0" y="0"/>
+          <a:chExt cx="0" cy="0"/>
+        </a:xfrm>
+      </p:grpSpPr>
+      <p:sp>
+        <p:nvSpPr>
+          <p:cNvPr id="281" name="Google Shape;281;p46"/>
+          <p:cNvSpPr txBox="1">
+            <a:spLocks noGrp="1"/>
+          </p:cNvSpPr>
+          <p:nvPr>
+            <p:ph type="title"/>
+          </p:nvPr>
+        </p:nvSpPr>
+        <p:spPr>
+          <a:xfrm>
+            <a:off x="623826" y="1710178"/>
+            <a:ext cx="7886835" cy="2852697"/>
+          </a:xfrm>
+          <a:prstGeom prst="rect">
+            <a:avLst/>
+          </a:prstGeom>
+          <a:noFill/>
+          <a:ln>
+            <a:noFill/>
+          </a:ln>
+        </p:spPr>
+        <p:txBody>
+          <a:bodyPr spcFirstLastPara="1" wrap="square" lIns="52125" tIns="52125" rIns="52125" bIns="52125" anchor="b" anchorCtr="0">
+            <a:noAutofit/>
+          </a:bodyPr>
+          <a:lstStyle/>
+          <a:p>
+            <a:pPr marL="0" marR="0" lvl="0" indent="0" algn="ctr" rtl="0">
+              <a:spcBef>
+                <a:spcPts val="0"/>
+              </a:spcBef>
+              <a:spcAft>
+                <a:spcPts val="0"/>
+              </a:spcAft>
+              <a:buNone/>
+            </a:pPr>
+            <a:r>
+              <a:rPr lang="pl-PL" sz="5137" b="0" i="0" u="none" strike="noStrike" cap="none">
+                <a:solidFill>
+                  <a:srgbClr val="000000"/>
+                </a:solidFill>
+                <a:latin typeface="Arial"/>
+                <a:ea typeface="Arial"/>
+                <a:cs typeface="Arial"/>
+                <a:sym typeface="Arial"/>
+              </a:rPr>
+              <a:t>Projekt</a:t>
+            </a:r>
+            <a:endParaRPr/>
+          </a:p>
+        </p:txBody>
+      </p:sp>
+      <p:sp>
+        <p:nvSpPr>
+          <p:cNvPr id="282" name="Google Shape;282;p46"/>
+          <p:cNvSpPr txBox="1">
+            <a:spLocks noGrp="1"/>
+          </p:cNvSpPr>
+          <p:nvPr>
+            <p:ph type="body" idx="1"/>
+          </p:nvPr>
+        </p:nvSpPr>
+        <p:spPr>
+          <a:xfrm>
+            <a:off x="623826" y="4588810"/>
+            <a:ext cx="7886835" cy="1501268"/>
+          </a:xfrm>
+          <a:prstGeom prst="rect">
+            <a:avLst/>
+          </a:prstGeom>
+          <a:noFill/>
+          <a:ln>
+            <a:noFill/>
+          </a:ln>
+        </p:spPr>
+        <p:txBody>
+          <a:bodyPr spcFirstLastPara="1" wrap="square" lIns="52125" tIns="52125" rIns="52125" bIns="52125" anchor="t" anchorCtr="0">
+            <a:noAutofit/>
+          </a:bodyPr>
+          <a:lstStyle/>
+          <a:p>
+            <a:pPr marL="0" marR="0" lvl="0" indent="0" algn="l" rtl="0">
+              <a:spcBef>
+                <a:spcPts val="0"/>
+              </a:spcBef>
+              <a:spcAft>
+                <a:spcPts val="0"/>
+              </a:spcAft>
+              <a:buClr>
+                <a:srgbClr val="000000"/>
+              </a:buClr>
+              <a:buSzPts val="2055"/>
+              <a:buFont typeface="Arial"/>
+              <a:buNone/>
+            </a:pPr>
+            <a:endParaRPr sz="2055" b="0" i="0" u="none" strike="noStrike" cap="none">
+              <a:solidFill>
+                <a:srgbClr val="000000"/>
+              </a:solidFill>
+              <a:latin typeface="Arial"/>
+              <a:ea typeface="Arial"/>
+              <a:cs typeface="Arial"/>
+              <a:sym typeface="Arial"/>
+            </a:endParaRPr>
+          </a:p>
+        </p:txBody>
+      </p:sp>
+      <p:sp>
+        <p:nvSpPr>
+          <p:cNvPr id="283" name="Google Shape;283;p46"/>
+          <p:cNvSpPr txBox="1">
+            <a:spLocks noGrp="1"/>
+          </p:cNvSpPr>
+          <p:nvPr>
+            <p:ph type="sldNum" idx="12"/>
+          </p:nvPr>
+        </p:nvSpPr>
+        <p:spPr>
+          <a:xfrm>
+            <a:off x="8076199" y="6254325"/>
+            <a:ext cx="388200" cy="295200"/>
+          </a:xfrm>
+          <a:prstGeom prst="rect">
+            <a:avLst/>
+          </a:prstGeom>
+          <a:noFill/>
+          <a:ln>
+            <a:noFill/>
+          </a:ln>
+        </p:spPr>
+        <p:txBody>
+          <a:bodyPr spcFirstLastPara="1" wrap="square" lIns="52125" tIns="52125" rIns="52125" bIns="52125" anchor="t" anchorCtr="0">
+            <a:noAutofit/>
+          </a:bodyPr>
+          <a:lstStyle/>
+          <a:p>
+            <a:pPr marL="0" marR="0" lvl="0" indent="0" algn="r" rtl="0">
+              <a:spcBef>
+                <a:spcPts val="0"/>
+              </a:spcBef>
+              <a:spcAft>
+                <a:spcPts val="0"/>
+              </a:spcAft>
+              <a:buNone/>
+            </a:pPr>
+            <a:fld id="{00000000-1234-1234-1234-123412341234}" type="slidenum">
+              <a:rPr lang="pl-PL" sz="1370" b="0" i="0" u="none" strike="noStrike" cap="none">
+                <a:solidFill>
+                  <a:schemeClr val="dk1"/>
+                </a:solidFill>
+                <a:latin typeface="Arial"/>
+                <a:ea typeface="Arial"/>
+                <a:cs typeface="Arial"/>
+                <a:sym typeface="Arial"/>
+              </a:rPr>
+              <a:t>15</a:t>
+            </a:fld>
+            <a:endParaRPr sz="1370" b="0" i="0" u="none" strike="noStrike" cap="none">
+              <a:solidFill>
+                <a:schemeClr val="dk1"/>
+              </a:solidFill>
+              <a:latin typeface="Arial"/>
+              <a:ea typeface="Arial"/>
+              <a:cs typeface="Arial"/>
+              <a:sym typeface="Arial"/>
+            </a:endParaRPr>
+          </a:p>
+        </p:txBody>
+      </p:sp>
+    </p:spTree>
+  </p:cSld>
+  <p:clrMapOvr>
+    <a:masterClrMapping/>
+  </p:clrMapOvr>
+</p:sld>
+</file>
+
+<file path=ppt/slides/slide16.xml><?xml version="1.0" encoding="utf-8"?>
+<p:sld xmlns:a="http://schemas.openxmlformats.org/drawingml/2006/main" xmlns:r="http://schemas.openxmlformats.org/officeDocument/2006/relationships" xmlns:p="http://schemas.openxmlformats.org/presentationml/2006/main">
+  <p:cSld>
+    <p:spTree>
+      <p:nvGrpSpPr>
+        <p:cNvPr id="1" name="Shape 288"/>
+        <p:cNvGrpSpPr/>
+        <p:nvPr/>
+      </p:nvGrpSpPr>
+      <p:grpSpPr>
+        <a:xfrm>
+          <a:off x="0" y="0"/>
+          <a:ext cx="0" cy="0"/>
+          <a:chOff x="0" y="0"/>
+          <a:chExt cx="0" cy="0"/>
+        </a:xfrm>
+      </p:grpSpPr>
+      <p:sp>
+        <p:nvSpPr>
+          <p:cNvPr id="289" name="Google Shape;289;p47"/>
+          <p:cNvSpPr txBox="1">
+            <a:spLocks noGrp="1"/>
+          </p:cNvSpPr>
+          <p:nvPr>
+            <p:ph type="title"/>
+          </p:nvPr>
+        </p:nvSpPr>
+        <p:spPr>
+          <a:xfrm>
+            <a:off x="686344" y="609441"/>
+            <a:ext cx="7778100" cy="1143900"/>
+          </a:xfrm>
+          <a:prstGeom prst="rect">
+            <a:avLst/>
+          </a:prstGeom>
+        </p:spPr>
+        <p:txBody>
+          <a:bodyPr spcFirstLastPara="1" wrap="square" lIns="52125" tIns="52125" rIns="52125" bIns="52125" anchor="ctr" anchorCtr="0">
+            <a:noAutofit/>
+          </a:bodyPr>
+          <a:lstStyle/>
+          <a:p>
+            <a:pPr marL="0" lvl="0" indent="0" algn="ctr" rtl="0">
+              <a:spcBef>
+                <a:spcPts val="0"/>
+              </a:spcBef>
+              <a:spcAft>
+                <a:spcPts val="0"/>
+              </a:spcAft>
+              <a:buNone/>
+            </a:pPr>
+            <a:r>
+              <a:rPr lang="pl-PL"/>
+              <a:t>Ćwiczenia projektowe</a:t>
+            </a:r>
+            <a:endParaRPr/>
+          </a:p>
+        </p:txBody>
+      </p:sp>
+      <p:sp>
+        <p:nvSpPr>
+          <p:cNvPr id="290" name="Google Shape;290;p47"/>
+          <p:cNvSpPr txBox="1">
+            <a:spLocks noGrp="1"/>
+          </p:cNvSpPr>
+          <p:nvPr>
+            <p:ph type="body" idx="1"/>
+          </p:nvPr>
+        </p:nvSpPr>
+        <p:spPr>
+          <a:xfrm>
+            <a:off x="686344" y="1982481"/>
             <a:ext cx="7778100" cy="4119000"/>
           </a:xfrm>
           <a:prstGeom prst="rect">
@@ -27120,125 +27316,129 @@
           </a:bodyPr>
           <a:lstStyle/>
           <a:p>
-            <a:pPr indent="-419100">
-              <a:spcBef>
-                <a:spcPts val="0"/>
-              </a:spcBef>
-              <a:buSzPts val="3000"/>
-            </a:pPr>
-            <a:r>
-              <a:rPr lang="pl-PL" sz="2800" dirty="0"/>
-              <a:t>(9 grudnia)</a:t>
-            </a:r>
-            <a:endParaRPr sz="3000" dirty="0"/>
-          </a:p>
-          <a:p>
-            <a:pPr marL="457200" lvl="0" indent="-419100" algn="l" rtl="0">
-              <a:spcBef>
-                <a:spcPts val="0"/>
-              </a:spcBef>
-              <a:spcAft>
-                <a:spcPts val="0"/>
-              </a:spcAft>
-              <a:buSzPts val="3000"/>
+            <a:pPr marL="457200" lvl="0" indent="-381000" algn="l" rtl="0">
+              <a:spcBef>
+                <a:spcPts val="685"/>
+              </a:spcBef>
+              <a:spcAft>
+                <a:spcPts val="0"/>
+              </a:spcAft>
+              <a:buSzPts val="2400"/>
               <a:buChar char="»"/>
             </a:pPr>
             <a:r>
-              <a:rPr lang="pl-PL" sz="3000" dirty="0"/>
-              <a:t>Rozwiązania w dziedzinie cyberbezpieczeństwa</a:t>
+              <a:rPr lang="pl-PL" sz="2400"/>
+              <a:t>Konsultacje i samodzielna praca w temacie obejmującym wybrany projekt</a:t>
             </a:r>
-            <a:endParaRPr sz="3000" dirty="0"/>
+            <a:endParaRPr sz="2400"/>
           </a:p>
           <a:p>
-            <a:pPr marL="457200" lvl="0" indent="-419100" algn="l" rtl="0">
-              <a:spcBef>
-                <a:spcPts val="0"/>
-              </a:spcBef>
-              <a:spcAft>
-                <a:spcPts val="0"/>
-              </a:spcAft>
-              <a:buSzPts val="3000"/>
+            <a:pPr marL="457200" lvl="0" indent="-381000" algn="l" rtl="0">
+              <a:spcBef>
+                <a:spcPts val="0"/>
+              </a:spcBef>
+              <a:spcAft>
+                <a:spcPts val="0"/>
+              </a:spcAft>
+              <a:buSzPts val="2400"/>
               <a:buChar char="»"/>
             </a:pPr>
             <a:r>
-              <a:rPr lang="pl-PL" sz="3000" dirty="0"/>
-              <a:t>Eliminowanie źródła cyber zagrożeń</a:t>
+              <a:rPr lang="pl-PL" sz="2400"/>
+              <a:t>Najbardziej aktualne zagadnienia telekomunikacyjnych</a:t>
             </a:r>
-            <a:endParaRPr sz="3000" dirty="0"/>
+            <a:endParaRPr sz="2400"/>
           </a:p>
           <a:p>
-            <a:pPr marL="457200" lvl="0" indent="-419100" algn="l" rtl="0">
-              <a:spcBef>
-                <a:spcPts val="0"/>
-              </a:spcBef>
-              <a:spcAft>
-                <a:spcPts val="0"/>
-              </a:spcAft>
-              <a:buSzPts val="3000"/>
+            <a:pPr marL="457200" lvl="0" indent="-381000" algn="l" rtl="0">
+              <a:spcBef>
+                <a:spcPts val="0"/>
+              </a:spcBef>
+              <a:spcAft>
+                <a:spcPts val="0"/>
+              </a:spcAft>
+              <a:buSzPts val="2400"/>
               <a:buChar char="»"/>
             </a:pPr>
             <a:r>
-              <a:rPr lang="pl-PL" sz="3000" dirty="0"/>
-              <a:t>Rozwiązania dla:</a:t>
+              <a:rPr lang="pl-PL" sz="2400"/>
+              <a:t>Cel: zaznajomienie z najnowszymi trendami i wyzwaniami w branży telekomunikacyjnej</a:t>
             </a:r>
-            <a:endParaRPr sz="3000" dirty="0"/>
+            <a:endParaRPr sz="2400"/>
           </a:p>
           <a:p>
-            <a:pPr marL="914400" lvl="1" indent="-419100" algn="l" rtl="0">
-              <a:spcBef>
-                <a:spcPts val="0"/>
-              </a:spcBef>
-              <a:spcAft>
-                <a:spcPts val="0"/>
-              </a:spcAft>
-              <a:buSzPts val="3000"/>
+            <a:pPr marL="457200" lvl="0" indent="-381000" algn="l" rtl="0">
+              <a:spcBef>
+                <a:spcPts val="0"/>
+              </a:spcBef>
+              <a:spcAft>
+                <a:spcPts val="0"/>
+              </a:spcAft>
+              <a:buSzPts val="2400"/>
+              <a:buChar char="»"/>
+            </a:pPr>
+            <a:r>
+              <a:rPr lang="pl-PL" sz="2400"/>
+              <a:t>Dodatkowo - rozwój umiejętności:</a:t>
+            </a:r>
+            <a:endParaRPr sz="2400"/>
+          </a:p>
+          <a:p>
+            <a:pPr marL="914400" lvl="1" indent="-381000" algn="l" rtl="0">
+              <a:spcBef>
+                <a:spcPts val="0"/>
+              </a:spcBef>
+              <a:spcAft>
+                <a:spcPts val="0"/>
+              </a:spcAft>
+              <a:buSzPts val="2400"/>
               <a:buChar char="–"/>
             </a:pPr>
             <a:r>
-              <a:rPr lang="pl-PL" sz="3000" dirty="0"/>
-              <a:t>Biznesu</a:t>
+              <a:rPr lang="pl-PL" sz="2400"/>
+              <a:t>Analitycznego myślenia</a:t>
             </a:r>
-            <a:endParaRPr sz="3000" dirty="0"/>
+            <a:endParaRPr sz="2400"/>
           </a:p>
           <a:p>
-            <a:pPr marL="914400" lvl="1" indent="-419100" algn="l" rtl="0">
-              <a:spcBef>
-                <a:spcPts val="0"/>
-              </a:spcBef>
-              <a:spcAft>
-                <a:spcPts val="0"/>
-              </a:spcAft>
-              <a:buSzPts val="3000"/>
+            <a:pPr marL="914400" lvl="1" indent="-381000" algn="l" rtl="0">
+              <a:spcBef>
+                <a:spcPts val="0"/>
+              </a:spcBef>
+              <a:spcAft>
+                <a:spcPts val="0"/>
+              </a:spcAft>
+              <a:buSzPts val="2400"/>
               <a:buChar char="–"/>
             </a:pPr>
             <a:r>
-              <a:rPr lang="pl-PL" sz="3000" dirty="0"/>
-              <a:t>Instytucji i agencji państwowych</a:t>
+              <a:rPr lang="pl-PL" sz="2400"/>
+              <a:t>Syntezy studiowanego materiału</a:t>
             </a:r>
-            <a:endParaRPr sz="3000" dirty="0"/>
+            <a:endParaRPr sz="2400"/>
           </a:p>
           <a:p>
-            <a:pPr marL="457200" lvl="0" indent="-419100" algn="l" rtl="0">
-              <a:spcBef>
-                <a:spcPts val="0"/>
-              </a:spcBef>
-              <a:spcAft>
-                <a:spcPts val="0"/>
-              </a:spcAft>
-              <a:buSzPts val="3000"/>
-              <a:buChar char="»"/>
+            <a:pPr marL="914400" lvl="1" indent="-381000" algn="l" rtl="0">
+              <a:spcBef>
+                <a:spcPts val="0"/>
+              </a:spcBef>
+              <a:spcAft>
+                <a:spcPts val="0"/>
+              </a:spcAft>
+              <a:buSzPts val="2400"/>
+              <a:buChar char="–"/>
             </a:pPr>
             <a:r>
-              <a:rPr lang="pl-PL" sz="3000" dirty="0"/>
-              <a:t>Internet of Things</a:t>
+              <a:rPr lang="pl-PL" sz="2400"/>
+              <a:t>Poprawnego wyciągania wniosków</a:t>
             </a:r>
-            <a:endParaRPr sz="3000" dirty="0"/>
+            <a:endParaRPr sz="2400"/>
           </a:p>
         </p:txBody>
       </p:sp>
       <p:sp>
         <p:nvSpPr>
-          <p:cNvPr id="202" name="Google Shape;202;p36"/>
+          <p:cNvPr id="291" name="Google Shape;291;p47"/>
           <p:cNvSpPr txBox="1">
             <a:spLocks noGrp="1"/>
           </p:cNvSpPr>
@@ -27248,8 +27448,8 @@
         </p:nvSpPr>
         <p:spPr>
           <a:xfrm>
-            <a:off x="7993673" y="6254325"/>
-            <a:ext cx="470700" cy="295500"/>
+            <a:off x="7851871" y="6254325"/>
+            <a:ext cx="612600" cy="295500"/>
           </a:xfrm>
           <a:prstGeom prst="rect">
             <a:avLst/>
@@ -27276,30 +27476,51 @@
             </a:pPr>
             <a:fld id="{00000000-1234-1234-1234-123412341234}" type="slidenum">
               <a:rPr lang="pl-PL"/>
-              <a:t>15</a:t>
+              <a:t>16</a:t>
             </a:fld>
             <a:endParaRPr/>
           </a:p>
         </p:txBody>
       </p:sp>
-      <p:pic>
-        <p:nvPicPr>
-          <p:cNvPr id="203" name="Google Shape;203;p36"/>
-          <p:cNvPicPr preferRelativeResize="0"/>
-          <p:nvPr/>
-        </p:nvPicPr>
-        <p:blipFill>
-          <a:blip r:embed="rId3">
-            <a:alphaModFix/>
-          </a:blip>
-          <a:stretch>
-            <a:fillRect/>
-          </a:stretch>
-        </p:blipFill>
+    </p:spTree>
+  </p:cSld>
+  <p:clrMapOvr>
+    <a:masterClrMapping/>
+  </p:clrMapOvr>
+</p:sld>
+</file>
+
+<file path=ppt/slides/slide17.xml><?xml version="1.0" encoding="utf-8"?>
+<p:sld xmlns:a="http://schemas.openxmlformats.org/drawingml/2006/main" xmlns:r="http://schemas.openxmlformats.org/officeDocument/2006/relationships" xmlns:p="http://schemas.openxmlformats.org/presentationml/2006/main">
+  <p:cSld>
+    <p:spTree>
+      <p:nvGrpSpPr>
+        <p:cNvPr id="1" name="Shape 343"/>
+        <p:cNvGrpSpPr/>
+        <p:nvPr/>
+      </p:nvGrpSpPr>
+      <p:grpSpPr>
+        <a:xfrm>
+          <a:off x="0" y="0"/>
+          <a:ext cx="0" cy="0"/>
+          <a:chOff x="0" y="0"/>
+          <a:chExt cx="0" cy="0"/>
+        </a:xfrm>
+      </p:grpSpPr>
+      <p:sp>
+        <p:nvSpPr>
+          <p:cNvPr id="344" name="Google Shape;344;p54"/>
+          <p:cNvSpPr txBox="1">
+            <a:spLocks noGrp="1"/>
+          </p:cNvSpPr>
+          <p:nvPr>
+            <p:ph type="title"/>
+          </p:nvPr>
+        </p:nvSpPr>
         <p:spPr>
           <a:xfrm>
-            <a:off x="3101952" y="609450"/>
-            <a:ext cx="2946911" cy="1143900"/>
+            <a:off x="686344" y="609441"/>
+            <a:ext cx="7778108" cy="1143961"/>
           </a:xfrm>
           <a:prstGeom prst="rect">
             <a:avLst/>
@@ -27309,7 +27530,355 @@
             <a:noFill/>
           </a:ln>
         </p:spPr>
-      </p:pic>
+        <p:txBody>
+          <a:bodyPr spcFirstLastPara="1" wrap="square" lIns="52125" tIns="52125" rIns="52125" bIns="52125" anchor="ctr" anchorCtr="0">
+            <a:noAutofit/>
+          </a:bodyPr>
+          <a:lstStyle/>
+          <a:p>
+            <a:pPr marL="0" marR="0" lvl="0" indent="0" algn="ctr" rtl="0">
+              <a:spcBef>
+                <a:spcPts val="0"/>
+              </a:spcBef>
+              <a:spcAft>
+                <a:spcPts val="0"/>
+              </a:spcAft>
+              <a:buNone/>
+            </a:pPr>
+            <a:r>
+              <a:rPr lang="pl-PL" sz="4281" b="0" i="0" u="none" strike="noStrike" cap="none">
+                <a:solidFill>
+                  <a:srgbClr val="000000"/>
+                </a:solidFill>
+                <a:latin typeface="Arial"/>
+                <a:ea typeface="Arial"/>
+                <a:cs typeface="Arial"/>
+                <a:sym typeface="Arial"/>
+              </a:rPr>
+              <a:t>Zapisy na projekty</a:t>
+            </a:r>
+            <a:endParaRPr/>
+          </a:p>
+        </p:txBody>
+      </p:sp>
+      <p:sp>
+        <p:nvSpPr>
+          <p:cNvPr id="345" name="Google Shape;345;p54"/>
+          <p:cNvSpPr txBox="1">
+            <a:spLocks noGrp="1"/>
+          </p:cNvSpPr>
+          <p:nvPr>
+            <p:ph type="body" idx="1"/>
+          </p:nvPr>
+        </p:nvSpPr>
+        <p:spPr>
+          <a:xfrm>
+            <a:off x="686344" y="1982481"/>
+            <a:ext cx="7778100" cy="4119000"/>
+          </a:xfrm>
+          <a:prstGeom prst="rect">
+            <a:avLst/>
+          </a:prstGeom>
+          <a:noFill/>
+          <a:ln>
+            <a:noFill/>
+          </a:ln>
+        </p:spPr>
+        <p:txBody>
+          <a:bodyPr spcFirstLastPara="1" wrap="square" lIns="52125" tIns="52125" rIns="52125" bIns="52125" anchor="t" anchorCtr="0">
+            <a:noAutofit/>
+          </a:bodyPr>
+          <a:lstStyle/>
+          <a:p>
+            <a:pPr marL="334328" marR="0" lvl="0" indent="-320421" algn="l" rtl="0">
+              <a:lnSpc>
+                <a:spcPct val="100000"/>
+              </a:lnSpc>
+              <a:spcBef>
+                <a:spcPts val="0"/>
+              </a:spcBef>
+              <a:spcAft>
+                <a:spcPts val="0"/>
+              </a:spcAft>
+              <a:buClr>
+                <a:srgbClr val="000000"/>
+              </a:buClr>
+              <a:buSzPts val="2400"/>
+              <a:buFont typeface="Arial"/>
+              <a:buChar char="»"/>
+            </a:pPr>
+            <a:r>
+              <a:rPr lang="pl-PL" sz="2400" b="0" i="0" u="none" strike="noStrike" cap="none" dirty="0">
+                <a:solidFill>
+                  <a:srgbClr val="000000"/>
+                </a:solidFill>
+                <a:latin typeface="Arial"/>
+                <a:ea typeface="Arial"/>
+                <a:cs typeface="Arial"/>
+                <a:sym typeface="Arial"/>
+              </a:rPr>
+              <a:t>Zapisy przez system </a:t>
+            </a:r>
+            <a:r>
+              <a:rPr lang="pl-PL" sz="2400" dirty="0"/>
+              <a:t>UPEL</a:t>
+            </a:r>
+            <a:endParaRPr sz="2400" b="0" i="0" u="none" strike="noStrike" cap="none" dirty="0">
+              <a:solidFill>
+                <a:srgbClr val="000000"/>
+              </a:solidFill>
+              <a:latin typeface="Arial"/>
+              <a:ea typeface="Arial"/>
+              <a:cs typeface="Arial"/>
+              <a:sym typeface="Arial"/>
+            </a:endParaRPr>
+          </a:p>
+          <a:p>
+            <a:pPr marL="334327" marR="0" lvl="0" indent="-320421" algn="l" rtl="0">
+              <a:lnSpc>
+                <a:spcPct val="100000"/>
+              </a:lnSpc>
+              <a:spcBef>
+                <a:spcPts val="685"/>
+              </a:spcBef>
+              <a:spcAft>
+                <a:spcPts val="0"/>
+              </a:spcAft>
+              <a:buClr>
+                <a:srgbClr val="000000"/>
+              </a:buClr>
+              <a:buSzPts val="2400"/>
+              <a:buFont typeface="Arial"/>
+              <a:buChar char="»"/>
+            </a:pPr>
+            <a:r>
+              <a:rPr lang="pl-PL" sz="2400" dirty="0">
+                <a:solidFill>
+                  <a:schemeClr val="dk1"/>
+                </a:solidFill>
+              </a:rPr>
+              <a:t>35 studentów</a:t>
+            </a:r>
+            <a:endParaRPr sz="2400" dirty="0">
+              <a:solidFill>
+                <a:schemeClr val="dk1"/>
+              </a:solidFill>
+            </a:endParaRPr>
+          </a:p>
+          <a:p>
+            <a:pPr marL="334328" marR="0" lvl="0" indent="-320421" algn="l" rtl="0">
+              <a:lnSpc>
+                <a:spcPct val="100000"/>
+              </a:lnSpc>
+              <a:spcBef>
+                <a:spcPts val="685"/>
+              </a:spcBef>
+              <a:spcAft>
+                <a:spcPts val="0"/>
+              </a:spcAft>
+              <a:buClr>
+                <a:srgbClr val="000000"/>
+              </a:buClr>
+              <a:buSzPts val="2400"/>
+              <a:buFont typeface="Arial"/>
+              <a:buChar char="»"/>
+            </a:pPr>
+            <a:r>
+              <a:rPr lang="pl-PL" sz="2400" b="0" i="0" u="none" strike="noStrike" cap="none" dirty="0">
+                <a:solidFill>
+                  <a:srgbClr val="000000"/>
+                </a:solidFill>
+                <a:latin typeface="Arial"/>
+                <a:ea typeface="Arial"/>
+                <a:cs typeface="Arial"/>
+                <a:sym typeface="Arial"/>
+              </a:rPr>
+              <a:t>~12 temat</a:t>
+            </a:r>
+            <a:r>
+              <a:rPr lang="pl-PL" sz="2400" dirty="0"/>
+              <a:t>ów</a:t>
+            </a:r>
+            <a:endParaRPr sz="2400" dirty="0"/>
+          </a:p>
+          <a:p>
+            <a:pPr marL="334328" marR="0" lvl="0" indent="-320421" algn="l" rtl="0">
+              <a:lnSpc>
+                <a:spcPct val="100000"/>
+              </a:lnSpc>
+              <a:spcBef>
+                <a:spcPts val="685"/>
+              </a:spcBef>
+              <a:spcAft>
+                <a:spcPts val="0"/>
+              </a:spcAft>
+              <a:buClr>
+                <a:srgbClr val="000000"/>
+              </a:buClr>
+              <a:buSzPts val="2400"/>
+              <a:buFont typeface="Arial"/>
+              <a:buChar char="»"/>
+            </a:pPr>
+            <a:r>
+              <a:rPr lang="pl-PL" sz="2400" b="0" i="0" u="none" strike="noStrike" cap="none" dirty="0">
+                <a:solidFill>
+                  <a:srgbClr val="000000"/>
+                </a:solidFill>
+                <a:latin typeface="Arial"/>
+                <a:ea typeface="Arial"/>
+                <a:cs typeface="Arial"/>
+                <a:sym typeface="Arial"/>
+              </a:rPr>
+              <a:t>Maks</a:t>
+            </a:r>
+            <a:r>
+              <a:rPr lang="pl-PL" sz="2400" dirty="0"/>
+              <a:t>ymalnie</a:t>
+            </a:r>
+            <a:r>
+              <a:rPr lang="pl-PL" sz="2400" b="0" i="0" u="none" strike="noStrike" cap="none" dirty="0">
+                <a:solidFill>
+                  <a:srgbClr val="000000"/>
+                </a:solidFill>
+                <a:latin typeface="Arial"/>
+                <a:ea typeface="Arial"/>
+                <a:cs typeface="Arial"/>
+                <a:sym typeface="Arial"/>
+              </a:rPr>
+              <a:t> 3 os</a:t>
+            </a:r>
+            <a:r>
+              <a:rPr lang="pl-PL" sz="2400" dirty="0"/>
+              <a:t>oby na </a:t>
+            </a:r>
+            <a:r>
+              <a:rPr lang="pl-PL" sz="2400" b="0" i="0" u="none" strike="noStrike" cap="none" dirty="0">
+                <a:solidFill>
+                  <a:srgbClr val="000000"/>
+                </a:solidFill>
+                <a:latin typeface="Arial"/>
+                <a:ea typeface="Arial"/>
+                <a:cs typeface="Arial"/>
+                <a:sym typeface="Arial"/>
+              </a:rPr>
+              <a:t>projekt</a:t>
+            </a:r>
+            <a:endParaRPr sz="2400" dirty="0"/>
+          </a:p>
+          <a:p>
+            <a:pPr marL="334328" marR="0" lvl="0" indent="-320421" algn="l" rtl="0">
+              <a:lnSpc>
+                <a:spcPct val="100000"/>
+              </a:lnSpc>
+              <a:spcBef>
+                <a:spcPts val="685"/>
+              </a:spcBef>
+              <a:spcAft>
+                <a:spcPts val="0"/>
+              </a:spcAft>
+              <a:buClr>
+                <a:srgbClr val="000000"/>
+              </a:buClr>
+              <a:buSzPts val="2400"/>
+              <a:buFont typeface="Arial"/>
+              <a:buChar char="»"/>
+            </a:pPr>
+            <a:r>
+              <a:rPr lang="pl-PL" sz="2400" b="0" i="0" u="none" strike="noStrike" cap="none" dirty="0">
+                <a:solidFill>
+                  <a:srgbClr val="000000"/>
+                </a:solidFill>
+                <a:latin typeface="Arial"/>
+                <a:ea typeface="Arial"/>
+                <a:cs typeface="Arial"/>
+                <a:sym typeface="Arial"/>
+              </a:rPr>
+              <a:t>Kto pierwszy, ten lepszy</a:t>
+            </a:r>
+          </a:p>
+          <a:p>
+            <a:pPr marL="334328" marR="0" lvl="0" indent="-320421" algn="l" rtl="0">
+              <a:lnSpc>
+                <a:spcPct val="100000"/>
+              </a:lnSpc>
+              <a:spcBef>
+                <a:spcPts val="685"/>
+              </a:spcBef>
+              <a:spcAft>
+                <a:spcPts val="0"/>
+              </a:spcAft>
+              <a:buClr>
+                <a:srgbClr val="000000"/>
+              </a:buClr>
+              <a:buSzPts val="2400"/>
+              <a:buFont typeface="Arial"/>
+              <a:buChar char="»"/>
+            </a:pPr>
+            <a:r>
+              <a:rPr lang="pl-PL" sz="2400" dirty="0"/>
+              <a:t>Kiedy tematy będą gotowe, wyślę informację i…</a:t>
+            </a:r>
+            <a:br>
+              <a:rPr lang="pl-PL" sz="2400" dirty="0"/>
+            </a:br>
+            <a:r>
+              <a:rPr lang="pl-PL" sz="2400" dirty="0"/>
+              <a:t>„zwalniam blokadę i uruchamiam maszynę losującą” ;)</a:t>
+            </a:r>
+            <a:endParaRPr sz="2400" dirty="0"/>
+          </a:p>
+        </p:txBody>
+      </p:sp>
+      <p:sp>
+        <p:nvSpPr>
+          <p:cNvPr id="346" name="Google Shape;346;p54"/>
+          <p:cNvSpPr txBox="1">
+            <a:spLocks noGrp="1"/>
+          </p:cNvSpPr>
+          <p:nvPr>
+            <p:ph type="sldNum" idx="12"/>
+          </p:nvPr>
+        </p:nvSpPr>
+        <p:spPr>
+          <a:xfrm>
+            <a:off x="7955597" y="6254325"/>
+            <a:ext cx="508800" cy="295500"/>
+          </a:xfrm>
+          <a:prstGeom prst="rect">
+            <a:avLst/>
+          </a:prstGeom>
+          <a:noFill/>
+          <a:ln>
+            <a:noFill/>
+          </a:ln>
+        </p:spPr>
+        <p:txBody>
+          <a:bodyPr spcFirstLastPara="1" wrap="square" lIns="52125" tIns="52125" rIns="52125" bIns="52125" anchor="t" anchorCtr="0">
+            <a:noAutofit/>
+          </a:bodyPr>
+          <a:lstStyle/>
+          <a:p>
+            <a:pPr marL="0" lvl="0" indent="0" algn="r" rtl="0">
+              <a:spcBef>
+                <a:spcPts val="0"/>
+              </a:spcBef>
+              <a:spcAft>
+                <a:spcPts val="0"/>
+              </a:spcAft>
+              <a:buClr>
+                <a:srgbClr val="000000"/>
+              </a:buClr>
+              <a:buFont typeface="Arial"/>
+              <a:buNone/>
+            </a:pPr>
+            <a:fld id="{00000000-1234-1234-1234-123412341234}" type="slidenum">
+              <a:rPr lang="pl-PL"/>
+              <a:t>17</a:t>
+            </a:fld>
+            <a:endParaRPr/>
+          </a:p>
+        </p:txBody>
+      </p:sp>
     </p:spTree>
   </p:cSld>
   <p:clrMapOvr>
@@ -27318,8 +27887,8 @@
 </p:sld>
 </file>
 
-<file path=ppt/slides/slide16.xml><?xml version="1.0" encoding="utf-8"?>
-<p:sld xmlns:a="http://schemas.openxmlformats.org/drawingml/2006/main" xmlns:r="http://schemas.openxmlformats.org/officeDocument/2006/relationships" xmlns:p="http://schemas.openxmlformats.org/presentationml/2006/main">
+<file path=ppt/slides/slide18.xml><?xml version="1.0" encoding="utf-8"?>
+<p:sld xmlns:a="http://schemas.openxmlformats.org/drawingml/2006/main" xmlns:r="http://schemas.openxmlformats.org/officeDocument/2006/relationships" xmlns:p="http://schemas.openxmlformats.org/presentationml/2006/main" show="0">
   <p:cSld>
     <p:spTree>
       <p:nvGrpSpPr>
@@ -27474,7 +28043,7 @@
             </a:pPr>
             <a:fld id="{00000000-1234-1234-1234-123412341234}" type="slidenum">
               <a:rPr lang="pl-PL"/>
-              <a:t>16</a:t>
+              <a:t>18</a:t>
             </a:fld>
             <a:endParaRPr/>
           </a:p>
@@ -27540,12 +28109,12 @@
 </p:sld>
 </file>
 
-<file path=ppt/slides/slide17.xml><?xml version="1.0" encoding="utf-8"?>
+<file path=ppt/slides/slide19.xml><?xml version="1.0" encoding="utf-8"?>
 <p:sld xmlns:a="http://schemas.openxmlformats.org/drawingml/2006/main" xmlns:r="http://schemas.openxmlformats.org/officeDocument/2006/relationships" xmlns:p="http://schemas.openxmlformats.org/presentationml/2006/main" show="0">
   <p:cSld>
     <p:spTree>
       <p:nvGrpSpPr>
-        <p:cNvPr id="1" name="Shape 226"/>
+        <p:cNvPr id="1" name="Shape 200"/>
         <p:cNvGrpSpPr/>
         <p:nvPr/>
       </p:nvGrpSpPr>
@@ -27559,17 +28128,17 @@
       </p:grpSpPr>
       <p:sp>
         <p:nvSpPr>
-          <p:cNvPr id="227" name="Google Shape;227;p39"/>
+          <p:cNvPr id="201" name="Google Shape;201;p36"/>
           <p:cNvSpPr txBox="1">
             <a:spLocks noGrp="1"/>
           </p:cNvSpPr>
           <p:nvPr>
-            <p:ph type="body" idx="1"/>
+            <p:ph type="body" idx="2"/>
           </p:nvPr>
         </p:nvSpPr>
         <p:spPr>
           <a:xfrm>
-            <a:off x="686344" y="1982481"/>
+            <a:off x="686245" y="1982475"/>
             <a:ext cx="7778100" cy="4119000"/>
           </a:xfrm>
           <a:prstGeom prst="rect">
@@ -27582,78 +28151,125 @@
           </a:bodyPr>
           <a:lstStyle/>
           <a:p>
-            <a:pPr marL="457200" lvl="0" indent="-381000" algn="l" rtl="0">
-              <a:spcBef>
-                <a:spcPts val="685"/>
-              </a:spcBef>
-              <a:spcAft>
-                <a:spcPts val="0"/>
-              </a:spcAft>
-              <a:buSzPts val="2400"/>
+            <a:pPr indent="-419100">
+              <a:spcBef>
+                <a:spcPts val="0"/>
+              </a:spcBef>
+              <a:buSzPts val="3000"/>
+            </a:pPr>
+            <a:r>
+              <a:rPr lang="pl-PL" sz="2800" dirty="0"/>
+              <a:t>(9 grudnia)</a:t>
+            </a:r>
+            <a:endParaRPr sz="3000" dirty="0"/>
+          </a:p>
+          <a:p>
+            <a:pPr marL="457200" lvl="0" indent="-419100" algn="l" rtl="0">
+              <a:spcBef>
+                <a:spcPts val="0"/>
+              </a:spcBef>
+              <a:spcAft>
+                <a:spcPts val="0"/>
+              </a:spcAft>
+              <a:buSzPts val="3000"/>
               <a:buChar char="»"/>
             </a:pPr>
             <a:r>
-              <a:rPr lang="pl-PL" sz="2400"/>
-              <a:t>(Nov 26)</a:t>
+              <a:rPr lang="pl-PL" sz="3000" dirty="0"/>
+              <a:t>Rozwiązania w dziedzinie cyberbezpieczeństwa</a:t>
             </a:r>
-            <a:endParaRPr sz="2400"/>
+            <a:endParaRPr sz="3000" dirty="0"/>
           </a:p>
           <a:p>
-            <a:pPr marL="457200" lvl="0" indent="-381000" algn="l" rtl="0">
-              <a:spcBef>
-                <a:spcPts val="0"/>
-              </a:spcBef>
-              <a:spcAft>
-                <a:spcPts val="0"/>
-              </a:spcAft>
-              <a:buSzPts val="2400"/>
+            <a:pPr marL="457200" lvl="0" indent="-419100" algn="l" rtl="0">
+              <a:spcBef>
+                <a:spcPts val="0"/>
+              </a:spcBef>
+              <a:spcAft>
+                <a:spcPts val="0"/>
+              </a:spcAft>
+              <a:buSzPts val="3000"/>
               <a:buChar char="»"/>
             </a:pPr>
             <a:r>
-              <a:rPr lang="pl-PL" sz="2400"/>
-              <a:t>Jeden z największych integratorów technologicznych w zakresie systemów światłowodowych do budowy optycznych sieci teletransmisyjnych w Polsce</a:t>
+              <a:rPr lang="pl-PL" sz="3000" dirty="0"/>
+              <a:t>Eliminowanie źródła cyber zagrożeń</a:t>
             </a:r>
-            <a:endParaRPr sz="2400"/>
+            <a:endParaRPr sz="3000" dirty="0"/>
           </a:p>
           <a:p>
-            <a:pPr marL="457200" lvl="0" indent="-381000" algn="l" rtl="0">
-              <a:spcBef>
-                <a:spcPts val="0"/>
-              </a:spcBef>
-              <a:spcAft>
-                <a:spcPts val="0"/>
-              </a:spcAft>
-              <a:buSzPts val="2400"/>
+            <a:pPr marL="457200" lvl="0" indent="-419100" algn="l" rtl="0">
+              <a:spcBef>
+                <a:spcPts val="0"/>
+              </a:spcBef>
+              <a:spcAft>
+                <a:spcPts val="0"/>
+              </a:spcAft>
+              <a:buSzPts val="3000"/>
               <a:buChar char="»"/>
             </a:pPr>
             <a:r>
-              <a:rPr lang="pl-PL" sz="2400"/>
-              <a:t>Integrator dla największych operatorów telekomunikacyjnych</a:t>
+              <a:rPr lang="pl-PL" sz="3000" dirty="0"/>
+              <a:t>Rozwiązania dla:</a:t>
             </a:r>
-            <a:endParaRPr sz="2400"/>
+            <a:endParaRPr sz="3000" dirty="0"/>
           </a:p>
           <a:p>
-            <a:pPr marL="457200" lvl="0" indent="-381000" algn="l" rtl="0">
-              <a:spcBef>
-                <a:spcPts val="0"/>
-              </a:spcBef>
-              <a:spcAft>
-                <a:spcPts val="0"/>
-              </a:spcAft>
-              <a:buSzPts val="2400"/>
+            <a:pPr marL="914400" lvl="1" indent="-419100" algn="l" rtl="0">
+              <a:spcBef>
+                <a:spcPts val="0"/>
+              </a:spcBef>
+              <a:spcAft>
+                <a:spcPts val="0"/>
+              </a:spcAft>
+              <a:buSzPts val="3000"/>
+              <a:buChar char="–"/>
+            </a:pPr>
+            <a:r>
+              <a:rPr lang="pl-PL" sz="3000" dirty="0"/>
+              <a:t>Biznesu</a:t>
+            </a:r>
+            <a:endParaRPr sz="3000" dirty="0"/>
+          </a:p>
+          <a:p>
+            <a:pPr marL="914400" lvl="1" indent="-419100" algn="l" rtl="0">
+              <a:spcBef>
+                <a:spcPts val="0"/>
+              </a:spcBef>
+              <a:spcAft>
+                <a:spcPts val="0"/>
+              </a:spcAft>
+              <a:buSzPts val="3000"/>
+              <a:buChar char="–"/>
+            </a:pPr>
+            <a:r>
+              <a:rPr lang="pl-PL" sz="3000" dirty="0"/>
+              <a:t>Instytucji i agencji państwowych</a:t>
+            </a:r>
+            <a:endParaRPr sz="3000" dirty="0"/>
+          </a:p>
+          <a:p>
+            <a:pPr marL="457200" lvl="0" indent="-419100" algn="l" rtl="0">
+              <a:spcBef>
+                <a:spcPts val="0"/>
+              </a:spcBef>
+              <a:spcAft>
+                <a:spcPts val="0"/>
+              </a:spcAft>
+              <a:buSzPts val="3000"/>
               <a:buChar char="»"/>
             </a:pPr>
             <a:r>
-              <a:rPr lang="pl-PL" sz="2400"/>
-              <a:t>Doświadczenie w realizacji zamówień zgodnie ze standardami Operatorów i Przedsiębiorców telekomunikacyjnych oraz wszelkich norm i procedur technicznych obowiązujących na telekomunikacyjnym rynku branżowym</a:t>
+              <a:rPr lang="pl-PL" sz="3000" dirty="0"/>
+              <a:t>Internet of Things</a:t>
             </a:r>
-            <a:endParaRPr sz="2400"/>
+            <a:endParaRPr sz="3000" dirty="0"/>
           </a:p>
         </p:txBody>
       </p:sp>
       <p:sp>
         <p:nvSpPr>
-          <p:cNvPr id="228" name="Google Shape;228;p39"/>
+          <p:cNvPr id="202" name="Google Shape;202;p36"/>
           <p:cNvSpPr txBox="1">
             <a:spLocks noGrp="1"/>
           </p:cNvSpPr>
@@ -27663,8 +28279,8 @@
         </p:nvSpPr>
         <p:spPr>
           <a:xfrm>
-            <a:off x="7875471" y="6254325"/>
-            <a:ext cx="588900" cy="295500"/>
+            <a:off x="7993673" y="6254325"/>
+            <a:ext cx="470700" cy="295500"/>
           </a:xfrm>
           <a:prstGeom prst="rect">
             <a:avLst/>
@@ -27691,7 +28307,7 @@
             </a:pPr>
             <a:fld id="{00000000-1234-1234-1234-123412341234}" type="slidenum">
               <a:rPr lang="pl-PL"/>
-              <a:t>17</a:t>
+              <a:t>19</a:t>
             </a:fld>
             <a:endParaRPr/>
           </a:p>
@@ -27699,7 +28315,7 @@
       </p:sp>
       <p:pic>
         <p:nvPicPr>
-          <p:cNvPr id="229" name="Google Shape;229;p39"/>
+          <p:cNvPr id="203" name="Google Shape;203;p36"/>
           <p:cNvPicPr preferRelativeResize="0"/>
           <p:nvPr/>
         </p:nvPicPr>
@@ -27713,558 +28329,8 @@
         </p:blipFill>
         <p:spPr>
           <a:xfrm>
-            <a:off x="3253258" y="609445"/>
-            <a:ext cx="2637489" cy="1143900"/>
-          </a:xfrm>
-          <a:prstGeom prst="rect">
-            <a:avLst/>
-          </a:prstGeom>
-          <a:noFill/>
-          <a:ln>
-            <a:noFill/>
-          </a:ln>
-        </p:spPr>
-      </p:pic>
-    </p:spTree>
-  </p:cSld>
-  <p:clrMapOvr>
-    <a:masterClrMapping/>
-  </p:clrMapOvr>
-</p:sld>
-</file>
-
-<file path=ppt/slides/slide18.xml><?xml version="1.0" encoding="utf-8"?>
-<p:sld xmlns:a="http://schemas.openxmlformats.org/drawingml/2006/main" xmlns:r="http://schemas.openxmlformats.org/officeDocument/2006/relationships" xmlns:p="http://schemas.openxmlformats.org/presentationml/2006/main" show="0">
-  <p:cSld>
-    <p:spTree>
-      <p:nvGrpSpPr>
-        <p:cNvPr id="1" name="Shape 184"/>
-        <p:cNvGrpSpPr/>
-        <p:nvPr/>
-      </p:nvGrpSpPr>
-      <p:grpSpPr>
-        <a:xfrm>
-          <a:off x="0" y="0"/>
-          <a:ext cx="0" cy="0"/>
-          <a:chOff x="0" y="0"/>
-          <a:chExt cx="0" cy="0"/>
-        </a:xfrm>
-      </p:grpSpPr>
-      <p:sp>
-        <p:nvSpPr>
-          <p:cNvPr id="185" name="Google Shape;185;p34"/>
-          <p:cNvSpPr txBox="1">
-            <a:spLocks noGrp="1"/>
-          </p:cNvSpPr>
-          <p:nvPr>
-            <p:ph type="body" idx="1"/>
-          </p:nvPr>
-        </p:nvSpPr>
-        <p:spPr>
-          <a:xfrm>
-            <a:off x="686344" y="1982481"/>
-            <a:ext cx="7778100" cy="4119000"/>
-          </a:xfrm>
-          <a:prstGeom prst="rect">
-            <a:avLst/>
-          </a:prstGeom>
-        </p:spPr>
-        <p:txBody>
-          <a:bodyPr spcFirstLastPara="1" wrap="square" lIns="52125" tIns="52125" rIns="52125" bIns="52125" anchor="t" anchorCtr="0">
-            <a:noAutofit/>
-          </a:bodyPr>
-          <a:lstStyle/>
-          <a:p>
-            <a:pPr marL="457200" lvl="0" indent="-381000" algn="l" rtl="0">
-              <a:spcBef>
-                <a:spcPts val="685"/>
-              </a:spcBef>
-              <a:spcAft>
-                <a:spcPts val="0"/>
-              </a:spcAft>
-              <a:buSzPts val="2400"/>
-              <a:buChar char="»"/>
-            </a:pPr>
-            <a:r>
-              <a:rPr lang="pl-PL" sz="2400"/>
-              <a:t>(Oct 22)</a:t>
-            </a:r>
-            <a:endParaRPr sz="2400"/>
-          </a:p>
-          <a:p>
-            <a:pPr marL="457200" lvl="0" indent="-381000" algn="l" rtl="0">
-              <a:spcBef>
-                <a:spcPts val="0"/>
-              </a:spcBef>
-              <a:spcAft>
-                <a:spcPts val="0"/>
-              </a:spcAft>
-              <a:buSzPts val="2400"/>
-              <a:buChar char="»"/>
-            </a:pPr>
-            <a:r>
-              <a:rPr lang="pl-PL" sz="2400"/>
-              <a:t>Operator sieci telefonii komórkowej:</a:t>
-            </a:r>
-            <a:endParaRPr sz="2400"/>
-          </a:p>
-          <a:p>
-            <a:pPr marL="914400" lvl="1" indent="-381000" algn="l" rtl="0">
-              <a:spcBef>
-                <a:spcPts val="0"/>
-              </a:spcBef>
-              <a:spcAft>
-                <a:spcPts val="0"/>
-              </a:spcAft>
-              <a:buSzPts val="2400"/>
-              <a:buChar char="–"/>
-            </a:pPr>
-            <a:r>
-              <a:rPr lang="pl-PL" sz="2400"/>
-              <a:t>GSM 900/1800</a:t>
-            </a:r>
-            <a:endParaRPr sz="2400"/>
-          </a:p>
-          <a:p>
-            <a:pPr marL="914400" lvl="1" indent="-381000" algn="l" rtl="0">
-              <a:spcBef>
-                <a:spcPts val="0"/>
-              </a:spcBef>
-              <a:spcAft>
-                <a:spcPts val="0"/>
-              </a:spcAft>
-              <a:buSzPts val="2400"/>
-              <a:buChar char="–"/>
-            </a:pPr>
-            <a:r>
-              <a:rPr lang="pl-PL" sz="2400"/>
-              <a:t>UMTS 900/2100</a:t>
-            </a:r>
-            <a:endParaRPr sz="2400"/>
-          </a:p>
-          <a:p>
-            <a:pPr marL="914400" lvl="1" indent="-381000" algn="l" rtl="0">
-              <a:spcBef>
-                <a:spcPts val="0"/>
-              </a:spcBef>
-              <a:spcAft>
-                <a:spcPts val="0"/>
-              </a:spcAft>
-              <a:buSzPts val="2400"/>
-              <a:buChar char="–"/>
-            </a:pPr>
-            <a:r>
-              <a:rPr lang="pl-PL" sz="2400"/>
-              <a:t>LTE 800/1800/2600</a:t>
-            </a:r>
-            <a:endParaRPr sz="2400"/>
-          </a:p>
-          <a:p>
-            <a:pPr marL="457200" lvl="0" indent="-381000" algn="l" rtl="0">
-              <a:spcBef>
-                <a:spcPts val="0"/>
-              </a:spcBef>
-              <a:spcAft>
-                <a:spcPts val="0"/>
-              </a:spcAft>
-              <a:buSzPts val="2400"/>
-              <a:buChar char="»"/>
-            </a:pPr>
-            <a:r>
-              <a:rPr lang="pl-PL" sz="2400"/>
-              <a:t>Obecnie 4. operator komórkowy w Polsce pod względem liczby abonentów, obsługujący ponad 12 mln klientów</a:t>
-            </a:r>
-            <a:endParaRPr sz="2400"/>
-          </a:p>
-          <a:p>
-            <a:pPr marL="457200" lvl="0" indent="-381000" algn="l" rtl="0">
-              <a:spcBef>
-                <a:spcPts val="0"/>
-              </a:spcBef>
-              <a:spcAft>
-                <a:spcPts val="0"/>
-              </a:spcAft>
-              <a:buSzPts val="2400"/>
-              <a:buChar char="»"/>
-            </a:pPr>
-            <a:r>
-              <a:rPr lang="pl-PL" sz="2400"/>
-              <a:t>Usługi telekomunikacyjne dla klientów indywidualnych i biznesowych</a:t>
-            </a:r>
-            <a:endParaRPr sz="2400"/>
-          </a:p>
-          <a:p>
-            <a:pPr marL="457200" lvl="0" indent="-381000" algn="l" rtl="0">
-              <a:spcBef>
-                <a:spcPts val="0"/>
-              </a:spcBef>
-              <a:spcAft>
-                <a:spcPts val="0"/>
-              </a:spcAft>
-              <a:buSzPts val="2400"/>
-              <a:buChar char="»"/>
-            </a:pPr>
-            <a:r>
-              <a:rPr lang="pl-PL" sz="2400">
-                <a:solidFill>
-                  <a:schemeClr val="dk1"/>
-                </a:solidFill>
-              </a:rPr>
-              <a:t>hub:raum</a:t>
-            </a:r>
-            <a:endParaRPr sz="2400"/>
-          </a:p>
-        </p:txBody>
-      </p:sp>
-      <p:sp>
-        <p:nvSpPr>
-          <p:cNvPr id="186" name="Google Shape;186;p34"/>
-          <p:cNvSpPr txBox="1">
-            <a:spLocks noGrp="1"/>
-          </p:cNvSpPr>
-          <p:nvPr>
-            <p:ph type="sldNum" idx="12"/>
-          </p:nvPr>
-        </p:nvSpPr>
-        <p:spPr>
-          <a:xfrm>
-            <a:off x="7850596" y="6254325"/>
-            <a:ext cx="613800" cy="295500"/>
-          </a:xfrm>
-          <a:prstGeom prst="rect">
-            <a:avLst/>
-          </a:prstGeom>
-        </p:spPr>
-        <p:txBody>
-          <a:bodyPr spcFirstLastPara="1" wrap="square" lIns="52125" tIns="52125" rIns="52125" bIns="52125" anchor="t" anchorCtr="0">
-            <a:noAutofit/>
-          </a:bodyPr>
-          <a:lstStyle/>
-          <a:p>
-            <a:pPr marL="0" lvl="0" indent="0" algn="r" rtl="0">
-              <a:spcBef>
-                <a:spcPts val="0"/>
-              </a:spcBef>
-              <a:spcAft>
-                <a:spcPts val="0"/>
-              </a:spcAft>
-              <a:buClr>
-                <a:srgbClr val="000000"/>
-              </a:buClr>
-              <a:buFont typeface="Arial"/>
-              <a:buNone/>
-            </a:pPr>
-            <a:fld id="{00000000-1234-1234-1234-123412341234}" type="slidenum">
-              <a:rPr lang="pl-PL"/>
-              <a:t>18</a:t>
-            </a:fld>
-            <a:endParaRPr/>
-          </a:p>
-        </p:txBody>
-      </p:sp>
-      <p:pic>
-        <p:nvPicPr>
-          <p:cNvPr id="187" name="Google Shape;187;p34"/>
-          <p:cNvPicPr preferRelativeResize="0"/>
-          <p:nvPr/>
-        </p:nvPicPr>
-        <p:blipFill>
-          <a:blip r:embed="rId3">
-            <a:alphaModFix/>
-          </a:blip>
-          <a:stretch>
-            <a:fillRect/>
-          </a:stretch>
-        </p:blipFill>
-        <p:spPr>
-          <a:xfrm>
-            <a:off x="3408924" y="609450"/>
-            <a:ext cx="2326155" cy="1143900"/>
-          </a:xfrm>
-          <a:prstGeom prst="rect">
-            <a:avLst/>
-          </a:prstGeom>
-          <a:noFill/>
-          <a:ln>
-            <a:noFill/>
-          </a:ln>
-        </p:spPr>
-      </p:pic>
-    </p:spTree>
-  </p:cSld>
-  <p:clrMapOvr>
-    <a:masterClrMapping/>
-  </p:clrMapOvr>
-</p:sld>
-</file>
-
-<file path=ppt/slides/slide19.xml><?xml version="1.0" encoding="utf-8"?>
-<p:sld xmlns:a="http://schemas.openxmlformats.org/drawingml/2006/main" xmlns:r="http://schemas.openxmlformats.org/officeDocument/2006/relationships" xmlns:p="http://schemas.openxmlformats.org/presentationml/2006/main" show="0">
-  <p:cSld>
-    <p:spTree>
-      <p:nvGrpSpPr>
-        <p:cNvPr id="1" name="Shape 166"/>
-        <p:cNvGrpSpPr/>
-        <p:nvPr/>
-      </p:nvGrpSpPr>
-      <p:grpSpPr>
-        <a:xfrm>
-          <a:off x="0" y="0"/>
-          <a:ext cx="0" cy="0"/>
-          <a:chOff x="0" y="0"/>
-          <a:chExt cx="0" cy="0"/>
-        </a:xfrm>
-      </p:grpSpPr>
-      <p:sp>
-        <p:nvSpPr>
-          <p:cNvPr id="167" name="Google Shape;167;p32"/>
-          <p:cNvSpPr txBox="1">
-            <a:spLocks noGrp="1"/>
-          </p:cNvSpPr>
-          <p:nvPr>
-            <p:ph type="title"/>
-          </p:nvPr>
-        </p:nvSpPr>
-        <p:spPr>
-          <a:xfrm>
-            <a:off x="686344" y="609441"/>
-            <a:ext cx="7778100" cy="1143900"/>
-          </a:xfrm>
-          <a:prstGeom prst="rect">
-            <a:avLst/>
-          </a:prstGeom>
-        </p:spPr>
-        <p:txBody>
-          <a:bodyPr spcFirstLastPara="1" wrap="square" lIns="52125" tIns="52125" rIns="52125" bIns="52125" anchor="ctr" anchorCtr="0">
-            <a:noAutofit/>
-          </a:bodyPr>
-          <a:lstStyle/>
-          <a:p>
-            <a:pPr marL="0" lvl="0" indent="0" algn="ctr" rtl="0">
-              <a:spcBef>
-                <a:spcPts val="0"/>
-              </a:spcBef>
-              <a:spcAft>
-                <a:spcPts val="0"/>
-              </a:spcAft>
-              <a:buNone/>
-            </a:pPr>
-            <a:r>
-              <a:rPr lang="pl-PL"/>
-              <a:t>Ericsson (Oct 8)</a:t>
-            </a:r>
-            <a:endParaRPr/>
-          </a:p>
-        </p:txBody>
-      </p:sp>
-      <p:sp>
-        <p:nvSpPr>
-          <p:cNvPr id="168" name="Google Shape;168;p32"/>
-          <p:cNvSpPr txBox="1">
-            <a:spLocks noGrp="1"/>
-          </p:cNvSpPr>
-          <p:nvPr>
-            <p:ph type="body" idx="1"/>
-          </p:nvPr>
-        </p:nvSpPr>
-        <p:spPr>
-          <a:xfrm>
-            <a:off x="686344" y="1982481"/>
-            <a:ext cx="3823200" cy="4119000"/>
-          </a:xfrm>
-          <a:prstGeom prst="rect">
-            <a:avLst/>
-          </a:prstGeom>
-        </p:spPr>
-        <p:txBody>
-          <a:bodyPr spcFirstLastPara="1" wrap="square" lIns="52125" tIns="52125" rIns="52125" bIns="52125" anchor="t" anchorCtr="0">
-            <a:noAutofit/>
-          </a:bodyPr>
-          <a:lstStyle/>
-          <a:p>
-            <a:pPr marL="0" lvl="0" indent="0" algn="l" rtl="0">
-              <a:spcBef>
-                <a:spcPts val="685"/>
-              </a:spcBef>
-              <a:spcAft>
-                <a:spcPts val="0"/>
-              </a:spcAft>
-              <a:buNone/>
-            </a:pPr>
-            <a:endParaRPr/>
-          </a:p>
-        </p:txBody>
-      </p:sp>
-      <p:sp>
-        <p:nvSpPr>
-          <p:cNvPr id="169" name="Google Shape;169;p32"/>
-          <p:cNvSpPr txBox="1">
-            <a:spLocks noGrp="1"/>
-          </p:cNvSpPr>
-          <p:nvPr>
-            <p:ph type="body" idx="2"/>
-          </p:nvPr>
-        </p:nvSpPr>
-        <p:spPr>
-          <a:xfrm>
-            <a:off x="4639955" y="1982481"/>
-            <a:ext cx="3824400" cy="4119000"/>
-          </a:xfrm>
-          <a:prstGeom prst="rect">
-            <a:avLst/>
-          </a:prstGeom>
-        </p:spPr>
-        <p:txBody>
-          <a:bodyPr spcFirstLastPara="1" wrap="square" lIns="52125" tIns="52125" rIns="52125" bIns="52125" anchor="t" anchorCtr="0">
-            <a:noAutofit/>
-          </a:bodyPr>
-          <a:lstStyle/>
-          <a:p>
-            <a:pPr marL="457200" marR="0" lvl="0" indent="-317500" algn="l" rtl="0">
-              <a:lnSpc>
-                <a:spcPct val="100000"/>
-              </a:lnSpc>
-              <a:spcBef>
-                <a:spcPts val="1000"/>
-              </a:spcBef>
-              <a:spcAft>
-                <a:spcPts val="0"/>
-              </a:spcAft>
-              <a:buSzPts val="1400"/>
-              <a:buChar char="»"/>
-            </a:pPr>
-            <a:r>
-              <a:rPr lang="pl-PL" sz="1400"/>
-              <a:t>Obecny w Polsce od 1904 roku (pierwsza centrala telefoniczna Ericsson-a)</a:t>
-            </a:r>
-            <a:endParaRPr sz="1400"/>
-          </a:p>
-          <a:p>
-            <a:pPr marL="457200" marR="0" lvl="0" indent="-317500" algn="l" rtl="0">
-              <a:lnSpc>
-                <a:spcPct val="100000"/>
-              </a:lnSpc>
-              <a:spcBef>
-                <a:spcPts val="1000"/>
-              </a:spcBef>
-              <a:spcAft>
-                <a:spcPts val="0"/>
-              </a:spcAft>
-              <a:buSzPts val="1400"/>
-              <a:buChar char="»"/>
-            </a:pPr>
-            <a:r>
-              <a:rPr lang="pl-PL" sz="1400"/>
-              <a:t>Jedna z największych w Polsce firm w branży ICT, drugi pod względem wielkości ośrodek badań i rozwoju (R&amp;D) Ericsson na świecie, zatrudnia 2300 pracowników</a:t>
-            </a:r>
-            <a:endParaRPr sz="1400"/>
-          </a:p>
-          <a:p>
-            <a:pPr marL="457200" marR="0" lvl="0" indent="-317500" algn="l" rtl="0">
-              <a:lnSpc>
-                <a:spcPct val="100000"/>
-              </a:lnSpc>
-              <a:spcBef>
-                <a:spcPts val="1000"/>
-              </a:spcBef>
-              <a:spcAft>
-                <a:spcPts val="0"/>
-              </a:spcAft>
-              <a:buSzPts val="1400"/>
-              <a:buChar char="»"/>
-            </a:pPr>
-            <a:r>
-              <a:rPr lang="pl-PL" sz="1400"/>
-              <a:t>R&amp;D w Krakowie i Łodzi pracuje nad oprogramowaniem w obszarze dostępu radiowego sieci komórkowych 2G/3G/4G/5G używanego na całym świecie </a:t>
-            </a:r>
-            <a:endParaRPr sz="1400"/>
-          </a:p>
-          <a:p>
-            <a:pPr marL="457200" marR="0" lvl="0" indent="-317500" algn="l" rtl="0">
-              <a:lnSpc>
-                <a:spcPct val="100000"/>
-              </a:lnSpc>
-              <a:spcBef>
-                <a:spcPts val="1000"/>
-              </a:spcBef>
-              <a:spcAft>
-                <a:spcPts val="1000"/>
-              </a:spcAft>
-              <a:buSzPts val="1400"/>
-              <a:buChar char="»"/>
-            </a:pPr>
-            <a:r>
-              <a:rPr lang="pl-PL" sz="1400"/>
-              <a:t>Wiodący na polskim rynku lider przygotowań do wdrożeń technologii 5G</a:t>
-            </a:r>
-            <a:endParaRPr sz="1400"/>
-          </a:p>
-        </p:txBody>
-      </p:sp>
-      <p:sp>
-        <p:nvSpPr>
-          <p:cNvPr id="170" name="Google Shape;170;p32"/>
-          <p:cNvSpPr txBox="1">
-            <a:spLocks noGrp="1"/>
-          </p:cNvSpPr>
-          <p:nvPr>
-            <p:ph type="sldNum" idx="12"/>
-          </p:nvPr>
-        </p:nvSpPr>
-        <p:spPr>
-          <a:xfrm>
-            <a:off x="8118224" y="6254325"/>
-            <a:ext cx="346200" cy="295500"/>
-          </a:xfrm>
-          <a:prstGeom prst="rect">
-            <a:avLst/>
-          </a:prstGeom>
-        </p:spPr>
-        <p:txBody>
-          <a:bodyPr spcFirstLastPara="1" wrap="square" lIns="52125" tIns="52125" rIns="52125" bIns="52125" anchor="t" anchorCtr="0">
-            <a:noAutofit/>
-          </a:bodyPr>
-          <a:lstStyle/>
-          <a:p>
-            <a:pPr marL="0" lvl="0" indent="0" algn="r" rtl="0">
-              <a:spcBef>
-                <a:spcPts val="0"/>
-              </a:spcBef>
-              <a:spcAft>
-                <a:spcPts val="0"/>
-              </a:spcAft>
-              <a:buClr>
-                <a:srgbClr val="000000"/>
-              </a:buClr>
-              <a:buFont typeface="Arial"/>
-              <a:buNone/>
-            </a:pPr>
-            <a:fld id="{00000000-1234-1234-1234-123412341234}" type="slidenum">
-              <a:rPr lang="pl-PL"/>
-              <a:t>19</a:t>
-            </a:fld>
-            <a:endParaRPr/>
-          </a:p>
-        </p:txBody>
-      </p:sp>
-      <p:pic>
-        <p:nvPicPr>
-          <p:cNvPr id="171" name="Google Shape;171;p32"/>
-          <p:cNvPicPr preferRelativeResize="0"/>
-          <p:nvPr/>
-        </p:nvPicPr>
-        <p:blipFill>
-          <a:blip r:embed="rId3">
-            <a:alphaModFix/>
-          </a:blip>
-          <a:stretch>
-            <a:fillRect/>
-          </a:stretch>
-        </p:blipFill>
-        <p:spPr>
-          <a:xfrm>
-            <a:off x="686350" y="2369324"/>
-            <a:ext cx="3823200" cy="3345313"/>
+            <a:off x="3101952" y="609450"/>
+            <a:ext cx="2946911" cy="1143900"/>
           </a:xfrm>
           <a:prstGeom prst="rect">
             <a:avLst/>
@@ -28579,6 +28645,959 @@
   <p:cSld>
     <p:spTree>
       <p:nvGrpSpPr>
+        <p:cNvPr id="1" name="Shape 234"/>
+        <p:cNvGrpSpPr/>
+        <p:nvPr/>
+      </p:nvGrpSpPr>
+      <p:grpSpPr>
+        <a:xfrm>
+          <a:off x="0" y="0"/>
+          <a:ext cx="0" cy="0"/>
+          <a:chOff x="0" y="0"/>
+          <a:chExt cx="0" cy="0"/>
+        </a:xfrm>
+      </p:grpSpPr>
+      <p:sp>
+        <p:nvSpPr>
+          <p:cNvPr id="235" name="Google Shape;235;p40"/>
+          <p:cNvSpPr txBox="1">
+            <a:spLocks noGrp="1"/>
+          </p:cNvSpPr>
+          <p:nvPr>
+            <p:ph type="body" idx="1"/>
+          </p:nvPr>
+        </p:nvSpPr>
+        <p:spPr>
+          <a:xfrm>
+            <a:off x="686344" y="1982481"/>
+            <a:ext cx="7778100" cy="4712082"/>
+          </a:xfrm>
+          <a:prstGeom prst="rect">
+            <a:avLst/>
+          </a:prstGeom>
+        </p:spPr>
+        <p:txBody>
+          <a:bodyPr spcFirstLastPara="1" wrap="square" lIns="52125" tIns="52125" rIns="52125" bIns="52125" anchor="t" anchorCtr="0">
+            <a:noAutofit/>
+          </a:bodyPr>
+          <a:lstStyle/>
+          <a:p>
+            <a:pPr marL="457200" lvl="0" indent="-424307" algn="l" rtl="0">
+              <a:spcBef>
+                <a:spcPts val="685"/>
+              </a:spcBef>
+              <a:spcAft>
+                <a:spcPts val="0"/>
+              </a:spcAft>
+              <a:buSzPts val="3082"/>
+              <a:buChar char="»"/>
+            </a:pPr>
+            <a:r>
+              <a:rPr lang="pl-PL" dirty="0"/>
+              <a:t>(28 października, „Zero Trust Access”)</a:t>
+            </a:r>
+            <a:endParaRPr dirty="0"/>
+          </a:p>
+          <a:p>
+            <a:pPr marL="457200" lvl="0" indent="-424307" algn="l" rtl="0">
+              <a:spcBef>
+                <a:spcPts val="1000"/>
+              </a:spcBef>
+              <a:spcAft>
+                <a:spcPts val="0"/>
+              </a:spcAft>
+              <a:buSzPts val="3082"/>
+              <a:buChar char="»"/>
+            </a:pPr>
+            <a:r>
+              <a:rPr lang="pl-PL" dirty="0"/>
+              <a:t>Dystrybutor rozwiązań teleinformatycznych</a:t>
+            </a:r>
+            <a:endParaRPr dirty="0"/>
+          </a:p>
+          <a:p>
+            <a:pPr marL="457200" lvl="0" indent="-424307" algn="l" rtl="0">
+              <a:spcBef>
+                <a:spcPts val="1000"/>
+              </a:spcBef>
+              <a:spcAft>
+                <a:spcPts val="0"/>
+              </a:spcAft>
+              <a:buSzPts val="3082"/>
+              <a:buChar char="»"/>
+            </a:pPr>
+            <a:r>
+              <a:rPr lang="pl-PL" dirty="0"/>
+              <a:t>Model dystrybucji z wartością dodaną (ang. </a:t>
+            </a:r>
+            <a:r>
+              <a:rPr lang="pl-PL" i="1" dirty="0">
+                <a:solidFill>
+                  <a:schemeClr val="dk1"/>
+                </a:solidFill>
+              </a:rPr>
+              <a:t>Value </a:t>
+            </a:r>
+            <a:r>
+              <a:rPr lang="pl-PL" i="1" dirty="0" err="1">
+                <a:solidFill>
+                  <a:schemeClr val="dk1"/>
+                </a:solidFill>
+              </a:rPr>
+              <a:t>Added</a:t>
+            </a:r>
+            <a:r>
+              <a:rPr lang="pl-PL" i="1" dirty="0">
+                <a:solidFill>
+                  <a:schemeClr val="dk1"/>
+                </a:solidFill>
+              </a:rPr>
+              <a:t> </a:t>
+            </a:r>
+            <a:r>
+              <a:rPr lang="pl-PL" i="1" dirty="0" err="1">
+                <a:solidFill>
+                  <a:schemeClr val="dk1"/>
+                </a:solidFill>
+              </a:rPr>
+              <a:t>Distributor</a:t>
+            </a:r>
+            <a:r>
+              <a:rPr lang="pl-PL" dirty="0">
+                <a:solidFill>
+                  <a:schemeClr val="dk1"/>
+                </a:solidFill>
+              </a:rPr>
+              <a:t>, </a:t>
+            </a:r>
+            <a:r>
+              <a:rPr lang="pl-PL" dirty="0"/>
+              <a:t>VAD)</a:t>
+            </a:r>
+            <a:endParaRPr dirty="0"/>
+          </a:p>
+          <a:p>
+            <a:pPr marL="457200" lvl="0" indent="-424307" algn="l" rtl="0">
+              <a:spcBef>
+                <a:spcPts val="1000"/>
+              </a:spcBef>
+              <a:spcAft>
+                <a:spcPts val="0"/>
+              </a:spcAft>
+              <a:buSzPts val="3082"/>
+              <a:buChar char="»"/>
+            </a:pPr>
+            <a:r>
+              <a:rPr lang="pl-PL" dirty="0"/>
+              <a:t>Na rynku od 1991</a:t>
+            </a:r>
+          </a:p>
+          <a:p>
+            <a:pPr marL="457200" lvl="0" indent="-424307" algn="l" rtl="0">
+              <a:spcBef>
+                <a:spcPts val="1000"/>
+              </a:spcBef>
+              <a:spcAft>
+                <a:spcPts val="0"/>
+              </a:spcAft>
+              <a:buSzPts val="3082"/>
+              <a:buChar char="»"/>
+            </a:pPr>
+            <a:r>
+              <a:rPr lang="pl-PL" dirty="0"/>
+              <a:t>W 2021 zostaliśmy częścią </a:t>
+            </a:r>
+            <a:r>
+              <a:rPr lang="pl-PL" dirty="0" err="1"/>
+              <a:t>Exclusive</a:t>
+            </a:r>
+            <a:r>
+              <a:rPr lang="pl-PL" dirty="0"/>
+              <a:t> Networks – globalnego dystrybutora VAD</a:t>
+            </a:r>
+            <a:endParaRPr dirty="0"/>
+          </a:p>
+        </p:txBody>
+      </p:sp>
+      <p:sp>
+        <p:nvSpPr>
+          <p:cNvPr id="236" name="Google Shape;236;p40"/>
+          <p:cNvSpPr txBox="1">
+            <a:spLocks noGrp="1"/>
+          </p:cNvSpPr>
+          <p:nvPr>
+            <p:ph type="sldNum" idx="12"/>
+          </p:nvPr>
+        </p:nvSpPr>
+        <p:spPr>
+          <a:xfrm>
+            <a:off x="7907522" y="6254325"/>
+            <a:ext cx="556800" cy="295500"/>
+          </a:xfrm>
+          <a:prstGeom prst="rect">
+            <a:avLst/>
+          </a:prstGeom>
+        </p:spPr>
+        <p:txBody>
+          <a:bodyPr spcFirstLastPara="1" wrap="square" lIns="52125" tIns="52125" rIns="52125" bIns="52125" anchor="t" anchorCtr="0">
+            <a:noAutofit/>
+          </a:bodyPr>
+          <a:lstStyle/>
+          <a:p>
+            <a:pPr marL="0" lvl="0" indent="0" algn="r" rtl="0">
+              <a:spcBef>
+                <a:spcPts val="0"/>
+              </a:spcBef>
+              <a:spcAft>
+                <a:spcPts val="0"/>
+              </a:spcAft>
+              <a:buClr>
+                <a:srgbClr val="000000"/>
+              </a:buClr>
+              <a:buFont typeface="Arial"/>
+              <a:buNone/>
+            </a:pPr>
+            <a:fld id="{00000000-1234-1234-1234-123412341234}" type="slidenum">
+              <a:rPr lang="pl-PL"/>
+              <a:t>20</a:t>
+            </a:fld>
+            <a:endParaRPr/>
+          </a:p>
+        </p:txBody>
+      </p:sp>
+      <p:pic>
+        <p:nvPicPr>
+          <p:cNvPr id="3" name="Obraz 2">
+            <a:extLst>
+              <a:ext uri="{FF2B5EF4-FFF2-40B4-BE49-F238E27FC236}">
+                <a16:creationId xmlns:a16="http://schemas.microsoft.com/office/drawing/2014/main" id="{894EC0C7-E78C-405E-88C0-FD4F1A843E22}"/>
+              </a:ext>
+            </a:extLst>
+          </p:cNvPr>
+          <p:cNvPicPr>
+            <a:picLocks noChangeAspect="1"/>
+          </p:cNvPicPr>
+          <p:nvPr/>
+        </p:nvPicPr>
+        <p:blipFill>
+          <a:blip r:embed="rId3"/>
+          <a:stretch>
+            <a:fillRect/>
+          </a:stretch>
+        </p:blipFill>
+        <p:spPr>
+          <a:xfrm>
+            <a:off x="1971040" y="163437"/>
+            <a:ext cx="5005016" cy="1585364"/>
+          </a:xfrm>
+          <a:prstGeom prst="rect">
+            <a:avLst/>
+          </a:prstGeom>
+        </p:spPr>
+      </p:pic>
+    </p:spTree>
+  </p:cSld>
+  <p:clrMapOvr>
+    <a:masterClrMapping/>
+  </p:clrMapOvr>
+</p:sld>
+</file>
+
+<file path=ppt/slides/slide21.xml><?xml version="1.0" encoding="utf-8"?>
+<p:sld xmlns:a="http://schemas.openxmlformats.org/drawingml/2006/main" xmlns:r="http://schemas.openxmlformats.org/officeDocument/2006/relationships" xmlns:p="http://schemas.openxmlformats.org/presentationml/2006/main" show="0">
+  <p:cSld>
+    <p:spTree>
+      <p:nvGrpSpPr>
+        <p:cNvPr id="1" name="Shape 192"/>
+        <p:cNvGrpSpPr/>
+        <p:nvPr/>
+      </p:nvGrpSpPr>
+      <p:grpSpPr>
+        <a:xfrm>
+          <a:off x="0" y="0"/>
+          <a:ext cx="0" cy="0"/>
+          <a:chOff x="0" y="0"/>
+          <a:chExt cx="0" cy="0"/>
+        </a:xfrm>
+      </p:grpSpPr>
+      <p:sp>
+        <p:nvSpPr>
+          <p:cNvPr id="193" name="Google Shape;193;p35"/>
+          <p:cNvSpPr txBox="1">
+            <a:spLocks noGrp="1"/>
+          </p:cNvSpPr>
+          <p:nvPr>
+            <p:ph type="body" idx="1"/>
+          </p:nvPr>
+        </p:nvSpPr>
+        <p:spPr>
+          <a:xfrm>
+            <a:off x="686344" y="1982481"/>
+            <a:ext cx="7778100" cy="4119000"/>
+          </a:xfrm>
+          <a:prstGeom prst="rect">
+            <a:avLst/>
+          </a:prstGeom>
+        </p:spPr>
+        <p:txBody>
+          <a:bodyPr spcFirstLastPara="1" wrap="square" lIns="52125" tIns="52125" rIns="52125" bIns="52125" anchor="t" anchorCtr="0">
+            <a:noAutofit/>
+          </a:bodyPr>
+          <a:lstStyle/>
+          <a:p>
+            <a:pPr marL="457200" lvl="0" indent="-373507" algn="l" rtl="0">
+              <a:spcBef>
+                <a:spcPts val="685"/>
+              </a:spcBef>
+              <a:spcAft>
+                <a:spcPts val="0"/>
+              </a:spcAft>
+              <a:buSzPts val="2282"/>
+              <a:buChar char="»"/>
+            </a:pPr>
+            <a:r>
+              <a:rPr lang="pl-PL" sz="2282" dirty="0"/>
+              <a:t>(21 października, „</a:t>
+            </a:r>
+            <a:r>
+              <a:rPr lang="pl-PL" sz="2282" dirty="0" err="1"/>
+              <a:t>IIoT</a:t>
+            </a:r>
+            <a:r>
+              <a:rPr lang="pl-PL" sz="2282" dirty="0"/>
+              <a:t> – Internet Rzeczy w Przemyśle”)</a:t>
+            </a:r>
+            <a:endParaRPr sz="2282" dirty="0"/>
+          </a:p>
+          <a:p>
+            <a:pPr marL="457200" lvl="0" indent="-373507" algn="l" rtl="0">
+              <a:spcBef>
+                <a:spcPts val="0"/>
+              </a:spcBef>
+              <a:spcAft>
+                <a:spcPts val="0"/>
+              </a:spcAft>
+              <a:buSzPts val="2282"/>
+              <a:buChar char="»"/>
+            </a:pPr>
+            <a:r>
+              <a:rPr lang="pl-PL" sz="2282" dirty="0"/>
+              <a:t>Celem firmy jest sprawić, aby polska myśl inżynierska i menedżerska była szanowana w Europie i na świecie</a:t>
+            </a:r>
+            <a:endParaRPr sz="2282" dirty="0"/>
+          </a:p>
+          <a:p>
+            <a:pPr marL="457200" lvl="0" indent="-373507" algn="l" rtl="0">
+              <a:spcBef>
+                <a:spcPts val="0"/>
+              </a:spcBef>
+              <a:spcAft>
+                <a:spcPts val="0"/>
+              </a:spcAft>
+              <a:buSzPts val="2282"/>
+              <a:buChar char="»"/>
+            </a:pPr>
+            <a:r>
+              <a:rPr lang="pl-PL" sz="2282" dirty="0"/>
+              <a:t>Od 1987 roku Astor dostarcza nowoczesne technologie z zakresu automatyzacji, robotyzacji i cyfryzacji procesów produkcyjnych dla polskich i zagranicznych przedsiębiorstw przemysłowych</a:t>
+            </a:r>
+            <a:endParaRPr sz="2282" dirty="0"/>
+          </a:p>
+          <a:p>
+            <a:pPr marL="457200" lvl="0" indent="-373507" algn="l" rtl="0">
+              <a:spcBef>
+                <a:spcPts val="0"/>
+              </a:spcBef>
+              <a:spcAft>
+                <a:spcPts val="0"/>
+              </a:spcAft>
+              <a:buSzPts val="2282"/>
+              <a:buChar char="»"/>
+            </a:pPr>
+            <a:r>
+              <a:rPr lang="pl-PL" sz="2282" dirty="0"/>
+              <a:t>Astor dąży do bycia najlepszym ekspertem w tej dziedzinie w Polsce</a:t>
+            </a:r>
+            <a:endParaRPr sz="2282" dirty="0"/>
+          </a:p>
+          <a:p>
+            <a:pPr marL="457200" lvl="0" indent="-373507" algn="l" rtl="0">
+              <a:spcBef>
+                <a:spcPts val="0"/>
+              </a:spcBef>
+              <a:spcAft>
+                <a:spcPts val="0"/>
+              </a:spcAft>
+              <a:buSzPts val="2282"/>
+              <a:buChar char="»"/>
+            </a:pPr>
+            <a:r>
+              <a:rPr lang="pl-PL" sz="2282" dirty="0"/>
+              <a:t>Astor wspiera w transformację do Przemysłu Przyszłości</a:t>
+            </a:r>
+            <a:endParaRPr sz="2282" dirty="0"/>
+          </a:p>
+        </p:txBody>
+      </p:sp>
+      <p:sp>
+        <p:nvSpPr>
+          <p:cNvPr id="194" name="Google Shape;194;p35"/>
+          <p:cNvSpPr txBox="1">
+            <a:spLocks noGrp="1"/>
+          </p:cNvSpPr>
+          <p:nvPr>
+            <p:ph type="sldNum" idx="12"/>
+          </p:nvPr>
+        </p:nvSpPr>
+        <p:spPr>
+          <a:xfrm>
+            <a:off x="7995648" y="6254325"/>
+            <a:ext cx="468900" cy="295500"/>
+          </a:xfrm>
+          <a:prstGeom prst="rect">
+            <a:avLst/>
+          </a:prstGeom>
+        </p:spPr>
+        <p:txBody>
+          <a:bodyPr spcFirstLastPara="1" wrap="square" lIns="52125" tIns="52125" rIns="52125" bIns="52125" anchor="t" anchorCtr="0">
+            <a:noAutofit/>
+          </a:bodyPr>
+          <a:lstStyle/>
+          <a:p>
+            <a:pPr marL="0" lvl="0" indent="0" algn="r" rtl="0">
+              <a:spcBef>
+                <a:spcPts val="0"/>
+              </a:spcBef>
+              <a:spcAft>
+                <a:spcPts val="0"/>
+              </a:spcAft>
+              <a:buClr>
+                <a:srgbClr val="000000"/>
+              </a:buClr>
+              <a:buFont typeface="Arial"/>
+              <a:buNone/>
+            </a:pPr>
+            <a:fld id="{00000000-1234-1234-1234-123412341234}" type="slidenum">
+              <a:rPr lang="pl-PL"/>
+              <a:t>21</a:t>
+            </a:fld>
+            <a:endParaRPr/>
+          </a:p>
+        </p:txBody>
+      </p:sp>
+      <p:pic>
+        <p:nvPicPr>
+          <p:cNvPr id="195" name="Google Shape;195;p35"/>
+          <p:cNvPicPr preferRelativeResize="0"/>
+          <p:nvPr/>
+        </p:nvPicPr>
+        <p:blipFill>
+          <a:blip r:embed="rId3">
+            <a:alphaModFix/>
+          </a:blip>
+          <a:stretch>
+            <a:fillRect/>
+          </a:stretch>
+        </p:blipFill>
+        <p:spPr>
+          <a:xfrm>
+            <a:off x="2809450" y="609451"/>
+            <a:ext cx="3525090" cy="1143901"/>
+          </a:xfrm>
+          <a:prstGeom prst="rect">
+            <a:avLst/>
+          </a:prstGeom>
+          <a:noFill/>
+          <a:ln>
+            <a:noFill/>
+          </a:ln>
+        </p:spPr>
+      </p:pic>
+    </p:spTree>
+  </p:cSld>
+  <p:clrMapOvr>
+    <a:masterClrMapping/>
+  </p:clrMapOvr>
+</p:sld>
+</file>
+
+<file path=ppt/slides/slide22.xml><?xml version="1.0" encoding="utf-8"?>
+<p:sld xmlns:a="http://schemas.openxmlformats.org/drawingml/2006/main" xmlns:r="http://schemas.openxmlformats.org/officeDocument/2006/relationships" xmlns:p="http://schemas.openxmlformats.org/presentationml/2006/main" show="0">
+  <p:cSld>
+    <p:spTree>
+      <p:nvGrpSpPr>
+        <p:cNvPr id="1" name="Shape 176"/>
+        <p:cNvGrpSpPr/>
+        <p:nvPr/>
+      </p:nvGrpSpPr>
+      <p:grpSpPr>
+        <a:xfrm>
+          <a:off x="0" y="0"/>
+          <a:ext cx="0" cy="0"/>
+          <a:chOff x="0" y="0"/>
+          <a:chExt cx="0" cy="0"/>
+        </a:xfrm>
+      </p:grpSpPr>
+      <p:sp>
+        <p:nvSpPr>
+          <p:cNvPr id="177" name="Google Shape;177;p33"/>
+          <p:cNvSpPr txBox="1">
+            <a:spLocks noGrp="1"/>
+          </p:cNvSpPr>
+          <p:nvPr>
+            <p:ph type="body" idx="1"/>
+          </p:nvPr>
+        </p:nvSpPr>
+        <p:spPr>
+          <a:xfrm>
+            <a:off x="686344" y="1982481"/>
+            <a:ext cx="7778100" cy="4119000"/>
+          </a:xfrm>
+          <a:prstGeom prst="rect">
+            <a:avLst/>
+          </a:prstGeom>
+        </p:spPr>
+        <p:txBody>
+          <a:bodyPr spcFirstLastPara="1" wrap="square" lIns="52125" tIns="52125" rIns="52125" bIns="52125" anchor="t" anchorCtr="0">
+            <a:normAutofit fontScale="70000" lnSpcReduction="20000"/>
+          </a:bodyPr>
+          <a:lstStyle/>
+          <a:p>
+            <a:pPr marL="457200" lvl="0" indent="-424307" algn="l" rtl="0">
+              <a:spcBef>
+                <a:spcPts val="685"/>
+              </a:spcBef>
+              <a:spcAft>
+                <a:spcPts val="0"/>
+              </a:spcAft>
+              <a:buSzPts val="3082"/>
+              <a:buChar char="»"/>
+            </a:pPr>
+            <a:r>
+              <a:rPr lang="pl-PL" dirty="0"/>
+              <a:t>(14 października)</a:t>
+            </a:r>
+          </a:p>
+          <a:p>
+            <a:pPr marL="457200" lvl="0" indent="-424307" algn="l" rtl="0">
+              <a:spcBef>
+                <a:spcPts val="1000"/>
+              </a:spcBef>
+              <a:spcAft>
+                <a:spcPts val="0"/>
+              </a:spcAft>
+              <a:buSzPts val="3082"/>
+              <a:buChar char="»"/>
+            </a:pPr>
+            <a:r>
+              <a:rPr lang="pl-PL" dirty="0"/>
+              <a:t>Przedsiębiorstwo </a:t>
+            </a:r>
+            <a:r>
+              <a:rPr lang="pl-PL" dirty="0">
+                <a:solidFill>
+                  <a:schemeClr val="dk1"/>
+                </a:solidFill>
+              </a:rPr>
+              <a:t>francuskie</a:t>
+            </a:r>
+            <a:endParaRPr lang="pl-PL" dirty="0"/>
+          </a:p>
+          <a:p>
+            <a:pPr marL="457200" lvl="0" indent="-424307" algn="l" rtl="0">
+              <a:spcBef>
+                <a:spcPts val="1000"/>
+              </a:spcBef>
+              <a:spcAft>
+                <a:spcPts val="0"/>
+              </a:spcAft>
+              <a:buSzPts val="3082"/>
+              <a:buChar char="»"/>
+            </a:pPr>
+            <a:r>
+              <a:rPr lang="pl-PL" dirty="0"/>
+              <a:t>Usługi zintegrowane:</a:t>
+            </a:r>
+          </a:p>
+          <a:p>
+            <a:pPr marL="914400" lvl="1" indent="-424307" algn="l" rtl="0">
+              <a:spcBef>
+                <a:spcPts val="1000"/>
+              </a:spcBef>
+              <a:spcAft>
+                <a:spcPts val="0"/>
+              </a:spcAft>
+              <a:buSzPts val="3082"/>
+              <a:buChar char="–"/>
+            </a:pPr>
+            <a:r>
+              <a:rPr lang="pl-PL" dirty="0"/>
+              <a:t>Konsulting</a:t>
+            </a:r>
+          </a:p>
+          <a:p>
+            <a:pPr marL="914400" lvl="1" indent="-424307" algn="l" rtl="0">
+              <a:spcBef>
+                <a:spcPts val="1000"/>
+              </a:spcBef>
+              <a:spcAft>
+                <a:spcPts val="0"/>
+              </a:spcAft>
+              <a:buSzPts val="3082"/>
+              <a:buChar char="–"/>
+            </a:pPr>
+            <a:r>
+              <a:rPr lang="pl-PL" dirty="0"/>
+              <a:t>Technologie informatyczne</a:t>
+            </a:r>
+          </a:p>
+          <a:p>
+            <a:pPr marL="914400" lvl="1" indent="-424307" algn="l" rtl="0">
+              <a:spcBef>
+                <a:spcPts val="1000"/>
+              </a:spcBef>
+              <a:spcAft>
+                <a:spcPts val="1000"/>
+              </a:spcAft>
+              <a:buSzPts val="3082"/>
+              <a:buChar char="–"/>
+            </a:pPr>
+            <a:r>
+              <a:rPr lang="pl-PL" dirty="0"/>
+              <a:t>Outsourcing</a:t>
+            </a:r>
+          </a:p>
+          <a:p>
+            <a:pPr marL="914400" lvl="1" indent="-424307" algn="l" rtl="0">
+              <a:spcBef>
+                <a:spcPts val="1000"/>
+              </a:spcBef>
+              <a:spcAft>
+                <a:spcPts val="1000"/>
+              </a:spcAft>
+              <a:buSzPts val="3082"/>
+              <a:buChar char="–"/>
+            </a:pPr>
+            <a:r>
+              <a:rPr lang="pl-PL" sz="3200" dirty="0"/>
+              <a:t>Migracje do Chmury</a:t>
+            </a:r>
+          </a:p>
+          <a:p>
+            <a:pPr marL="914400" lvl="1" indent="-424307" algn="l" rtl="0">
+              <a:spcBef>
+                <a:spcPts val="1000"/>
+              </a:spcBef>
+              <a:spcAft>
+                <a:spcPts val="1000"/>
+              </a:spcAft>
+              <a:buSzPts val="3082"/>
+              <a:buChar char="–"/>
+            </a:pPr>
+            <a:r>
+              <a:rPr lang="pl-PL" sz="3200" dirty="0"/>
+              <a:t>Integracja</a:t>
+            </a:r>
+            <a:endParaRPr lang="pl-PL" dirty="0"/>
+          </a:p>
+          <a:p>
+            <a:pPr marL="457200" lvl="0" indent="-424307" algn="l" rtl="0">
+              <a:spcBef>
+                <a:spcPts val="1000"/>
+              </a:spcBef>
+              <a:spcAft>
+                <a:spcPts val="0"/>
+              </a:spcAft>
+              <a:buSzPts val="3082"/>
+              <a:buChar char="»"/>
+            </a:pPr>
+            <a:r>
+              <a:rPr lang="pl-PL" sz="3000" dirty="0"/>
+              <a:t>Obecnie ~280 000 pracowników na całym świecie</a:t>
+            </a:r>
+          </a:p>
+        </p:txBody>
+      </p:sp>
+      <p:sp>
+        <p:nvSpPr>
+          <p:cNvPr id="178" name="Google Shape;178;p33"/>
+          <p:cNvSpPr txBox="1">
+            <a:spLocks noGrp="1"/>
+          </p:cNvSpPr>
+          <p:nvPr>
+            <p:ph type="sldNum" idx="12"/>
+          </p:nvPr>
+        </p:nvSpPr>
+        <p:spPr>
+          <a:xfrm>
+            <a:off x="8008523" y="6254325"/>
+            <a:ext cx="456000" cy="295500"/>
+          </a:xfrm>
+          <a:prstGeom prst="rect">
+            <a:avLst/>
+          </a:prstGeom>
+        </p:spPr>
+        <p:txBody>
+          <a:bodyPr spcFirstLastPara="1" wrap="square" lIns="52125" tIns="52125" rIns="52125" bIns="52125" anchor="t" anchorCtr="0">
+            <a:noAutofit/>
+          </a:bodyPr>
+          <a:lstStyle/>
+          <a:p>
+            <a:pPr marL="0" lvl="0" indent="0" algn="r" rtl="0">
+              <a:spcBef>
+                <a:spcPts val="0"/>
+              </a:spcBef>
+              <a:spcAft>
+                <a:spcPts val="0"/>
+              </a:spcAft>
+              <a:buClr>
+                <a:srgbClr val="000000"/>
+              </a:buClr>
+              <a:buFont typeface="Arial"/>
+              <a:buNone/>
+            </a:pPr>
+            <a:fld id="{00000000-1234-1234-1234-123412341234}" type="slidenum">
+              <a:rPr lang="pl-PL"/>
+              <a:t>22</a:t>
+            </a:fld>
+            <a:endParaRPr/>
+          </a:p>
+        </p:txBody>
+      </p:sp>
+      <p:pic>
+        <p:nvPicPr>
+          <p:cNvPr id="179" name="Google Shape;179;p33"/>
+          <p:cNvPicPr preferRelativeResize="0"/>
+          <p:nvPr/>
+        </p:nvPicPr>
+        <p:blipFill>
+          <a:blip r:embed="rId3">
+            <a:alphaModFix/>
+          </a:blip>
+          <a:stretch>
+            <a:fillRect/>
+          </a:stretch>
+        </p:blipFill>
+        <p:spPr>
+          <a:xfrm>
+            <a:off x="1995575" y="609447"/>
+            <a:ext cx="5152850" cy="1143901"/>
+          </a:xfrm>
+          <a:prstGeom prst="rect">
+            <a:avLst/>
+          </a:prstGeom>
+          <a:noFill/>
+          <a:ln>
+            <a:noFill/>
+          </a:ln>
+        </p:spPr>
+      </p:pic>
+    </p:spTree>
+  </p:cSld>
+  <p:clrMapOvr>
+    <a:masterClrMapping/>
+  </p:clrMapOvr>
+</p:sld>
+</file>
+
+<file path=ppt/slides/slide23.xml><?xml version="1.0" encoding="utf-8"?>
+<p:sld xmlns:a="http://schemas.openxmlformats.org/drawingml/2006/main" xmlns:r="http://schemas.openxmlformats.org/officeDocument/2006/relationships" xmlns:p="http://schemas.openxmlformats.org/presentationml/2006/main" show="0">
+  <p:cSld>
+    <p:spTree>
+      <p:nvGrpSpPr>
+        <p:cNvPr id="1" name="Shape 226"/>
+        <p:cNvGrpSpPr/>
+        <p:nvPr/>
+      </p:nvGrpSpPr>
+      <p:grpSpPr>
+        <a:xfrm>
+          <a:off x="0" y="0"/>
+          <a:ext cx="0" cy="0"/>
+          <a:chOff x="0" y="0"/>
+          <a:chExt cx="0" cy="0"/>
+        </a:xfrm>
+      </p:grpSpPr>
+      <p:sp>
+        <p:nvSpPr>
+          <p:cNvPr id="227" name="Google Shape;227;p39"/>
+          <p:cNvSpPr txBox="1">
+            <a:spLocks noGrp="1"/>
+          </p:cNvSpPr>
+          <p:nvPr>
+            <p:ph type="body" idx="1"/>
+          </p:nvPr>
+        </p:nvSpPr>
+        <p:spPr>
+          <a:xfrm>
+            <a:off x="686344" y="1982481"/>
+            <a:ext cx="7778100" cy="4119000"/>
+          </a:xfrm>
+          <a:prstGeom prst="rect">
+            <a:avLst/>
+          </a:prstGeom>
+        </p:spPr>
+        <p:txBody>
+          <a:bodyPr spcFirstLastPara="1" wrap="square" lIns="52125" tIns="52125" rIns="52125" bIns="52125" anchor="t" anchorCtr="0">
+            <a:noAutofit/>
+          </a:bodyPr>
+          <a:lstStyle/>
+          <a:p>
+            <a:pPr marL="457200" lvl="0" indent="-381000" algn="l" rtl="0">
+              <a:spcBef>
+                <a:spcPts val="685"/>
+              </a:spcBef>
+              <a:spcAft>
+                <a:spcPts val="0"/>
+              </a:spcAft>
+              <a:buSzPts val="2400"/>
+              <a:buChar char="»"/>
+            </a:pPr>
+            <a:r>
+              <a:rPr lang="pl-PL" sz="2400"/>
+              <a:t>(Nov 26)</a:t>
+            </a:r>
+            <a:endParaRPr sz="2400"/>
+          </a:p>
+          <a:p>
+            <a:pPr marL="457200" lvl="0" indent="-381000" algn="l" rtl="0">
+              <a:spcBef>
+                <a:spcPts val="0"/>
+              </a:spcBef>
+              <a:spcAft>
+                <a:spcPts val="0"/>
+              </a:spcAft>
+              <a:buSzPts val="2400"/>
+              <a:buChar char="»"/>
+            </a:pPr>
+            <a:r>
+              <a:rPr lang="pl-PL" sz="2400"/>
+              <a:t>Jeden z największych integratorów technologicznych w zakresie systemów światłowodowych do budowy optycznych sieci teletransmisyjnych w Polsce</a:t>
+            </a:r>
+            <a:endParaRPr sz="2400"/>
+          </a:p>
+          <a:p>
+            <a:pPr marL="457200" lvl="0" indent="-381000" algn="l" rtl="0">
+              <a:spcBef>
+                <a:spcPts val="0"/>
+              </a:spcBef>
+              <a:spcAft>
+                <a:spcPts val="0"/>
+              </a:spcAft>
+              <a:buSzPts val="2400"/>
+              <a:buChar char="»"/>
+            </a:pPr>
+            <a:r>
+              <a:rPr lang="pl-PL" sz="2400"/>
+              <a:t>Integrator dla największych operatorów telekomunikacyjnych</a:t>
+            </a:r>
+            <a:endParaRPr sz="2400"/>
+          </a:p>
+          <a:p>
+            <a:pPr marL="457200" lvl="0" indent="-381000" algn="l" rtl="0">
+              <a:spcBef>
+                <a:spcPts val="0"/>
+              </a:spcBef>
+              <a:spcAft>
+                <a:spcPts val="0"/>
+              </a:spcAft>
+              <a:buSzPts val="2400"/>
+              <a:buChar char="»"/>
+            </a:pPr>
+            <a:r>
+              <a:rPr lang="pl-PL" sz="2400"/>
+              <a:t>Doświadczenie w realizacji zamówień zgodnie ze standardami Operatorów i Przedsiębiorców telekomunikacyjnych oraz wszelkich norm i procedur technicznych obowiązujących na telekomunikacyjnym rynku branżowym</a:t>
+            </a:r>
+            <a:endParaRPr sz="2400"/>
+          </a:p>
+        </p:txBody>
+      </p:sp>
+      <p:sp>
+        <p:nvSpPr>
+          <p:cNvPr id="228" name="Google Shape;228;p39"/>
+          <p:cNvSpPr txBox="1">
+            <a:spLocks noGrp="1"/>
+          </p:cNvSpPr>
+          <p:nvPr>
+            <p:ph type="sldNum" idx="12"/>
+          </p:nvPr>
+        </p:nvSpPr>
+        <p:spPr>
+          <a:xfrm>
+            <a:off x="7875471" y="6254325"/>
+            <a:ext cx="588900" cy="295500"/>
+          </a:xfrm>
+          <a:prstGeom prst="rect">
+            <a:avLst/>
+          </a:prstGeom>
+        </p:spPr>
+        <p:txBody>
+          <a:bodyPr spcFirstLastPara="1" wrap="square" lIns="52125" tIns="52125" rIns="52125" bIns="52125" anchor="t" anchorCtr="0">
+            <a:noAutofit/>
+          </a:bodyPr>
+          <a:lstStyle/>
+          <a:p>
+            <a:pPr marL="0" lvl="0" indent="0" algn="r" rtl="0">
+              <a:spcBef>
+                <a:spcPts val="0"/>
+              </a:spcBef>
+              <a:spcAft>
+                <a:spcPts val="0"/>
+              </a:spcAft>
+              <a:buClr>
+                <a:srgbClr val="000000"/>
+              </a:buClr>
+              <a:buFont typeface="Arial"/>
+              <a:buNone/>
+            </a:pPr>
+            <a:fld id="{00000000-1234-1234-1234-123412341234}" type="slidenum">
+              <a:rPr lang="pl-PL"/>
+              <a:t>23</a:t>
+            </a:fld>
+            <a:endParaRPr/>
+          </a:p>
+        </p:txBody>
+      </p:sp>
+      <p:pic>
+        <p:nvPicPr>
+          <p:cNvPr id="229" name="Google Shape;229;p39"/>
+          <p:cNvPicPr preferRelativeResize="0"/>
+          <p:nvPr/>
+        </p:nvPicPr>
+        <p:blipFill>
+          <a:blip r:embed="rId3">
+            <a:alphaModFix/>
+          </a:blip>
+          <a:stretch>
+            <a:fillRect/>
+          </a:stretch>
+        </p:blipFill>
+        <p:spPr>
+          <a:xfrm>
+            <a:off x="3253258" y="609445"/>
+            <a:ext cx="2637489" cy="1143900"/>
+          </a:xfrm>
+          <a:prstGeom prst="rect">
+            <a:avLst/>
+          </a:prstGeom>
+          <a:noFill/>
+          <a:ln>
+            <a:noFill/>
+          </a:ln>
+        </p:spPr>
+      </p:pic>
+    </p:spTree>
+  </p:cSld>
+  <p:clrMapOvr>
+    <a:masterClrMapping/>
+  </p:clrMapOvr>
+</p:sld>
+</file>
+
+<file path=ppt/slides/slide24.xml><?xml version="1.0" encoding="utf-8"?>
+<p:sld xmlns:a="http://schemas.openxmlformats.org/drawingml/2006/main" xmlns:r="http://schemas.openxmlformats.org/officeDocument/2006/relationships" xmlns:p="http://schemas.openxmlformats.org/presentationml/2006/main" show="0">
+  <p:cSld>
+    <p:spTree>
+      <p:nvGrpSpPr>
         <p:cNvPr id="1" name="Shape 250"/>
         <p:cNvGrpSpPr/>
         <p:nvPr/>
@@ -28814,7 +29833,7 @@
             </a:pPr>
             <a:fld id="{00000000-1234-1234-1234-123412341234}" type="slidenum">
               <a:rPr lang="pl-PL"/>
-              <a:t>20</a:t>
+              <a:t>24</a:t>
             </a:fld>
             <a:endParaRPr/>
           </a:p>
@@ -28856,7 +29875,7 @@
 </p:sld>
 </file>
 
-<file path=ppt/slides/slide21.xml><?xml version="1.0" encoding="utf-8"?>
+<file path=ppt/slides/slide25.xml><?xml version="1.0" encoding="utf-8"?>
 <p:sld xmlns:a="http://schemas.openxmlformats.org/drawingml/2006/main" xmlns:r="http://schemas.openxmlformats.org/officeDocument/2006/relationships" xmlns:p="http://schemas.openxmlformats.org/presentationml/2006/main" show="0">
   <p:cSld>
     <p:spTree>
@@ -29026,7 +30045,7 @@
                 <a:cs typeface="Arial"/>
                 <a:sym typeface="Arial"/>
               </a:rPr>
-              <a:t>21</a:t>
+              <a:t>25</a:t>
             </a:fld>
             <a:endParaRPr sz="1370" b="0" i="0" u="none" strike="noStrike" cap="none">
               <a:solidFill>
@@ -29048,7 +30067,7 @@
 </p:sld>
 </file>
 
-<file path=ppt/slides/slide22.xml><?xml version="1.0" encoding="utf-8"?>
+<file path=ppt/slides/slide26.xml><?xml version="1.0" encoding="utf-8"?>
 <p:sld xmlns:a="http://schemas.openxmlformats.org/drawingml/2006/main" xmlns:r="http://schemas.openxmlformats.org/officeDocument/2006/relationships" xmlns:p="http://schemas.openxmlformats.org/presentationml/2006/main" show="0">
   <p:cSld>
     <p:spTree>
@@ -29171,7 +30190,7 @@
             </a:pPr>
             <a:fld id="{00000000-1234-1234-1234-123412341234}" type="slidenum">
               <a:rPr lang="pl-PL"/>
-              <a:t>22</a:t>
+              <a:t>26</a:t>
             </a:fld>
             <a:endParaRPr/>
           </a:p>
@@ -29213,7 +30232,7 @@
 </p:sld>
 </file>
 
-<file path=ppt/slides/slide23.xml><?xml version="1.0" encoding="utf-8"?>
+<file path=ppt/slides/slide27.xml><?xml version="1.0" encoding="utf-8"?>
 <p:sld xmlns:a="http://schemas.openxmlformats.org/drawingml/2006/main" xmlns:r="http://schemas.openxmlformats.org/officeDocument/2006/relationships" xmlns:p="http://schemas.openxmlformats.org/presentationml/2006/main" show="0">
   <p:cSld>
     <p:spTree>
@@ -29381,7 +30400,7 @@
             </a:pPr>
             <a:fld id="{00000000-1234-1234-1234-123412341234}" type="slidenum">
               <a:rPr lang="pl-PL"/>
-              <a:t>23</a:t>
+              <a:t>27</a:t>
             </a:fld>
             <a:endParaRPr/>
           </a:p>
@@ -29423,462 +30442,8 @@
 </p:sld>
 </file>
 
-<file path=ppt/slides/slide24.xml><?xml version="1.0" encoding="utf-8"?>
-<p:sld xmlns:a="http://schemas.openxmlformats.org/drawingml/2006/main" xmlns:r="http://schemas.openxmlformats.org/officeDocument/2006/relationships" xmlns:p="http://schemas.openxmlformats.org/presentationml/2006/main">
-  <p:cSld>
-    <p:spTree>
-      <p:nvGrpSpPr>
-        <p:cNvPr id="1" name="Shape 280"/>
-        <p:cNvGrpSpPr/>
-        <p:nvPr/>
-      </p:nvGrpSpPr>
-      <p:grpSpPr>
-        <a:xfrm>
-          <a:off x="0" y="0"/>
-          <a:ext cx="0" cy="0"/>
-          <a:chOff x="0" y="0"/>
-          <a:chExt cx="0" cy="0"/>
-        </a:xfrm>
-      </p:grpSpPr>
-      <p:sp>
-        <p:nvSpPr>
-          <p:cNvPr id="281" name="Google Shape;281;p46"/>
-          <p:cNvSpPr txBox="1">
-            <a:spLocks noGrp="1"/>
-          </p:cNvSpPr>
-          <p:nvPr>
-            <p:ph type="title"/>
-          </p:nvPr>
-        </p:nvSpPr>
-        <p:spPr>
-          <a:xfrm>
-            <a:off x="623826" y="1710178"/>
-            <a:ext cx="7886835" cy="2852697"/>
-          </a:xfrm>
-          <a:prstGeom prst="rect">
-            <a:avLst/>
-          </a:prstGeom>
-          <a:noFill/>
-          <a:ln>
-            <a:noFill/>
-          </a:ln>
-        </p:spPr>
-        <p:txBody>
-          <a:bodyPr spcFirstLastPara="1" wrap="square" lIns="52125" tIns="52125" rIns="52125" bIns="52125" anchor="b" anchorCtr="0">
-            <a:noAutofit/>
-          </a:bodyPr>
-          <a:lstStyle/>
-          <a:p>
-            <a:pPr marL="0" marR="0" lvl="0" indent="0" algn="ctr" rtl="0">
-              <a:spcBef>
-                <a:spcPts val="0"/>
-              </a:spcBef>
-              <a:spcAft>
-                <a:spcPts val="0"/>
-              </a:spcAft>
-              <a:buNone/>
-            </a:pPr>
-            <a:r>
-              <a:rPr lang="pl-PL" sz="5137" b="0" i="0" u="none" strike="noStrike" cap="none">
-                <a:solidFill>
-                  <a:srgbClr val="000000"/>
-                </a:solidFill>
-                <a:latin typeface="Arial"/>
-                <a:ea typeface="Arial"/>
-                <a:cs typeface="Arial"/>
-                <a:sym typeface="Arial"/>
-              </a:rPr>
-              <a:t>Projekt</a:t>
-            </a:r>
-            <a:endParaRPr/>
-          </a:p>
-        </p:txBody>
-      </p:sp>
-      <p:sp>
-        <p:nvSpPr>
-          <p:cNvPr id="282" name="Google Shape;282;p46"/>
-          <p:cNvSpPr txBox="1">
-            <a:spLocks noGrp="1"/>
-          </p:cNvSpPr>
-          <p:nvPr>
-            <p:ph type="body" idx="1"/>
-          </p:nvPr>
-        </p:nvSpPr>
-        <p:spPr>
-          <a:xfrm>
-            <a:off x="623826" y="4588810"/>
-            <a:ext cx="7886835" cy="1501268"/>
-          </a:xfrm>
-          <a:prstGeom prst="rect">
-            <a:avLst/>
-          </a:prstGeom>
-          <a:noFill/>
-          <a:ln>
-            <a:noFill/>
-          </a:ln>
-        </p:spPr>
-        <p:txBody>
-          <a:bodyPr spcFirstLastPara="1" wrap="square" lIns="52125" tIns="52125" rIns="52125" bIns="52125" anchor="t" anchorCtr="0">
-            <a:noAutofit/>
-          </a:bodyPr>
-          <a:lstStyle/>
-          <a:p>
-            <a:pPr marL="0" marR="0" lvl="0" indent="0" algn="l" rtl="0">
-              <a:spcBef>
-                <a:spcPts val="0"/>
-              </a:spcBef>
-              <a:spcAft>
-                <a:spcPts val="0"/>
-              </a:spcAft>
-              <a:buClr>
-                <a:srgbClr val="000000"/>
-              </a:buClr>
-              <a:buSzPts val="2055"/>
-              <a:buFont typeface="Arial"/>
-              <a:buNone/>
-            </a:pPr>
-            <a:endParaRPr sz="2055" b="0" i="0" u="none" strike="noStrike" cap="none">
-              <a:solidFill>
-                <a:srgbClr val="000000"/>
-              </a:solidFill>
-              <a:latin typeface="Arial"/>
-              <a:ea typeface="Arial"/>
-              <a:cs typeface="Arial"/>
-              <a:sym typeface="Arial"/>
-            </a:endParaRPr>
-          </a:p>
-        </p:txBody>
-      </p:sp>
-      <p:sp>
-        <p:nvSpPr>
-          <p:cNvPr id="283" name="Google Shape;283;p46"/>
-          <p:cNvSpPr txBox="1">
-            <a:spLocks noGrp="1"/>
-          </p:cNvSpPr>
-          <p:nvPr>
-            <p:ph type="sldNum" idx="12"/>
-          </p:nvPr>
-        </p:nvSpPr>
-        <p:spPr>
-          <a:xfrm>
-            <a:off x="8076199" y="6254325"/>
-            <a:ext cx="388200" cy="295200"/>
-          </a:xfrm>
-          <a:prstGeom prst="rect">
-            <a:avLst/>
-          </a:prstGeom>
-          <a:noFill/>
-          <a:ln>
-            <a:noFill/>
-          </a:ln>
-        </p:spPr>
-        <p:txBody>
-          <a:bodyPr spcFirstLastPara="1" wrap="square" lIns="52125" tIns="52125" rIns="52125" bIns="52125" anchor="t" anchorCtr="0">
-            <a:noAutofit/>
-          </a:bodyPr>
-          <a:lstStyle/>
-          <a:p>
-            <a:pPr marL="0" marR="0" lvl="0" indent="0" algn="r" rtl="0">
-              <a:spcBef>
-                <a:spcPts val="0"/>
-              </a:spcBef>
-              <a:spcAft>
-                <a:spcPts val="0"/>
-              </a:spcAft>
-              <a:buNone/>
-            </a:pPr>
-            <a:fld id="{00000000-1234-1234-1234-123412341234}" type="slidenum">
-              <a:rPr lang="pl-PL" sz="1370" b="0" i="0" u="none" strike="noStrike" cap="none">
-                <a:solidFill>
-                  <a:schemeClr val="dk1"/>
-                </a:solidFill>
-                <a:latin typeface="Arial"/>
-                <a:ea typeface="Arial"/>
-                <a:cs typeface="Arial"/>
-                <a:sym typeface="Arial"/>
-              </a:rPr>
-              <a:t>24</a:t>
-            </a:fld>
-            <a:endParaRPr sz="1370" b="0" i="0" u="none" strike="noStrike" cap="none">
-              <a:solidFill>
-                <a:schemeClr val="dk1"/>
-              </a:solidFill>
-              <a:latin typeface="Arial"/>
-              <a:ea typeface="Arial"/>
-              <a:cs typeface="Arial"/>
-              <a:sym typeface="Arial"/>
-            </a:endParaRPr>
-          </a:p>
-        </p:txBody>
-      </p:sp>
-    </p:spTree>
-  </p:cSld>
-  <p:clrMapOvr>
-    <a:masterClrMapping/>
-  </p:clrMapOvr>
-</p:sld>
-</file>
-
-<file path=ppt/slides/slide25.xml><?xml version="1.0" encoding="utf-8"?>
-<p:sld xmlns:a="http://schemas.openxmlformats.org/drawingml/2006/main" xmlns:r="http://schemas.openxmlformats.org/officeDocument/2006/relationships" xmlns:p="http://schemas.openxmlformats.org/presentationml/2006/main">
-  <p:cSld>
-    <p:spTree>
-      <p:nvGrpSpPr>
-        <p:cNvPr id="1" name="Shape 288"/>
-        <p:cNvGrpSpPr/>
-        <p:nvPr/>
-      </p:nvGrpSpPr>
-      <p:grpSpPr>
-        <a:xfrm>
-          <a:off x="0" y="0"/>
-          <a:ext cx="0" cy="0"/>
-          <a:chOff x="0" y="0"/>
-          <a:chExt cx="0" cy="0"/>
-        </a:xfrm>
-      </p:grpSpPr>
-      <p:sp>
-        <p:nvSpPr>
-          <p:cNvPr id="289" name="Google Shape;289;p47"/>
-          <p:cNvSpPr txBox="1">
-            <a:spLocks noGrp="1"/>
-          </p:cNvSpPr>
-          <p:nvPr>
-            <p:ph type="title"/>
-          </p:nvPr>
-        </p:nvSpPr>
-        <p:spPr>
-          <a:xfrm>
-            <a:off x="686344" y="609441"/>
-            <a:ext cx="7778100" cy="1143900"/>
-          </a:xfrm>
-          <a:prstGeom prst="rect">
-            <a:avLst/>
-          </a:prstGeom>
-        </p:spPr>
-        <p:txBody>
-          <a:bodyPr spcFirstLastPara="1" wrap="square" lIns="52125" tIns="52125" rIns="52125" bIns="52125" anchor="ctr" anchorCtr="0">
-            <a:noAutofit/>
-          </a:bodyPr>
-          <a:lstStyle/>
-          <a:p>
-            <a:pPr marL="0" lvl="0" indent="0" algn="ctr" rtl="0">
-              <a:spcBef>
-                <a:spcPts val="0"/>
-              </a:spcBef>
-              <a:spcAft>
-                <a:spcPts val="0"/>
-              </a:spcAft>
-              <a:buNone/>
-            </a:pPr>
-            <a:r>
-              <a:rPr lang="pl-PL"/>
-              <a:t>Ćwiczenia projektowe</a:t>
-            </a:r>
-            <a:endParaRPr/>
-          </a:p>
-        </p:txBody>
-      </p:sp>
-      <p:sp>
-        <p:nvSpPr>
-          <p:cNvPr id="290" name="Google Shape;290;p47"/>
-          <p:cNvSpPr txBox="1">
-            <a:spLocks noGrp="1"/>
-          </p:cNvSpPr>
-          <p:nvPr>
-            <p:ph type="body" idx="1"/>
-          </p:nvPr>
-        </p:nvSpPr>
-        <p:spPr>
-          <a:xfrm>
-            <a:off x="686344" y="1982481"/>
-            <a:ext cx="7778100" cy="4119000"/>
-          </a:xfrm>
-          <a:prstGeom prst="rect">
-            <a:avLst/>
-          </a:prstGeom>
-        </p:spPr>
-        <p:txBody>
-          <a:bodyPr spcFirstLastPara="1" wrap="square" lIns="52125" tIns="52125" rIns="52125" bIns="52125" anchor="t" anchorCtr="0">
-            <a:noAutofit/>
-          </a:bodyPr>
-          <a:lstStyle/>
-          <a:p>
-            <a:pPr marL="457200" lvl="0" indent="-381000" algn="l" rtl="0">
-              <a:spcBef>
-                <a:spcPts val="685"/>
-              </a:spcBef>
-              <a:spcAft>
-                <a:spcPts val="0"/>
-              </a:spcAft>
-              <a:buSzPts val="2400"/>
-              <a:buChar char="»"/>
-            </a:pPr>
-            <a:r>
-              <a:rPr lang="pl-PL" sz="2400"/>
-              <a:t>Konsultacje i samodzielna praca w temacie obejmującym wybrany projekt</a:t>
-            </a:r>
-            <a:endParaRPr sz="2400"/>
-          </a:p>
-          <a:p>
-            <a:pPr marL="457200" lvl="0" indent="-381000" algn="l" rtl="0">
-              <a:spcBef>
-                <a:spcPts val="0"/>
-              </a:spcBef>
-              <a:spcAft>
-                <a:spcPts val="0"/>
-              </a:spcAft>
-              <a:buSzPts val="2400"/>
-              <a:buChar char="»"/>
-            </a:pPr>
-            <a:r>
-              <a:rPr lang="pl-PL" sz="2400"/>
-              <a:t>Najbardziej aktualne zagadnienia telekomunikacyjnych</a:t>
-            </a:r>
-            <a:endParaRPr sz="2400"/>
-          </a:p>
-          <a:p>
-            <a:pPr marL="457200" lvl="0" indent="-381000" algn="l" rtl="0">
-              <a:spcBef>
-                <a:spcPts val="0"/>
-              </a:spcBef>
-              <a:spcAft>
-                <a:spcPts val="0"/>
-              </a:spcAft>
-              <a:buSzPts val="2400"/>
-              <a:buChar char="»"/>
-            </a:pPr>
-            <a:r>
-              <a:rPr lang="pl-PL" sz="2400"/>
-              <a:t>Cel: zaznajomienie z najnowszymi trendami i wyzwaniami w branży telekomunikacyjnej</a:t>
-            </a:r>
-            <a:endParaRPr sz="2400"/>
-          </a:p>
-          <a:p>
-            <a:pPr marL="457200" lvl="0" indent="-381000" algn="l" rtl="0">
-              <a:spcBef>
-                <a:spcPts val="0"/>
-              </a:spcBef>
-              <a:spcAft>
-                <a:spcPts val="0"/>
-              </a:spcAft>
-              <a:buSzPts val="2400"/>
-              <a:buChar char="»"/>
-            </a:pPr>
-            <a:r>
-              <a:rPr lang="pl-PL" sz="2400"/>
-              <a:t>Dodatkowo - rozwój umiejętności:</a:t>
-            </a:r>
-            <a:endParaRPr sz="2400"/>
-          </a:p>
-          <a:p>
-            <a:pPr marL="914400" lvl="1" indent="-381000" algn="l" rtl="0">
-              <a:spcBef>
-                <a:spcPts val="0"/>
-              </a:spcBef>
-              <a:spcAft>
-                <a:spcPts val="0"/>
-              </a:spcAft>
-              <a:buSzPts val="2400"/>
-              <a:buChar char="–"/>
-            </a:pPr>
-            <a:r>
-              <a:rPr lang="pl-PL" sz="2400"/>
-              <a:t>Analitycznego myślenia</a:t>
-            </a:r>
-            <a:endParaRPr sz="2400"/>
-          </a:p>
-          <a:p>
-            <a:pPr marL="914400" lvl="1" indent="-381000" algn="l" rtl="0">
-              <a:spcBef>
-                <a:spcPts val="0"/>
-              </a:spcBef>
-              <a:spcAft>
-                <a:spcPts val="0"/>
-              </a:spcAft>
-              <a:buSzPts val="2400"/>
-              <a:buChar char="–"/>
-            </a:pPr>
-            <a:r>
-              <a:rPr lang="pl-PL" sz="2400"/>
-              <a:t>Syntezy studiowanego materiału</a:t>
-            </a:r>
-            <a:endParaRPr sz="2400"/>
-          </a:p>
-          <a:p>
-            <a:pPr marL="914400" lvl="1" indent="-381000" algn="l" rtl="0">
-              <a:spcBef>
-                <a:spcPts val="0"/>
-              </a:spcBef>
-              <a:spcAft>
-                <a:spcPts val="0"/>
-              </a:spcAft>
-              <a:buSzPts val="2400"/>
-              <a:buChar char="–"/>
-            </a:pPr>
-            <a:r>
-              <a:rPr lang="pl-PL" sz="2400"/>
-              <a:t>Poprawnego wyciągania wniosków</a:t>
-            </a:r>
-            <a:endParaRPr sz="2400"/>
-          </a:p>
-        </p:txBody>
-      </p:sp>
-      <p:sp>
-        <p:nvSpPr>
-          <p:cNvPr id="291" name="Google Shape;291;p47"/>
-          <p:cNvSpPr txBox="1">
-            <a:spLocks noGrp="1"/>
-          </p:cNvSpPr>
-          <p:nvPr>
-            <p:ph type="sldNum" idx="12"/>
-          </p:nvPr>
-        </p:nvSpPr>
-        <p:spPr>
-          <a:xfrm>
-            <a:off x="7851871" y="6254325"/>
-            <a:ext cx="612600" cy="295500"/>
-          </a:xfrm>
-          <a:prstGeom prst="rect">
-            <a:avLst/>
-          </a:prstGeom>
-        </p:spPr>
-        <p:txBody>
-          <a:bodyPr spcFirstLastPara="1" wrap="square" lIns="52125" tIns="52125" rIns="52125" bIns="52125" anchor="t" anchorCtr="0">
-            <a:noAutofit/>
-          </a:bodyPr>
-          <a:lstStyle/>
-          <a:p>
-            <a:pPr marL="0" lvl="0" indent="0" algn="r" rtl="0">
-              <a:spcBef>
-                <a:spcPts val="0"/>
-              </a:spcBef>
-              <a:spcAft>
-                <a:spcPts val="0"/>
-              </a:spcAft>
-              <a:buClr>
-                <a:srgbClr val="000000"/>
-              </a:buClr>
-              <a:buFont typeface="Arial"/>
-              <a:buNone/>
-            </a:pPr>
-            <a:fld id="{00000000-1234-1234-1234-123412341234}" type="slidenum">
-              <a:rPr lang="pl-PL"/>
-              <a:t>25</a:t>
-            </a:fld>
-            <a:endParaRPr/>
-          </a:p>
-        </p:txBody>
-      </p:sp>
-    </p:spTree>
-  </p:cSld>
-  <p:clrMapOvr>
-    <a:masterClrMapping/>
-  </p:clrMapOvr>
-</p:sld>
-</file>
-
-<file path=ppt/slides/slide26.xml><?xml version="1.0" encoding="utf-8"?>
-<p:sld xmlns:a="http://schemas.openxmlformats.org/drawingml/2006/main" xmlns:r="http://schemas.openxmlformats.org/officeDocument/2006/relationships" xmlns:p="http://schemas.openxmlformats.org/presentationml/2006/main">
+<file path=ppt/slides/slide28.xml><?xml version="1.0" encoding="utf-8"?>
+<p:sld xmlns:a="http://schemas.openxmlformats.org/drawingml/2006/main" xmlns:r="http://schemas.openxmlformats.org/officeDocument/2006/relationships" xmlns:p="http://schemas.openxmlformats.org/presentationml/2006/main" show="0">
   <p:cSld>
     <p:spTree>
       <p:nvGrpSpPr>
@@ -30123,7 +30688,7 @@
             </a:pPr>
             <a:fld id="{00000000-1234-1234-1234-123412341234}" type="slidenum">
               <a:rPr lang="pl-PL"/>
-              <a:t>26</a:t>
+              <a:t>28</a:t>
             </a:fld>
             <a:endParaRPr/>
           </a:p>
@@ -30137,8 +30702,8 @@
 </p:sld>
 </file>
 
-<file path=ppt/slides/slide27.xml><?xml version="1.0" encoding="utf-8"?>
-<p:sld xmlns:a="http://schemas.openxmlformats.org/drawingml/2006/main" xmlns:r="http://schemas.openxmlformats.org/officeDocument/2006/relationships" xmlns:p="http://schemas.openxmlformats.org/presentationml/2006/main">
+<file path=ppt/slides/slide29.xml><?xml version="1.0" encoding="utf-8"?>
+<p:sld xmlns:a="http://schemas.openxmlformats.org/drawingml/2006/main" xmlns:r="http://schemas.openxmlformats.org/officeDocument/2006/relationships" xmlns:p="http://schemas.openxmlformats.org/presentationml/2006/main" show="0">
   <p:cSld>
     <p:spTree>
       <p:nvGrpSpPr>
@@ -30318,7 +30883,7 @@
             </a:pPr>
             <a:fld id="{00000000-1234-1234-1234-123412341234}" type="slidenum">
               <a:rPr lang="pl-PL"/>
-              <a:t>27</a:t>
+              <a:t>29</a:t>
             </a:fld>
             <a:endParaRPr/>
           </a:p>
@@ -30337,8 +30902,196 @@
 </p:sld>
 </file>
 
-<file path=ppt/slides/slide28.xml><?xml version="1.0" encoding="utf-8"?>
+<file path=ppt/slides/slide3.xml><?xml version="1.0" encoding="utf-8"?>
 <p:sld xmlns:a="http://schemas.openxmlformats.org/drawingml/2006/main" xmlns:r="http://schemas.openxmlformats.org/officeDocument/2006/relationships" xmlns:p="http://schemas.openxmlformats.org/presentationml/2006/main">
+  <p:cSld>
+    <p:spTree>
+      <p:nvGrpSpPr>
+        <p:cNvPr id="1" name="Shape 127"/>
+        <p:cNvGrpSpPr/>
+        <p:nvPr/>
+      </p:nvGrpSpPr>
+      <p:grpSpPr>
+        <a:xfrm>
+          <a:off x="0" y="0"/>
+          <a:ext cx="0" cy="0"/>
+          <a:chOff x="0" y="0"/>
+          <a:chExt cx="0" cy="0"/>
+        </a:xfrm>
+      </p:grpSpPr>
+      <p:sp>
+        <p:nvSpPr>
+          <p:cNvPr id="128" name="Google Shape;128;p27"/>
+          <p:cNvSpPr txBox="1">
+            <a:spLocks noGrp="1"/>
+          </p:cNvSpPr>
+          <p:nvPr>
+            <p:ph type="title"/>
+          </p:nvPr>
+        </p:nvSpPr>
+        <p:spPr>
+          <a:xfrm>
+            <a:off x="623826" y="1710178"/>
+            <a:ext cx="7886700" cy="2852700"/>
+          </a:xfrm>
+          <a:prstGeom prst="rect">
+            <a:avLst/>
+          </a:prstGeom>
+          <a:noFill/>
+          <a:ln>
+            <a:noFill/>
+          </a:ln>
+        </p:spPr>
+        <p:txBody>
+          <a:bodyPr spcFirstLastPara="1" wrap="square" lIns="52125" tIns="52125" rIns="52125" bIns="52125" anchor="b" anchorCtr="0">
+            <a:noAutofit/>
+          </a:bodyPr>
+          <a:lstStyle/>
+          <a:p>
+            <a:pPr marL="0" marR="0" lvl="0" indent="0" algn="ctr" rtl="0">
+              <a:spcBef>
+                <a:spcPts val="0"/>
+              </a:spcBef>
+              <a:spcAft>
+                <a:spcPts val="0"/>
+              </a:spcAft>
+              <a:buNone/>
+            </a:pPr>
+            <a:r>
+              <a:rPr lang="pl-PL"/>
+              <a:t>Tematyka przedmiotu</a:t>
+            </a:r>
+            <a:endParaRPr/>
+          </a:p>
+        </p:txBody>
+      </p:sp>
+      <p:sp>
+        <p:nvSpPr>
+          <p:cNvPr id="129" name="Google Shape;129;p27"/>
+          <p:cNvSpPr txBox="1">
+            <a:spLocks noGrp="1"/>
+          </p:cNvSpPr>
+          <p:nvPr>
+            <p:ph type="body" idx="1"/>
+          </p:nvPr>
+        </p:nvSpPr>
+        <p:spPr>
+          <a:xfrm>
+            <a:off x="623826" y="4588810"/>
+            <a:ext cx="7886700" cy="1501200"/>
+          </a:xfrm>
+          <a:prstGeom prst="rect">
+            <a:avLst/>
+          </a:prstGeom>
+          <a:noFill/>
+          <a:ln>
+            <a:noFill/>
+          </a:ln>
+        </p:spPr>
+        <p:txBody>
+          <a:bodyPr spcFirstLastPara="1" wrap="square" lIns="52125" tIns="52125" rIns="52125" bIns="52125" anchor="t" anchorCtr="0">
+            <a:noAutofit/>
+          </a:bodyPr>
+          <a:lstStyle/>
+          <a:p>
+            <a:pPr marL="0" marR="0" lvl="0" indent="0" algn="l" rtl="0">
+              <a:spcBef>
+                <a:spcPts val="0"/>
+              </a:spcBef>
+              <a:spcAft>
+                <a:spcPts val="0"/>
+              </a:spcAft>
+              <a:buClr>
+                <a:srgbClr val="000000"/>
+              </a:buClr>
+              <a:buSzPts val="2055"/>
+              <a:buFont typeface="Arial"/>
+              <a:buNone/>
+            </a:pPr>
+            <a:endParaRPr sz="2055" b="0" i="0" u="none" strike="noStrike" cap="none">
+              <a:solidFill>
+                <a:srgbClr val="000000"/>
+              </a:solidFill>
+              <a:latin typeface="Arial"/>
+              <a:ea typeface="Arial"/>
+              <a:cs typeface="Arial"/>
+              <a:sym typeface="Arial"/>
+            </a:endParaRPr>
+          </a:p>
+        </p:txBody>
+      </p:sp>
+      <p:sp>
+        <p:nvSpPr>
+          <p:cNvPr id="130" name="Google Shape;130;p27"/>
+          <p:cNvSpPr txBox="1">
+            <a:spLocks noGrp="1"/>
+          </p:cNvSpPr>
+          <p:nvPr>
+            <p:ph type="sldNum" idx="12"/>
+          </p:nvPr>
+        </p:nvSpPr>
+        <p:spPr>
+          <a:xfrm>
+            <a:off x="8169529" y="6254324"/>
+            <a:ext cx="294900" cy="295500"/>
+          </a:xfrm>
+          <a:prstGeom prst="rect">
+            <a:avLst/>
+          </a:prstGeom>
+          <a:noFill/>
+          <a:ln>
+            <a:noFill/>
+          </a:ln>
+        </p:spPr>
+        <p:txBody>
+          <a:bodyPr spcFirstLastPara="1" wrap="square" lIns="52125" tIns="52125" rIns="52125" bIns="52125" anchor="t" anchorCtr="0">
+            <a:noAutofit/>
+          </a:bodyPr>
+          <a:lstStyle/>
+          <a:p>
+            <a:pPr marL="0" marR="0" lvl="0" indent="0" algn="r" rtl="0">
+              <a:spcBef>
+                <a:spcPts val="0"/>
+              </a:spcBef>
+              <a:spcAft>
+                <a:spcPts val="0"/>
+              </a:spcAft>
+              <a:buNone/>
+            </a:pPr>
+            <a:fld id="{00000000-1234-1234-1234-123412341234}" type="slidenum">
+              <a:rPr lang="pl-PL" sz="1370" b="0" i="0" u="none" strike="noStrike" cap="none">
+                <a:solidFill>
+                  <a:schemeClr val="dk1"/>
+                </a:solidFill>
+                <a:latin typeface="Arial"/>
+                <a:ea typeface="Arial"/>
+                <a:cs typeface="Arial"/>
+                <a:sym typeface="Arial"/>
+              </a:rPr>
+              <a:t>3</a:t>
+            </a:fld>
+            <a:endParaRPr sz="1370" b="0" i="0" u="none" strike="noStrike" cap="none">
+              <a:solidFill>
+                <a:schemeClr val="dk1"/>
+              </a:solidFill>
+              <a:latin typeface="Arial"/>
+              <a:ea typeface="Arial"/>
+              <a:cs typeface="Arial"/>
+              <a:sym typeface="Arial"/>
+            </a:endParaRPr>
+          </a:p>
+        </p:txBody>
+      </p:sp>
+    </p:spTree>
+  </p:cSld>
+  <p:clrMapOvr>
+    <a:masterClrMapping/>
+  </p:clrMapOvr>
+</p:sld>
+</file>
+
+<file path=ppt/slides/slide30.xml><?xml version="1.0" encoding="utf-8"?>
+<p:sld xmlns:a="http://schemas.openxmlformats.org/drawingml/2006/main" xmlns:r="http://schemas.openxmlformats.org/officeDocument/2006/relationships" xmlns:p="http://schemas.openxmlformats.org/presentationml/2006/main" show="0">
   <p:cSld>
     <p:spTree>
       <p:nvGrpSpPr>
@@ -30630,7 +31383,7 @@
             </a:pPr>
             <a:fld id="{00000000-1234-1234-1234-123412341234}" type="slidenum">
               <a:rPr lang="pl-PL"/>
-              <a:t>28</a:t>
+              <a:t>30</a:t>
             </a:fld>
             <a:endParaRPr/>
           </a:p>
@@ -30649,8 +31402,8 @@
 </p:sld>
 </file>
 
-<file path=ppt/slides/slide29.xml><?xml version="1.0" encoding="utf-8"?>
-<p:sld xmlns:a="http://schemas.openxmlformats.org/drawingml/2006/main" xmlns:r="http://schemas.openxmlformats.org/officeDocument/2006/relationships" xmlns:p="http://schemas.openxmlformats.org/presentationml/2006/main">
+<file path=ppt/slides/slide31.xml><?xml version="1.0" encoding="utf-8"?>
+<p:sld xmlns:a="http://schemas.openxmlformats.org/drawingml/2006/main" xmlns:r="http://schemas.openxmlformats.org/officeDocument/2006/relationships" xmlns:p="http://schemas.openxmlformats.org/presentationml/2006/main" show="0">
   <p:cSld>
     <p:spTree>
       <p:nvGrpSpPr>
@@ -30830,7 +31583,7 @@
             </a:pPr>
             <a:fld id="{00000000-1234-1234-1234-123412341234}" type="slidenum">
               <a:rPr lang="pl-PL"/>
-              <a:t>29</a:t>
+              <a:t>31</a:t>
             </a:fld>
             <a:endParaRPr/>
           </a:p>
@@ -30849,601 +31602,7 @@
 </p:sld>
 </file>
 
-<file path=ppt/slides/slide3.xml><?xml version="1.0" encoding="utf-8"?>
-<p:sld xmlns:a="http://schemas.openxmlformats.org/drawingml/2006/main" xmlns:r="http://schemas.openxmlformats.org/officeDocument/2006/relationships" xmlns:p="http://schemas.openxmlformats.org/presentationml/2006/main">
-  <p:cSld>
-    <p:spTree>
-      <p:nvGrpSpPr>
-        <p:cNvPr id="1" name="Shape 127"/>
-        <p:cNvGrpSpPr/>
-        <p:nvPr/>
-      </p:nvGrpSpPr>
-      <p:grpSpPr>
-        <a:xfrm>
-          <a:off x="0" y="0"/>
-          <a:ext cx="0" cy="0"/>
-          <a:chOff x="0" y="0"/>
-          <a:chExt cx="0" cy="0"/>
-        </a:xfrm>
-      </p:grpSpPr>
-      <p:sp>
-        <p:nvSpPr>
-          <p:cNvPr id="128" name="Google Shape;128;p27"/>
-          <p:cNvSpPr txBox="1">
-            <a:spLocks noGrp="1"/>
-          </p:cNvSpPr>
-          <p:nvPr>
-            <p:ph type="title"/>
-          </p:nvPr>
-        </p:nvSpPr>
-        <p:spPr>
-          <a:xfrm>
-            <a:off x="623826" y="1710178"/>
-            <a:ext cx="7886700" cy="2852700"/>
-          </a:xfrm>
-          <a:prstGeom prst="rect">
-            <a:avLst/>
-          </a:prstGeom>
-          <a:noFill/>
-          <a:ln>
-            <a:noFill/>
-          </a:ln>
-        </p:spPr>
-        <p:txBody>
-          <a:bodyPr spcFirstLastPara="1" wrap="square" lIns="52125" tIns="52125" rIns="52125" bIns="52125" anchor="b" anchorCtr="0">
-            <a:noAutofit/>
-          </a:bodyPr>
-          <a:lstStyle/>
-          <a:p>
-            <a:pPr marL="0" marR="0" lvl="0" indent="0" algn="ctr" rtl="0">
-              <a:spcBef>
-                <a:spcPts val="0"/>
-              </a:spcBef>
-              <a:spcAft>
-                <a:spcPts val="0"/>
-              </a:spcAft>
-              <a:buNone/>
-            </a:pPr>
-            <a:r>
-              <a:rPr lang="pl-PL"/>
-              <a:t>Tematyka przedmiotu</a:t>
-            </a:r>
-            <a:endParaRPr/>
-          </a:p>
-        </p:txBody>
-      </p:sp>
-      <p:sp>
-        <p:nvSpPr>
-          <p:cNvPr id="129" name="Google Shape;129;p27"/>
-          <p:cNvSpPr txBox="1">
-            <a:spLocks noGrp="1"/>
-          </p:cNvSpPr>
-          <p:nvPr>
-            <p:ph type="body" idx="1"/>
-          </p:nvPr>
-        </p:nvSpPr>
-        <p:spPr>
-          <a:xfrm>
-            <a:off x="623826" y="4588810"/>
-            <a:ext cx="7886700" cy="1501200"/>
-          </a:xfrm>
-          <a:prstGeom prst="rect">
-            <a:avLst/>
-          </a:prstGeom>
-          <a:noFill/>
-          <a:ln>
-            <a:noFill/>
-          </a:ln>
-        </p:spPr>
-        <p:txBody>
-          <a:bodyPr spcFirstLastPara="1" wrap="square" lIns="52125" tIns="52125" rIns="52125" bIns="52125" anchor="t" anchorCtr="0">
-            <a:noAutofit/>
-          </a:bodyPr>
-          <a:lstStyle/>
-          <a:p>
-            <a:pPr marL="0" marR="0" lvl="0" indent="0" algn="l" rtl="0">
-              <a:spcBef>
-                <a:spcPts val="0"/>
-              </a:spcBef>
-              <a:spcAft>
-                <a:spcPts val="0"/>
-              </a:spcAft>
-              <a:buClr>
-                <a:srgbClr val="000000"/>
-              </a:buClr>
-              <a:buSzPts val="2055"/>
-              <a:buFont typeface="Arial"/>
-              <a:buNone/>
-            </a:pPr>
-            <a:endParaRPr sz="2055" b="0" i="0" u="none" strike="noStrike" cap="none">
-              <a:solidFill>
-                <a:srgbClr val="000000"/>
-              </a:solidFill>
-              <a:latin typeface="Arial"/>
-              <a:ea typeface="Arial"/>
-              <a:cs typeface="Arial"/>
-              <a:sym typeface="Arial"/>
-            </a:endParaRPr>
-          </a:p>
-        </p:txBody>
-      </p:sp>
-      <p:sp>
-        <p:nvSpPr>
-          <p:cNvPr id="130" name="Google Shape;130;p27"/>
-          <p:cNvSpPr txBox="1">
-            <a:spLocks noGrp="1"/>
-          </p:cNvSpPr>
-          <p:nvPr>
-            <p:ph type="sldNum" idx="12"/>
-          </p:nvPr>
-        </p:nvSpPr>
-        <p:spPr>
-          <a:xfrm>
-            <a:off x="8169529" y="6254324"/>
-            <a:ext cx="294900" cy="295500"/>
-          </a:xfrm>
-          <a:prstGeom prst="rect">
-            <a:avLst/>
-          </a:prstGeom>
-          <a:noFill/>
-          <a:ln>
-            <a:noFill/>
-          </a:ln>
-        </p:spPr>
-        <p:txBody>
-          <a:bodyPr spcFirstLastPara="1" wrap="square" lIns="52125" tIns="52125" rIns="52125" bIns="52125" anchor="t" anchorCtr="0">
-            <a:noAutofit/>
-          </a:bodyPr>
-          <a:lstStyle/>
-          <a:p>
-            <a:pPr marL="0" marR="0" lvl="0" indent="0" algn="r" rtl="0">
-              <a:spcBef>
-                <a:spcPts val="0"/>
-              </a:spcBef>
-              <a:spcAft>
-                <a:spcPts val="0"/>
-              </a:spcAft>
-              <a:buNone/>
-            </a:pPr>
-            <a:fld id="{00000000-1234-1234-1234-123412341234}" type="slidenum">
-              <a:rPr lang="pl-PL" sz="1370" b="0" i="0" u="none" strike="noStrike" cap="none">
-                <a:solidFill>
-                  <a:schemeClr val="dk1"/>
-                </a:solidFill>
-                <a:latin typeface="Arial"/>
-                <a:ea typeface="Arial"/>
-                <a:cs typeface="Arial"/>
-                <a:sym typeface="Arial"/>
-              </a:rPr>
-              <a:t>3</a:t>
-            </a:fld>
-            <a:endParaRPr sz="1370" b="0" i="0" u="none" strike="noStrike" cap="none">
-              <a:solidFill>
-                <a:schemeClr val="dk1"/>
-              </a:solidFill>
-              <a:latin typeface="Arial"/>
-              <a:ea typeface="Arial"/>
-              <a:cs typeface="Arial"/>
-              <a:sym typeface="Arial"/>
-            </a:endParaRPr>
-          </a:p>
-        </p:txBody>
-      </p:sp>
-    </p:spTree>
-  </p:cSld>
-  <p:clrMapOvr>
-    <a:masterClrMapping/>
-  </p:clrMapOvr>
-</p:sld>
-</file>
-
-<file path=ppt/slides/slide30.xml><?xml version="1.0" encoding="utf-8"?>
-<p:sld xmlns:a="http://schemas.openxmlformats.org/drawingml/2006/main" xmlns:r="http://schemas.openxmlformats.org/officeDocument/2006/relationships" xmlns:p="http://schemas.openxmlformats.org/presentationml/2006/main">
-  <p:cSld>
-    <p:spTree>
-      <p:nvGrpSpPr>
-        <p:cNvPr id="1" name="Shape 343"/>
-        <p:cNvGrpSpPr/>
-        <p:nvPr/>
-      </p:nvGrpSpPr>
-      <p:grpSpPr>
-        <a:xfrm>
-          <a:off x="0" y="0"/>
-          <a:ext cx="0" cy="0"/>
-          <a:chOff x="0" y="0"/>
-          <a:chExt cx="0" cy="0"/>
-        </a:xfrm>
-      </p:grpSpPr>
-      <p:sp>
-        <p:nvSpPr>
-          <p:cNvPr id="344" name="Google Shape;344;p54"/>
-          <p:cNvSpPr txBox="1">
-            <a:spLocks noGrp="1"/>
-          </p:cNvSpPr>
-          <p:nvPr>
-            <p:ph type="title"/>
-          </p:nvPr>
-        </p:nvSpPr>
-        <p:spPr>
-          <a:xfrm>
-            <a:off x="686344" y="609441"/>
-            <a:ext cx="7778108" cy="1143961"/>
-          </a:xfrm>
-          <a:prstGeom prst="rect">
-            <a:avLst/>
-          </a:prstGeom>
-          <a:noFill/>
-          <a:ln>
-            <a:noFill/>
-          </a:ln>
-        </p:spPr>
-        <p:txBody>
-          <a:bodyPr spcFirstLastPara="1" wrap="square" lIns="52125" tIns="52125" rIns="52125" bIns="52125" anchor="ctr" anchorCtr="0">
-            <a:noAutofit/>
-          </a:bodyPr>
-          <a:lstStyle/>
-          <a:p>
-            <a:pPr marL="0" marR="0" lvl="0" indent="0" algn="ctr" rtl="0">
-              <a:spcBef>
-                <a:spcPts val="0"/>
-              </a:spcBef>
-              <a:spcAft>
-                <a:spcPts val="0"/>
-              </a:spcAft>
-              <a:buNone/>
-            </a:pPr>
-            <a:r>
-              <a:rPr lang="pl-PL" sz="4281" b="0" i="0" u="none" strike="noStrike" cap="none">
-                <a:solidFill>
-                  <a:srgbClr val="000000"/>
-                </a:solidFill>
-                <a:latin typeface="Arial"/>
-                <a:ea typeface="Arial"/>
-                <a:cs typeface="Arial"/>
-                <a:sym typeface="Arial"/>
-              </a:rPr>
-              <a:t>Zapisy na projekty</a:t>
-            </a:r>
-            <a:endParaRPr/>
-          </a:p>
-        </p:txBody>
-      </p:sp>
-      <p:sp>
-        <p:nvSpPr>
-          <p:cNvPr id="345" name="Google Shape;345;p54"/>
-          <p:cNvSpPr txBox="1">
-            <a:spLocks noGrp="1"/>
-          </p:cNvSpPr>
-          <p:nvPr>
-            <p:ph type="body" idx="1"/>
-          </p:nvPr>
-        </p:nvSpPr>
-        <p:spPr>
-          <a:xfrm>
-            <a:off x="686344" y="1982481"/>
-            <a:ext cx="7778100" cy="4119000"/>
-          </a:xfrm>
-          <a:prstGeom prst="rect">
-            <a:avLst/>
-          </a:prstGeom>
-          <a:noFill/>
-          <a:ln>
-            <a:noFill/>
-          </a:ln>
-        </p:spPr>
-        <p:txBody>
-          <a:bodyPr spcFirstLastPara="1" wrap="square" lIns="52125" tIns="52125" rIns="52125" bIns="52125" anchor="t" anchorCtr="0">
-            <a:noAutofit/>
-          </a:bodyPr>
-          <a:lstStyle/>
-          <a:p>
-            <a:pPr marL="334328" marR="0" lvl="0" indent="-320421" algn="l" rtl="0">
-              <a:lnSpc>
-                <a:spcPct val="100000"/>
-              </a:lnSpc>
-              <a:spcBef>
-                <a:spcPts val="0"/>
-              </a:spcBef>
-              <a:spcAft>
-                <a:spcPts val="0"/>
-              </a:spcAft>
-              <a:buClr>
-                <a:srgbClr val="000000"/>
-              </a:buClr>
-              <a:buSzPts val="2400"/>
-              <a:buFont typeface="Arial"/>
-              <a:buChar char="»"/>
-            </a:pPr>
-            <a:r>
-              <a:rPr lang="pl-PL" sz="2400" b="0" i="0" u="none" strike="noStrike" cap="none" dirty="0">
-                <a:solidFill>
-                  <a:srgbClr val="000000"/>
-                </a:solidFill>
-                <a:latin typeface="Arial"/>
-                <a:ea typeface="Arial"/>
-                <a:cs typeface="Arial"/>
-                <a:sym typeface="Arial"/>
-              </a:rPr>
-              <a:t>Zapisy przez system </a:t>
-            </a:r>
-            <a:r>
-              <a:rPr lang="pl-PL" sz="2400" dirty="0"/>
-              <a:t>UPEL</a:t>
-            </a:r>
-            <a:endParaRPr sz="2400" b="0" i="0" u="none" strike="noStrike" cap="none" dirty="0">
-              <a:solidFill>
-                <a:srgbClr val="000000"/>
-              </a:solidFill>
-              <a:latin typeface="Arial"/>
-              <a:ea typeface="Arial"/>
-              <a:cs typeface="Arial"/>
-              <a:sym typeface="Arial"/>
-            </a:endParaRPr>
-          </a:p>
-          <a:p>
-            <a:pPr marL="334327" marR="0" lvl="0" indent="-320421" algn="l" rtl="0">
-              <a:lnSpc>
-                <a:spcPct val="100000"/>
-              </a:lnSpc>
-              <a:spcBef>
-                <a:spcPts val="685"/>
-              </a:spcBef>
-              <a:spcAft>
-                <a:spcPts val="0"/>
-              </a:spcAft>
-              <a:buClr>
-                <a:srgbClr val="000000"/>
-              </a:buClr>
-              <a:buSzPts val="2400"/>
-              <a:buFont typeface="Arial"/>
-              <a:buChar char="»"/>
-            </a:pPr>
-            <a:r>
-              <a:rPr lang="pl-PL" sz="2400" dirty="0">
-                <a:solidFill>
-                  <a:schemeClr val="dk1"/>
-                </a:solidFill>
-              </a:rPr>
-              <a:t>29 studentów</a:t>
-            </a:r>
-            <a:endParaRPr sz="2400" dirty="0">
-              <a:solidFill>
-                <a:schemeClr val="dk1"/>
-              </a:solidFill>
-            </a:endParaRPr>
-          </a:p>
-          <a:p>
-            <a:pPr marL="334328" marR="0" lvl="0" indent="-320421" algn="l" rtl="0">
-              <a:lnSpc>
-                <a:spcPct val="100000"/>
-              </a:lnSpc>
-              <a:spcBef>
-                <a:spcPts val="685"/>
-              </a:spcBef>
-              <a:spcAft>
-                <a:spcPts val="0"/>
-              </a:spcAft>
-              <a:buClr>
-                <a:srgbClr val="000000"/>
-              </a:buClr>
-              <a:buSzPts val="2400"/>
-              <a:buFont typeface="Arial"/>
-              <a:buChar char="»"/>
-            </a:pPr>
-            <a:r>
-              <a:rPr lang="pl-PL" sz="2400"/>
-              <a:t>14</a:t>
-            </a:r>
-            <a:r>
-              <a:rPr lang="pl-PL" sz="2400" b="0" i="0" u="none" strike="noStrike" cap="none">
-                <a:solidFill>
-                  <a:srgbClr val="000000"/>
-                </a:solidFill>
-                <a:latin typeface="Arial"/>
-                <a:ea typeface="Arial"/>
-                <a:cs typeface="Arial"/>
-                <a:sym typeface="Arial"/>
-              </a:rPr>
-              <a:t> </a:t>
-            </a:r>
-            <a:r>
-              <a:rPr lang="pl-PL" sz="2400" b="0" i="0" u="none" strike="noStrike" cap="none" dirty="0">
-                <a:solidFill>
-                  <a:srgbClr val="000000"/>
-                </a:solidFill>
-                <a:latin typeface="Arial"/>
-                <a:ea typeface="Arial"/>
-                <a:cs typeface="Arial"/>
-                <a:sym typeface="Arial"/>
-              </a:rPr>
-              <a:t>temat</a:t>
-            </a:r>
-            <a:r>
-              <a:rPr lang="pl-PL" sz="2400" dirty="0"/>
-              <a:t>ów</a:t>
-            </a:r>
-            <a:endParaRPr sz="2400" dirty="0"/>
-          </a:p>
-          <a:p>
-            <a:pPr marL="334328" marR="0" lvl="0" indent="-320421" algn="l" rtl="0">
-              <a:lnSpc>
-                <a:spcPct val="100000"/>
-              </a:lnSpc>
-              <a:spcBef>
-                <a:spcPts val="685"/>
-              </a:spcBef>
-              <a:spcAft>
-                <a:spcPts val="0"/>
-              </a:spcAft>
-              <a:buClr>
-                <a:srgbClr val="000000"/>
-              </a:buClr>
-              <a:buSzPts val="2400"/>
-              <a:buFont typeface="Arial"/>
-              <a:buChar char="»"/>
-            </a:pPr>
-            <a:r>
-              <a:rPr lang="pl-PL" sz="2400" b="0" i="0" u="none" strike="noStrike" cap="none" dirty="0">
-                <a:solidFill>
-                  <a:srgbClr val="000000"/>
-                </a:solidFill>
-                <a:latin typeface="Arial"/>
-                <a:ea typeface="Arial"/>
-                <a:cs typeface="Arial"/>
-                <a:sym typeface="Arial"/>
-              </a:rPr>
-              <a:t>Maks</a:t>
-            </a:r>
-            <a:r>
-              <a:rPr lang="pl-PL" sz="2400" dirty="0"/>
-              <a:t>ymalnie</a:t>
-            </a:r>
-            <a:r>
-              <a:rPr lang="pl-PL" sz="2400" b="0" i="0" u="none" strike="noStrike" cap="none" dirty="0">
-                <a:solidFill>
-                  <a:srgbClr val="000000"/>
-                </a:solidFill>
-                <a:latin typeface="Arial"/>
-                <a:ea typeface="Arial"/>
-                <a:cs typeface="Arial"/>
-                <a:sym typeface="Arial"/>
-              </a:rPr>
-              <a:t> 3 os</a:t>
-            </a:r>
-            <a:r>
-              <a:rPr lang="pl-PL" sz="2400" dirty="0"/>
-              <a:t>oby na </a:t>
-            </a:r>
-            <a:r>
-              <a:rPr lang="pl-PL" sz="2400" b="0" i="0" u="none" strike="noStrike" cap="none" dirty="0">
-                <a:solidFill>
-                  <a:srgbClr val="000000"/>
-                </a:solidFill>
-                <a:latin typeface="Arial"/>
-                <a:ea typeface="Arial"/>
-                <a:cs typeface="Arial"/>
-                <a:sym typeface="Arial"/>
-              </a:rPr>
-              <a:t>projekt</a:t>
-            </a:r>
-            <a:endParaRPr sz="2400" dirty="0"/>
-          </a:p>
-          <a:p>
-            <a:pPr marL="334328" marR="0" lvl="0" indent="-320421" algn="l" rtl="0">
-              <a:lnSpc>
-                <a:spcPct val="100000"/>
-              </a:lnSpc>
-              <a:spcBef>
-                <a:spcPts val="685"/>
-              </a:spcBef>
-              <a:spcAft>
-                <a:spcPts val="0"/>
-              </a:spcAft>
-              <a:buClr>
-                <a:srgbClr val="000000"/>
-              </a:buClr>
-              <a:buSzPts val="2400"/>
-              <a:buFont typeface="Arial"/>
-              <a:buChar char="»"/>
-            </a:pPr>
-            <a:r>
-              <a:rPr lang="pl-PL" sz="2400" b="0" i="0" u="none" strike="noStrike" cap="none" dirty="0">
-                <a:solidFill>
-                  <a:srgbClr val="000000"/>
-                </a:solidFill>
-                <a:latin typeface="Arial"/>
-                <a:ea typeface="Arial"/>
-                <a:cs typeface="Arial"/>
-                <a:sym typeface="Arial"/>
-              </a:rPr>
-              <a:t>Kto pierwszy, ten lepszy</a:t>
-            </a:r>
-          </a:p>
-          <a:p>
-            <a:pPr marL="334328" marR="0" lvl="0" indent="-320421" algn="l" rtl="0">
-              <a:lnSpc>
-                <a:spcPct val="100000"/>
-              </a:lnSpc>
-              <a:spcBef>
-                <a:spcPts val="685"/>
-              </a:spcBef>
-              <a:spcAft>
-                <a:spcPts val="0"/>
-              </a:spcAft>
-              <a:buClr>
-                <a:srgbClr val="000000"/>
-              </a:buClr>
-              <a:buSzPts val="2400"/>
-              <a:buFont typeface="Arial"/>
-              <a:buChar char="»"/>
-            </a:pPr>
-            <a:r>
-              <a:rPr lang="pl-PL" sz="2400" dirty="0"/>
-              <a:t>Po zajęciach „zwalniam blokadę i uruchamiam maszynę losującą” ;)</a:t>
-            </a:r>
-            <a:endParaRPr sz="2400" dirty="0"/>
-          </a:p>
-        </p:txBody>
-      </p:sp>
-      <p:sp>
-        <p:nvSpPr>
-          <p:cNvPr id="346" name="Google Shape;346;p54"/>
-          <p:cNvSpPr txBox="1">
-            <a:spLocks noGrp="1"/>
-          </p:cNvSpPr>
-          <p:nvPr>
-            <p:ph type="sldNum" idx="12"/>
-          </p:nvPr>
-        </p:nvSpPr>
-        <p:spPr>
-          <a:xfrm>
-            <a:off x="7955597" y="6254325"/>
-            <a:ext cx="508800" cy="295500"/>
-          </a:xfrm>
-          <a:prstGeom prst="rect">
-            <a:avLst/>
-          </a:prstGeom>
-          <a:noFill/>
-          <a:ln>
-            <a:noFill/>
-          </a:ln>
-        </p:spPr>
-        <p:txBody>
-          <a:bodyPr spcFirstLastPara="1" wrap="square" lIns="52125" tIns="52125" rIns="52125" bIns="52125" anchor="t" anchorCtr="0">
-            <a:noAutofit/>
-          </a:bodyPr>
-          <a:lstStyle/>
-          <a:p>
-            <a:pPr marL="0" lvl="0" indent="0" algn="r" rtl="0">
-              <a:spcBef>
-                <a:spcPts val="0"/>
-              </a:spcBef>
-              <a:spcAft>
-                <a:spcPts val="0"/>
-              </a:spcAft>
-              <a:buClr>
-                <a:srgbClr val="000000"/>
-              </a:buClr>
-              <a:buFont typeface="Arial"/>
-              <a:buNone/>
-            </a:pPr>
-            <a:fld id="{00000000-1234-1234-1234-123412341234}" type="slidenum">
-              <a:rPr lang="pl-PL"/>
-              <a:t>30</a:t>
-            </a:fld>
-            <a:endParaRPr/>
-          </a:p>
-        </p:txBody>
-      </p:sp>
-    </p:spTree>
-  </p:cSld>
-  <p:clrMapOvr>
-    <a:masterClrMapping/>
-  </p:clrMapOvr>
-</p:sld>
-</file>
-
-<file path=ppt/slides/slide31.xml><?xml version="1.0" encoding="utf-8"?>
+<file path=ppt/slides/slide32.xml><?xml version="1.0" encoding="utf-8"?>
 <p:sld xmlns:a="http://schemas.openxmlformats.org/drawingml/2006/main" xmlns:r="http://schemas.openxmlformats.org/officeDocument/2006/relationships" xmlns:p="http://schemas.openxmlformats.org/presentationml/2006/main" show="0">
   <p:cSld>
     <p:spTree>
@@ -31846,7 +32005,7 @@
             </a:pPr>
             <a:fld id="{00000000-1234-1234-1234-123412341234}" type="slidenum">
               <a:rPr lang="pl-PL"/>
-              <a:t>31</a:t>
+              <a:t>32</a:t>
             </a:fld>
             <a:endParaRPr/>
           </a:p>
@@ -32372,23 +32531,21 @@
             </a:pPr>
             <a:r>
               <a:rPr lang="pl-PL" dirty="0"/>
-              <a:t>Link: </a:t>
+              <a:t>UPEL (</a:t>
             </a:r>
             <a:r>
-              <a:rPr lang="pl-PL" u="sng" dirty="0">
-                <a:solidFill>
-                  <a:schemeClr val="hlink"/>
-                </a:solidFill>
-                <a:hlinkClick r:id="rId3"/>
-              </a:rPr>
-              <a:t>https://upel2.cel.agh.edu.pl/wiet/course/view.php?id=962</a:t>
+              <a:rPr lang="pl-PL" dirty="0" err="1"/>
+              <a:t>Moodle</a:t>
             </a:r>
-            <a:endParaRPr dirty="0"/>
+            <a:r>
+              <a:rPr lang="pl-PL" dirty="0"/>
+              <a:t>)</a:t>
+            </a:r>
           </a:p>
           <a:p>
             <a:pPr marL="457200" lvl="0" indent="-424307" algn="l" rtl="0">
               <a:spcBef>
-                <a:spcPts val="0"/>
+                <a:spcPts val="685"/>
               </a:spcBef>
               <a:spcAft>
                 <a:spcPts val="0"/>
@@ -32400,12 +32557,11 @@
               <a:rPr lang="pl-PL" dirty="0"/>
               <a:t>Ogłoszenia</a:t>
             </a:r>
-            <a:endParaRPr dirty="0"/>
           </a:p>
           <a:p>
             <a:pPr marL="457200" lvl="0" indent="-424307" algn="l" rtl="0">
               <a:spcBef>
-                <a:spcPts val="0"/>
+                <a:spcPts val="685"/>
               </a:spcBef>
               <a:spcAft>
                 <a:spcPts val="0"/>
@@ -32426,9 +32582,6 @@
               <a:spcAft>
                 <a:spcPts val="0"/>
               </a:spcAft>
-              <a:buClr>
-                <a:schemeClr val="dk1"/>
-              </a:buClr>
               <a:buSzPts val="3082"/>
               <a:buChar char="»"/>
             </a:pPr>
@@ -32484,7 +32637,46 @@
                   <a:schemeClr val="dk1"/>
                 </a:solidFill>
               </a:rPr>
-              <a:t>Linki do spotkań (w razie online)</a:t>
+              <a:t>Spotkania:</a:t>
+            </a:r>
+          </a:p>
+          <a:p>
+            <a:pPr lvl="2">
+              <a:spcBef>
+                <a:spcPts val="0"/>
+              </a:spcBef>
+              <a:buClr>
+                <a:schemeClr val="dk1"/>
+              </a:buClr>
+              <a:buChar char="–"/>
+            </a:pPr>
+            <a:r>
+              <a:rPr lang="pl-PL" dirty="0">
+                <a:solidFill>
+                  <a:schemeClr val="dk1"/>
+                </a:solidFill>
+              </a:rPr>
+              <a:t>Linki (gdy online)</a:t>
+            </a:r>
+          </a:p>
+          <a:p>
+            <a:pPr lvl="2">
+              <a:spcBef>
+                <a:spcPts val="0"/>
+              </a:spcBef>
+              <a:buClr>
+                <a:schemeClr val="dk1"/>
+              </a:buClr>
+              <a:buFont typeface="Arial"/>
+              <a:buChar char="–"/>
+            </a:pPr>
+            <a:r>
+              <a:rPr lang="pl-PL" dirty="0">
+                <a:solidFill>
+                  <a:schemeClr val="dk1"/>
+                </a:solidFill>
+              </a:rPr>
+              <a:t>Miejsca (gdy stacjonarnie)</a:t>
             </a:r>
           </a:p>
           <a:p>
@@ -32774,7 +32966,7 @@
   <p:cSld>
     <p:spTree>
       <p:nvGrpSpPr>
-        <p:cNvPr id="1" name="Shape 176"/>
+        <p:cNvPr id="1" name=""/>
         <p:cNvGrpSpPr/>
         <p:nvPr/>
       </p:nvGrpSpPr>
@@ -32788,7 +32980,160 @@
       </p:grpSpPr>
       <p:sp>
         <p:nvSpPr>
-          <p:cNvPr id="177" name="Google Shape;177;p33"/>
+          <p:cNvPr id="3" name="Text Placeholder 2">
+            <a:extLst>
+              <a:ext uri="{FF2B5EF4-FFF2-40B4-BE49-F238E27FC236}">
+                <a16:creationId xmlns:a16="http://schemas.microsoft.com/office/drawing/2014/main" id="{15610957-F2D3-9B22-FB3C-34EF3FA71809}"/>
+              </a:ext>
+            </a:extLst>
+          </p:cNvPr>
+          <p:cNvSpPr>
+            <a:spLocks noGrp="1"/>
+          </p:cNvSpPr>
+          <p:nvPr>
+            <p:ph type="body" idx="1"/>
+          </p:nvPr>
+        </p:nvSpPr>
+        <p:spPr/>
+        <p:txBody>
+          <a:bodyPr>
+            <a:normAutofit fontScale="77500" lnSpcReduction="20000"/>
+          </a:bodyPr>
+          <a:lstStyle/>
+          <a:p>
+            <a:r>
+              <a:rPr lang="pl-PL" dirty="0"/>
+              <a:t>Firma zajmująca się technologiami podróżniczymi z siedzibą w </a:t>
+            </a:r>
+            <a:r>
+              <a:rPr lang="pl-PL" dirty="0" err="1"/>
+              <a:t>Southlake</a:t>
+            </a:r>
+            <a:r>
+              <a:rPr lang="pl-PL" dirty="0"/>
+              <a:t> w Teksasie</a:t>
+            </a:r>
+          </a:p>
+          <a:p>
+            <a:r>
+              <a:rPr lang="pl-PL" dirty="0"/>
+              <a:t>Największy światowy dostawca systemów dystrybucji rezerwacji lotniczych w Ameryce Północnej</a:t>
+            </a:r>
+          </a:p>
+          <a:p>
+            <a:r>
+              <a:rPr lang="pl-PL" dirty="0"/>
+              <a:t>Firma założona w 1960 roku przez American Airlines, a wydzielona w 2000 roku</a:t>
+            </a:r>
+          </a:p>
+          <a:p>
+            <a:r>
+              <a:rPr lang="pl-PL" dirty="0"/>
+              <a:t>W 2007 roku przejęta przez:</a:t>
+            </a:r>
+          </a:p>
+          <a:p>
+            <a:pPr lvl="1"/>
+            <a:r>
+              <a:rPr lang="pl-PL" dirty="0"/>
+              <a:t>Texas Pacific Group, i</a:t>
+            </a:r>
+          </a:p>
+          <a:p>
+            <a:pPr lvl="1"/>
+            <a:r>
+              <a:rPr lang="pl-PL" dirty="0"/>
+              <a:t>Silver Lake Partners</a:t>
+            </a:r>
+          </a:p>
+          <a:p>
+            <a:r>
+              <a:rPr lang="pl-PL" dirty="0"/>
+              <a:t>Rozpoczęcie działalności na giełdzie NASDAQ w 2014 roku</a:t>
+            </a:r>
+          </a:p>
+        </p:txBody>
+      </p:sp>
+      <p:pic>
+        <p:nvPicPr>
+          <p:cNvPr id="2050" name="Picture 2">
+            <a:extLst>
+              <a:ext uri="{FF2B5EF4-FFF2-40B4-BE49-F238E27FC236}">
+                <a16:creationId xmlns:a16="http://schemas.microsoft.com/office/drawing/2014/main" id="{54394832-AC9F-A935-8DC9-ABE6138C9F9B}"/>
+              </a:ext>
+            </a:extLst>
+          </p:cNvPr>
+          <p:cNvPicPr>
+            <a:picLocks noChangeAspect="1" noChangeArrowheads="1"/>
+          </p:cNvPicPr>
+          <p:nvPr/>
+        </p:nvPicPr>
+        <p:blipFill>
+          <a:blip r:embed="rId2">
+            <a:extLst>
+              <a:ext uri="{28A0092B-C50C-407E-A947-70E740481C1C}">
+                <a14:useLocalDpi xmlns:a14="http://schemas.microsoft.com/office/drawing/2010/main" val="0"/>
+              </a:ext>
+            </a:extLst>
+          </a:blip>
+          <a:srcRect/>
+          <a:stretch>
+            <a:fillRect/>
+          </a:stretch>
+        </p:blipFill>
+        <p:spPr bwMode="auto">
+          <a:xfrm>
+            <a:off x="2315419" y="609440"/>
+            <a:ext cx="4513162" cy="1143961"/>
+          </a:xfrm>
+          <a:prstGeom prst="rect">
+            <a:avLst/>
+          </a:prstGeom>
+          <a:noFill/>
+          <a:extLst>
+            <a:ext uri="{909E8E84-426E-40DD-AFC4-6F175D3DCCD1}">
+              <a14:hiddenFill xmlns:a14="http://schemas.microsoft.com/office/drawing/2010/main">
+                <a:solidFill>
+                  <a:srgbClr val="FFFFFF"/>
+                </a:solidFill>
+              </a14:hiddenFill>
+            </a:ext>
+          </a:extLst>
+        </p:spPr>
+      </p:pic>
+    </p:spTree>
+    <p:extLst>
+      <p:ext uri="{BB962C8B-B14F-4D97-AF65-F5344CB8AC3E}">
+        <p14:creationId xmlns:p14="http://schemas.microsoft.com/office/powerpoint/2010/main" val="1254258360"/>
+      </p:ext>
+    </p:extLst>
+  </p:cSld>
+  <p:clrMapOvr>
+    <a:masterClrMapping/>
+  </p:clrMapOvr>
+</p:sld>
+</file>
+
+<file path=ppt/slides/slide9.xml><?xml version="1.0" encoding="utf-8"?>
+<p:sld xmlns:a="http://schemas.openxmlformats.org/drawingml/2006/main" xmlns:r="http://schemas.openxmlformats.org/officeDocument/2006/relationships" xmlns:p="http://schemas.openxmlformats.org/presentationml/2006/main">
+  <p:cSld>
+    <p:spTree>
+      <p:nvGrpSpPr>
+        <p:cNvPr id="1" name="Shape 208"/>
+        <p:cNvGrpSpPr/>
+        <p:nvPr/>
+      </p:nvGrpSpPr>
+      <p:grpSpPr>
+        <a:xfrm>
+          <a:off x="0" y="0"/>
+          <a:ext cx="0" cy="0"/>
+          <a:chOff x="0" y="0"/>
+          <a:chExt cx="0" cy="0"/>
+        </a:xfrm>
+      </p:grpSpPr>
+      <p:sp>
+        <p:nvSpPr>
+          <p:cNvPr id="209" name="Google Shape;209;p37"/>
           <p:cNvSpPr txBox="1">
             <a:spLocks noGrp="1"/>
           </p:cNvSpPr>
@@ -32807,168 +33152,47 @@
         </p:spPr>
         <p:txBody>
           <a:bodyPr spcFirstLastPara="1" wrap="square" lIns="52125" tIns="52125" rIns="52125" bIns="52125" anchor="t" anchorCtr="0">
-            <a:normAutofit fontScale="70000" lnSpcReduction="20000"/>
+            <a:normAutofit fontScale="77500" lnSpcReduction="20000"/>
           </a:bodyPr>
           <a:lstStyle/>
           <a:p>
-            <a:pPr marL="457200" lvl="0" indent="-424307" algn="l" rtl="0">
-              <a:spcBef>
-                <a:spcPts val="685"/>
-              </a:spcBef>
-              <a:spcAft>
-                <a:spcPts val="0"/>
-              </a:spcAft>
-              <a:buSzPts val="3082"/>
-              <a:buChar char="»"/>
+            <a:pPr>
+              <a:spcBef>
+                <a:spcPts val="0"/>
+              </a:spcBef>
             </a:pPr>
             <a:r>
-              <a:rPr lang="pl-PL" dirty="0"/>
-              <a:t>(14 października)</a:t>
+              <a:rPr lang="pl-PL" sz="3200" dirty="0"/>
+              <a:t>Działające na skalę globalną fińskie przedsiębiorstwo zajmujące się technologiami telekomunikacyjnymi</a:t>
             </a:r>
           </a:p>
           <a:p>
-            <a:pPr marL="457200" lvl="0" indent="-424307" algn="l" rtl="0">
-              <a:spcBef>
-                <a:spcPts val="1000"/>
-              </a:spcBef>
-              <a:spcAft>
-                <a:spcPts val="0"/>
-              </a:spcAft>
-              <a:buSzPts val="3082"/>
-              <a:buChar char="»"/>
+            <a:pPr>
+              <a:spcBef>
+                <a:spcPts val="0"/>
+              </a:spcBef>
             </a:pPr>
             <a:r>
-              <a:rPr lang="pl-PL" dirty="0"/>
-              <a:t>Przedsiębiorstwo </a:t>
-            </a:r>
-            <a:r>
-              <a:rPr lang="pl-PL" dirty="0">
-                <a:solidFill>
-                  <a:schemeClr val="dk1"/>
-                </a:solidFill>
-              </a:rPr>
-              <a:t>francuskie</a:t>
-            </a:r>
-            <a:endParaRPr lang="pl-PL" dirty="0"/>
-          </a:p>
-          <a:p>
-            <a:pPr marL="457200" lvl="0" indent="-424307" algn="l" rtl="0">
-              <a:spcBef>
-                <a:spcPts val="1000"/>
-              </a:spcBef>
-              <a:spcAft>
-                <a:spcPts val="0"/>
-              </a:spcAft>
-              <a:buSzPts val="3082"/>
-              <a:buChar char="»"/>
-            </a:pPr>
-            <a:r>
-              <a:rPr lang="pl-PL" dirty="0"/>
-              <a:t>Usługi zintegrowane:</a:t>
+              <a:rPr lang="pl-PL" sz="3200" dirty="0"/>
+              <a:t>Niegdyś znana głównie z produkcji telefonów komórkowych dziś zajmuje się tworzeniem urządzeń, oprogramowania i zintegrowanych rozwiązań i usług dla telefonii bezprzewodowej w tym sieci 4G, 5G i nadchodzących 6G</a:t>
             </a:r>
           </a:p>
           <a:p>
-            <a:pPr marL="914400" lvl="1" indent="-424307" algn="l" rtl="0">
-              <a:spcBef>
-                <a:spcPts val="1000"/>
-              </a:spcBef>
-              <a:spcAft>
-                <a:spcPts val="0"/>
-              </a:spcAft>
-              <a:buSzPts val="3082"/>
-              <a:buChar char="–"/>
-            </a:pPr>
-            <a:r>
-              <a:rPr lang="pl-PL" dirty="0"/>
-              <a:t>Konsulting</a:t>
-            </a:r>
-          </a:p>
-          <a:p>
-            <a:pPr marL="914400" lvl="1" indent="-424307" algn="l" rtl="0">
-              <a:spcBef>
-                <a:spcPts val="1000"/>
-              </a:spcBef>
-              <a:spcAft>
-                <a:spcPts val="0"/>
-              </a:spcAft>
-              <a:buSzPts val="3082"/>
-              <a:buChar char="–"/>
-            </a:pPr>
-            <a:r>
-              <a:rPr lang="pl-PL" dirty="0"/>
-              <a:t>Technologie informatyczne</a:t>
-            </a:r>
-          </a:p>
-          <a:p>
-            <a:pPr marL="914400" lvl="1" indent="-424307" algn="l" rtl="0">
-              <a:spcBef>
-                <a:spcPts val="1000"/>
-              </a:spcBef>
-              <a:spcAft>
-                <a:spcPts val="1000"/>
-              </a:spcAft>
-              <a:buSzPts val="3082"/>
-              <a:buChar char="–"/>
-            </a:pPr>
-            <a:r>
-              <a:rPr lang="pl-PL" dirty="0"/>
-              <a:t>Outsourcing</a:t>
-            </a:r>
-          </a:p>
-          <a:p>
-            <a:pPr marL="914400" lvl="1" indent="-424307" algn="l" rtl="0">
-              <a:spcBef>
-                <a:spcPts val="1000"/>
-              </a:spcBef>
-              <a:spcAft>
-                <a:spcPts val="1000"/>
-              </a:spcAft>
-              <a:buSzPts val="3082"/>
-              <a:buChar char="–"/>
+            <a:pPr>
+              <a:spcBef>
+                <a:spcPts val="0"/>
+              </a:spcBef>
             </a:pPr>
             <a:r>
               <a:rPr lang="pl-PL" sz="3200" dirty="0"/>
-              <a:t>Migracje do Chmury</a:t>
-            </a:r>
-          </a:p>
-          <a:p>
-            <a:pPr marL="914400" lvl="1" indent="-424307" algn="l" rtl="0">
-              <a:spcBef>
-                <a:spcPts val="1000"/>
-              </a:spcBef>
-              <a:spcAft>
-                <a:spcPts val="1000"/>
-              </a:spcAft>
-              <a:buSzPts val="3082"/>
-              <a:buChar char="–"/>
-            </a:pPr>
-            <a:r>
-              <a:rPr lang="pl-PL" sz="3200" dirty="0"/>
-              <a:t>Integracja</a:t>
-            </a:r>
-            <a:endParaRPr lang="pl-PL" dirty="0"/>
-          </a:p>
-          <a:p>
-            <a:pPr marL="457200" lvl="0" indent="-424307" algn="l" rtl="0">
-              <a:spcBef>
-                <a:spcPts val="1000"/>
-              </a:spcBef>
-              <a:spcAft>
-                <a:spcPts val="0"/>
-              </a:spcAft>
-              <a:buSzPts val="3082"/>
-              <a:buChar char="»"/>
-            </a:pPr>
-            <a:r>
-              <a:rPr lang="pl-PL" sz="3000" dirty="0"/>
-              <a:t>Obecnie ~280 000 pracowników na całym świecie</a:t>
+              <a:t>NOKIA posiada wiele centrów „Research and Development” w Europie, Azji i obu Amerykach w tym  dwa centra R&amp;D w Polsce (Wrocław i Kraków)</a:t>
             </a:r>
           </a:p>
         </p:txBody>
       </p:sp>
       <p:sp>
         <p:nvSpPr>
-          <p:cNvPr id="178" name="Google Shape;178;p33"/>
+          <p:cNvPr id="210" name="Google Shape;210;p37"/>
           <p:cNvSpPr txBox="1">
             <a:spLocks noGrp="1"/>
           </p:cNvSpPr>
@@ -32978,8 +33202,8 @@
         </p:nvSpPr>
         <p:spPr>
           <a:xfrm>
-            <a:off x="8008523" y="6254325"/>
-            <a:ext cx="456000" cy="295500"/>
+            <a:off x="7910772" y="6254325"/>
+            <a:ext cx="553800" cy="295500"/>
           </a:xfrm>
           <a:prstGeom prst="rect">
             <a:avLst/>
@@ -33006,224 +33230,6 @@
             </a:pPr>
             <a:fld id="{00000000-1234-1234-1234-123412341234}" type="slidenum">
               <a:rPr lang="pl-PL"/>
-              <a:t>8</a:t>
-            </a:fld>
-            <a:endParaRPr/>
-          </a:p>
-        </p:txBody>
-      </p:sp>
-      <p:pic>
-        <p:nvPicPr>
-          <p:cNvPr id="179" name="Google Shape;179;p33"/>
-          <p:cNvPicPr preferRelativeResize="0"/>
-          <p:nvPr/>
-        </p:nvPicPr>
-        <p:blipFill>
-          <a:blip r:embed="rId3">
-            <a:alphaModFix/>
-          </a:blip>
-          <a:stretch>
-            <a:fillRect/>
-          </a:stretch>
-        </p:blipFill>
-        <p:spPr>
-          <a:xfrm>
-            <a:off x="1995575" y="609447"/>
-            <a:ext cx="5152850" cy="1143901"/>
-          </a:xfrm>
-          <a:prstGeom prst="rect">
-            <a:avLst/>
-          </a:prstGeom>
-          <a:noFill/>
-          <a:ln>
-            <a:noFill/>
-          </a:ln>
-        </p:spPr>
-      </p:pic>
-    </p:spTree>
-  </p:cSld>
-  <p:clrMapOvr>
-    <a:masterClrMapping/>
-  </p:clrMapOvr>
-</p:sld>
-</file>
-
-<file path=ppt/slides/slide9.xml><?xml version="1.0" encoding="utf-8"?>
-<p:sld xmlns:a="http://schemas.openxmlformats.org/drawingml/2006/main" xmlns:r="http://schemas.openxmlformats.org/officeDocument/2006/relationships" xmlns:p="http://schemas.openxmlformats.org/presentationml/2006/main">
-  <p:cSld>
-    <p:spTree>
-      <p:nvGrpSpPr>
-        <p:cNvPr id="1" name="Shape 192"/>
-        <p:cNvGrpSpPr/>
-        <p:nvPr/>
-      </p:nvGrpSpPr>
-      <p:grpSpPr>
-        <a:xfrm>
-          <a:off x="0" y="0"/>
-          <a:ext cx="0" cy="0"/>
-          <a:chOff x="0" y="0"/>
-          <a:chExt cx="0" cy="0"/>
-        </a:xfrm>
-      </p:grpSpPr>
-      <p:sp>
-        <p:nvSpPr>
-          <p:cNvPr id="193" name="Google Shape;193;p35"/>
-          <p:cNvSpPr txBox="1">
-            <a:spLocks noGrp="1"/>
-          </p:cNvSpPr>
-          <p:nvPr>
-            <p:ph type="body" idx="1"/>
-          </p:nvPr>
-        </p:nvSpPr>
-        <p:spPr>
-          <a:xfrm>
-            <a:off x="686344" y="1982481"/>
-            <a:ext cx="7778100" cy="4119000"/>
-          </a:xfrm>
-          <a:prstGeom prst="rect">
-            <a:avLst/>
-          </a:prstGeom>
-        </p:spPr>
-        <p:txBody>
-          <a:bodyPr spcFirstLastPara="1" wrap="square" lIns="52125" tIns="52125" rIns="52125" bIns="52125" anchor="t" anchorCtr="0">
-            <a:noAutofit/>
-          </a:bodyPr>
-          <a:lstStyle/>
-          <a:p>
-            <a:pPr marL="457200" lvl="0" indent="-373507" algn="l" rtl="0">
-              <a:spcBef>
-                <a:spcPts val="685"/>
-              </a:spcBef>
-              <a:spcAft>
-                <a:spcPts val="0"/>
-              </a:spcAft>
-              <a:buSzPts val="2282"/>
-              <a:buChar char="»"/>
-            </a:pPr>
-            <a:r>
-              <a:rPr lang="pl-PL" sz="2282" dirty="0"/>
-              <a:t>(21 października, „</a:t>
-            </a:r>
-            <a:r>
-              <a:rPr lang="pl-PL" sz="2282" dirty="0" err="1"/>
-              <a:t>IIoT</a:t>
-            </a:r>
-            <a:r>
-              <a:rPr lang="pl-PL" sz="2282" dirty="0"/>
-              <a:t> – Internet Rzeczy w Przemyśle”)</a:t>
-            </a:r>
-            <a:endParaRPr sz="2282" dirty="0"/>
-          </a:p>
-          <a:p>
-            <a:pPr marL="457200" lvl="0" indent="-373507" algn="l" rtl="0">
-              <a:spcBef>
-                <a:spcPts val="0"/>
-              </a:spcBef>
-              <a:spcAft>
-                <a:spcPts val="0"/>
-              </a:spcAft>
-              <a:buSzPts val="2282"/>
-              <a:buChar char="»"/>
-            </a:pPr>
-            <a:r>
-              <a:rPr lang="pl-PL" sz="2282" dirty="0"/>
-              <a:t>Celem firmy jest sprawić, aby polska myśl inżynierska i menedżerska była szanowana w Europie i na świecie</a:t>
-            </a:r>
-            <a:endParaRPr sz="2282" dirty="0"/>
-          </a:p>
-          <a:p>
-            <a:pPr marL="457200" lvl="0" indent="-373507" algn="l" rtl="0">
-              <a:spcBef>
-                <a:spcPts val="0"/>
-              </a:spcBef>
-              <a:spcAft>
-                <a:spcPts val="0"/>
-              </a:spcAft>
-              <a:buSzPts val="2282"/>
-              <a:buChar char="»"/>
-            </a:pPr>
-            <a:r>
-              <a:rPr lang="pl-PL" sz="2282" dirty="0"/>
-              <a:t>Od 1987 roku Astor dostarcza nowoczesne technologie z zakresu automatyzacji, robotyzacji i cyfryzacji procesów produkcyjnych dla polskich i zagranicznych przedsiębiorstw przemysłowych</a:t>
-            </a:r>
-            <a:endParaRPr sz="2282" dirty="0"/>
-          </a:p>
-          <a:p>
-            <a:pPr marL="457200" lvl="0" indent="-373507" algn="l" rtl="0">
-              <a:spcBef>
-                <a:spcPts val="0"/>
-              </a:spcBef>
-              <a:spcAft>
-                <a:spcPts val="0"/>
-              </a:spcAft>
-              <a:buSzPts val="2282"/>
-              <a:buChar char="»"/>
-            </a:pPr>
-            <a:r>
-              <a:rPr lang="pl-PL" sz="2282" dirty="0"/>
-              <a:t>Astor dąży do bycia najlepszym ekspertem w tej dziedzinie w Polsce</a:t>
-            </a:r>
-            <a:endParaRPr sz="2282" dirty="0"/>
-          </a:p>
-          <a:p>
-            <a:pPr marL="457200" lvl="0" indent="-373507" algn="l" rtl="0">
-              <a:spcBef>
-                <a:spcPts val="0"/>
-              </a:spcBef>
-              <a:spcAft>
-                <a:spcPts val="0"/>
-              </a:spcAft>
-              <a:buSzPts val="2282"/>
-              <a:buChar char="»"/>
-            </a:pPr>
-            <a:r>
-              <a:rPr lang="pl-PL" sz="2282" dirty="0"/>
-              <a:t>Astor wspiera w transformację do Przemysłu Przyszłości</a:t>
-            </a:r>
-            <a:endParaRPr sz="2282" dirty="0"/>
-          </a:p>
-        </p:txBody>
-      </p:sp>
-      <p:sp>
-        <p:nvSpPr>
-          <p:cNvPr id="194" name="Google Shape;194;p35"/>
-          <p:cNvSpPr txBox="1">
-            <a:spLocks noGrp="1"/>
-          </p:cNvSpPr>
-          <p:nvPr>
-            <p:ph type="sldNum" idx="12"/>
-          </p:nvPr>
-        </p:nvSpPr>
-        <p:spPr>
-          <a:xfrm>
-            <a:off x="7995648" y="6254325"/>
-            <a:ext cx="468900" cy="295500"/>
-          </a:xfrm>
-          <a:prstGeom prst="rect">
-            <a:avLst/>
-          </a:prstGeom>
-        </p:spPr>
-        <p:txBody>
-          <a:bodyPr spcFirstLastPara="1" wrap="square" lIns="52125" tIns="52125" rIns="52125" bIns="52125" anchor="t" anchorCtr="0">
-            <a:noAutofit/>
-          </a:bodyPr>
-          <a:lstStyle/>
-          <a:p>
-            <a:pPr marL="0" lvl="0" indent="0" algn="r" rtl="0">
-              <a:spcBef>
-                <a:spcPts val="0"/>
-              </a:spcBef>
-              <a:spcAft>
-                <a:spcPts val="0"/>
-              </a:spcAft>
-              <a:buClr>
-                <a:srgbClr val="000000"/>
-              </a:buClr>
-              <a:buFont typeface="Arial"/>
-              <a:buNone/>
-            </a:pPr>
-            <a:fld id="{00000000-1234-1234-1234-123412341234}" type="slidenum">
-              <a:rPr lang="pl-PL"/>
               <a:t>9</a:t>
             </a:fld>
             <a:endParaRPr/>
@@ -33232,33 +33238,57 @@
       </p:sp>
       <p:pic>
         <p:nvPicPr>
-          <p:cNvPr id="195" name="Google Shape;195;p35"/>
-          <p:cNvPicPr preferRelativeResize="0"/>
+          <p:cNvPr id="5" name="Picture 2">
+            <a:extLst>
+              <a:ext uri="{FF2B5EF4-FFF2-40B4-BE49-F238E27FC236}">
+                <a16:creationId xmlns:a16="http://schemas.microsoft.com/office/drawing/2014/main" id="{C4155467-4BB2-4E45-9D42-AAD0B920DB92}"/>
+              </a:ext>
+            </a:extLst>
+          </p:cNvPr>
+          <p:cNvPicPr>
+            <a:picLocks noChangeAspect="1" noChangeArrowheads="1"/>
+          </p:cNvPicPr>
           <p:nvPr/>
         </p:nvPicPr>
         <p:blipFill>
           <a:blip r:embed="rId3">
-            <a:alphaModFix/>
+            <a:extLst>
+              <a:ext uri="{28A0092B-C50C-407E-A947-70E740481C1C}">
+                <a14:useLocalDpi xmlns:a14="http://schemas.microsoft.com/office/drawing/2010/main" val="0"/>
+              </a:ext>
+            </a:extLst>
           </a:blip>
+          <a:srcRect/>
           <a:stretch>
             <a:fillRect/>
           </a:stretch>
         </p:blipFill>
-        <p:spPr>
+        <p:spPr bwMode="auto">
           <a:xfrm>
-            <a:off x="2809450" y="609451"/>
-            <a:ext cx="3525090" cy="1143901"/>
+            <a:off x="1182486" y="609440"/>
+            <a:ext cx="6779028" cy="1143961"/>
           </a:xfrm>
           <a:prstGeom prst="rect">
             <a:avLst/>
           </a:prstGeom>
           <a:noFill/>
-          <a:ln>
-            <a:noFill/>
-          </a:ln>
+          <a:extLst>
+            <a:ext uri="{909E8E84-426E-40DD-AFC4-6F175D3DCCD1}">
+              <a14:hiddenFill xmlns:a14="http://schemas.microsoft.com/office/drawing/2010/main">
+                <a:solidFill>
+                  <a:srgbClr val="FFFFFF"/>
+                </a:solidFill>
+              </a14:hiddenFill>
+            </a:ext>
+          </a:extLst>
         </p:spPr>
       </p:pic>
     </p:spTree>
+    <p:extLst>
+      <p:ext uri="{BB962C8B-B14F-4D97-AF65-F5344CB8AC3E}">
+        <p14:creationId xmlns:p14="http://schemas.microsoft.com/office/powerpoint/2010/main" val="1183073959"/>
+      </p:ext>
+    </p:extLst>
   </p:cSld>
   <p:clrMapOvr>
     <a:masterClrMapping/>

--- a/Kierunki Rozwoju Telekomunikacji/Wprowadzenie do przedmiotu „Kierunki Rozwoju Telekomunikacji”.pptx
+++ b/Kierunki Rozwoju Telekomunikacji/Wprowadzenie do przedmiotu „Kierunki Rozwoju Telekomunikacji”.pptx
@@ -20,9 +20,9 @@
     <p:sldId id="289" r:id="rId11"/>
     <p:sldId id="293" r:id="rId12"/>
     <p:sldId id="269" r:id="rId13"/>
-    <p:sldId id="265" r:id="rId14"/>
-    <p:sldId id="272" r:id="rId15"/>
-    <p:sldId id="263" r:id="rId16"/>
+    <p:sldId id="263" r:id="rId14"/>
+    <p:sldId id="265" r:id="rId15"/>
+    <p:sldId id="272" r:id="rId16"/>
     <p:sldId id="277" r:id="rId17"/>
     <p:sldId id="278" r:id="rId18"/>
     <p:sldId id="285" r:id="rId19"/>
@@ -2642,6 +2642,156 @@
   <p:cSld>
     <p:spTree>
       <p:nvGrpSpPr>
+        <p:cNvPr id="1" name="Shape 162"/>
+        <p:cNvGrpSpPr/>
+        <p:nvPr/>
+      </p:nvGrpSpPr>
+      <p:grpSpPr>
+        <a:xfrm>
+          <a:off x="0" y="0"/>
+          <a:ext cx="0" cy="0"/>
+          <a:chOff x="0" y="0"/>
+          <a:chExt cx="0" cy="0"/>
+        </a:xfrm>
+      </p:grpSpPr>
+      <p:sp>
+        <p:nvSpPr>
+          <p:cNvPr id="163" name="Google Shape;163;g4372e70eba_0_34:notes"/>
+          <p:cNvSpPr>
+            <a:spLocks noGrp="1" noRot="1" noChangeAspect="1"/>
+          </p:cNvSpPr>
+          <p:nvPr>
+            <p:ph type="sldImg" idx="2"/>
+          </p:nvPr>
+        </p:nvSpPr>
+        <p:spPr>
+          <a:xfrm>
+            <a:off x="1143000" y="685800"/>
+            <a:ext cx="4572000" cy="3429000"/>
+          </a:xfrm>
+          <a:custGeom>
+            <a:avLst/>
+            <a:gdLst/>
+            <a:ahLst/>
+            <a:cxnLst/>
+            <a:rect l="l" t="t" r="r" b="b"/>
+            <a:pathLst>
+              <a:path w="120000" h="120000" extrusionOk="0">
+                <a:moveTo>
+                  <a:pt x="0" y="0"/>
+                </a:moveTo>
+                <a:lnTo>
+                  <a:pt x="120000" y="0"/>
+                </a:lnTo>
+                <a:lnTo>
+                  <a:pt x="120000" y="120000"/>
+                </a:lnTo>
+                <a:lnTo>
+                  <a:pt x="0" y="120000"/>
+                </a:lnTo>
+                <a:close/>
+              </a:path>
+            </a:pathLst>
+          </a:custGeom>
+        </p:spPr>
+      </p:sp>
+      <p:sp>
+        <p:nvSpPr>
+          <p:cNvPr id="164" name="Google Shape;164;g4372e70eba_0_34:notes"/>
+          <p:cNvSpPr txBox="1">
+            <a:spLocks noGrp="1"/>
+          </p:cNvSpPr>
+          <p:nvPr>
+            <p:ph type="body" idx="1"/>
+          </p:nvPr>
+        </p:nvSpPr>
+        <p:spPr>
+          <a:xfrm>
+            <a:off x="685800" y="4343400"/>
+            <a:ext cx="5486400" cy="4114800"/>
+          </a:xfrm>
+          <a:prstGeom prst="rect">
+            <a:avLst/>
+          </a:prstGeom>
+        </p:spPr>
+        <p:txBody>
+          <a:bodyPr spcFirstLastPara="1" wrap="square" lIns="91425" tIns="45700" rIns="91425" bIns="45700" anchor="t" anchorCtr="0">
+            <a:noAutofit/>
+          </a:bodyPr>
+          <a:lstStyle/>
+          <a:p>
+            <a:pPr marL="0" lvl="0" indent="0" algn="l" rtl="0">
+              <a:spcBef>
+                <a:spcPts val="0"/>
+              </a:spcBef>
+              <a:spcAft>
+                <a:spcPts val="0"/>
+              </a:spcAft>
+              <a:buNone/>
+            </a:pPr>
+            <a:endParaRPr/>
+          </a:p>
+        </p:txBody>
+      </p:sp>
+      <p:sp>
+        <p:nvSpPr>
+          <p:cNvPr id="165" name="Google Shape;165;g4372e70eba_0_34:notes"/>
+          <p:cNvSpPr txBox="1">
+            <a:spLocks noGrp="1"/>
+          </p:cNvSpPr>
+          <p:nvPr>
+            <p:ph type="sldNum" idx="12"/>
+          </p:nvPr>
+        </p:nvSpPr>
+        <p:spPr>
+          <a:xfrm>
+            <a:off x="3884613" y="8685213"/>
+            <a:ext cx="2971800" cy="457200"/>
+          </a:xfrm>
+          <a:prstGeom prst="rect">
+            <a:avLst/>
+          </a:prstGeom>
+        </p:spPr>
+        <p:txBody>
+          <a:bodyPr spcFirstLastPara="1" wrap="square" lIns="91425" tIns="45700" rIns="91425" bIns="45700" anchor="b" anchorCtr="0">
+            <a:noAutofit/>
+          </a:bodyPr>
+          <a:lstStyle/>
+          <a:p>
+            <a:pPr marL="0" lvl="0" indent="0" algn="r" rtl="0">
+              <a:spcBef>
+                <a:spcPts val="0"/>
+              </a:spcBef>
+              <a:spcAft>
+                <a:spcPts val="0"/>
+              </a:spcAft>
+              <a:buClr>
+                <a:srgbClr val="000000"/>
+              </a:buClr>
+              <a:buFont typeface="Arial"/>
+              <a:buNone/>
+            </a:pPr>
+            <a:fld id="{00000000-1234-1234-1234-123412341234}" type="slidenum">
+              <a:rPr lang="pl-PL"/>
+              <a:t>12</a:t>
+            </a:fld>
+            <a:endParaRPr/>
+          </a:p>
+        </p:txBody>
+      </p:sp>
+    </p:spTree>
+  </p:cSld>
+  <p:clrMapOvr>
+    <a:masterClrMapping/>
+  </p:clrMapOvr>
+</p:notes>
+</file>
+
+<file path=ppt/notesSlides/notesSlide12.xml><?xml version="1.0" encoding="utf-8"?>
+<p:notes xmlns:a="http://schemas.openxmlformats.org/drawingml/2006/main" xmlns:r="http://schemas.openxmlformats.org/officeDocument/2006/relationships" xmlns:p="http://schemas.openxmlformats.org/presentationml/2006/main" showMasterSp="0" showMasterPhAnim="0">
+  <p:cSld>
+    <p:spTree>
+      <p:nvGrpSpPr>
         <p:cNvPr id="1" name="Shape 180"/>
         <p:cNvGrpSpPr/>
         <p:nvPr/>
@@ -2773,7 +2923,7 @@
             </a:pPr>
             <a:fld id="{00000000-1234-1234-1234-123412341234}" type="slidenum">
               <a:rPr lang="pl-PL"/>
-              <a:t>12</a:t>
+              <a:t>13</a:t>
             </a:fld>
             <a:endParaRPr/>
           </a:p>
@@ -2787,7 +2937,7 @@
 </p:notes>
 </file>
 
-<file path=ppt/notesSlides/notesSlide12.xml><?xml version="1.0" encoding="utf-8"?>
+<file path=ppt/notesSlides/notesSlide13.xml><?xml version="1.0" encoding="utf-8"?>
 <p:notes xmlns:a="http://schemas.openxmlformats.org/drawingml/2006/main" xmlns:r="http://schemas.openxmlformats.org/officeDocument/2006/relationships" xmlns:p="http://schemas.openxmlformats.org/presentationml/2006/main" showMasterSp="0" showMasterPhAnim="0">
   <p:cSld>
     <p:spTree>
@@ -2886,156 +3036,6 @@
       <p:sp>
         <p:nvSpPr>
           <p:cNvPr id="241" name="Google Shape;241;g43890d43db_0_0:notes"/>
-          <p:cNvSpPr txBox="1">
-            <a:spLocks noGrp="1"/>
-          </p:cNvSpPr>
-          <p:nvPr>
-            <p:ph type="sldNum" idx="12"/>
-          </p:nvPr>
-        </p:nvSpPr>
-        <p:spPr>
-          <a:xfrm>
-            <a:off x="3884613" y="8685213"/>
-            <a:ext cx="2971800" cy="457200"/>
-          </a:xfrm>
-          <a:prstGeom prst="rect">
-            <a:avLst/>
-          </a:prstGeom>
-        </p:spPr>
-        <p:txBody>
-          <a:bodyPr spcFirstLastPara="1" wrap="square" lIns="91425" tIns="45700" rIns="91425" bIns="45700" anchor="b" anchorCtr="0">
-            <a:noAutofit/>
-          </a:bodyPr>
-          <a:lstStyle/>
-          <a:p>
-            <a:pPr marL="0" lvl="0" indent="0" algn="r" rtl="0">
-              <a:spcBef>
-                <a:spcPts val="0"/>
-              </a:spcBef>
-              <a:spcAft>
-                <a:spcPts val="0"/>
-              </a:spcAft>
-              <a:buClr>
-                <a:srgbClr val="000000"/>
-              </a:buClr>
-              <a:buFont typeface="Arial"/>
-              <a:buNone/>
-            </a:pPr>
-            <a:fld id="{00000000-1234-1234-1234-123412341234}" type="slidenum">
-              <a:rPr lang="pl-PL"/>
-              <a:t>13</a:t>
-            </a:fld>
-            <a:endParaRPr/>
-          </a:p>
-        </p:txBody>
-      </p:sp>
-    </p:spTree>
-  </p:cSld>
-  <p:clrMapOvr>
-    <a:masterClrMapping/>
-  </p:clrMapOvr>
-</p:notes>
-</file>
-
-<file path=ppt/notesSlides/notesSlide13.xml><?xml version="1.0" encoding="utf-8"?>
-<p:notes xmlns:a="http://schemas.openxmlformats.org/drawingml/2006/main" xmlns:r="http://schemas.openxmlformats.org/officeDocument/2006/relationships" xmlns:p="http://schemas.openxmlformats.org/presentationml/2006/main" showMasterSp="0" showMasterPhAnim="0">
-  <p:cSld>
-    <p:spTree>
-      <p:nvGrpSpPr>
-        <p:cNvPr id="1" name="Shape 162"/>
-        <p:cNvGrpSpPr/>
-        <p:nvPr/>
-      </p:nvGrpSpPr>
-      <p:grpSpPr>
-        <a:xfrm>
-          <a:off x="0" y="0"/>
-          <a:ext cx="0" cy="0"/>
-          <a:chOff x="0" y="0"/>
-          <a:chExt cx="0" cy="0"/>
-        </a:xfrm>
-      </p:grpSpPr>
-      <p:sp>
-        <p:nvSpPr>
-          <p:cNvPr id="163" name="Google Shape;163;g4372e70eba_0_34:notes"/>
-          <p:cNvSpPr>
-            <a:spLocks noGrp="1" noRot="1" noChangeAspect="1"/>
-          </p:cNvSpPr>
-          <p:nvPr>
-            <p:ph type="sldImg" idx="2"/>
-          </p:nvPr>
-        </p:nvSpPr>
-        <p:spPr>
-          <a:xfrm>
-            <a:off x="1143000" y="685800"/>
-            <a:ext cx="4572000" cy="3429000"/>
-          </a:xfrm>
-          <a:custGeom>
-            <a:avLst/>
-            <a:gdLst/>
-            <a:ahLst/>
-            <a:cxnLst/>
-            <a:rect l="l" t="t" r="r" b="b"/>
-            <a:pathLst>
-              <a:path w="120000" h="120000" extrusionOk="0">
-                <a:moveTo>
-                  <a:pt x="0" y="0"/>
-                </a:moveTo>
-                <a:lnTo>
-                  <a:pt x="120000" y="0"/>
-                </a:lnTo>
-                <a:lnTo>
-                  <a:pt x="120000" y="120000"/>
-                </a:lnTo>
-                <a:lnTo>
-                  <a:pt x="0" y="120000"/>
-                </a:lnTo>
-                <a:close/>
-              </a:path>
-            </a:pathLst>
-          </a:custGeom>
-        </p:spPr>
-      </p:sp>
-      <p:sp>
-        <p:nvSpPr>
-          <p:cNvPr id="164" name="Google Shape;164;g4372e70eba_0_34:notes"/>
-          <p:cNvSpPr txBox="1">
-            <a:spLocks noGrp="1"/>
-          </p:cNvSpPr>
-          <p:nvPr>
-            <p:ph type="body" idx="1"/>
-          </p:nvPr>
-        </p:nvSpPr>
-        <p:spPr>
-          <a:xfrm>
-            <a:off x="685800" y="4343400"/>
-            <a:ext cx="5486400" cy="4114800"/>
-          </a:xfrm>
-          <a:prstGeom prst="rect">
-            <a:avLst/>
-          </a:prstGeom>
-        </p:spPr>
-        <p:txBody>
-          <a:bodyPr spcFirstLastPara="1" wrap="square" lIns="91425" tIns="45700" rIns="91425" bIns="45700" anchor="t" anchorCtr="0">
-            <a:noAutofit/>
-          </a:bodyPr>
-          <a:lstStyle/>
-          <a:p>
-            <a:pPr marL="0" lvl="0" indent="0" algn="l" rtl="0">
-              <a:spcBef>
-                <a:spcPts val="0"/>
-              </a:spcBef>
-              <a:spcAft>
-                <a:spcPts val="0"/>
-              </a:spcAft>
-              <a:buNone/>
-            </a:pPr>
-            <a:endParaRPr/>
-          </a:p>
-        </p:txBody>
-      </p:sp>
-      <p:sp>
-        <p:nvSpPr>
-          <p:cNvPr id="165" name="Google Shape;165;g4372e70eba_0_34:notes"/>
           <p:cNvSpPr txBox="1">
             <a:spLocks noGrp="1"/>
           </p:cNvSpPr>
@@ -26401,430 +26401,6 @@
   <p:cSld>
     <p:spTree>
       <p:nvGrpSpPr>
-        <p:cNvPr id="1" name="Shape 184"/>
-        <p:cNvGrpSpPr/>
-        <p:nvPr/>
-      </p:nvGrpSpPr>
-      <p:grpSpPr>
-        <a:xfrm>
-          <a:off x="0" y="0"/>
-          <a:ext cx="0" cy="0"/>
-          <a:chOff x="0" y="0"/>
-          <a:chExt cx="0" cy="0"/>
-        </a:xfrm>
-      </p:grpSpPr>
-      <p:sp>
-        <p:nvSpPr>
-          <p:cNvPr id="185" name="Google Shape;185;p34"/>
-          <p:cNvSpPr txBox="1">
-            <a:spLocks noGrp="1"/>
-          </p:cNvSpPr>
-          <p:nvPr>
-            <p:ph type="body" idx="1"/>
-          </p:nvPr>
-        </p:nvSpPr>
-        <p:spPr>
-          <a:xfrm>
-            <a:off x="686344" y="1982481"/>
-            <a:ext cx="7778100" cy="4119000"/>
-          </a:xfrm>
-          <a:prstGeom prst="rect">
-            <a:avLst/>
-          </a:prstGeom>
-        </p:spPr>
-        <p:txBody>
-          <a:bodyPr spcFirstLastPara="1" wrap="square" lIns="52125" tIns="52125" rIns="52125" bIns="52125" anchor="t" anchorCtr="0">
-            <a:noAutofit/>
-          </a:bodyPr>
-          <a:lstStyle/>
-          <a:p>
-            <a:pPr marL="457200" lvl="0" indent="-381000" algn="l" rtl="0">
-              <a:spcBef>
-                <a:spcPts val="0"/>
-              </a:spcBef>
-              <a:spcAft>
-                <a:spcPts val="0"/>
-              </a:spcAft>
-              <a:buSzPts val="2400"/>
-              <a:buChar char="»"/>
-            </a:pPr>
-            <a:r>
-              <a:rPr lang="pl-PL" sz="2400" dirty="0"/>
-              <a:t>Operator sieci telefonii komórkowej:</a:t>
-            </a:r>
-            <a:endParaRPr sz="2400" dirty="0"/>
-          </a:p>
-          <a:p>
-            <a:pPr marL="914400" lvl="1" indent="-381000" algn="l" rtl="0">
-              <a:spcBef>
-                <a:spcPts val="0"/>
-              </a:spcBef>
-              <a:spcAft>
-                <a:spcPts val="0"/>
-              </a:spcAft>
-              <a:buSzPts val="2400"/>
-              <a:buChar char="–"/>
-            </a:pPr>
-            <a:r>
-              <a:rPr lang="pl-PL" sz="2400" dirty="0"/>
-              <a:t>GSM 900/1800</a:t>
-            </a:r>
-            <a:endParaRPr sz="2400" dirty="0"/>
-          </a:p>
-          <a:p>
-            <a:pPr marL="914400" lvl="1" indent="-381000" algn="l" rtl="0">
-              <a:spcBef>
-                <a:spcPts val="0"/>
-              </a:spcBef>
-              <a:spcAft>
-                <a:spcPts val="0"/>
-              </a:spcAft>
-              <a:buSzPts val="2400"/>
-              <a:buChar char="–"/>
-            </a:pPr>
-            <a:r>
-              <a:rPr lang="pl-PL" sz="2400" dirty="0"/>
-              <a:t>UMTS 900/2100</a:t>
-            </a:r>
-            <a:endParaRPr sz="2400" dirty="0"/>
-          </a:p>
-          <a:p>
-            <a:pPr marL="914400" lvl="1" indent="-381000" algn="l" rtl="0">
-              <a:spcBef>
-                <a:spcPts val="0"/>
-              </a:spcBef>
-              <a:spcAft>
-                <a:spcPts val="0"/>
-              </a:spcAft>
-              <a:buSzPts val="2400"/>
-              <a:buChar char="–"/>
-            </a:pPr>
-            <a:r>
-              <a:rPr lang="pl-PL" sz="2400" dirty="0"/>
-              <a:t>LTE 800/1800/2600</a:t>
-            </a:r>
-            <a:endParaRPr sz="2400" dirty="0"/>
-          </a:p>
-          <a:p>
-            <a:pPr marL="457200" lvl="0" indent="-381000" algn="l" rtl="0">
-              <a:spcBef>
-                <a:spcPts val="0"/>
-              </a:spcBef>
-              <a:spcAft>
-                <a:spcPts val="0"/>
-              </a:spcAft>
-              <a:buSzPts val="2400"/>
-              <a:buChar char="»"/>
-            </a:pPr>
-            <a:r>
-              <a:rPr lang="pl-PL" sz="2400" dirty="0"/>
-              <a:t>Obecnie 4. operator komórkowy w Polsce pod względem liczby abonentów, obsługujący ponad 12 mln klientów</a:t>
-            </a:r>
-            <a:endParaRPr sz="2400" dirty="0"/>
-          </a:p>
-          <a:p>
-            <a:pPr marL="457200" lvl="0" indent="-381000" algn="l" rtl="0">
-              <a:spcBef>
-                <a:spcPts val="0"/>
-              </a:spcBef>
-              <a:spcAft>
-                <a:spcPts val="0"/>
-              </a:spcAft>
-              <a:buSzPts val="2400"/>
-              <a:buChar char="»"/>
-            </a:pPr>
-            <a:r>
-              <a:rPr lang="pl-PL" sz="2400" dirty="0"/>
-              <a:t>Usługi telekomunikacyjne dla klientów indywidualnych i biznesowych</a:t>
-            </a:r>
-            <a:endParaRPr sz="2400" dirty="0"/>
-          </a:p>
-          <a:p>
-            <a:pPr marL="457200" lvl="0" indent="-381000" algn="l" rtl="0">
-              <a:spcBef>
-                <a:spcPts val="0"/>
-              </a:spcBef>
-              <a:spcAft>
-                <a:spcPts val="0"/>
-              </a:spcAft>
-              <a:buSzPts val="2400"/>
-              <a:buChar char="»"/>
-            </a:pPr>
-            <a:r>
-              <a:rPr lang="pl-PL" sz="2400" dirty="0" err="1">
-                <a:solidFill>
-                  <a:schemeClr val="dk1"/>
-                </a:solidFill>
-              </a:rPr>
-              <a:t>hub:raum</a:t>
-            </a:r>
-            <a:endParaRPr sz="2400" dirty="0"/>
-          </a:p>
-        </p:txBody>
-      </p:sp>
-      <p:sp>
-        <p:nvSpPr>
-          <p:cNvPr id="186" name="Google Shape;186;p34"/>
-          <p:cNvSpPr txBox="1">
-            <a:spLocks noGrp="1"/>
-          </p:cNvSpPr>
-          <p:nvPr>
-            <p:ph type="sldNum" idx="12"/>
-          </p:nvPr>
-        </p:nvSpPr>
-        <p:spPr>
-          <a:xfrm>
-            <a:off x="7850596" y="6254325"/>
-            <a:ext cx="613800" cy="295500"/>
-          </a:xfrm>
-          <a:prstGeom prst="rect">
-            <a:avLst/>
-          </a:prstGeom>
-        </p:spPr>
-        <p:txBody>
-          <a:bodyPr spcFirstLastPara="1" wrap="square" lIns="52125" tIns="52125" rIns="52125" bIns="52125" anchor="t" anchorCtr="0">
-            <a:noAutofit/>
-          </a:bodyPr>
-          <a:lstStyle/>
-          <a:p>
-            <a:pPr marL="0" lvl="0" indent="0" algn="r" rtl="0">
-              <a:spcBef>
-                <a:spcPts val="0"/>
-              </a:spcBef>
-              <a:spcAft>
-                <a:spcPts val="0"/>
-              </a:spcAft>
-              <a:buClr>
-                <a:srgbClr val="000000"/>
-              </a:buClr>
-              <a:buFont typeface="Arial"/>
-              <a:buNone/>
-            </a:pPr>
-            <a:fld id="{00000000-1234-1234-1234-123412341234}" type="slidenum">
-              <a:rPr lang="pl-PL"/>
-              <a:t>12</a:t>
-            </a:fld>
-            <a:endParaRPr/>
-          </a:p>
-        </p:txBody>
-      </p:sp>
-      <p:pic>
-        <p:nvPicPr>
-          <p:cNvPr id="187" name="Google Shape;187;p34"/>
-          <p:cNvPicPr preferRelativeResize="0"/>
-          <p:nvPr/>
-        </p:nvPicPr>
-        <p:blipFill>
-          <a:blip r:embed="rId3">
-            <a:alphaModFix/>
-          </a:blip>
-          <a:stretch>
-            <a:fillRect/>
-          </a:stretch>
-        </p:blipFill>
-        <p:spPr>
-          <a:xfrm>
-            <a:off x="3408924" y="609450"/>
-            <a:ext cx="2326155" cy="1143900"/>
-          </a:xfrm>
-          <a:prstGeom prst="rect">
-            <a:avLst/>
-          </a:prstGeom>
-          <a:noFill/>
-          <a:ln>
-            <a:noFill/>
-          </a:ln>
-        </p:spPr>
-      </p:pic>
-    </p:spTree>
-  </p:cSld>
-  <p:clrMapOvr>
-    <a:masterClrMapping/>
-  </p:clrMapOvr>
-</p:sld>
-</file>
-
-<file path=ppt/slides/slide13.xml><?xml version="1.0" encoding="utf-8"?>
-<p:sld xmlns:a="http://schemas.openxmlformats.org/drawingml/2006/main" xmlns:r="http://schemas.openxmlformats.org/officeDocument/2006/relationships" xmlns:p="http://schemas.openxmlformats.org/presentationml/2006/main">
-  <p:cSld>
-    <p:spTree>
-      <p:nvGrpSpPr>
-        <p:cNvPr id="1" name="Shape 242"/>
-        <p:cNvGrpSpPr/>
-        <p:nvPr/>
-      </p:nvGrpSpPr>
-      <p:grpSpPr>
-        <a:xfrm>
-          <a:off x="0" y="0"/>
-          <a:ext cx="0" cy="0"/>
-          <a:chOff x="0" y="0"/>
-          <a:chExt cx="0" cy="0"/>
-        </a:xfrm>
-      </p:grpSpPr>
-      <p:sp>
-        <p:nvSpPr>
-          <p:cNvPr id="243" name="Google Shape;243;p41"/>
-          <p:cNvSpPr txBox="1">
-            <a:spLocks noGrp="1"/>
-          </p:cNvSpPr>
-          <p:nvPr>
-            <p:ph type="body" idx="1"/>
-          </p:nvPr>
-        </p:nvSpPr>
-        <p:spPr>
-          <a:xfrm>
-            <a:off x="686350" y="1982475"/>
-            <a:ext cx="7778100" cy="4119000"/>
-          </a:xfrm>
-          <a:prstGeom prst="rect">
-            <a:avLst/>
-          </a:prstGeom>
-        </p:spPr>
-        <p:txBody>
-          <a:bodyPr spcFirstLastPara="1" wrap="square" lIns="52125" tIns="52125" rIns="52125" bIns="52125" anchor="t" anchorCtr="0">
-            <a:normAutofit lnSpcReduction="10000"/>
-          </a:bodyPr>
-          <a:lstStyle/>
-          <a:p>
-            <a:pPr marL="457200" lvl="0" indent="-381000" algn="l" rtl="0">
-              <a:spcBef>
-                <a:spcPts val="0"/>
-              </a:spcBef>
-              <a:spcAft>
-                <a:spcPts val="0"/>
-              </a:spcAft>
-              <a:buSzPts val="2400"/>
-              <a:buChar char="»"/>
-            </a:pPr>
-            <a:r>
-              <a:rPr lang="pl-PL" sz="2400" dirty="0"/>
-              <a:t>Od 2000 r. Krakowskie Centrum Techniczne Aptiv wspiera największe marki samochodowe, łącząc branżę motoryzacyjną z nowoczesnymi technologiami</a:t>
-            </a:r>
-            <a:endParaRPr sz="2400" dirty="0"/>
-          </a:p>
-          <a:p>
-            <a:pPr marL="457200" lvl="0" indent="-381000" algn="l" rtl="0">
-              <a:spcBef>
-                <a:spcPts val="0"/>
-              </a:spcBef>
-              <a:spcAft>
-                <a:spcPts val="0"/>
-              </a:spcAft>
-              <a:buSzPts val="2400"/>
-              <a:buChar char="»"/>
-            </a:pPr>
-            <a:r>
-              <a:rPr lang="pl-PL" sz="2400" dirty="0"/>
-              <a:t>Od elektroniki i systemów aktywnego bezpieczeństwa po najnowocześniejsze multimedia dla kierowców. Inżynierowie z krakowskiego ośrodka badawczo-rozwojowego Aptiv tworzą na co dzień technologie dla aut przyszłości</a:t>
-            </a:r>
-            <a:endParaRPr sz="2400" dirty="0"/>
-          </a:p>
-          <a:p>
-            <a:pPr marL="457200" lvl="0" indent="-381000" algn="l" rtl="0">
-              <a:spcBef>
-                <a:spcPts val="0"/>
-              </a:spcBef>
-              <a:spcAft>
-                <a:spcPts val="0"/>
-              </a:spcAft>
-              <a:buSzPts val="2400"/>
-              <a:buChar char="»"/>
-            </a:pPr>
-            <a:r>
-              <a:rPr lang="pl-PL" sz="2400" dirty="0"/>
-              <a:t>Aptiv w Krakowie zatrudnia dziś ponad 2500 pracowników, w tym 1800 inżynierów</a:t>
-            </a:r>
-            <a:endParaRPr sz="2400" dirty="0"/>
-          </a:p>
-        </p:txBody>
-      </p:sp>
-      <p:sp>
-        <p:nvSpPr>
-          <p:cNvPr id="244" name="Google Shape;244;p41"/>
-          <p:cNvSpPr txBox="1">
-            <a:spLocks noGrp="1"/>
-          </p:cNvSpPr>
-          <p:nvPr>
-            <p:ph type="sldNum" idx="12"/>
-          </p:nvPr>
-        </p:nvSpPr>
-        <p:spPr>
-          <a:xfrm>
-            <a:off x="7737794" y="6254325"/>
-            <a:ext cx="726600" cy="295500"/>
-          </a:xfrm>
-          <a:prstGeom prst="rect">
-            <a:avLst/>
-          </a:prstGeom>
-        </p:spPr>
-        <p:txBody>
-          <a:bodyPr spcFirstLastPara="1" wrap="square" lIns="52125" tIns="52125" rIns="52125" bIns="52125" anchor="t" anchorCtr="0">
-            <a:noAutofit/>
-          </a:bodyPr>
-          <a:lstStyle/>
-          <a:p>
-            <a:pPr marL="0" lvl="0" indent="0" algn="r" rtl="0">
-              <a:spcBef>
-                <a:spcPts val="0"/>
-              </a:spcBef>
-              <a:spcAft>
-                <a:spcPts val="0"/>
-              </a:spcAft>
-              <a:buClr>
-                <a:srgbClr val="000000"/>
-              </a:buClr>
-              <a:buFont typeface="Arial"/>
-              <a:buNone/>
-            </a:pPr>
-            <a:fld id="{00000000-1234-1234-1234-123412341234}" type="slidenum">
-              <a:rPr lang="pl-PL"/>
-              <a:t>13</a:t>
-            </a:fld>
-            <a:endParaRPr/>
-          </a:p>
-        </p:txBody>
-      </p:sp>
-      <p:pic>
-        <p:nvPicPr>
-          <p:cNvPr id="245" name="Google Shape;245;p41"/>
-          <p:cNvPicPr preferRelativeResize="0"/>
-          <p:nvPr/>
-        </p:nvPicPr>
-        <p:blipFill>
-          <a:blip r:embed="rId3">
-            <a:alphaModFix/>
-          </a:blip>
-          <a:stretch>
-            <a:fillRect/>
-          </a:stretch>
-        </p:blipFill>
-        <p:spPr>
-          <a:xfrm>
-            <a:off x="686475" y="681662"/>
-            <a:ext cx="7777850" cy="999475"/>
-          </a:xfrm>
-          <a:prstGeom prst="rect">
-            <a:avLst/>
-          </a:prstGeom>
-          <a:noFill/>
-          <a:ln>
-            <a:noFill/>
-          </a:ln>
-        </p:spPr>
-      </p:pic>
-    </p:spTree>
-  </p:cSld>
-  <p:clrMapOvr>
-    <a:masterClrMapping/>
-  </p:clrMapOvr>
-</p:sld>
-</file>
-
-<file path=ppt/slides/slide14.xml><?xml version="1.0" encoding="utf-8"?>
-<p:sld xmlns:a="http://schemas.openxmlformats.org/drawingml/2006/main" xmlns:r="http://schemas.openxmlformats.org/officeDocument/2006/relationships" xmlns:p="http://schemas.openxmlformats.org/presentationml/2006/main">
-  <p:cSld>
-    <p:spTree>
-      <p:nvGrpSpPr>
         <p:cNvPr id="1" name="Shape 166"/>
         <p:cNvGrpSpPr/>
         <p:nvPr/>
@@ -26975,7 +26551,7 @@
             </a:pPr>
             <a:fld id="{00000000-1234-1234-1234-123412341234}" type="slidenum">
               <a:rPr lang="pl-PL"/>
-              <a:t>14</a:t>
+              <a:t>12</a:t>
             </a:fld>
             <a:endParaRPr dirty="0"/>
           </a:p>
@@ -27026,6 +26602,430 @@
               </a14:hiddenFill>
             </a:ext>
           </a:extLst>
+        </p:spPr>
+      </p:pic>
+    </p:spTree>
+  </p:cSld>
+  <p:clrMapOvr>
+    <a:masterClrMapping/>
+  </p:clrMapOvr>
+</p:sld>
+</file>
+
+<file path=ppt/slides/slide13.xml><?xml version="1.0" encoding="utf-8"?>
+<p:sld xmlns:a="http://schemas.openxmlformats.org/drawingml/2006/main" xmlns:r="http://schemas.openxmlformats.org/officeDocument/2006/relationships" xmlns:p="http://schemas.openxmlformats.org/presentationml/2006/main">
+  <p:cSld>
+    <p:spTree>
+      <p:nvGrpSpPr>
+        <p:cNvPr id="1" name="Shape 184"/>
+        <p:cNvGrpSpPr/>
+        <p:nvPr/>
+      </p:nvGrpSpPr>
+      <p:grpSpPr>
+        <a:xfrm>
+          <a:off x="0" y="0"/>
+          <a:ext cx="0" cy="0"/>
+          <a:chOff x="0" y="0"/>
+          <a:chExt cx="0" cy="0"/>
+        </a:xfrm>
+      </p:grpSpPr>
+      <p:sp>
+        <p:nvSpPr>
+          <p:cNvPr id="185" name="Google Shape;185;p34"/>
+          <p:cNvSpPr txBox="1">
+            <a:spLocks noGrp="1"/>
+          </p:cNvSpPr>
+          <p:nvPr>
+            <p:ph type="body" idx="1"/>
+          </p:nvPr>
+        </p:nvSpPr>
+        <p:spPr>
+          <a:xfrm>
+            <a:off x="686344" y="1982481"/>
+            <a:ext cx="7778100" cy="4119000"/>
+          </a:xfrm>
+          <a:prstGeom prst="rect">
+            <a:avLst/>
+          </a:prstGeom>
+        </p:spPr>
+        <p:txBody>
+          <a:bodyPr spcFirstLastPara="1" wrap="square" lIns="52125" tIns="52125" rIns="52125" bIns="52125" anchor="t" anchorCtr="0">
+            <a:noAutofit/>
+          </a:bodyPr>
+          <a:lstStyle/>
+          <a:p>
+            <a:pPr marL="457200" lvl="0" indent="-381000" algn="l" rtl="0">
+              <a:spcBef>
+                <a:spcPts val="0"/>
+              </a:spcBef>
+              <a:spcAft>
+                <a:spcPts val="0"/>
+              </a:spcAft>
+              <a:buSzPts val="2400"/>
+              <a:buChar char="»"/>
+            </a:pPr>
+            <a:r>
+              <a:rPr lang="pl-PL" sz="2400" dirty="0"/>
+              <a:t>Operator sieci telefonii komórkowej:</a:t>
+            </a:r>
+            <a:endParaRPr sz="2400" dirty="0"/>
+          </a:p>
+          <a:p>
+            <a:pPr marL="914400" lvl="1" indent="-381000" algn="l" rtl="0">
+              <a:spcBef>
+                <a:spcPts val="0"/>
+              </a:spcBef>
+              <a:spcAft>
+                <a:spcPts val="0"/>
+              </a:spcAft>
+              <a:buSzPts val="2400"/>
+              <a:buChar char="–"/>
+            </a:pPr>
+            <a:r>
+              <a:rPr lang="pl-PL" sz="2400" dirty="0"/>
+              <a:t>GSM 900/1800</a:t>
+            </a:r>
+            <a:endParaRPr sz="2400" dirty="0"/>
+          </a:p>
+          <a:p>
+            <a:pPr marL="914400" lvl="1" indent="-381000" algn="l" rtl="0">
+              <a:spcBef>
+                <a:spcPts val="0"/>
+              </a:spcBef>
+              <a:spcAft>
+                <a:spcPts val="0"/>
+              </a:spcAft>
+              <a:buSzPts val="2400"/>
+              <a:buChar char="–"/>
+            </a:pPr>
+            <a:r>
+              <a:rPr lang="pl-PL" sz="2400" dirty="0"/>
+              <a:t>UMTS 900/2100</a:t>
+            </a:r>
+            <a:endParaRPr sz="2400" dirty="0"/>
+          </a:p>
+          <a:p>
+            <a:pPr marL="914400" lvl="1" indent="-381000" algn="l" rtl="0">
+              <a:spcBef>
+                <a:spcPts val="0"/>
+              </a:spcBef>
+              <a:spcAft>
+                <a:spcPts val="0"/>
+              </a:spcAft>
+              <a:buSzPts val="2400"/>
+              <a:buChar char="–"/>
+            </a:pPr>
+            <a:r>
+              <a:rPr lang="pl-PL" sz="2400" dirty="0"/>
+              <a:t>LTE 800/1800/2600</a:t>
+            </a:r>
+            <a:endParaRPr sz="2400" dirty="0"/>
+          </a:p>
+          <a:p>
+            <a:pPr marL="457200" lvl="0" indent="-381000" algn="l" rtl="0">
+              <a:spcBef>
+                <a:spcPts val="0"/>
+              </a:spcBef>
+              <a:spcAft>
+                <a:spcPts val="0"/>
+              </a:spcAft>
+              <a:buSzPts val="2400"/>
+              <a:buChar char="»"/>
+            </a:pPr>
+            <a:r>
+              <a:rPr lang="pl-PL" sz="2400" dirty="0"/>
+              <a:t>Obecnie 4. operator komórkowy w Polsce pod względem liczby abonentów, obsługujący ponad 12 mln klientów</a:t>
+            </a:r>
+            <a:endParaRPr sz="2400" dirty="0"/>
+          </a:p>
+          <a:p>
+            <a:pPr marL="457200" lvl="0" indent="-381000" algn="l" rtl="0">
+              <a:spcBef>
+                <a:spcPts val="0"/>
+              </a:spcBef>
+              <a:spcAft>
+                <a:spcPts val="0"/>
+              </a:spcAft>
+              <a:buSzPts val="2400"/>
+              <a:buChar char="»"/>
+            </a:pPr>
+            <a:r>
+              <a:rPr lang="pl-PL" sz="2400" dirty="0"/>
+              <a:t>Usługi telekomunikacyjne dla klientów indywidualnych i biznesowych</a:t>
+            </a:r>
+            <a:endParaRPr sz="2400" dirty="0"/>
+          </a:p>
+          <a:p>
+            <a:pPr marL="457200" lvl="0" indent="-381000" algn="l" rtl="0">
+              <a:spcBef>
+                <a:spcPts val="0"/>
+              </a:spcBef>
+              <a:spcAft>
+                <a:spcPts val="0"/>
+              </a:spcAft>
+              <a:buSzPts val="2400"/>
+              <a:buChar char="»"/>
+            </a:pPr>
+            <a:r>
+              <a:rPr lang="pl-PL" sz="2400" dirty="0" err="1">
+                <a:solidFill>
+                  <a:schemeClr val="dk1"/>
+                </a:solidFill>
+              </a:rPr>
+              <a:t>hub:raum</a:t>
+            </a:r>
+            <a:endParaRPr sz="2400" dirty="0"/>
+          </a:p>
+        </p:txBody>
+      </p:sp>
+      <p:sp>
+        <p:nvSpPr>
+          <p:cNvPr id="186" name="Google Shape;186;p34"/>
+          <p:cNvSpPr txBox="1">
+            <a:spLocks noGrp="1"/>
+          </p:cNvSpPr>
+          <p:nvPr>
+            <p:ph type="sldNum" idx="12"/>
+          </p:nvPr>
+        </p:nvSpPr>
+        <p:spPr>
+          <a:xfrm>
+            <a:off x="7850596" y="6254325"/>
+            <a:ext cx="613800" cy="295500"/>
+          </a:xfrm>
+          <a:prstGeom prst="rect">
+            <a:avLst/>
+          </a:prstGeom>
+        </p:spPr>
+        <p:txBody>
+          <a:bodyPr spcFirstLastPara="1" wrap="square" lIns="52125" tIns="52125" rIns="52125" bIns="52125" anchor="t" anchorCtr="0">
+            <a:noAutofit/>
+          </a:bodyPr>
+          <a:lstStyle/>
+          <a:p>
+            <a:pPr marL="0" lvl="0" indent="0" algn="r" rtl="0">
+              <a:spcBef>
+                <a:spcPts val="0"/>
+              </a:spcBef>
+              <a:spcAft>
+                <a:spcPts val="0"/>
+              </a:spcAft>
+              <a:buClr>
+                <a:srgbClr val="000000"/>
+              </a:buClr>
+              <a:buFont typeface="Arial"/>
+              <a:buNone/>
+            </a:pPr>
+            <a:fld id="{00000000-1234-1234-1234-123412341234}" type="slidenum">
+              <a:rPr lang="pl-PL"/>
+              <a:t>13</a:t>
+            </a:fld>
+            <a:endParaRPr/>
+          </a:p>
+        </p:txBody>
+      </p:sp>
+      <p:pic>
+        <p:nvPicPr>
+          <p:cNvPr id="187" name="Google Shape;187;p34"/>
+          <p:cNvPicPr preferRelativeResize="0"/>
+          <p:nvPr/>
+        </p:nvPicPr>
+        <p:blipFill>
+          <a:blip r:embed="rId3">
+            <a:alphaModFix/>
+          </a:blip>
+          <a:stretch>
+            <a:fillRect/>
+          </a:stretch>
+        </p:blipFill>
+        <p:spPr>
+          <a:xfrm>
+            <a:off x="3408924" y="609450"/>
+            <a:ext cx="2326155" cy="1143900"/>
+          </a:xfrm>
+          <a:prstGeom prst="rect">
+            <a:avLst/>
+          </a:prstGeom>
+          <a:noFill/>
+          <a:ln>
+            <a:noFill/>
+          </a:ln>
+        </p:spPr>
+      </p:pic>
+    </p:spTree>
+  </p:cSld>
+  <p:clrMapOvr>
+    <a:masterClrMapping/>
+  </p:clrMapOvr>
+</p:sld>
+</file>
+
+<file path=ppt/slides/slide14.xml><?xml version="1.0" encoding="utf-8"?>
+<p:sld xmlns:a="http://schemas.openxmlformats.org/drawingml/2006/main" xmlns:r="http://schemas.openxmlformats.org/officeDocument/2006/relationships" xmlns:p="http://schemas.openxmlformats.org/presentationml/2006/main">
+  <p:cSld>
+    <p:spTree>
+      <p:nvGrpSpPr>
+        <p:cNvPr id="1" name="Shape 242"/>
+        <p:cNvGrpSpPr/>
+        <p:nvPr/>
+      </p:nvGrpSpPr>
+      <p:grpSpPr>
+        <a:xfrm>
+          <a:off x="0" y="0"/>
+          <a:ext cx="0" cy="0"/>
+          <a:chOff x="0" y="0"/>
+          <a:chExt cx="0" cy="0"/>
+        </a:xfrm>
+      </p:grpSpPr>
+      <p:sp>
+        <p:nvSpPr>
+          <p:cNvPr id="243" name="Google Shape;243;p41"/>
+          <p:cNvSpPr txBox="1">
+            <a:spLocks noGrp="1"/>
+          </p:cNvSpPr>
+          <p:nvPr>
+            <p:ph type="body" idx="1"/>
+          </p:nvPr>
+        </p:nvSpPr>
+        <p:spPr>
+          <a:xfrm>
+            <a:off x="686350" y="1982475"/>
+            <a:ext cx="7778100" cy="4119000"/>
+          </a:xfrm>
+          <a:prstGeom prst="rect">
+            <a:avLst/>
+          </a:prstGeom>
+        </p:spPr>
+        <p:txBody>
+          <a:bodyPr spcFirstLastPara="1" wrap="square" lIns="52125" tIns="52125" rIns="52125" bIns="52125" anchor="t" anchorCtr="0">
+            <a:normAutofit lnSpcReduction="10000"/>
+          </a:bodyPr>
+          <a:lstStyle/>
+          <a:p>
+            <a:pPr marL="457200" lvl="0" indent="-381000" algn="l" rtl="0">
+              <a:spcBef>
+                <a:spcPts val="0"/>
+              </a:spcBef>
+              <a:spcAft>
+                <a:spcPts val="0"/>
+              </a:spcAft>
+              <a:buSzPts val="2400"/>
+              <a:buChar char="»"/>
+            </a:pPr>
+            <a:r>
+              <a:rPr lang="pl-PL" sz="2400" dirty="0"/>
+              <a:t>Od 2000 r. Krakowskie Centrum Techniczne Aptiv wspiera największe marki samochodowe, łącząc branżę motoryzacyjną z nowoczesnymi technologiami</a:t>
+            </a:r>
+            <a:endParaRPr sz="2400" dirty="0"/>
+          </a:p>
+          <a:p>
+            <a:pPr marL="457200" lvl="0" indent="-381000" algn="l" rtl="0">
+              <a:spcBef>
+                <a:spcPts val="0"/>
+              </a:spcBef>
+              <a:spcAft>
+                <a:spcPts val="0"/>
+              </a:spcAft>
+              <a:buSzPts val="2400"/>
+              <a:buChar char="»"/>
+            </a:pPr>
+            <a:r>
+              <a:rPr lang="pl-PL" sz="2400" dirty="0"/>
+              <a:t>Od elektroniki i systemów aktywnego bezpieczeństwa po najnowocześniejsze multimedia dla kierowców. Inżynierowie z krakowskiego ośrodka badawczo-rozwojowego Aptiv tworzą na co dzień technologie dla aut przyszłości</a:t>
+            </a:r>
+            <a:endParaRPr sz="2400" dirty="0"/>
+          </a:p>
+          <a:p>
+            <a:pPr marL="457200" lvl="0" indent="-381000" algn="l" rtl="0">
+              <a:spcBef>
+                <a:spcPts val="0"/>
+              </a:spcBef>
+              <a:spcAft>
+                <a:spcPts val="0"/>
+              </a:spcAft>
+              <a:buSzPts val="2400"/>
+              <a:buChar char="»"/>
+            </a:pPr>
+            <a:r>
+              <a:rPr lang="pl-PL" sz="2400" dirty="0"/>
+              <a:t>Aptiv w Krakowie zatrudnia dziś ponad 2500 pracowników, w tym 1800 inżynierów</a:t>
+            </a:r>
+            <a:endParaRPr sz="2400" dirty="0"/>
+          </a:p>
+        </p:txBody>
+      </p:sp>
+      <p:sp>
+        <p:nvSpPr>
+          <p:cNvPr id="244" name="Google Shape;244;p41"/>
+          <p:cNvSpPr txBox="1">
+            <a:spLocks noGrp="1"/>
+          </p:cNvSpPr>
+          <p:nvPr>
+            <p:ph type="sldNum" idx="12"/>
+          </p:nvPr>
+        </p:nvSpPr>
+        <p:spPr>
+          <a:xfrm>
+            <a:off x="7737794" y="6254325"/>
+            <a:ext cx="726600" cy="295500"/>
+          </a:xfrm>
+          <a:prstGeom prst="rect">
+            <a:avLst/>
+          </a:prstGeom>
+        </p:spPr>
+        <p:txBody>
+          <a:bodyPr spcFirstLastPara="1" wrap="square" lIns="52125" tIns="52125" rIns="52125" bIns="52125" anchor="t" anchorCtr="0">
+            <a:noAutofit/>
+          </a:bodyPr>
+          <a:lstStyle/>
+          <a:p>
+            <a:pPr marL="0" lvl="0" indent="0" algn="r" rtl="0">
+              <a:spcBef>
+                <a:spcPts val="0"/>
+              </a:spcBef>
+              <a:spcAft>
+                <a:spcPts val="0"/>
+              </a:spcAft>
+              <a:buClr>
+                <a:srgbClr val="000000"/>
+              </a:buClr>
+              <a:buFont typeface="Arial"/>
+              <a:buNone/>
+            </a:pPr>
+            <a:fld id="{00000000-1234-1234-1234-123412341234}" type="slidenum">
+              <a:rPr lang="pl-PL"/>
+              <a:t>14</a:t>
+            </a:fld>
+            <a:endParaRPr/>
+          </a:p>
+        </p:txBody>
+      </p:sp>
+      <p:pic>
+        <p:nvPicPr>
+          <p:cNvPr id="245" name="Google Shape;245;p41"/>
+          <p:cNvPicPr preferRelativeResize="0"/>
+          <p:nvPr/>
+        </p:nvPicPr>
+        <p:blipFill>
+          <a:blip r:embed="rId3">
+            <a:alphaModFix/>
+          </a:blip>
+          <a:stretch>
+            <a:fillRect/>
+          </a:stretch>
+        </p:blipFill>
+        <p:spPr>
+          <a:xfrm>
+            <a:off x="686475" y="681662"/>
+            <a:ext cx="7777850" cy="999475"/>
+          </a:xfrm>
+          <a:prstGeom prst="rect">
+            <a:avLst/>
+          </a:prstGeom>
+          <a:noFill/>
+          <a:ln>
+            <a:noFill/>
+          </a:ln>
         </p:spPr>
       </p:pic>
     </p:spTree>

--- a/Kierunki Rozwoju Telekomunikacji/Wprowadzenie do przedmiotu „Kierunki Rozwoju Telekomunikacji”.pptx
+++ b/Kierunki Rozwoju Telekomunikacji/Wprowadzenie do przedmiotu „Kierunki Rozwoju Telekomunikacji”.pptx
@@ -23,12 +23,12 @@
     <p:sldId id="263" r:id="rId14"/>
     <p:sldId id="265" r:id="rId15"/>
     <p:sldId id="272" r:id="rId16"/>
-    <p:sldId id="277" r:id="rId17"/>
-    <p:sldId id="278" r:id="rId18"/>
-    <p:sldId id="285" r:id="rId19"/>
-    <p:sldId id="290" r:id="rId20"/>
-    <p:sldId id="267" r:id="rId21"/>
-    <p:sldId id="294" r:id="rId22"/>
+    <p:sldId id="294" r:id="rId17"/>
+    <p:sldId id="277" r:id="rId18"/>
+    <p:sldId id="278" r:id="rId19"/>
+    <p:sldId id="285" r:id="rId20"/>
+    <p:sldId id="290" r:id="rId21"/>
+    <p:sldId id="267" r:id="rId22"/>
     <p:sldId id="266" r:id="rId23"/>
     <p:sldId id="264" r:id="rId24"/>
     <p:sldId id="270" r:id="rId25"/>
@@ -3092,6 +3092,156 @@
   <p:cSld>
     <p:spTree>
       <p:nvGrpSpPr>
+        <p:cNvPr id="1" name="Shape 230"/>
+        <p:cNvGrpSpPr/>
+        <p:nvPr/>
+      </p:nvGrpSpPr>
+      <p:grpSpPr>
+        <a:xfrm>
+          <a:off x="0" y="0"/>
+          <a:ext cx="0" cy="0"/>
+          <a:chOff x="0" y="0"/>
+          <a:chExt cx="0" cy="0"/>
+        </a:xfrm>
+      </p:grpSpPr>
+      <p:sp>
+        <p:nvSpPr>
+          <p:cNvPr id="231" name="Google Shape;231;g43890d43db_0_158:notes"/>
+          <p:cNvSpPr>
+            <a:spLocks noGrp="1" noRot="1" noChangeAspect="1"/>
+          </p:cNvSpPr>
+          <p:nvPr>
+            <p:ph type="sldImg" idx="2"/>
+          </p:nvPr>
+        </p:nvSpPr>
+        <p:spPr>
+          <a:xfrm>
+            <a:off x="1143000" y="685800"/>
+            <a:ext cx="4572000" cy="3429000"/>
+          </a:xfrm>
+          <a:custGeom>
+            <a:avLst/>
+            <a:gdLst/>
+            <a:ahLst/>
+            <a:cxnLst/>
+            <a:rect l="l" t="t" r="r" b="b"/>
+            <a:pathLst>
+              <a:path w="120000" h="120000" extrusionOk="0">
+                <a:moveTo>
+                  <a:pt x="0" y="0"/>
+                </a:moveTo>
+                <a:lnTo>
+                  <a:pt x="120000" y="0"/>
+                </a:lnTo>
+                <a:lnTo>
+                  <a:pt x="120000" y="120000"/>
+                </a:lnTo>
+                <a:lnTo>
+                  <a:pt x="0" y="120000"/>
+                </a:lnTo>
+                <a:close/>
+              </a:path>
+            </a:pathLst>
+          </a:custGeom>
+        </p:spPr>
+      </p:sp>
+      <p:sp>
+        <p:nvSpPr>
+          <p:cNvPr id="232" name="Google Shape;232;g43890d43db_0_158:notes"/>
+          <p:cNvSpPr txBox="1">
+            <a:spLocks noGrp="1"/>
+          </p:cNvSpPr>
+          <p:nvPr>
+            <p:ph type="body" idx="1"/>
+          </p:nvPr>
+        </p:nvSpPr>
+        <p:spPr>
+          <a:xfrm>
+            <a:off x="685800" y="4343400"/>
+            <a:ext cx="5486400" cy="4114800"/>
+          </a:xfrm>
+          <a:prstGeom prst="rect">
+            <a:avLst/>
+          </a:prstGeom>
+        </p:spPr>
+        <p:txBody>
+          <a:bodyPr spcFirstLastPara="1" wrap="square" lIns="91425" tIns="45700" rIns="91425" bIns="45700" anchor="t" anchorCtr="0">
+            <a:noAutofit/>
+          </a:bodyPr>
+          <a:lstStyle/>
+          <a:p>
+            <a:pPr marL="0" lvl="0" indent="0" algn="l" rtl="0">
+              <a:spcBef>
+                <a:spcPts val="0"/>
+              </a:spcBef>
+              <a:spcAft>
+                <a:spcPts val="0"/>
+              </a:spcAft>
+              <a:buNone/>
+            </a:pPr>
+            <a:endParaRPr dirty="0"/>
+          </a:p>
+        </p:txBody>
+      </p:sp>
+      <p:sp>
+        <p:nvSpPr>
+          <p:cNvPr id="233" name="Google Shape;233;g43890d43db_0_158:notes"/>
+          <p:cNvSpPr txBox="1">
+            <a:spLocks noGrp="1"/>
+          </p:cNvSpPr>
+          <p:nvPr>
+            <p:ph type="sldNum" idx="12"/>
+          </p:nvPr>
+        </p:nvSpPr>
+        <p:spPr>
+          <a:xfrm>
+            <a:off x="3884613" y="8685213"/>
+            <a:ext cx="2971800" cy="457200"/>
+          </a:xfrm>
+          <a:prstGeom prst="rect">
+            <a:avLst/>
+          </a:prstGeom>
+        </p:spPr>
+        <p:txBody>
+          <a:bodyPr spcFirstLastPara="1" wrap="square" lIns="91425" tIns="45700" rIns="91425" bIns="45700" anchor="b" anchorCtr="0">
+            <a:noAutofit/>
+          </a:bodyPr>
+          <a:lstStyle/>
+          <a:p>
+            <a:pPr marL="0" lvl="0" indent="0" algn="r" rtl="0">
+              <a:spcBef>
+                <a:spcPts val="0"/>
+              </a:spcBef>
+              <a:spcAft>
+                <a:spcPts val="0"/>
+              </a:spcAft>
+              <a:buClr>
+                <a:srgbClr val="000000"/>
+              </a:buClr>
+              <a:buFont typeface="Arial"/>
+              <a:buNone/>
+            </a:pPr>
+            <a:fld id="{00000000-1234-1234-1234-123412341234}" type="slidenum">
+              <a:rPr lang="pl-PL"/>
+              <a:t>15</a:t>
+            </a:fld>
+            <a:endParaRPr/>
+          </a:p>
+        </p:txBody>
+      </p:sp>
+    </p:spTree>
+  </p:cSld>
+  <p:clrMapOvr>
+    <a:masterClrMapping/>
+  </p:clrMapOvr>
+</p:notes>
+</file>
+
+<file path=ppt/notesSlides/notesSlide15.xml><?xml version="1.0" encoding="utf-8"?>
+<p:notes xmlns:a="http://schemas.openxmlformats.org/drawingml/2006/main" xmlns:r="http://schemas.openxmlformats.org/officeDocument/2006/relationships" xmlns:p="http://schemas.openxmlformats.org/presentationml/2006/main" showMasterSp="0" showMasterPhAnim="0">
+  <p:cSld>
+    <p:spTree>
+      <p:nvGrpSpPr>
         <p:cNvPr id="1" name="Shape 277"/>
         <p:cNvGrpSpPr/>
         <p:nvPr/>
@@ -3191,7 +3341,7 @@
 </p:notes>
 </file>
 
-<file path=ppt/notesSlides/notesSlide15.xml><?xml version="1.0" encoding="utf-8"?>
+<file path=ppt/notesSlides/notesSlide16.xml><?xml version="1.0" encoding="utf-8"?>
 <p:notes xmlns:a="http://schemas.openxmlformats.org/drawingml/2006/main" xmlns:r="http://schemas.openxmlformats.org/officeDocument/2006/relationships" xmlns:p="http://schemas.openxmlformats.org/presentationml/2006/main" showMasterSp="0" showMasterPhAnim="0">
   <p:cSld>
     <p:spTree>
@@ -3327,7 +3477,7 @@
             </a:pPr>
             <a:fld id="{00000000-1234-1234-1234-123412341234}" type="slidenum">
               <a:rPr lang="pl-PL"/>
-              <a:t>16</a:t>
+              <a:t>17</a:t>
             </a:fld>
             <a:endParaRPr/>
           </a:p>
@@ -3341,7 +3491,7 @@
 </p:notes>
 </file>
 
-<file path=ppt/notesSlides/notesSlide16.xml><?xml version="1.0" encoding="utf-8"?>
+<file path=ppt/notesSlides/notesSlide17.xml><?xml version="1.0" encoding="utf-8"?>
 <p:notes xmlns:a="http://schemas.openxmlformats.org/drawingml/2006/main" xmlns:r="http://schemas.openxmlformats.org/officeDocument/2006/relationships" xmlns:p="http://schemas.openxmlformats.org/presentationml/2006/main" showMasterSp="0" showMasterPhAnim="0">
   <p:cSld>
     <p:spTree>
@@ -3445,7 +3595,7 @@
 </p:notes>
 </file>
 
-<file path=ppt/notesSlides/notesSlide17.xml><?xml version="1.0" encoding="utf-8"?>
+<file path=ppt/notesSlides/notesSlide18.xml><?xml version="1.0" encoding="utf-8"?>
 <p:notes xmlns:a="http://schemas.openxmlformats.org/drawingml/2006/main" xmlns:r="http://schemas.openxmlformats.org/officeDocument/2006/relationships" xmlns:p="http://schemas.openxmlformats.org/presentationml/2006/main" showMasterSp="0" showMasterPhAnim="0">
   <p:cSld>
     <p:spTree>
@@ -3581,7 +3731,7 @@
             </a:pPr>
             <a:fld id="{00000000-1234-1234-1234-123412341234}" type="slidenum">
               <a:rPr lang="pl-PL"/>
-              <a:t>18</a:t>
+              <a:t>19</a:t>
             </a:fld>
             <a:endParaRPr/>
           </a:p>
@@ -3600,7 +3750,7 @@
 </p:notes>
 </file>
 
-<file path=ppt/notesSlides/notesSlide18.xml><?xml version="1.0" encoding="utf-8"?>
+<file path=ppt/notesSlides/notesSlide19.xml><?xml version="1.0" encoding="utf-8"?>
 <p:notes xmlns:a="http://schemas.openxmlformats.org/drawingml/2006/main" xmlns:r="http://schemas.openxmlformats.org/officeDocument/2006/relationships" xmlns:p="http://schemas.openxmlformats.org/presentationml/2006/main" showMasterSp="0" showMasterPhAnim="0">
   <p:cSld>
     <p:spTree>
@@ -3699,156 +3849,6 @@
       <p:sp>
         <p:nvSpPr>
           <p:cNvPr id="199" name="Google Shape;199;g4372e70eba_0_21:notes"/>
-          <p:cNvSpPr txBox="1">
-            <a:spLocks noGrp="1"/>
-          </p:cNvSpPr>
-          <p:nvPr>
-            <p:ph type="sldNum" idx="12"/>
-          </p:nvPr>
-        </p:nvSpPr>
-        <p:spPr>
-          <a:xfrm>
-            <a:off x="3884613" y="8685213"/>
-            <a:ext cx="2971800" cy="457200"/>
-          </a:xfrm>
-          <a:prstGeom prst="rect">
-            <a:avLst/>
-          </a:prstGeom>
-        </p:spPr>
-        <p:txBody>
-          <a:bodyPr spcFirstLastPara="1" wrap="square" lIns="91425" tIns="45700" rIns="91425" bIns="45700" anchor="b" anchorCtr="0">
-            <a:noAutofit/>
-          </a:bodyPr>
-          <a:lstStyle/>
-          <a:p>
-            <a:pPr marL="0" lvl="0" indent="0" algn="r" rtl="0">
-              <a:spcBef>
-                <a:spcPts val="0"/>
-              </a:spcBef>
-              <a:spcAft>
-                <a:spcPts val="0"/>
-              </a:spcAft>
-              <a:buClr>
-                <a:srgbClr val="000000"/>
-              </a:buClr>
-              <a:buFont typeface="Arial"/>
-              <a:buNone/>
-            </a:pPr>
-            <a:fld id="{00000000-1234-1234-1234-123412341234}" type="slidenum">
-              <a:rPr lang="pl-PL"/>
-              <a:t>19</a:t>
-            </a:fld>
-            <a:endParaRPr/>
-          </a:p>
-        </p:txBody>
-      </p:sp>
-    </p:spTree>
-  </p:cSld>
-  <p:clrMapOvr>
-    <a:masterClrMapping/>
-  </p:clrMapOvr>
-</p:notes>
-</file>
-
-<file path=ppt/notesSlides/notesSlide19.xml><?xml version="1.0" encoding="utf-8"?>
-<p:notes xmlns:a="http://schemas.openxmlformats.org/drawingml/2006/main" xmlns:r="http://schemas.openxmlformats.org/officeDocument/2006/relationships" xmlns:p="http://schemas.openxmlformats.org/presentationml/2006/main" showMasterSp="0" showMasterPhAnim="0">
-  <p:cSld>
-    <p:spTree>
-      <p:nvGrpSpPr>
-        <p:cNvPr id="1" name="Shape 230"/>
-        <p:cNvGrpSpPr/>
-        <p:nvPr/>
-      </p:nvGrpSpPr>
-      <p:grpSpPr>
-        <a:xfrm>
-          <a:off x="0" y="0"/>
-          <a:ext cx="0" cy="0"/>
-          <a:chOff x="0" y="0"/>
-          <a:chExt cx="0" cy="0"/>
-        </a:xfrm>
-      </p:grpSpPr>
-      <p:sp>
-        <p:nvSpPr>
-          <p:cNvPr id="231" name="Google Shape;231;g43890d43db_0_158:notes"/>
-          <p:cNvSpPr>
-            <a:spLocks noGrp="1" noRot="1" noChangeAspect="1"/>
-          </p:cNvSpPr>
-          <p:nvPr>
-            <p:ph type="sldImg" idx="2"/>
-          </p:nvPr>
-        </p:nvSpPr>
-        <p:spPr>
-          <a:xfrm>
-            <a:off x="1143000" y="685800"/>
-            <a:ext cx="4572000" cy="3429000"/>
-          </a:xfrm>
-          <a:custGeom>
-            <a:avLst/>
-            <a:gdLst/>
-            <a:ahLst/>
-            <a:cxnLst/>
-            <a:rect l="l" t="t" r="r" b="b"/>
-            <a:pathLst>
-              <a:path w="120000" h="120000" extrusionOk="0">
-                <a:moveTo>
-                  <a:pt x="0" y="0"/>
-                </a:moveTo>
-                <a:lnTo>
-                  <a:pt x="120000" y="0"/>
-                </a:lnTo>
-                <a:lnTo>
-                  <a:pt x="120000" y="120000"/>
-                </a:lnTo>
-                <a:lnTo>
-                  <a:pt x="0" y="120000"/>
-                </a:lnTo>
-                <a:close/>
-              </a:path>
-            </a:pathLst>
-          </a:custGeom>
-        </p:spPr>
-      </p:sp>
-      <p:sp>
-        <p:nvSpPr>
-          <p:cNvPr id="232" name="Google Shape;232;g43890d43db_0_158:notes"/>
-          <p:cNvSpPr txBox="1">
-            <a:spLocks noGrp="1"/>
-          </p:cNvSpPr>
-          <p:nvPr>
-            <p:ph type="body" idx="1"/>
-          </p:nvPr>
-        </p:nvSpPr>
-        <p:spPr>
-          <a:xfrm>
-            <a:off x="685800" y="4343400"/>
-            <a:ext cx="5486400" cy="4114800"/>
-          </a:xfrm>
-          <a:prstGeom prst="rect">
-            <a:avLst/>
-          </a:prstGeom>
-        </p:spPr>
-        <p:txBody>
-          <a:bodyPr spcFirstLastPara="1" wrap="square" lIns="91425" tIns="45700" rIns="91425" bIns="45700" anchor="t" anchorCtr="0">
-            <a:noAutofit/>
-          </a:bodyPr>
-          <a:lstStyle/>
-          <a:p>
-            <a:pPr marL="0" lvl="0" indent="0" algn="l" rtl="0">
-              <a:spcBef>
-                <a:spcPts val="0"/>
-              </a:spcBef>
-              <a:spcAft>
-                <a:spcPts val="0"/>
-              </a:spcAft>
-              <a:buNone/>
-            </a:pPr>
-            <a:endParaRPr dirty="0"/>
-          </a:p>
-        </p:txBody>
-      </p:sp>
-      <p:sp>
-        <p:nvSpPr>
-          <p:cNvPr id="233" name="Google Shape;233;g43890d43db_0_158:notes"/>
           <p:cNvSpPr txBox="1">
             <a:spLocks noGrp="1"/>
           </p:cNvSpPr>
@@ -27041,6 +27041,252 @@
   <p:cSld>
     <p:spTree>
       <p:nvGrpSpPr>
+        <p:cNvPr id="1" name="Shape 234"/>
+        <p:cNvGrpSpPr/>
+        <p:nvPr/>
+      </p:nvGrpSpPr>
+      <p:grpSpPr>
+        <a:xfrm>
+          <a:off x="0" y="0"/>
+          <a:ext cx="0" cy="0"/>
+          <a:chOff x="0" y="0"/>
+          <a:chExt cx="0" cy="0"/>
+        </a:xfrm>
+      </p:grpSpPr>
+      <p:sp>
+        <p:nvSpPr>
+          <p:cNvPr id="235" name="Google Shape;235;p40"/>
+          <p:cNvSpPr txBox="1">
+            <a:spLocks noGrp="1"/>
+          </p:cNvSpPr>
+          <p:nvPr>
+            <p:ph type="body" idx="1"/>
+          </p:nvPr>
+        </p:nvSpPr>
+        <p:spPr>
+          <a:xfrm>
+            <a:off x="686344" y="1982481"/>
+            <a:ext cx="7778100" cy="4712082"/>
+          </a:xfrm>
+          <a:prstGeom prst="rect">
+            <a:avLst/>
+          </a:prstGeom>
+        </p:spPr>
+        <p:txBody>
+          <a:bodyPr spcFirstLastPara="1" wrap="square" lIns="52125" tIns="52125" rIns="52125" bIns="52125" anchor="t" anchorCtr="0">
+            <a:noAutofit/>
+          </a:bodyPr>
+          <a:lstStyle/>
+          <a:p>
+            <a:pPr marL="457200" lvl="0" indent="-424307" algn="l" rtl="0">
+              <a:spcBef>
+                <a:spcPts val="1000"/>
+              </a:spcBef>
+              <a:spcAft>
+                <a:spcPts val="0"/>
+              </a:spcAft>
+              <a:buSzPts val="3082"/>
+              <a:buChar char="»"/>
+            </a:pPr>
+            <a:r>
+              <a:rPr lang="pl-PL" dirty="0"/>
+              <a:t>Dystrybutor rozwiązań teleinformatycznych</a:t>
+            </a:r>
+            <a:endParaRPr dirty="0"/>
+          </a:p>
+          <a:p>
+            <a:pPr marL="457200" lvl="0" indent="-424307" algn="l" rtl="0">
+              <a:spcBef>
+                <a:spcPts val="1000"/>
+              </a:spcBef>
+              <a:spcAft>
+                <a:spcPts val="0"/>
+              </a:spcAft>
+              <a:buSzPts val="3082"/>
+              <a:buChar char="»"/>
+            </a:pPr>
+            <a:r>
+              <a:rPr lang="pl-PL" dirty="0"/>
+              <a:t>Model dystrybucji z wartością dodaną (ang. </a:t>
+            </a:r>
+            <a:r>
+              <a:rPr lang="pl-PL" i="1" dirty="0">
+                <a:solidFill>
+                  <a:schemeClr val="dk1"/>
+                </a:solidFill>
+              </a:rPr>
+              <a:t>Value </a:t>
+            </a:r>
+            <a:r>
+              <a:rPr lang="pl-PL" i="1" dirty="0" err="1">
+                <a:solidFill>
+                  <a:schemeClr val="dk1"/>
+                </a:solidFill>
+              </a:rPr>
+              <a:t>Added</a:t>
+            </a:r>
+            <a:r>
+              <a:rPr lang="pl-PL" i="1" dirty="0">
+                <a:solidFill>
+                  <a:schemeClr val="dk1"/>
+                </a:solidFill>
+              </a:rPr>
+              <a:t> </a:t>
+            </a:r>
+            <a:r>
+              <a:rPr lang="pl-PL" i="1" dirty="0" err="1">
+                <a:solidFill>
+                  <a:schemeClr val="dk1"/>
+                </a:solidFill>
+              </a:rPr>
+              <a:t>Distributor</a:t>
+            </a:r>
+            <a:r>
+              <a:rPr lang="pl-PL" dirty="0">
+                <a:solidFill>
+                  <a:schemeClr val="dk1"/>
+                </a:solidFill>
+              </a:rPr>
+              <a:t>, </a:t>
+            </a:r>
+            <a:r>
+              <a:rPr lang="pl-PL" dirty="0"/>
+              <a:t>VAD)</a:t>
+            </a:r>
+            <a:endParaRPr dirty="0"/>
+          </a:p>
+          <a:p>
+            <a:pPr marL="457200" lvl="0" indent="-424307" algn="l" rtl="0">
+              <a:spcBef>
+                <a:spcPts val="1000"/>
+              </a:spcBef>
+              <a:spcAft>
+                <a:spcPts val="0"/>
+              </a:spcAft>
+              <a:buSzPts val="3082"/>
+              <a:buChar char="»"/>
+            </a:pPr>
+            <a:r>
+              <a:rPr lang="pl-PL" dirty="0"/>
+              <a:t>Na rynku od 1991</a:t>
+            </a:r>
+          </a:p>
+          <a:p>
+            <a:pPr marL="457200" lvl="0" indent="-424307" algn="l" rtl="0">
+              <a:spcBef>
+                <a:spcPts val="1000"/>
+              </a:spcBef>
+              <a:spcAft>
+                <a:spcPts val="0"/>
+              </a:spcAft>
+              <a:buSzPts val="3082"/>
+              <a:buChar char="»"/>
+            </a:pPr>
+            <a:r>
+              <a:rPr lang="pl-PL" dirty="0"/>
+              <a:t>W 2021 zostaliśmy częścią </a:t>
+            </a:r>
+            <a:r>
+              <a:rPr lang="pl-PL" dirty="0" err="1"/>
+              <a:t>Exclusive</a:t>
+            </a:r>
+            <a:r>
+              <a:rPr lang="pl-PL" dirty="0"/>
+              <a:t> Networks – globalnego dystrybutora VAD</a:t>
+            </a:r>
+            <a:endParaRPr dirty="0"/>
+          </a:p>
+        </p:txBody>
+      </p:sp>
+      <p:sp>
+        <p:nvSpPr>
+          <p:cNvPr id="236" name="Google Shape;236;p40"/>
+          <p:cNvSpPr txBox="1">
+            <a:spLocks noGrp="1"/>
+          </p:cNvSpPr>
+          <p:nvPr>
+            <p:ph type="sldNum" idx="12"/>
+          </p:nvPr>
+        </p:nvSpPr>
+        <p:spPr>
+          <a:xfrm>
+            <a:off x="7907522" y="6254325"/>
+            <a:ext cx="556800" cy="295500"/>
+          </a:xfrm>
+          <a:prstGeom prst="rect">
+            <a:avLst/>
+          </a:prstGeom>
+        </p:spPr>
+        <p:txBody>
+          <a:bodyPr spcFirstLastPara="1" wrap="square" lIns="52125" tIns="52125" rIns="52125" bIns="52125" anchor="t" anchorCtr="0">
+            <a:noAutofit/>
+          </a:bodyPr>
+          <a:lstStyle/>
+          <a:p>
+            <a:pPr marL="0" lvl="0" indent="0" algn="r" rtl="0">
+              <a:spcBef>
+                <a:spcPts val="0"/>
+              </a:spcBef>
+              <a:spcAft>
+                <a:spcPts val="0"/>
+              </a:spcAft>
+              <a:buClr>
+                <a:srgbClr val="000000"/>
+              </a:buClr>
+              <a:buFont typeface="Arial"/>
+              <a:buNone/>
+            </a:pPr>
+            <a:fld id="{00000000-1234-1234-1234-123412341234}" type="slidenum">
+              <a:rPr lang="pl-PL"/>
+              <a:t>15</a:t>
+            </a:fld>
+            <a:endParaRPr/>
+          </a:p>
+        </p:txBody>
+      </p:sp>
+      <p:pic>
+        <p:nvPicPr>
+          <p:cNvPr id="3" name="Obraz 2">
+            <a:extLst>
+              <a:ext uri="{FF2B5EF4-FFF2-40B4-BE49-F238E27FC236}">
+                <a16:creationId xmlns:a16="http://schemas.microsoft.com/office/drawing/2014/main" id="{894EC0C7-E78C-405E-88C0-FD4F1A843E22}"/>
+              </a:ext>
+            </a:extLst>
+          </p:cNvPr>
+          <p:cNvPicPr>
+            <a:picLocks noChangeAspect="1"/>
+          </p:cNvPicPr>
+          <p:nvPr/>
+        </p:nvPicPr>
+        <p:blipFill>
+          <a:blip r:embed="rId3"/>
+          <a:stretch>
+            <a:fillRect/>
+          </a:stretch>
+        </p:blipFill>
+        <p:spPr>
+          <a:xfrm>
+            <a:off x="1971040" y="163437"/>
+            <a:ext cx="5005016" cy="1585364"/>
+          </a:xfrm>
+          <a:prstGeom prst="rect">
+            <a:avLst/>
+          </a:prstGeom>
+        </p:spPr>
+      </p:pic>
+    </p:spTree>
+  </p:cSld>
+  <p:clrMapOvr>
+    <a:masterClrMapping/>
+  </p:clrMapOvr>
+</p:sld>
+</file>
+
+<file path=ppt/slides/slide16.xml><?xml version="1.0" encoding="utf-8"?>
+<p:sld xmlns:a="http://schemas.openxmlformats.org/drawingml/2006/main" xmlns:r="http://schemas.openxmlformats.org/officeDocument/2006/relationships" xmlns:p="http://schemas.openxmlformats.org/presentationml/2006/main">
+  <p:cSld>
+    <p:spTree>
+      <p:nvGrpSpPr>
         <p:cNvPr id="1" name="Shape 280"/>
         <p:cNvGrpSpPr/>
         <p:nvPr/>
@@ -27210,7 +27456,7 @@
                 <a:cs typeface="Arial"/>
                 <a:sym typeface="Arial"/>
               </a:rPr>
-              <a:t>15</a:t>
+              <a:t>16</a:t>
             </a:fld>
             <a:endParaRPr sz="1370" b="0" i="0" u="none" strike="noStrike" cap="none">
               <a:solidFill>
@@ -27232,7 +27478,7 @@
 </p:sld>
 </file>
 
-<file path=ppt/slides/slide16.xml><?xml version="1.0" encoding="utf-8"?>
+<file path=ppt/slides/slide17.xml><?xml version="1.0" encoding="utf-8"?>
 <p:sld xmlns:a="http://schemas.openxmlformats.org/drawingml/2006/main" xmlns:r="http://schemas.openxmlformats.org/officeDocument/2006/relationships" xmlns:p="http://schemas.openxmlformats.org/presentationml/2006/main">
   <p:cSld>
     <p:spTree>
@@ -27476,7 +27722,7 @@
             </a:pPr>
             <a:fld id="{00000000-1234-1234-1234-123412341234}" type="slidenum">
               <a:rPr lang="pl-PL"/>
-              <a:t>16</a:t>
+              <a:t>17</a:t>
             </a:fld>
             <a:endParaRPr/>
           </a:p>
@@ -27490,7 +27736,7 @@
 </p:sld>
 </file>
 
-<file path=ppt/slides/slide17.xml><?xml version="1.0" encoding="utf-8"?>
+<file path=ppt/slides/slide18.xml><?xml version="1.0" encoding="utf-8"?>
 <p:sld xmlns:a="http://schemas.openxmlformats.org/drawingml/2006/main" xmlns:r="http://schemas.openxmlformats.org/officeDocument/2006/relationships" xmlns:p="http://schemas.openxmlformats.org/presentationml/2006/main">
   <p:cSld>
     <p:spTree>
@@ -27873,7 +28119,7 @@
             </a:pPr>
             <a:fld id="{00000000-1234-1234-1234-123412341234}" type="slidenum">
               <a:rPr lang="pl-PL"/>
-              <a:t>17</a:t>
+              <a:t>18</a:t>
             </a:fld>
             <a:endParaRPr/>
           </a:p>
@@ -27887,7 +28133,7 @@
 </p:sld>
 </file>
 
-<file path=ppt/slides/slide18.xml><?xml version="1.0" encoding="utf-8"?>
+<file path=ppt/slides/slide19.xml><?xml version="1.0" encoding="utf-8"?>
 <p:sld xmlns:a="http://schemas.openxmlformats.org/drawingml/2006/main" xmlns:r="http://schemas.openxmlformats.org/officeDocument/2006/relationships" xmlns:p="http://schemas.openxmlformats.org/presentationml/2006/main" show="0">
   <p:cSld>
     <p:spTree>
@@ -28043,7 +28289,7 @@
             </a:pPr>
             <a:fld id="{00000000-1234-1234-1234-123412341234}" type="slidenum">
               <a:rPr lang="pl-PL"/>
-              <a:t>18</a:t>
+              <a:t>19</a:t>
             </a:fld>
             <a:endParaRPr/>
           </a:p>
@@ -28102,246 +28348,6 @@
         <p14:creationId xmlns:p14="http://schemas.microsoft.com/office/powerpoint/2010/main" val="2626098104"/>
       </p:ext>
     </p:extLst>
-  </p:cSld>
-  <p:clrMapOvr>
-    <a:masterClrMapping/>
-  </p:clrMapOvr>
-</p:sld>
-</file>
-
-<file path=ppt/slides/slide19.xml><?xml version="1.0" encoding="utf-8"?>
-<p:sld xmlns:a="http://schemas.openxmlformats.org/drawingml/2006/main" xmlns:r="http://schemas.openxmlformats.org/officeDocument/2006/relationships" xmlns:p="http://schemas.openxmlformats.org/presentationml/2006/main" show="0">
-  <p:cSld>
-    <p:spTree>
-      <p:nvGrpSpPr>
-        <p:cNvPr id="1" name="Shape 200"/>
-        <p:cNvGrpSpPr/>
-        <p:nvPr/>
-      </p:nvGrpSpPr>
-      <p:grpSpPr>
-        <a:xfrm>
-          <a:off x="0" y="0"/>
-          <a:ext cx="0" cy="0"/>
-          <a:chOff x="0" y="0"/>
-          <a:chExt cx="0" cy="0"/>
-        </a:xfrm>
-      </p:grpSpPr>
-      <p:sp>
-        <p:nvSpPr>
-          <p:cNvPr id="201" name="Google Shape;201;p36"/>
-          <p:cNvSpPr txBox="1">
-            <a:spLocks noGrp="1"/>
-          </p:cNvSpPr>
-          <p:nvPr>
-            <p:ph type="body" idx="2"/>
-          </p:nvPr>
-        </p:nvSpPr>
-        <p:spPr>
-          <a:xfrm>
-            <a:off x="686245" y="1982475"/>
-            <a:ext cx="7778100" cy="4119000"/>
-          </a:xfrm>
-          <a:prstGeom prst="rect">
-            <a:avLst/>
-          </a:prstGeom>
-        </p:spPr>
-        <p:txBody>
-          <a:bodyPr spcFirstLastPara="1" wrap="square" lIns="52125" tIns="52125" rIns="52125" bIns="52125" anchor="t" anchorCtr="0">
-            <a:noAutofit/>
-          </a:bodyPr>
-          <a:lstStyle/>
-          <a:p>
-            <a:pPr indent="-419100">
-              <a:spcBef>
-                <a:spcPts val="0"/>
-              </a:spcBef>
-              <a:buSzPts val="3000"/>
-            </a:pPr>
-            <a:r>
-              <a:rPr lang="pl-PL" sz="2800" dirty="0"/>
-              <a:t>(9 grudnia)</a:t>
-            </a:r>
-            <a:endParaRPr sz="3000" dirty="0"/>
-          </a:p>
-          <a:p>
-            <a:pPr marL="457200" lvl="0" indent="-419100" algn="l" rtl="0">
-              <a:spcBef>
-                <a:spcPts val="0"/>
-              </a:spcBef>
-              <a:spcAft>
-                <a:spcPts val="0"/>
-              </a:spcAft>
-              <a:buSzPts val="3000"/>
-              <a:buChar char="»"/>
-            </a:pPr>
-            <a:r>
-              <a:rPr lang="pl-PL" sz="3000" dirty="0"/>
-              <a:t>Rozwiązania w dziedzinie cyberbezpieczeństwa</a:t>
-            </a:r>
-            <a:endParaRPr sz="3000" dirty="0"/>
-          </a:p>
-          <a:p>
-            <a:pPr marL="457200" lvl="0" indent="-419100" algn="l" rtl="0">
-              <a:spcBef>
-                <a:spcPts val="0"/>
-              </a:spcBef>
-              <a:spcAft>
-                <a:spcPts val="0"/>
-              </a:spcAft>
-              <a:buSzPts val="3000"/>
-              <a:buChar char="»"/>
-            </a:pPr>
-            <a:r>
-              <a:rPr lang="pl-PL" sz="3000" dirty="0"/>
-              <a:t>Eliminowanie źródła cyber zagrożeń</a:t>
-            </a:r>
-            <a:endParaRPr sz="3000" dirty="0"/>
-          </a:p>
-          <a:p>
-            <a:pPr marL="457200" lvl="0" indent="-419100" algn="l" rtl="0">
-              <a:spcBef>
-                <a:spcPts val="0"/>
-              </a:spcBef>
-              <a:spcAft>
-                <a:spcPts val="0"/>
-              </a:spcAft>
-              <a:buSzPts val="3000"/>
-              <a:buChar char="»"/>
-            </a:pPr>
-            <a:r>
-              <a:rPr lang="pl-PL" sz="3000" dirty="0"/>
-              <a:t>Rozwiązania dla:</a:t>
-            </a:r>
-            <a:endParaRPr sz="3000" dirty="0"/>
-          </a:p>
-          <a:p>
-            <a:pPr marL="914400" lvl="1" indent="-419100" algn="l" rtl="0">
-              <a:spcBef>
-                <a:spcPts val="0"/>
-              </a:spcBef>
-              <a:spcAft>
-                <a:spcPts val="0"/>
-              </a:spcAft>
-              <a:buSzPts val="3000"/>
-              <a:buChar char="–"/>
-            </a:pPr>
-            <a:r>
-              <a:rPr lang="pl-PL" sz="3000" dirty="0"/>
-              <a:t>Biznesu</a:t>
-            </a:r>
-            <a:endParaRPr sz="3000" dirty="0"/>
-          </a:p>
-          <a:p>
-            <a:pPr marL="914400" lvl="1" indent="-419100" algn="l" rtl="0">
-              <a:spcBef>
-                <a:spcPts val="0"/>
-              </a:spcBef>
-              <a:spcAft>
-                <a:spcPts val="0"/>
-              </a:spcAft>
-              <a:buSzPts val="3000"/>
-              <a:buChar char="–"/>
-            </a:pPr>
-            <a:r>
-              <a:rPr lang="pl-PL" sz="3000" dirty="0"/>
-              <a:t>Instytucji i agencji państwowych</a:t>
-            </a:r>
-            <a:endParaRPr sz="3000" dirty="0"/>
-          </a:p>
-          <a:p>
-            <a:pPr marL="457200" lvl="0" indent="-419100" algn="l" rtl="0">
-              <a:spcBef>
-                <a:spcPts val="0"/>
-              </a:spcBef>
-              <a:spcAft>
-                <a:spcPts val="0"/>
-              </a:spcAft>
-              <a:buSzPts val="3000"/>
-              <a:buChar char="»"/>
-            </a:pPr>
-            <a:r>
-              <a:rPr lang="pl-PL" sz="3000" dirty="0"/>
-              <a:t>Internet of Things</a:t>
-            </a:r>
-            <a:endParaRPr sz="3000" dirty="0"/>
-          </a:p>
-        </p:txBody>
-      </p:sp>
-      <p:sp>
-        <p:nvSpPr>
-          <p:cNvPr id="202" name="Google Shape;202;p36"/>
-          <p:cNvSpPr txBox="1">
-            <a:spLocks noGrp="1"/>
-          </p:cNvSpPr>
-          <p:nvPr>
-            <p:ph type="sldNum" idx="12"/>
-          </p:nvPr>
-        </p:nvSpPr>
-        <p:spPr>
-          <a:xfrm>
-            <a:off x="7993673" y="6254325"/>
-            <a:ext cx="470700" cy="295500"/>
-          </a:xfrm>
-          <a:prstGeom prst="rect">
-            <a:avLst/>
-          </a:prstGeom>
-        </p:spPr>
-        <p:txBody>
-          <a:bodyPr spcFirstLastPara="1" wrap="square" lIns="52125" tIns="52125" rIns="52125" bIns="52125" anchor="t" anchorCtr="0">
-            <a:noAutofit/>
-          </a:bodyPr>
-          <a:lstStyle/>
-          <a:p>
-            <a:pPr marL="0" lvl="0" indent="0" algn="r" rtl="0">
-              <a:spcBef>
-                <a:spcPts val="0"/>
-              </a:spcBef>
-              <a:spcAft>
-                <a:spcPts val="0"/>
-              </a:spcAft>
-              <a:buClr>
-                <a:srgbClr val="000000"/>
-              </a:buClr>
-              <a:buFont typeface="Arial"/>
-              <a:buNone/>
-            </a:pPr>
-            <a:fld id="{00000000-1234-1234-1234-123412341234}" type="slidenum">
-              <a:rPr lang="pl-PL"/>
-              <a:t>19</a:t>
-            </a:fld>
-            <a:endParaRPr/>
-          </a:p>
-        </p:txBody>
-      </p:sp>
-      <p:pic>
-        <p:nvPicPr>
-          <p:cNvPr id="203" name="Google Shape;203;p36"/>
-          <p:cNvPicPr preferRelativeResize="0"/>
-          <p:nvPr/>
-        </p:nvPicPr>
-        <p:blipFill>
-          <a:blip r:embed="rId3">
-            <a:alphaModFix/>
-          </a:blip>
-          <a:stretch>
-            <a:fillRect/>
-          </a:stretch>
-        </p:blipFill>
-        <p:spPr>
-          <a:xfrm>
-            <a:off x="3101952" y="609450"/>
-            <a:ext cx="2946911" cy="1143900"/>
-          </a:xfrm>
-          <a:prstGeom prst="rect">
-            <a:avLst/>
-          </a:prstGeom>
-          <a:noFill/>
-          <a:ln>
-            <a:noFill/>
-          </a:ln>
-        </p:spPr>
-      </p:pic>
-    </p:spTree>
   </p:cSld>
   <p:clrMapOvr>
     <a:masterClrMapping/>
@@ -28645,7 +28651,7 @@
   <p:cSld>
     <p:spTree>
       <p:nvGrpSpPr>
-        <p:cNvPr id="1" name="Shape 234"/>
+        <p:cNvPr id="1" name="Shape 200"/>
         <p:cNvGrpSpPr/>
         <p:nvPr/>
       </p:nvGrpSpPr>
@@ -28659,18 +28665,18 @@
       </p:grpSpPr>
       <p:sp>
         <p:nvSpPr>
-          <p:cNvPr id="235" name="Google Shape;235;p40"/>
+          <p:cNvPr id="201" name="Google Shape;201;p36"/>
           <p:cNvSpPr txBox="1">
             <a:spLocks noGrp="1"/>
           </p:cNvSpPr>
           <p:nvPr>
-            <p:ph type="body" idx="1"/>
+            <p:ph type="body" idx="2"/>
           </p:nvPr>
         </p:nvSpPr>
         <p:spPr>
           <a:xfrm>
-            <a:off x="686344" y="1982481"/>
-            <a:ext cx="7778100" cy="4712082"/>
+            <a:off x="686245" y="1982475"/>
+            <a:ext cx="7778100" cy="4119000"/>
           </a:xfrm>
           <a:prstGeom prst="rect">
             <a:avLst/>
@@ -28682,146 +28688,125 @@
           </a:bodyPr>
           <a:lstStyle/>
           <a:p>
-            <a:pPr marL="457200" lvl="0" indent="-424307" algn="l" rtl="0">
-              <a:spcBef>
-                <a:spcPts val="685"/>
-              </a:spcBef>
-              <a:spcAft>
-                <a:spcPts val="0"/>
-              </a:spcAft>
-              <a:buSzPts val="3082"/>
+            <a:pPr indent="-419100">
+              <a:spcBef>
+                <a:spcPts val="0"/>
+              </a:spcBef>
+              <a:buSzPts val="3000"/>
+            </a:pPr>
+            <a:r>
+              <a:rPr lang="pl-PL" sz="2800" dirty="0"/>
+              <a:t>(9 grudnia)</a:t>
+            </a:r>
+            <a:endParaRPr sz="3000" dirty="0"/>
+          </a:p>
+          <a:p>
+            <a:pPr marL="457200" lvl="0" indent="-419100" algn="l" rtl="0">
+              <a:spcBef>
+                <a:spcPts val="0"/>
+              </a:spcBef>
+              <a:spcAft>
+                <a:spcPts val="0"/>
+              </a:spcAft>
+              <a:buSzPts val="3000"/>
               <a:buChar char="»"/>
             </a:pPr>
             <a:r>
-              <a:rPr lang="pl-PL" dirty="0"/>
-              <a:t>(28 października, „Zero Trust Access”)</a:t>
+              <a:rPr lang="pl-PL" sz="3000" dirty="0"/>
+              <a:t>Rozwiązania w dziedzinie cyberbezpieczeństwa</a:t>
             </a:r>
-            <a:endParaRPr dirty="0"/>
+            <a:endParaRPr sz="3000" dirty="0"/>
           </a:p>
           <a:p>
-            <a:pPr marL="457200" lvl="0" indent="-424307" algn="l" rtl="0">
-              <a:spcBef>
-                <a:spcPts val="1000"/>
-              </a:spcBef>
-              <a:spcAft>
-                <a:spcPts val="0"/>
-              </a:spcAft>
-              <a:buSzPts val="3082"/>
+            <a:pPr marL="457200" lvl="0" indent="-419100" algn="l" rtl="0">
+              <a:spcBef>
+                <a:spcPts val="0"/>
+              </a:spcBef>
+              <a:spcAft>
+                <a:spcPts val="0"/>
+              </a:spcAft>
+              <a:buSzPts val="3000"/>
               <a:buChar char="»"/>
             </a:pPr>
             <a:r>
-              <a:rPr lang="pl-PL" dirty="0"/>
-              <a:t>Dystrybutor rozwiązań teleinformatycznych</a:t>
+              <a:rPr lang="pl-PL" sz="3000" dirty="0"/>
+              <a:t>Eliminowanie źródła cyber zagrożeń</a:t>
             </a:r>
-            <a:endParaRPr dirty="0"/>
+            <a:endParaRPr sz="3000" dirty="0"/>
           </a:p>
           <a:p>
-            <a:pPr marL="457200" lvl="0" indent="-424307" algn="l" rtl="0">
-              <a:spcBef>
-                <a:spcPts val="1000"/>
-              </a:spcBef>
-              <a:spcAft>
-                <a:spcPts val="0"/>
-              </a:spcAft>
-              <a:buSzPts val="3082"/>
+            <a:pPr marL="457200" lvl="0" indent="-419100" algn="l" rtl="0">
+              <a:spcBef>
+                <a:spcPts val="0"/>
+              </a:spcBef>
+              <a:spcAft>
+                <a:spcPts val="0"/>
+              </a:spcAft>
+              <a:buSzPts val="3000"/>
               <a:buChar char="»"/>
             </a:pPr>
             <a:r>
-              <a:rPr lang="pl-PL" dirty="0"/>
-              <a:t>Model dystrybucji z wartością dodaną (ang. </a:t>
+              <a:rPr lang="pl-PL" sz="3000" dirty="0"/>
+              <a:t>Rozwiązania dla:</a:t>
             </a:r>
-            <a:r>
-              <a:rPr lang="pl-PL" i="1" dirty="0">
-                <a:solidFill>
-                  <a:schemeClr val="dk1"/>
-                </a:solidFill>
-              </a:rPr>
-              <a:t>Value </a:t>
-            </a:r>
-            <a:r>
-              <a:rPr lang="pl-PL" i="1" dirty="0" err="1">
-                <a:solidFill>
-                  <a:schemeClr val="dk1"/>
-                </a:solidFill>
-              </a:rPr>
-              <a:t>Added</a:t>
-            </a:r>
-            <a:r>
-              <a:rPr lang="pl-PL" i="1" dirty="0">
-                <a:solidFill>
-                  <a:schemeClr val="dk1"/>
-                </a:solidFill>
-              </a:rPr>
-              <a:t> </a:t>
-            </a:r>
-            <a:r>
-              <a:rPr lang="pl-PL" i="1" dirty="0" err="1">
-                <a:solidFill>
-                  <a:schemeClr val="dk1"/>
-                </a:solidFill>
-              </a:rPr>
-              <a:t>Distributor</a:t>
-            </a:r>
-            <a:r>
-              <a:rPr lang="pl-PL" dirty="0">
-                <a:solidFill>
-                  <a:schemeClr val="dk1"/>
-                </a:solidFill>
-              </a:rPr>
-              <a:t>, </a:t>
-            </a:r>
-            <a:r>
-              <a:rPr lang="pl-PL" dirty="0"/>
-              <a:t>VAD)</a:t>
-            </a:r>
-            <a:endParaRPr dirty="0"/>
+            <a:endParaRPr sz="3000" dirty="0"/>
           </a:p>
           <a:p>
-            <a:pPr marL="457200" lvl="0" indent="-424307" algn="l" rtl="0">
-              <a:spcBef>
-                <a:spcPts val="1000"/>
-              </a:spcBef>
-              <a:spcAft>
-                <a:spcPts val="0"/>
-              </a:spcAft>
-              <a:buSzPts val="3082"/>
+            <a:pPr marL="914400" lvl="1" indent="-419100" algn="l" rtl="0">
+              <a:spcBef>
+                <a:spcPts val="0"/>
+              </a:spcBef>
+              <a:spcAft>
+                <a:spcPts val="0"/>
+              </a:spcAft>
+              <a:buSzPts val="3000"/>
+              <a:buChar char="–"/>
+            </a:pPr>
+            <a:r>
+              <a:rPr lang="pl-PL" sz="3000" dirty="0"/>
+              <a:t>Biznesu</a:t>
+            </a:r>
+            <a:endParaRPr sz="3000" dirty="0"/>
+          </a:p>
+          <a:p>
+            <a:pPr marL="914400" lvl="1" indent="-419100" algn="l" rtl="0">
+              <a:spcBef>
+                <a:spcPts val="0"/>
+              </a:spcBef>
+              <a:spcAft>
+                <a:spcPts val="0"/>
+              </a:spcAft>
+              <a:buSzPts val="3000"/>
+              <a:buChar char="–"/>
+            </a:pPr>
+            <a:r>
+              <a:rPr lang="pl-PL" sz="3000" dirty="0"/>
+              <a:t>Instytucji i agencji państwowych</a:t>
+            </a:r>
+            <a:endParaRPr sz="3000" dirty="0"/>
+          </a:p>
+          <a:p>
+            <a:pPr marL="457200" lvl="0" indent="-419100" algn="l" rtl="0">
+              <a:spcBef>
+                <a:spcPts val="0"/>
+              </a:spcBef>
+              <a:spcAft>
+                <a:spcPts val="0"/>
+              </a:spcAft>
+              <a:buSzPts val="3000"/>
               <a:buChar char="»"/>
             </a:pPr>
             <a:r>
-              <a:rPr lang="pl-PL" dirty="0"/>
-              <a:t>Na rynku od 1991</a:t>
+              <a:rPr lang="pl-PL" sz="3000" dirty="0"/>
+              <a:t>Internet of Things</a:t>
             </a:r>
-          </a:p>
-          <a:p>
-            <a:pPr marL="457200" lvl="0" indent="-424307" algn="l" rtl="0">
-              <a:spcBef>
-                <a:spcPts val="1000"/>
-              </a:spcBef>
-              <a:spcAft>
-                <a:spcPts val="0"/>
-              </a:spcAft>
-              <a:buSzPts val="3082"/>
-              <a:buChar char="»"/>
-            </a:pPr>
-            <a:r>
-              <a:rPr lang="pl-PL" dirty="0"/>
-              <a:t>W 2021 zostaliśmy częścią </a:t>
-            </a:r>
-            <a:r>
-              <a:rPr lang="pl-PL" dirty="0" err="1"/>
-              <a:t>Exclusive</a:t>
-            </a:r>
-            <a:r>
-              <a:rPr lang="pl-PL" dirty="0"/>
-              <a:t> Networks – globalnego dystrybutora VAD</a:t>
-            </a:r>
-            <a:endParaRPr dirty="0"/>
+            <a:endParaRPr sz="3000" dirty="0"/>
           </a:p>
         </p:txBody>
       </p:sp>
       <p:sp>
         <p:nvSpPr>
-          <p:cNvPr id="236" name="Google Shape;236;p40"/>
+          <p:cNvPr id="202" name="Google Shape;202;p36"/>
           <p:cNvSpPr txBox="1">
             <a:spLocks noGrp="1"/>
           </p:cNvSpPr>
@@ -28831,8 +28816,8 @@
         </p:nvSpPr>
         <p:spPr>
           <a:xfrm>
-            <a:off x="7907522" y="6254325"/>
-            <a:ext cx="556800" cy="295500"/>
+            <a:off x="7993673" y="6254325"/>
+            <a:ext cx="470700" cy="295500"/>
           </a:xfrm>
           <a:prstGeom prst="rect">
             <a:avLst/>
@@ -28867,32 +28852,30 @@
       </p:sp>
       <p:pic>
         <p:nvPicPr>
-          <p:cNvPr id="3" name="Obraz 2">
-            <a:extLst>
-              <a:ext uri="{FF2B5EF4-FFF2-40B4-BE49-F238E27FC236}">
-                <a16:creationId xmlns:a16="http://schemas.microsoft.com/office/drawing/2014/main" id="{894EC0C7-E78C-405E-88C0-FD4F1A843E22}"/>
-              </a:ext>
-            </a:extLst>
-          </p:cNvPr>
-          <p:cNvPicPr>
-            <a:picLocks noChangeAspect="1"/>
-          </p:cNvPicPr>
+          <p:cNvPr id="203" name="Google Shape;203;p36"/>
+          <p:cNvPicPr preferRelativeResize="0"/>
           <p:nvPr/>
         </p:nvPicPr>
         <p:blipFill>
-          <a:blip r:embed="rId3"/>
+          <a:blip r:embed="rId3">
+            <a:alphaModFix/>
+          </a:blip>
           <a:stretch>
             <a:fillRect/>
           </a:stretch>
         </p:blipFill>
         <p:spPr>
           <a:xfrm>
-            <a:off x="1971040" y="163437"/>
-            <a:ext cx="5005016" cy="1585364"/>
+            <a:off x="3101952" y="609450"/>
+            <a:ext cx="2946911" cy="1143900"/>
           </a:xfrm>
           <a:prstGeom prst="rect">
             <a:avLst/>
           </a:prstGeom>
+          <a:noFill/>
+          <a:ln>
+            <a:noFill/>
+          </a:ln>
         </p:spPr>
       </p:pic>
     </p:spTree>
